--- a/cse106/slides/Lecture7.pptx
+++ b/cse106/slides/Lecture7.pptx
@@ -5,7 +5,7 @@
     <p:sldMasterId id="2147483659" r:id="rId1"/>
   </p:sldMasterIdLst>
   <p:notesMasterIdLst>
-    <p:notesMasterId r:id="rId25"/>
+    <p:notesMasterId r:id="rId28"/>
   </p:notesMasterIdLst>
   <p:sldIdLst>
     <p:sldId id="256" r:id="rId2"/>
@@ -28,30 +28,33 @@
     <p:sldId id="277" r:id="rId19"/>
     <p:sldId id="278" r:id="rId20"/>
     <p:sldId id="265" r:id="rId21"/>
-    <p:sldId id="266" r:id="rId22"/>
-    <p:sldId id="267" r:id="rId23"/>
-    <p:sldId id="268" r:id="rId24"/>
+    <p:sldId id="280" r:id="rId22"/>
+    <p:sldId id="266" r:id="rId23"/>
+    <p:sldId id="267" r:id="rId24"/>
+    <p:sldId id="268" r:id="rId25"/>
+    <p:sldId id="281" r:id="rId26"/>
+    <p:sldId id="282" r:id="rId27"/>
   </p:sldIdLst>
   <p:sldSz cx="9144000" cy="5143500" type="screen16x9"/>
   <p:notesSz cx="6858000" cy="9144000"/>
   <p:embeddedFontLst>
     <p:embeddedFont>
       <p:font typeface="Comic Sans MS" panose="030F0702030302020204" pitchFamily="66" charset="0"/>
-      <p:regular r:id="rId26"/>
-      <p:bold r:id="rId27"/>
-      <p:italic r:id="rId28"/>
-      <p:boldItalic r:id="rId29"/>
+      <p:regular r:id="rId29"/>
+      <p:bold r:id="rId30"/>
+      <p:italic r:id="rId31"/>
+      <p:boldItalic r:id="rId32"/>
+    </p:embeddedFont>
+    <p:embeddedFont>
+      <p:font typeface="Roboto" panose="020B0604020202020204" charset="0"/>
+      <p:regular r:id="rId33"/>
+      <p:bold r:id="rId34"/>
+      <p:italic r:id="rId35"/>
+      <p:boldItalic r:id="rId36"/>
     </p:embeddedFont>
     <p:embeddedFont>
       <p:font typeface="Cambria Math" panose="02040503050406030204" pitchFamily="18" charset="0"/>
-      <p:regular r:id="rId30"/>
-    </p:embeddedFont>
-    <p:embeddedFont>
-      <p:font typeface="Roboto" panose="020B0604020202020204" charset="0"/>
-      <p:regular r:id="rId31"/>
-      <p:bold r:id="rId32"/>
-      <p:italic r:id="rId33"/>
-      <p:boldItalic r:id="rId34"/>
+      <p:regular r:id="rId37"/>
     </p:embeddedFont>
   </p:embeddedFontLst>
   <p:defaultTextStyle>
@@ -2275,6 +2278,224 @@
 </file>
 
 <file path=ppt/notesSlides/notesSlide22.xml><?xml version="1.0" encoding="utf-8"?>
+<p:notes xmlns:a="http://schemas.openxmlformats.org/drawingml/2006/main" xmlns:r="http://schemas.openxmlformats.org/officeDocument/2006/relationships" xmlns:p="http://schemas.openxmlformats.org/presentationml/2006/main" showMasterSp="0" showMasterPhAnim="0">
+  <p:cSld>
+    <p:spTree>
+      <p:nvGrpSpPr>
+        <p:cNvPr id="1" name="Shape 122"/>
+        <p:cNvGrpSpPr/>
+        <p:nvPr/>
+      </p:nvGrpSpPr>
+      <p:grpSpPr>
+        <a:xfrm>
+          <a:off x="0" y="0"/>
+          <a:ext cx="0" cy="0"/>
+          <a:chOff x="0" y="0"/>
+          <a:chExt cx="0" cy="0"/>
+        </a:xfrm>
+      </p:grpSpPr>
+      <p:sp>
+        <p:nvSpPr>
+          <p:cNvPr id="123" name="Google Shape;123;g65af26e7ba_1_1:notes"/>
+          <p:cNvSpPr>
+            <a:spLocks noGrp="1" noRot="1" noChangeAspect="1"/>
+          </p:cNvSpPr>
+          <p:nvPr>
+            <p:ph type="sldImg" idx="2"/>
+          </p:nvPr>
+        </p:nvSpPr>
+        <p:spPr>
+          <a:xfrm>
+            <a:off x="381000" y="685800"/>
+            <a:ext cx="6096000" cy="3429000"/>
+          </a:xfrm>
+          <a:custGeom>
+            <a:avLst/>
+            <a:gdLst/>
+            <a:ahLst/>
+            <a:cxnLst/>
+            <a:rect l="l" t="t" r="r" b="b"/>
+            <a:pathLst>
+              <a:path w="120000" h="120000" extrusionOk="0">
+                <a:moveTo>
+                  <a:pt x="0" y="0"/>
+                </a:moveTo>
+                <a:lnTo>
+                  <a:pt x="120000" y="0"/>
+                </a:lnTo>
+                <a:lnTo>
+                  <a:pt x="120000" y="120000"/>
+                </a:lnTo>
+                <a:lnTo>
+                  <a:pt x="0" y="120000"/>
+                </a:lnTo>
+                <a:close/>
+              </a:path>
+            </a:pathLst>
+          </a:custGeom>
+        </p:spPr>
+      </p:sp>
+      <p:sp>
+        <p:nvSpPr>
+          <p:cNvPr id="124" name="Google Shape;124;g65af26e7ba_1_1:notes"/>
+          <p:cNvSpPr txBox="1">
+            <a:spLocks noGrp="1"/>
+          </p:cNvSpPr>
+          <p:nvPr>
+            <p:ph type="body" idx="1"/>
+          </p:nvPr>
+        </p:nvSpPr>
+        <p:spPr>
+          <a:xfrm>
+            <a:off x="685800" y="4343400"/>
+            <a:ext cx="5486400" cy="4114800"/>
+          </a:xfrm>
+          <a:prstGeom prst="rect">
+            <a:avLst/>
+          </a:prstGeom>
+        </p:spPr>
+        <p:txBody>
+          <a:bodyPr spcFirstLastPara="1" wrap="square" lIns="91425" tIns="91425" rIns="91425" bIns="91425" anchor="t" anchorCtr="0">
+            <a:noAutofit/>
+          </a:bodyPr>
+          <a:lstStyle/>
+          <a:p>
+            <a:pPr marL="0" lvl="0" indent="0" algn="l" rtl="0">
+              <a:spcBef>
+                <a:spcPts val="0"/>
+              </a:spcBef>
+              <a:spcAft>
+                <a:spcPts val="0"/>
+              </a:spcAft>
+              <a:buNone/>
+            </a:pPr>
+            <a:endParaRPr/>
+          </a:p>
+        </p:txBody>
+      </p:sp>
+    </p:spTree>
+    <p:extLst>
+      <p:ext uri="{BB962C8B-B14F-4D97-AF65-F5344CB8AC3E}">
+        <p14:creationId xmlns:p14="http://schemas.microsoft.com/office/powerpoint/2010/main" val="1991549119"/>
+      </p:ext>
+    </p:extLst>
+  </p:cSld>
+  <p:clrMapOvr>
+    <a:masterClrMapping/>
+  </p:clrMapOvr>
+</p:notes>
+</file>
+
+<file path=ppt/notesSlides/notesSlide23.xml><?xml version="1.0" encoding="utf-8"?>
+<p:notes xmlns:a="http://schemas.openxmlformats.org/drawingml/2006/main" xmlns:r="http://schemas.openxmlformats.org/officeDocument/2006/relationships" xmlns:p="http://schemas.openxmlformats.org/presentationml/2006/main" showMasterSp="0" showMasterPhAnim="0">
+  <p:cSld>
+    <p:spTree>
+      <p:nvGrpSpPr>
+        <p:cNvPr id="1" name="Shape 122"/>
+        <p:cNvGrpSpPr/>
+        <p:nvPr/>
+      </p:nvGrpSpPr>
+      <p:grpSpPr>
+        <a:xfrm>
+          <a:off x="0" y="0"/>
+          <a:ext cx="0" cy="0"/>
+          <a:chOff x="0" y="0"/>
+          <a:chExt cx="0" cy="0"/>
+        </a:xfrm>
+      </p:grpSpPr>
+      <p:sp>
+        <p:nvSpPr>
+          <p:cNvPr id="123" name="Google Shape;123;g65af26e7ba_1_1:notes"/>
+          <p:cNvSpPr>
+            <a:spLocks noGrp="1" noRot="1" noChangeAspect="1"/>
+          </p:cNvSpPr>
+          <p:nvPr>
+            <p:ph type="sldImg" idx="2"/>
+          </p:nvPr>
+        </p:nvSpPr>
+        <p:spPr>
+          <a:xfrm>
+            <a:off x="381000" y="685800"/>
+            <a:ext cx="6096000" cy="3429000"/>
+          </a:xfrm>
+          <a:custGeom>
+            <a:avLst/>
+            <a:gdLst/>
+            <a:ahLst/>
+            <a:cxnLst/>
+            <a:rect l="l" t="t" r="r" b="b"/>
+            <a:pathLst>
+              <a:path w="120000" h="120000" extrusionOk="0">
+                <a:moveTo>
+                  <a:pt x="0" y="0"/>
+                </a:moveTo>
+                <a:lnTo>
+                  <a:pt x="120000" y="0"/>
+                </a:lnTo>
+                <a:lnTo>
+                  <a:pt x="120000" y="120000"/>
+                </a:lnTo>
+                <a:lnTo>
+                  <a:pt x="0" y="120000"/>
+                </a:lnTo>
+                <a:close/>
+              </a:path>
+            </a:pathLst>
+          </a:custGeom>
+        </p:spPr>
+      </p:sp>
+      <p:sp>
+        <p:nvSpPr>
+          <p:cNvPr id="124" name="Google Shape;124;g65af26e7ba_1_1:notes"/>
+          <p:cNvSpPr txBox="1">
+            <a:spLocks noGrp="1"/>
+          </p:cNvSpPr>
+          <p:nvPr>
+            <p:ph type="body" idx="1"/>
+          </p:nvPr>
+        </p:nvSpPr>
+        <p:spPr>
+          <a:xfrm>
+            <a:off x="685800" y="4343400"/>
+            <a:ext cx="5486400" cy="4114800"/>
+          </a:xfrm>
+          <a:prstGeom prst="rect">
+            <a:avLst/>
+          </a:prstGeom>
+        </p:spPr>
+        <p:txBody>
+          <a:bodyPr spcFirstLastPara="1" wrap="square" lIns="91425" tIns="91425" rIns="91425" bIns="91425" anchor="t" anchorCtr="0">
+            <a:noAutofit/>
+          </a:bodyPr>
+          <a:lstStyle/>
+          <a:p>
+            <a:pPr marL="0" lvl="0" indent="0" algn="l" rtl="0">
+              <a:spcBef>
+                <a:spcPts val="0"/>
+              </a:spcBef>
+              <a:spcAft>
+                <a:spcPts val="0"/>
+              </a:spcAft>
+              <a:buNone/>
+            </a:pPr>
+            <a:endParaRPr/>
+          </a:p>
+        </p:txBody>
+      </p:sp>
+    </p:spTree>
+    <p:extLst>
+      <p:ext uri="{BB962C8B-B14F-4D97-AF65-F5344CB8AC3E}">
+        <p14:creationId xmlns:p14="http://schemas.microsoft.com/office/powerpoint/2010/main" val="1991549119"/>
+      </p:ext>
+    </p:extLst>
+  </p:cSld>
+  <p:clrMapOvr>
+    <a:masterClrMapping/>
+  </p:clrMapOvr>
+</p:notes>
+</file>
+
+<file path=ppt/notesSlides/notesSlide24.xml><?xml version="1.0" encoding="utf-8"?>
 <p:notes xmlns:a="http://schemas.openxmlformats.org/drawingml/2006/main" xmlns:r="http://schemas.openxmlformats.org/officeDocument/2006/relationships" xmlns:p="http://schemas.openxmlformats.org/presentationml/2006/main" showMasterSp="0" showMasterPhAnim="0">
   <p:cSld>
     <p:spTree>
@@ -7963,6 +8184,13 @@
   <p:clrMapOvr>
     <a:masterClrMapping/>
   </p:clrMapOvr>
+  <p:timing>
+    <p:tnLst>
+      <p:par>
+        <p:cTn id="1" dur="indefinite" restart="never" nodeType="tmRoot"/>
+      </p:par>
+    </p:tnLst>
+  </p:timing>
 </p:sld>
 </file>
 
@@ -8059,30 +8287,45 @@
             </a:pPr>
             <a:r>
               <a:rPr lang="en-US" dirty="0">
+                <a:solidFill>
+                  <a:schemeClr val="tx1"/>
+                </a:solidFill>
                 <a:latin typeface="Comic Sans MS" panose="030F0702030302020204" pitchFamily="66" charset="0"/>
               </a:rPr>
               <a:t>If a task can be done either in one of </a:t>
             </a:r>
             <a:r>
               <a:rPr lang="en-US" i="1" dirty="0">
+                <a:solidFill>
+                  <a:schemeClr val="tx1"/>
+                </a:solidFill>
                 <a:latin typeface="Comic Sans MS" panose="030F0702030302020204" pitchFamily="66" charset="0"/>
               </a:rPr>
               <a:t>n</a:t>
             </a:r>
             <a:r>
               <a:rPr lang="en-US" dirty="0">
+                <a:solidFill>
+                  <a:schemeClr val="tx1"/>
+                </a:solidFill>
                 <a:latin typeface="Comic Sans MS" panose="030F0702030302020204" pitchFamily="66" charset="0"/>
               </a:rPr>
               <a:t>1 ways or in one of </a:t>
             </a:r>
             <a:r>
               <a:rPr lang="en-US" i="1" dirty="0">
+                <a:solidFill>
+                  <a:schemeClr val="tx1"/>
+                </a:solidFill>
                 <a:latin typeface="Comic Sans MS" panose="030F0702030302020204" pitchFamily="66" charset="0"/>
               </a:rPr>
               <a:t>n</a:t>
             </a:r>
             <a:r>
               <a:rPr lang="en-US" dirty="0">
+                <a:solidFill>
+                  <a:schemeClr val="tx1"/>
+                </a:solidFill>
                 <a:latin typeface="Comic Sans MS" panose="030F0702030302020204" pitchFamily="66" charset="0"/>
               </a:rPr>
               <a:t>2 ways, where</a:t>
@@ -8094,60 +8337,90 @@
             </a:pPr>
             <a:r>
               <a:rPr lang="en-US" dirty="0">
+                <a:solidFill>
+                  <a:schemeClr val="tx1"/>
+                </a:solidFill>
                 <a:latin typeface="Comic Sans MS" panose="030F0702030302020204" pitchFamily="66" charset="0"/>
               </a:rPr>
               <a:t>none of the set of </a:t>
             </a:r>
             <a:r>
               <a:rPr lang="en-US" i="1" dirty="0">
+                <a:solidFill>
+                  <a:schemeClr val="tx1"/>
+                </a:solidFill>
                 <a:latin typeface="Comic Sans MS" panose="030F0702030302020204" pitchFamily="66" charset="0"/>
               </a:rPr>
               <a:t>n</a:t>
             </a:r>
             <a:r>
               <a:rPr lang="en-US" dirty="0">
+                <a:solidFill>
+                  <a:schemeClr val="tx1"/>
+                </a:solidFill>
                 <a:latin typeface="Comic Sans MS" panose="030F0702030302020204" pitchFamily="66" charset="0"/>
               </a:rPr>
               <a:t>1 ways is the same as any of the set of </a:t>
             </a:r>
             <a:r>
               <a:rPr lang="en-US" i="1" dirty="0">
+                <a:solidFill>
+                  <a:schemeClr val="tx1"/>
+                </a:solidFill>
                 <a:latin typeface="Comic Sans MS" panose="030F0702030302020204" pitchFamily="66" charset="0"/>
               </a:rPr>
               <a:t>n</a:t>
             </a:r>
             <a:r>
               <a:rPr lang="en-US" dirty="0">
+                <a:solidFill>
+                  <a:schemeClr val="tx1"/>
+                </a:solidFill>
                 <a:latin typeface="Comic Sans MS" panose="030F0702030302020204" pitchFamily="66" charset="0"/>
               </a:rPr>
               <a:t>2 ways, then there are </a:t>
             </a:r>
             <a:r>
               <a:rPr lang="en-US" i="1" dirty="0">
+                <a:solidFill>
+                  <a:schemeClr val="tx1"/>
+                </a:solidFill>
                 <a:latin typeface="Comic Sans MS" panose="030F0702030302020204" pitchFamily="66" charset="0"/>
               </a:rPr>
               <a:t>n</a:t>
             </a:r>
             <a:r>
               <a:rPr lang="en-US" dirty="0">
+                <a:solidFill>
+                  <a:schemeClr val="tx1"/>
+                </a:solidFill>
                 <a:latin typeface="Comic Sans MS" panose="030F0702030302020204" pitchFamily="66" charset="0"/>
               </a:rPr>
               <a:t>1 + </a:t>
             </a:r>
             <a:r>
               <a:rPr lang="en-US" i="1" dirty="0" smtClean="0">
+                <a:solidFill>
+                  <a:schemeClr val="tx1"/>
+                </a:solidFill>
                 <a:latin typeface="Comic Sans MS" panose="030F0702030302020204" pitchFamily="66" charset="0"/>
               </a:rPr>
               <a:t>n</a:t>
             </a:r>
             <a:r>
               <a:rPr lang="en-US" dirty="0" smtClean="0">
+                <a:solidFill>
+                  <a:schemeClr val="tx1"/>
+                </a:solidFill>
                 <a:latin typeface="Comic Sans MS" panose="030F0702030302020204" pitchFamily="66" charset="0"/>
               </a:rPr>
               <a:t>2 ways </a:t>
             </a:r>
             <a:r>
               <a:rPr lang="en-US" dirty="0">
+                <a:solidFill>
+                  <a:schemeClr val="tx1"/>
+                </a:solidFill>
                 <a:latin typeface="Comic Sans MS" panose="030F0702030302020204" pitchFamily="66" charset="0"/>
               </a:rPr>
               <a:t>to do the task.</a:t>
@@ -8171,6 +8444,13 @@
   <p:clrMapOvr>
     <a:masterClrMapping/>
   </p:clrMapOvr>
+  <p:timing>
+    <p:tnLst>
+      <p:par>
+        <p:cTn id="1" dur="indefinite" restart="never" nodeType="tmRoot"/>
+      </p:par>
+    </p:tnLst>
+  </p:timing>
 </p:sld>
 </file>
 
@@ -8278,17 +8558,26 @@
             </a:pPr>
             <a:r>
               <a:rPr lang="en" dirty="0">
+                <a:solidFill>
+                  <a:schemeClr val="tx1"/>
+                </a:solidFill>
                 <a:latin typeface="Comic Sans MS" panose="030F0702030302020204" pitchFamily="66" charset="0"/>
               </a:rPr>
               <a:t>Suppose that either a member of the mathematics faculty or a student who is a mathematics major is chosen as a representative to a university committee. How many different choices are there for this representative if there are 37 members of the mathematics faculty and 83 mathematics majors and no one is both a faculty member and a student</a:t>
             </a:r>
             <a:r>
               <a:rPr lang="en" dirty="0" smtClean="0">
+                <a:solidFill>
+                  <a:schemeClr val="tx1"/>
+                </a:solidFill>
                 <a:latin typeface="Comic Sans MS" panose="030F0702030302020204" pitchFamily="66" charset="0"/>
               </a:rPr>
               <a:t>?</a:t>
             </a:r>
             <a:endParaRPr dirty="0">
+              <a:solidFill>
+                <a:schemeClr val="tx1"/>
+              </a:solidFill>
               <a:latin typeface="Comic Sans MS" panose="030F0702030302020204" pitchFamily="66" charset="0"/>
             </a:endParaRPr>
           </a:p>
@@ -8299,6 +8588,13 @@
   <p:clrMapOvr>
     <a:masterClrMapping/>
   </p:clrMapOvr>
+  <p:timing>
+    <p:tnLst>
+      <p:par>
+        <p:cTn id="1" dur="indefinite" restart="never" nodeType="tmRoot"/>
+      </p:par>
+    </p:tnLst>
+  </p:timing>
 </p:sld>
 </file>
 
@@ -8395,56 +8691,209 @@
             </a:pPr>
             <a:r>
               <a:rPr lang="en-US" dirty="0">
+                <a:solidFill>
+                  <a:schemeClr val="tx1"/>
+                </a:solidFill>
                 <a:latin typeface="Comic Sans MS" panose="030F0702030302020204" pitchFamily="66" charset="0"/>
               </a:rPr>
               <a:t>We can extend the sum rule to more than two tasks. </a:t>
             </a:r>
             <a:r>
               <a:rPr lang="en-US" dirty="0" smtClean="0">
+                <a:solidFill>
+                  <a:schemeClr val="tx1"/>
+                </a:solidFill>
                 <a:latin typeface="Comic Sans MS" panose="030F0702030302020204" pitchFamily="66" charset="0"/>
               </a:rPr>
               <a:t/>
             </a:r>
             <a:br>
               <a:rPr lang="en-US" dirty="0" smtClean="0">
+                <a:solidFill>
+                  <a:schemeClr val="tx1"/>
+                </a:solidFill>
                 <a:latin typeface="Comic Sans MS" panose="030F0702030302020204" pitchFamily="66" charset="0"/>
               </a:rPr>
             </a:br>
             <a:r>
               <a:rPr lang="en-US" dirty="0" smtClean="0">
+                <a:solidFill>
+                  <a:schemeClr val="tx1"/>
+                </a:solidFill>
                 <a:latin typeface="Comic Sans MS" panose="030F0702030302020204" pitchFamily="66" charset="0"/>
               </a:rPr>
               <a:t>Suppose </a:t>
             </a:r>
             <a:r>
               <a:rPr lang="en-US" dirty="0">
+                <a:solidFill>
+                  <a:schemeClr val="tx1"/>
+                </a:solidFill>
                 <a:latin typeface="Comic Sans MS" panose="030F0702030302020204" pitchFamily="66" charset="0"/>
               </a:rPr>
               <a:t>that a task can be done in </a:t>
             </a:r>
             <a:r>
               <a:rPr lang="en-US" dirty="0" smtClean="0">
+                <a:solidFill>
+                  <a:schemeClr val="tx1"/>
+                </a:solidFill>
                 <a:latin typeface="Comic Sans MS" panose="030F0702030302020204" pitchFamily="66" charset="0"/>
               </a:rPr>
               <a:t>one of </a:t>
             </a:r>
             <a:r>
+              <a:rPr lang="en-US" dirty="0" smtClean="0">
+                <a:solidFill>
+                  <a:schemeClr val="tx1"/>
+                </a:solidFill>
+                <a:latin typeface="Comic Sans MS" panose="030F0702030302020204" pitchFamily="66" charset="0"/>
+              </a:rPr>
+              <a:t>n</a:t>
+            </a:r>
+            <a:r>
+              <a:rPr lang="en-US" baseline="-25000" dirty="0" smtClean="0">
+                <a:solidFill>
+                  <a:schemeClr val="tx1"/>
+                </a:solidFill>
+                <a:latin typeface="Comic Sans MS" panose="030F0702030302020204" pitchFamily="66" charset="0"/>
+              </a:rPr>
+              <a:t>1</a:t>
+            </a:r>
+            <a:r>
+              <a:rPr lang="en-US" dirty="0" smtClean="0">
+                <a:solidFill>
+                  <a:schemeClr val="tx1"/>
+                </a:solidFill>
+                <a:latin typeface="Comic Sans MS" panose="030F0702030302020204" pitchFamily="66" charset="0"/>
+              </a:rPr>
+              <a:t> </a:t>
+            </a:r>
+            <a:r>
               <a:rPr lang="en-US" dirty="0">
-                <a:latin typeface="Comic Sans MS" panose="030F0702030302020204" pitchFamily="66" charset="0"/>
-              </a:rPr>
-              <a:t>n1 ways, in one of n2 ways, . . . , or in one of nm ways, where none of the set of </a:t>
-            </a:r>
-            <a:r>
-              <a:rPr lang="en-US" dirty="0" err="1">
-                <a:latin typeface="Comic Sans MS" panose="030F0702030302020204" pitchFamily="66" charset="0"/>
-              </a:rPr>
-              <a:t>ni</a:t>
+                <a:solidFill>
+                  <a:schemeClr val="tx1"/>
+                </a:solidFill>
+                <a:latin typeface="Comic Sans MS" panose="030F0702030302020204" pitchFamily="66" charset="0"/>
+              </a:rPr>
+              <a:t>ways, in one of </a:t>
+            </a:r>
+            <a:r>
+              <a:rPr lang="en-US" dirty="0" smtClean="0">
+                <a:solidFill>
+                  <a:schemeClr val="tx1"/>
+                </a:solidFill>
+                <a:latin typeface="Comic Sans MS" panose="030F0702030302020204" pitchFamily="66" charset="0"/>
+              </a:rPr>
+              <a:t>n</a:t>
+            </a:r>
+            <a:r>
+              <a:rPr lang="en-US" baseline="-25000" dirty="0" smtClean="0">
+                <a:solidFill>
+                  <a:schemeClr val="tx1"/>
+                </a:solidFill>
+                <a:latin typeface="Comic Sans MS" panose="030F0702030302020204" pitchFamily="66" charset="0"/>
+              </a:rPr>
+              <a:t>2</a:t>
+            </a:r>
+            <a:r>
+              <a:rPr lang="en-US" dirty="0" smtClean="0">
+                <a:solidFill>
+                  <a:schemeClr val="tx1"/>
+                </a:solidFill>
+                <a:latin typeface="Comic Sans MS" panose="030F0702030302020204" pitchFamily="66" charset="0"/>
+              </a:rPr>
+              <a:t> </a:t>
             </a:r>
             <a:r>
               <a:rPr lang="en-US" dirty="0">
-                <a:latin typeface="Comic Sans MS" panose="030F0702030302020204" pitchFamily="66" charset="0"/>
-              </a:rPr>
-              <a:t> ways of</a:t>
+                <a:solidFill>
+                  <a:schemeClr val="tx1"/>
+                </a:solidFill>
+                <a:latin typeface="Comic Sans MS" panose="030F0702030302020204" pitchFamily="66" charset="0"/>
+              </a:rPr>
+              <a:t>ways, . . . , or in one of </a:t>
+            </a:r>
+            <a:r>
+              <a:rPr lang="en-US" dirty="0" smtClean="0">
+                <a:solidFill>
+                  <a:schemeClr val="tx1"/>
+                </a:solidFill>
+                <a:latin typeface="Comic Sans MS" panose="030F0702030302020204" pitchFamily="66" charset="0"/>
+              </a:rPr>
+              <a:t>n</a:t>
+            </a:r>
+            <a:r>
+              <a:rPr lang="en-US" baseline="-25000" dirty="0" smtClean="0">
+                <a:solidFill>
+                  <a:schemeClr val="tx1"/>
+                </a:solidFill>
+                <a:latin typeface="Comic Sans MS" panose="030F0702030302020204" pitchFamily="66" charset="0"/>
+              </a:rPr>
+              <a:t>m</a:t>
+            </a:r>
+            <a:r>
+              <a:rPr lang="en-US" dirty="0" smtClean="0">
+                <a:solidFill>
+                  <a:schemeClr val="tx1"/>
+                </a:solidFill>
+                <a:latin typeface="Comic Sans MS" panose="030F0702030302020204" pitchFamily="66" charset="0"/>
+              </a:rPr>
+              <a:t> </a:t>
+            </a:r>
+            <a:r>
+              <a:rPr lang="en-US" dirty="0" smtClean="0">
+                <a:solidFill>
+                  <a:schemeClr val="tx1"/>
+                </a:solidFill>
+                <a:latin typeface="Comic Sans MS" panose="030F0702030302020204" pitchFamily="66" charset="0"/>
+              </a:rPr>
+              <a:t>ways</a:t>
+            </a:r>
+            <a:r>
+              <a:rPr lang="en-US" dirty="0">
+                <a:solidFill>
+                  <a:schemeClr val="tx1"/>
+                </a:solidFill>
+                <a:latin typeface="Comic Sans MS" panose="030F0702030302020204" pitchFamily="66" charset="0"/>
+              </a:rPr>
+              <a:t>, where none of the set of </a:t>
+            </a:r>
+            <a:r>
+              <a:rPr lang="en-US" dirty="0" err="1" smtClean="0">
+                <a:solidFill>
+                  <a:schemeClr val="tx1"/>
+                </a:solidFill>
+                <a:latin typeface="Comic Sans MS" panose="030F0702030302020204" pitchFamily="66" charset="0"/>
+              </a:rPr>
+              <a:t>n</a:t>
+            </a:r>
+            <a:r>
+              <a:rPr lang="en-US" baseline="-25000" dirty="0" err="1">
+                <a:solidFill>
+                  <a:schemeClr val="tx1"/>
+                </a:solidFill>
+                <a:latin typeface="Comic Sans MS" panose="030F0702030302020204" pitchFamily="66" charset="0"/>
+              </a:rPr>
+              <a:t>i</a:t>
+            </a:r>
+            <a:r>
+              <a:rPr lang="en-US" dirty="0" smtClean="0">
+                <a:solidFill>
+                  <a:schemeClr val="tx1"/>
+                </a:solidFill>
+                <a:latin typeface="Comic Sans MS" panose="030F0702030302020204" pitchFamily="66" charset="0"/>
+              </a:rPr>
+              <a:t> </a:t>
+            </a:r>
+            <a:r>
+              <a:rPr lang="en-US" dirty="0">
+                <a:solidFill>
+                  <a:schemeClr val="tx1"/>
+                </a:solidFill>
+                <a:latin typeface="Comic Sans MS" panose="030F0702030302020204" pitchFamily="66" charset="0"/>
+              </a:rPr>
+              <a:t>ways of</a:t>
             </a:r>
           </a:p>
           <a:p>
@@ -8453,45 +8902,48 @@
             </a:pPr>
             <a:r>
               <a:rPr lang="en-US" dirty="0">
+                <a:solidFill>
+                  <a:schemeClr val="tx1"/>
+                </a:solidFill>
                 <a:latin typeface="Comic Sans MS" panose="030F0702030302020204" pitchFamily="66" charset="0"/>
               </a:rPr>
               <a:t>doing the task is the same as any of the set of </a:t>
             </a:r>
             <a:r>
-              <a:rPr lang="en-US" dirty="0" err="1">
-                <a:latin typeface="Comic Sans MS" panose="030F0702030302020204" pitchFamily="66" charset="0"/>
-              </a:rPr>
-              <a:t>nj</a:t>
+              <a:rPr lang="en-US" dirty="0" err="1" smtClean="0">
+                <a:solidFill>
+                  <a:schemeClr val="tx1"/>
+                </a:solidFill>
+                <a:latin typeface="Comic Sans MS" panose="030F0702030302020204" pitchFamily="66" charset="0"/>
+              </a:rPr>
+              <a:t>n</a:t>
+            </a:r>
+            <a:r>
+              <a:rPr lang="en-US" baseline="-25000" dirty="0" err="1" smtClean="0">
+                <a:solidFill>
+                  <a:schemeClr val="tx1"/>
+                </a:solidFill>
+                <a:latin typeface="Comic Sans MS" panose="030F0702030302020204" pitchFamily="66" charset="0"/>
+              </a:rPr>
+              <a:t>j</a:t>
+            </a:r>
+            <a:r>
+              <a:rPr lang="en-US" dirty="0" smtClean="0">
+                <a:solidFill>
+                  <a:schemeClr val="tx1"/>
+                </a:solidFill>
+                <a:latin typeface="Comic Sans MS" panose="030F0702030302020204" pitchFamily="66" charset="0"/>
+              </a:rPr>
+              <a:t> </a:t>
             </a:r>
             <a:r>
               <a:rPr lang="en-US" dirty="0">
-                <a:latin typeface="Comic Sans MS" panose="030F0702030302020204" pitchFamily="66" charset="0"/>
-              </a:rPr>
-              <a:t> ways, for all pairs </a:t>
-            </a:r>
-            <a:r>
-              <a:rPr lang="en-US" dirty="0" err="1">
-                <a:latin typeface="Comic Sans MS" panose="030F0702030302020204" pitchFamily="66" charset="0"/>
-              </a:rPr>
-              <a:t>i</a:t>
-            </a:r>
-            <a:r>
-              <a:rPr lang="en-US" dirty="0">
-                <a:latin typeface="Comic Sans MS" panose="030F0702030302020204" pitchFamily="66" charset="0"/>
-              </a:rPr>
-              <a:t> and j with 1 ≤ </a:t>
-            </a:r>
-            <a:r>
-              <a:rPr lang="en-US" dirty="0" err="1">
-                <a:latin typeface="Comic Sans MS" panose="030F0702030302020204" pitchFamily="66" charset="0"/>
-              </a:rPr>
-              <a:t>i</a:t>
-            </a:r>
-            <a:r>
-              <a:rPr lang="en-US" dirty="0">
-                <a:latin typeface="Comic Sans MS" panose="030F0702030302020204" pitchFamily="66" charset="0"/>
-              </a:rPr>
-              <a:t> &lt; j ≤ m.</a:t>
+                <a:solidFill>
+                  <a:schemeClr val="tx1"/>
+                </a:solidFill>
+                <a:latin typeface="Comic Sans MS" panose="030F0702030302020204" pitchFamily="66" charset="0"/>
+              </a:rPr>
+              <a:t>ways, for all pairs i and j with 1 ≤ i &lt; j ≤ m.</a:t>
             </a:r>
           </a:p>
           <a:p>
@@ -8500,9 +8952,75 @@
             </a:pPr>
             <a:r>
               <a:rPr lang="en-US" dirty="0">
-                <a:latin typeface="Comic Sans MS" panose="030F0702030302020204" pitchFamily="66" charset="0"/>
-              </a:rPr>
-              <a:t>Then the number of ways to do the task is n1 + n2 +· · ·+nm. </a:t>
+                <a:solidFill>
+                  <a:schemeClr val="tx1"/>
+                </a:solidFill>
+                <a:latin typeface="Comic Sans MS" panose="030F0702030302020204" pitchFamily="66" charset="0"/>
+              </a:rPr>
+              <a:t>Then the number of ways to do the task is </a:t>
+            </a:r>
+            <a:r>
+              <a:rPr lang="en-US" dirty="0" smtClean="0">
+                <a:solidFill>
+                  <a:schemeClr val="tx1"/>
+                </a:solidFill>
+                <a:latin typeface="Comic Sans MS" panose="030F0702030302020204" pitchFamily="66" charset="0"/>
+              </a:rPr>
+              <a:t>n</a:t>
+            </a:r>
+            <a:r>
+              <a:rPr lang="en-US" baseline="-25000" dirty="0" smtClean="0">
+                <a:solidFill>
+                  <a:schemeClr val="tx1"/>
+                </a:solidFill>
+                <a:latin typeface="Comic Sans MS" panose="030F0702030302020204" pitchFamily="66" charset="0"/>
+              </a:rPr>
+              <a:t>1</a:t>
+            </a:r>
+            <a:r>
+              <a:rPr lang="en-US" dirty="0" smtClean="0">
+                <a:solidFill>
+                  <a:schemeClr val="tx1"/>
+                </a:solidFill>
+                <a:latin typeface="Comic Sans MS" panose="030F0702030302020204" pitchFamily="66" charset="0"/>
+              </a:rPr>
+              <a:t> + n</a:t>
+            </a:r>
+            <a:r>
+              <a:rPr lang="en-US" baseline="-25000" dirty="0" smtClean="0">
+                <a:solidFill>
+                  <a:schemeClr val="tx1"/>
+                </a:solidFill>
+                <a:latin typeface="Comic Sans MS" panose="030F0702030302020204" pitchFamily="66" charset="0"/>
+              </a:rPr>
+              <a:t>2</a:t>
+            </a:r>
+            <a:r>
+              <a:rPr lang="en-US" dirty="0" smtClean="0">
+                <a:solidFill>
+                  <a:schemeClr val="tx1"/>
+                </a:solidFill>
+                <a:latin typeface="Comic Sans MS" panose="030F0702030302020204" pitchFamily="66" charset="0"/>
+              </a:rPr>
+              <a:t> + … + n</a:t>
+            </a:r>
+            <a:r>
+              <a:rPr lang="en-US" baseline="-25000" dirty="0" smtClean="0">
+                <a:solidFill>
+                  <a:schemeClr val="tx1"/>
+                </a:solidFill>
+                <a:latin typeface="Comic Sans MS" panose="030F0702030302020204" pitchFamily="66" charset="0"/>
+              </a:rPr>
+              <a:t>m</a:t>
+            </a:r>
+            <a:r>
+              <a:rPr lang="en-US" dirty="0" smtClean="0">
+                <a:solidFill>
+                  <a:schemeClr val="tx1"/>
+                </a:solidFill>
+                <a:latin typeface="Comic Sans MS" panose="030F0702030302020204" pitchFamily="66" charset="0"/>
+              </a:rPr>
+              <a:t>. </a:t>
             </a:r>
             <a:endParaRPr dirty="0">
               <a:solidFill>
@@ -8523,6 +9041,13 @@
   <p:clrMapOvr>
     <a:masterClrMapping/>
   </p:clrMapOvr>
+  <p:timing>
+    <p:tnLst>
+      <p:par>
+        <p:cTn id="1" dur="indefinite" restart="never" nodeType="tmRoot"/>
+      </p:par>
+    </p:tnLst>
+  </p:timing>
 </p:sld>
 </file>
 
@@ -8635,17 +9160,26 @@
             </a:pPr>
             <a:r>
               <a:rPr lang="en" dirty="0">
+                <a:solidFill>
+                  <a:schemeClr val="tx1"/>
+                </a:solidFill>
                 <a:latin typeface="Comic Sans MS" panose="030F0702030302020204" pitchFamily="66" charset="0"/>
               </a:rPr>
               <a:t>A student can choose a computer project from one of three lists. The three lists contain 23, 15, and 19 possible projects, respectively. No project is on more than one list. How many possible projects are there to choose from</a:t>
             </a:r>
             <a:r>
               <a:rPr lang="en" dirty="0" smtClean="0">
+                <a:solidFill>
+                  <a:schemeClr val="tx1"/>
+                </a:solidFill>
                 <a:latin typeface="Comic Sans MS" panose="030F0702030302020204" pitchFamily="66" charset="0"/>
               </a:rPr>
               <a:t>?</a:t>
             </a:r>
             <a:endParaRPr dirty="0">
+              <a:solidFill>
+                <a:schemeClr val="tx1"/>
+              </a:solidFill>
               <a:latin typeface="Comic Sans MS" panose="030F0702030302020204" pitchFamily="66" charset="0"/>
             </a:endParaRPr>
           </a:p>
@@ -8656,6 +9190,13 @@
   <p:clrMapOvr>
     <a:masterClrMapping/>
   </p:clrMapOvr>
+  <p:timing>
+    <p:tnLst>
+      <p:par>
+        <p:cTn id="1" dur="indefinite" restart="never" nodeType="tmRoot"/>
+      </p:par>
+    </p:tnLst>
+  </p:timing>
 </p:sld>
 </file>
 
@@ -8768,11 +9309,17 @@
             </a:pPr>
             <a:r>
               <a:rPr lang="en" dirty="0">
+                <a:solidFill>
+                  <a:schemeClr val="tx1"/>
+                </a:solidFill>
                 <a:latin typeface="Comic Sans MS" panose="030F0702030302020204" pitchFamily="66" charset="0"/>
               </a:rPr>
               <a:t>Each user on a computer system has a password, which is six to eight characters long, where each character is an uppercase letter or a digit. </a:t>
             </a:r>
             <a:endParaRPr dirty="0">
+              <a:solidFill>
+                <a:schemeClr val="tx1"/>
+              </a:solidFill>
               <a:latin typeface="Comic Sans MS" panose="030F0702030302020204" pitchFamily="66" charset="0"/>
             </a:endParaRPr>
           </a:p>
@@ -8793,12 +9340,18 @@
             </a:pPr>
             <a:r>
               <a:rPr lang="en" dirty="0">
+                <a:solidFill>
+                  <a:schemeClr val="tx1"/>
+                </a:solidFill>
                 <a:latin typeface="Comic Sans MS" panose="030F0702030302020204" pitchFamily="66" charset="0"/>
               </a:rPr>
               <a:t>How many possible passwords are there</a:t>
             </a:r>
             <a:r>
               <a:rPr lang="en" dirty="0" smtClean="0">
+                <a:solidFill>
+                  <a:schemeClr val="tx1"/>
+                </a:solidFill>
                 <a:latin typeface="Comic Sans MS" panose="030F0702030302020204" pitchFamily="66" charset="0"/>
               </a:rPr>
               <a:t>?</a:t>
@@ -8811,6 +9364,13 @@
   <p:clrMapOvr>
     <a:masterClrMapping/>
   </p:clrMapOvr>
+  <p:timing>
+    <p:tnLst>
+      <p:par>
+        <p:cTn id="1" dur="indefinite" restart="never" nodeType="tmRoot"/>
+      </p:par>
+    </p:tnLst>
+  </p:timing>
 </p:sld>
 </file>
 
@@ -8929,11 +9489,17 @@
             </a:pPr>
             <a:r>
               <a:rPr lang="en" dirty="0">
+                <a:solidFill>
+                  <a:schemeClr val="tx1"/>
+                </a:solidFill>
                 <a:latin typeface="Comic Sans MS" panose="030F0702030302020204" pitchFamily="66" charset="0"/>
               </a:rPr>
               <a:t>Each user on a computer system has a password, which is six to eight characters long, where each character is an uppercase letter or a digit. Each password must contain at least one digit.</a:t>
             </a:r>
             <a:endParaRPr dirty="0">
+              <a:solidFill>
+                <a:schemeClr val="tx1"/>
+              </a:solidFill>
               <a:latin typeface="Comic Sans MS" panose="030F0702030302020204" pitchFamily="66" charset="0"/>
             </a:endParaRPr>
           </a:p>
@@ -8954,12 +9520,18 @@
             </a:pPr>
             <a:r>
               <a:rPr lang="en" dirty="0">
+                <a:solidFill>
+                  <a:schemeClr val="tx1"/>
+                </a:solidFill>
                 <a:latin typeface="Comic Sans MS" panose="030F0702030302020204" pitchFamily="66" charset="0"/>
               </a:rPr>
               <a:t>How many possible passwords are there</a:t>
             </a:r>
             <a:r>
               <a:rPr lang="en" dirty="0" smtClean="0">
+                <a:solidFill>
+                  <a:schemeClr val="tx1"/>
+                </a:solidFill>
                 <a:latin typeface="Comic Sans MS" panose="030F0702030302020204" pitchFamily="66" charset="0"/>
               </a:rPr>
               <a:t>?</a:t>
@@ -8977,6 +9549,13 @@
   <p:clrMapOvr>
     <a:masterClrMapping/>
   </p:clrMapOvr>
+  <p:timing>
+    <p:tnLst>
+      <p:par>
+        <p:cTn id="1" dur="indefinite" restart="never" nodeType="tmRoot"/>
+      </p:par>
+    </p:tnLst>
+  </p:timing>
 </p:sld>
 </file>
 
@@ -9043,8 +9622,8 @@
           </a:p>
         </p:txBody>
       </p:sp>
-      <mc:AlternateContent xmlns:mc="http://schemas.openxmlformats.org/markup-compatibility/2006" xmlns:a14="http://schemas.microsoft.com/office/drawing/2010/main">
-        <mc:Choice Requires="a14">
+      <mc:AlternateContent xmlns:mc="http://schemas.openxmlformats.org/markup-compatibility/2006">
+        <mc:Choice xmlns:a14="http://schemas.microsoft.com/office/drawing/2010/main" Requires="a14">
           <p:sp>
             <p:nvSpPr>
               <p:cNvPr id="61" name="Google Shape;61;p14"/>
@@ -9074,31 +9653,46 @@
                   <a:buNone/>
                 </a:pPr>
                 <a:r>
-                  <a:rPr lang="en-US" dirty="0">
+                  <a:rPr lang="en-US" dirty="0" smtClean="0">
+                    <a:solidFill>
+                      <a:schemeClr val="tx1"/>
+                    </a:solidFill>
                     <a:latin typeface="Comic Sans MS" panose="030F0702030302020204" pitchFamily="66" charset="0"/>
                   </a:rPr>
                   <a:t>THE SUBTRACTION RULE If a task can be done in either </a:t>
                 </a:r>
                 <a:r>
                   <a:rPr lang="en-US" i="1" dirty="0">
+                    <a:solidFill>
+                      <a:schemeClr val="tx1"/>
+                    </a:solidFill>
                     <a:latin typeface="Comic Sans MS" panose="030F0702030302020204" pitchFamily="66" charset="0"/>
                   </a:rPr>
                   <a:t>n</a:t>
                 </a:r>
                 <a:r>
                   <a:rPr lang="en-US" dirty="0">
+                    <a:solidFill>
+                      <a:schemeClr val="tx1"/>
+                    </a:solidFill>
                     <a:latin typeface="Comic Sans MS" panose="030F0702030302020204" pitchFamily="66" charset="0"/>
                   </a:rPr>
                   <a:t>1 ways or </a:t>
                 </a:r>
                 <a:r>
                   <a:rPr lang="en-US" i="1" dirty="0">
+                    <a:solidFill>
+                      <a:schemeClr val="tx1"/>
+                    </a:solidFill>
                     <a:latin typeface="Comic Sans MS" panose="030F0702030302020204" pitchFamily="66" charset="0"/>
                   </a:rPr>
                   <a:t>n</a:t>
                 </a:r>
                 <a:r>
                   <a:rPr lang="en-US" dirty="0">
+                    <a:solidFill>
+                      <a:schemeClr val="tx1"/>
+                    </a:solidFill>
                     <a:latin typeface="Comic Sans MS" panose="030F0702030302020204" pitchFamily="66" charset="0"/>
                   </a:rPr>
                   <a:t>2 ways, then the</a:t>
@@ -9110,30 +9704,45 @@
                 </a:pPr>
                 <a:r>
                   <a:rPr lang="en-US" dirty="0">
+                    <a:solidFill>
+                      <a:schemeClr val="tx1"/>
+                    </a:solidFill>
                     <a:latin typeface="Comic Sans MS" panose="030F0702030302020204" pitchFamily="66" charset="0"/>
                   </a:rPr>
                   <a:t>number of ways to do the task is </a:t>
                 </a:r>
                 <a:r>
                   <a:rPr lang="en-US" i="1" dirty="0">
+                    <a:solidFill>
+                      <a:schemeClr val="tx1"/>
+                    </a:solidFill>
                     <a:latin typeface="Comic Sans MS" panose="030F0702030302020204" pitchFamily="66" charset="0"/>
                   </a:rPr>
                   <a:t>n</a:t>
                 </a:r>
                 <a:r>
                   <a:rPr lang="en-US" dirty="0">
+                    <a:solidFill>
+                      <a:schemeClr val="tx1"/>
+                    </a:solidFill>
                     <a:latin typeface="Comic Sans MS" panose="030F0702030302020204" pitchFamily="66" charset="0"/>
                   </a:rPr>
                   <a:t>1 + </a:t>
                 </a:r>
                 <a:r>
                   <a:rPr lang="en-US" i="1" dirty="0">
+                    <a:solidFill>
+                      <a:schemeClr val="tx1"/>
+                    </a:solidFill>
                     <a:latin typeface="Comic Sans MS" panose="030F0702030302020204" pitchFamily="66" charset="0"/>
                   </a:rPr>
                   <a:t>n</a:t>
                 </a:r>
                 <a:r>
                   <a:rPr lang="en-US" dirty="0">
+                    <a:solidFill>
+                      <a:schemeClr val="tx1"/>
+                    </a:solidFill>
                     <a:latin typeface="Comic Sans MS" panose="030F0702030302020204" pitchFamily="66" charset="0"/>
                   </a:rPr>
                   <a:t>2 minus (n1 </a:t>
@@ -9142,6 +9751,9 @@
                   <m:oMath xmlns:m="http://schemas.openxmlformats.org/officeDocument/2006/math">
                     <m:r>
                       <a:rPr lang="en-US" i="1">
+                        <a:solidFill>
+                          <a:schemeClr val="tx1"/>
+                        </a:solidFill>
                         <a:latin typeface="Cambria Math"/>
                         <a:ea typeface="Cambria Math"/>
                       </a:rPr>
@@ -9151,6 +9763,9 @@
                 </a14:m>
                 <a:r>
                   <a:rPr lang="en-US" dirty="0">
+                    <a:solidFill>
+                      <a:schemeClr val="tx1"/>
+                    </a:solidFill>
                     <a:latin typeface="Comic Sans MS" panose="030F0702030302020204" pitchFamily="66" charset="0"/>
                   </a:rPr>
                   <a:t>n2)common to the two different ways.</a:t>
@@ -9159,7 +9774,7 @@
             </p:txBody>
           </p:sp>
         </mc:Choice>
-        <mc:Fallback xmlns="">
+        <mc:Fallback>
           <p:sp>
             <p:nvSpPr>
               <p:cNvPr id="61" name="Google Shape;61;p14"/>
@@ -9178,7 +9793,7 @@
               <a:prstGeom prst="rect">
                 <a:avLst/>
               </a:prstGeom>
-              <a:blipFill rotWithShape="1">
+              <a:blipFill rotWithShape="0">
                 <a:blip r:embed="rId3"/>
                 <a:stretch>
                   <a:fillRect/>
@@ -9210,6 +9825,13 @@
   <p:clrMapOvr>
     <a:masterClrMapping/>
   </p:clrMapOvr>
+  <p:timing>
+    <p:tnLst>
+      <p:par>
+        <p:cTn id="1" dur="indefinite" restart="never" nodeType="tmRoot"/>
+      </p:par>
+    </p:tnLst>
+  </p:timing>
 </p:sld>
 </file>
 
@@ -9314,23 +9936,35 @@
             </a:pPr>
             <a:r>
               <a:rPr lang="en-US" dirty="0">
+                <a:solidFill>
+                  <a:schemeClr val="tx1"/>
+                </a:solidFill>
                 <a:latin typeface="Comic Sans MS" panose="030F0702030302020204" pitchFamily="66" charset="0"/>
               </a:rPr>
               <a:t>How many bit strings of length eight either start with a 1 bit or end with the two bits </a:t>
             </a:r>
             <a:r>
               <a:rPr lang="en-US" dirty="0" smtClean="0">
+                <a:solidFill>
+                  <a:schemeClr val="tx1"/>
+                </a:solidFill>
                 <a:latin typeface="Comic Sans MS" panose="030F0702030302020204" pitchFamily="66" charset="0"/>
               </a:rPr>
               <a:t>00</a:t>
             </a:r>
             <a:r>
               <a:rPr lang="en-US" dirty="0">
+                <a:solidFill>
+                  <a:schemeClr val="tx1"/>
+                </a:solidFill>
                 <a:latin typeface="Comic Sans MS" panose="030F0702030302020204" pitchFamily="66" charset="0"/>
               </a:rPr>
               <a:t>?</a:t>
             </a:r>
             <a:endParaRPr lang="en" dirty="0" smtClean="0">
+              <a:solidFill>
+                <a:schemeClr val="tx1"/>
+              </a:solidFill>
               <a:latin typeface="Comic Sans MS" panose="030F0702030302020204" pitchFamily="66" charset="0"/>
             </a:endParaRPr>
           </a:p>
@@ -9341,6 +9975,13 @@
   <p:clrMapOvr>
     <a:masterClrMapping/>
   </p:clrMapOvr>
+  <p:timing>
+    <p:tnLst>
+      <p:par>
+        <p:cTn id="1" dur="indefinite" restart="never" nodeType="tmRoot"/>
+      </p:par>
+    </p:tnLst>
+  </p:timing>
 </p:sld>
 </file>
 
@@ -9410,7 +10051,7 @@
               <a:rPr lang="en" dirty="0" smtClean="0">
                 <a:latin typeface="Comic Sans MS" panose="030F0702030302020204" pitchFamily="66" charset="0"/>
               </a:rPr>
-              <a:t>5.1: Solving using tree diagram</a:t>
+              <a:t>5.1: Solve using tree diagram</a:t>
             </a:r>
             <a:endParaRPr dirty="0">
               <a:latin typeface="Comic Sans MS" panose="030F0702030302020204" pitchFamily="66" charset="0"/>
@@ -9454,17 +10095,26 @@
             </a:pPr>
             <a:r>
               <a:rPr lang="en" dirty="0" smtClean="0">
+                <a:solidFill>
+                  <a:schemeClr val="tx1"/>
+                </a:solidFill>
                 <a:latin typeface="Comic Sans MS" panose="030F0702030302020204" pitchFamily="66" charset="0"/>
               </a:rPr>
               <a:t>How </a:t>
             </a:r>
             <a:r>
               <a:rPr lang="en" dirty="0">
+                <a:solidFill>
+                  <a:schemeClr val="tx1"/>
+                </a:solidFill>
                 <a:latin typeface="Comic Sans MS" panose="030F0702030302020204" pitchFamily="66" charset="0"/>
               </a:rPr>
               <a:t>many bit strings of length four do not have two consecutive 1s? </a:t>
             </a:r>
             <a:endParaRPr dirty="0">
+              <a:solidFill>
+                <a:schemeClr val="tx1"/>
+              </a:solidFill>
               <a:latin typeface="Comic Sans MS" panose="030F0702030302020204" pitchFamily="66" charset="0"/>
             </a:endParaRPr>
           </a:p>
@@ -9480,6 +10130,13 @@
   <p:clrMapOvr>
     <a:masterClrMapping/>
   </p:clrMapOvr>
+  <p:timing>
+    <p:tnLst>
+      <p:par>
+        <p:cTn id="1" dur="indefinite" restart="never" nodeType="tmRoot"/>
+      </p:par>
+    </p:tnLst>
+  </p:timing>
 </p:sld>
 </file>
 
@@ -9537,7 +10194,12 @@
             <p:ph type="body" idx="1"/>
           </p:nvPr>
         </p:nvSpPr>
-        <p:spPr/>
+        <p:spPr>
+          <a:xfrm>
+            <a:off x="311700" y="1152475"/>
+            <a:ext cx="8520600" cy="1705025"/>
+          </a:xfrm>
+        </p:spPr>
         <p:txBody>
           <a:bodyPr/>
           <a:lstStyle/>
@@ -9545,7 +10207,173 @@
             <a:pPr marL="114300" indent="0">
               <a:buNone/>
             </a:pPr>
-            <a:endParaRPr lang="en-US" dirty="0"/>
+            <a:r>
+              <a:rPr lang="en-US" dirty="0">
+                <a:solidFill>
+                  <a:schemeClr val="tx1"/>
+                </a:solidFill>
+                <a:latin typeface="Comic Sans MS" panose="030F0702030302020204" pitchFamily="66" charset="0"/>
+              </a:rPr>
+              <a:t>If </a:t>
+            </a:r>
+            <a:r>
+              <a:rPr lang="en-US" i="1" dirty="0">
+                <a:solidFill>
+                  <a:schemeClr val="tx1"/>
+                </a:solidFill>
+                <a:latin typeface="Comic Sans MS" panose="030F0702030302020204" pitchFamily="66" charset="0"/>
+              </a:rPr>
+              <a:t>k </a:t>
+            </a:r>
+            <a:r>
+              <a:rPr lang="en-US" dirty="0">
+                <a:solidFill>
+                  <a:schemeClr val="tx1"/>
+                </a:solidFill>
+                <a:latin typeface="Comic Sans MS" panose="030F0702030302020204" pitchFamily="66" charset="0"/>
+              </a:rPr>
+              <a:t>is a positive integer and </a:t>
+            </a:r>
+            <a:r>
+              <a:rPr lang="en-US" i="1" dirty="0">
+                <a:solidFill>
+                  <a:schemeClr val="tx1"/>
+                </a:solidFill>
+                <a:latin typeface="Comic Sans MS" panose="030F0702030302020204" pitchFamily="66" charset="0"/>
+              </a:rPr>
+              <a:t>k </a:t>
+            </a:r>
+            <a:r>
+              <a:rPr lang="en-US" dirty="0">
+                <a:solidFill>
+                  <a:schemeClr val="tx1"/>
+                </a:solidFill>
+                <a:latin typeface="Comic Sans MS" panose="030F0702030302020204" pitchFamily="66" charset="0"/>
+              </a:rPr>
+              <a:t>+ 1 or more </a:t>
+            </a:r>
+            <a:r>
+              <a:rPr lang="en-US" dirty="0" smtClean="0">
+                <a:solidFill>
+                  <a:schemeClr val="tx1"/>
+                </a:solidFill>
+                <a:latin typeface="Comic Sans MS" panose="030F0702030302020204" pitchFamily="66" charset="0"/>
+              </a:rPr>
+              <a:t>objects are </a:t>
+            </a:r>
+            <a:r>
+              <a:rPr lang="en-US" dirty="0">
+                <a:solidFill>
+                  <a:schemeClr val="tx1"/>
+                </a:solidFill>
+                <a:latin typeface="Comic Sans MS" panose="030F0702030302020204" pitchFamily="66" charset="0"/>
+              </a:rPr>
+              <a:t>placed into </a:t>
+            </a:r>
+            <a:r>
+              <a:rPr lang="en-US" i="1" dirty="0">
+                <a:solidFill>
+                  <a:schemeClr val="tx1"/>
+                </a:solidFill>
+                <a:latin typeface="Comic Sans MS" panose="030F0702030302020204" pitchFamily="66" charset="0"/>
+              </a:rPr>
+              <a:t>k </a:t>
+            </a:r>
+            <a:r>
+              <a:rPr lang="en-US" dirty="0">
+                <a:solidFill>
+                  <a:schemeClr val="tx1"/>
+                </a:solidFill>
+                <a:latin typeface="Comic Sans MS" panose="030F0702030302020204" pitchFamily="66" charset="0"/>
+              </a:rPr>
+              <a:t>boxes, then there is at least one box containing two or more of the objects</a:t>
+            </a:r>
+            <a:r>
+              <a:rPr lang="en-US" dirty="0" smtClean="0">
+                <a:solidFill>
+                  <a:schemeClr val="tx1"/>
+                </a:solidFill>
+                <a:latin typeface="Comic Sans MS" panose="030F0702030302020204" pitchFamily="66" charset="0"/>
+              </a:rPr>
+              <a:t>.</a:t>
+            </a:r>
+          </a:p>
+          <a:p>
+            <a:pPr marL="114300" indent="0">
+              <a:buNone/>
+            </a:pPr>
+            <a:r>
+              <a:rPr lang="en-US" dirty="0">
+                <a:solidFill>
+                  <a:schemeClr val="tx1"/>
+                </a:solidFill>
+                <a:latin typeface="Comic Sans MS" panose="030F0702030302020204" pitchFamily="66" charset="0"/>
+              </a:rPr>
+              <a:t>If </a:t>
+            </a:r>
+            <a:r>
+              <a:rPr lang="en-US" i="1" dirty="0">
+                <a:solidFill>
+                  <a:schemeClr val="tx1"/>
+                </a:solidFill>
+                <a:latin typeface="Comic Sans MS" panose="030F0702030302020204" pitchFamily="66" charset="0"/>
+              </a:rPr>
+              <a:t>N </a:t>
+            </a:r>
+            <a:r>
+              <a:rPr lang="en-US" dirty="0">
+                <a:solidFill>
+                  <a:schemeClr val="tx1"/>
+                </a:solidFill>
+                <a:latin typeface="Comic Sans MS" panose="030F0702030302020204" pitchFamily="66" charset="0"/>
+              </a:rPr>
+              <a:t>objects are placed into </a:t>
+            </a:r>
+            <a:r>
+              <a:rPr lang="en-US" i="1" dirty="0" smtClean="0">
+                <a:solidFill>
+                  <a:schemeClr val="tx1"/>
+                </a:solidFill>
+                <a:latin typeface="Comic Sans MS" panose="030F0702030302020204" pitchFamily="66" charset="0"/>
+              </a:rPr>
+              <a:t>k </a:t>
+            </a:r>
+            <a:r>
+              <a:rPr lang="en-US" dirty="0" smtClean="0">
+                <a:solidFill>
+                  <a:schemeClr val="tx1"/>
+                </a:solidFill>
+                <a:latin typeface="Comic Sans MS" panose="030F0702030302020204" pitchFamily="66" charset="0"/>
+              </a:rPr>
+              <a:t>boxes</a:t>
+            </a:r>
+            <a:r>
+              <a:rPr lang="en-US" dirty="0">
+                <a:solidFill>
+                  <a:schemeClr val="tx1"/>
+                </a:solidFill>
+                <a:latin typeface="Comic Sans MS" panose="030F0702030302020204" pitchFamily="66" charset="0"/>
+              </a:rPr>
+              <a:t>, then there is at least one box containing at least </a:t>
+            </a:r>
+            <a:r>
+              <a:rPr lang="en-US" i="1" dirty="0">
+                <a:solidFill>
+                  <a:schemeClr val="tx1"/>
+                </a:solidFill>
+                <a:latin typeface="Comic Sans MS" panose="030F0702030302020204" pitchFamily="66" charset="0"/>
+              </a:rPr>
+              <a:t>N/k</a:t>
+            </a:r>
+            <a:r>
+              <a:rPr lang="en-US" dirty="0">
+                <a:solidFill>
+                  <a:schemeClr val="tx1"/>
+                </a:solidFill>
+                <a:latin typeface="Comic Sans MS" panose="030F0702030302020204" pitchFamily="66" charset="0"/>
+              </a:rPr>
+              <a:t> objects.</a:t>
+            </a:r>
           </a:p>
         </p:txBody>
       </p:sp>
@@ -9559,6 +10387,13 @@
   <p:clrMapOvr>
     <a:masterClrMapping/>
   </p:clrMapOvr>
+  <p:timing>
+    <p:tnLst>
+      <p:par>
+        <p:cTn id="1" dur="indefinite" restart="never" nodeType="tmRoot"/>
+      </p:par>
+    </p:tnLst>
+  </p:timing>
 </p:sld>
 </file>
 
@@ -9850,6 +10685,13 @@
   <p:clrMapOvr>
     <a:masterClrMapping/>
   </p:clrMapOvr>
+  <p:timing>
+    <p:tnLst>
+      <p:par>
+        <p:cTn id="1" dur="indefinite" restart="never" nodeType="tmRoot"/>
+      </p:par>
+    </p:tnLst>
+  </p:timing>
 </p:sld>
 </file>
 
@@ -9982,17 +10824,26 @@
             </a:pPr>
             <a:r>
               <a:rPr lang="en" dirty="0">
+                <a:solidFill>
+                  <a:schemeClr val="tx1"/>
+                </a:solidFill>
                 <a:latin typeface="Comic Sans MS" panose="030F0702030302020204" pitchFamily="66" charset="0"/>
               </a:rPr>
               <a:t>How many students must be in a class to guarantee that at least two students receive the same score on the final exam, if the exam is graded on a scale from 0 to 100 points</a:t>
             </a:r>
             <a:r>
               <a:rPr lang="en" dirty="0" smtClean="0">
+                <a:solidFill>
+                  <a:schemeClr val="tx1"/>
+                </a:solidFill>
                 <a:latin typeface="Comic Sans MS" panose="030F0702030302020204" pitchFamily="66" charset="0"/>
               </a:rPr>
               <a:t>?</a:t>
             </a:r>
             <a:endParaRPr dirty="0">
+              <a:solidFill>
+                <a:schemeClr val="tx1"/>
+              </a:solidFill>
               <a:latin typeface="Comic Sans MS" panose="030F0702030302020204" pitchFamily="66" charset="0"/>
             </a:endParaRPr>
           </a:p>
@@ -10003,10 +10854,948 @@
   <p:clrMapOvr>
     <a:masterClrMapping/>
   </p:clrMapOvr>
+  <p:timing>
+    <p:tnLst>
+      <p:par>
+        <p:cTn id="1" dur="indefinite" restart="never" nodeType="tmRoot"/>
+      </p:par>
+    </p:tnLst>
+  </p:timing>
 </p:sld>
 </file>
 
 <file path=ppt/slides/slide21.xml><?xml version="1.0" encoding="utf-8"?>
+<p:sld xmlns:a="http://schemas.openxmlformats.org/drawingml/2006/main" xmlns:r="http://schemas.openxmlformats.org/officeDocument/2006/relationships" xmlns:p="http://schemas.openxmlformats.org/presentationml/2006/main">
+  <p:cSld>
+    <p:spTree>
+      <p:nvGrpSpPr>
+        <p:cNvPr id="1" name=""/>
+        <p:cNvGrpSpPr/>
+        <p:nvPr/>
+      </p:nvGrpSpPr>
+      <p:grpSpPr>
+        <a:xfrm>
+          <a:off x="0" y="0"/>
+          <a:ext cx="0" cy="0"/>
+          <a:chOff x="0" y="0"/>
+          <a:chExt cx="0" cy="0"/>
+        </a:xfrm>
+      </p:grpSpPr>
+      <p:sp>
+        <p:nvSpPr>
+          <p:cNvPr id="2" name="Title 1"/>
+          <p:cNvSpPr>
+            <a:spLocks noGrp="1"/>
+          </p:cNvSpPr>
+          <p:nvPr>
+            <p:ph type="title"/>
+          </p:nvPr>
+        </p:nvSpPr>
+        <p:spPr/>
+        <p:txBody>
+          <a:bodyPr/>
+          <a:lstStyle/>
+          <a:p>
+            <a:r>
+              <a:rPr lang="en-US" dirty="0" smtClean="0">
+                <a:latin typeface="Comic Sans MS" panose="030F0702030302020204" pitchFamily="66" charset="0"/>
+              </a:rPr>
+              <a:t>Generalized Pigeonhole Principle</a:t>
+            </a:r>
+            <a:endParaRPr lang="en-US" dirty="0">
+              <a:latin typeface="Comic Sans MS" panose="030F0702030302020204" pitchFamily="66" charset="0"/>
+            </a:endParaRPr>
+          </a:p>
+        </p:txBody>
+      </p:sp>
+      <p:sp>
+        <p:nvSpPr>
+          <p:cNvPr id="3" name="Text Placeholder 2"/>
+          <p:cNvSpPr>
+            <a:spLocks noGrp="1"/>
+          </p:cNvSpPr>
+          <p:nvPr>
+            <p:ph type="body" idx="1"/>
+          </p:nvPr>
+        </p:nvSpPr>
+        <p:spPr>
+          <a:xfrm>
+            <a:off x="311700" y="1152476"/>
+            <a:ext cx="8520600" cy="873752"/>
+          </a:xfrm>
+        </p:spPr>
+        <p:txBody>
+          <a:bodyPr/>
+          <a:lstStyle/>
+          <a:p>
+            <a:pPr marL="114300" indent="0">
+              <a:buNone/>
+            </a:pPr>
+            <a:r>
+              <a:rPr lang="en-US" dirty="0" smtClean="0">
+                <a:solidFill>
+                  <a:schemeClr val="tx1"/>
+                </a:solidFill>
+                <a:latin typeface="Comic Sans MS" panose="030F0702030302020204" pitchFamily="66" charset="0"/>
+              </a:rPr>
+              <a:t>If </a:t>
+            </a:r>
+            <a:r>
+              <a:rPr lang="en-US" i="1" dirty="0">
+                <a:solidFill>
+                  <a:schemeClr val="tx1"/>
+                </a:solidFill>
+                <a:latin typeface="Comic Sans MS" panose="030F0702030302020204" pitchFamily="66" charset="0"/>
+              </a:rPr>
+              <a:t>N </a:t>
+            </a:r>
+            <a:r>
+              <a:rPr lang="en-US" dirty="0">
+                <a:solidFill>
+                  <a:schemeClr val="tx1"/>
+                </a:solidFill>
+                <a:latin typeface="Comic Sans MS" panose="030F0702030302020204" pitchFamily="66" charset="0"/>
+              </a:rPr>
+              <a:t>objects are placed into </a:t>
+            </a:r>
+            <a:r>
+              <a:rPr lang="en-US" i="1" dirty="0" smtClean="0">
+                <a:solidFill>
+                  <a:schemeClr val="tx1"/>
+                </a:solidFill>
+                <a:latin typeface="Comic Sans MS" panose="030F0702030302020204" pitchFamily="66" charset="0"/>
+              </a:rPr>
+              <a:t>k </a:t>
+            </a:r>
+            <a:r>
+              <a:rPr lang="en-US" dirty="0" smtClean="0">
+                <a:solidFill>
+                  <a:schemeClr val="tx1"/>
+                </a:solidFill>
+                <a:latin typeface="Comic Sans MS" panose="030F0702030302020204" pitchFamily="66" charset="0"/>
+              </a:rPr>
+              <a:t>boxes</a:t>
+            </a:r>
+            <a:r>
+              <a:rPr lang="en-US" dirty="0">
+                <a:solidFill>
+                  <a:schemeClr val="tx1"/>
+                </a:solidFill>
+                <a:latin typeface="Comic Sans MS" panose="030F0702030302020204" pitchFamily="66" charset="0"/>
+              </a:rPr>
+              <a:t>, then there is at least one box containing at least </a:t>
+            </a:r>
+            <a:r>
+              <a:rPr lang="en-US" i="1" dirty="0">
+                <a:solidFill>
+                  <a:schemeClr val="tx1"/>
+                </a:solidFill>
+                <a:latin typeface="Comic Sans MS" panose="030F0702030302020204" pitchFamily="66" charset="0"/>
+              </a:rPr>
+              <a:t>N/k</a:t>
+            </a:r>
+            <a:r>
+              <a:rPr lang="en-US" dirty="0">
+                <a:solidFill>
+                  <a:schemeClr val="tx1"/>
+                </a:solidFill>
+                <a:latin typeface="Comic Sans MS" panose="030F0702030302020204" pitchFamily="66" charset="0"/>
+              </a:rPr>
+              <a:t> objects</a:t>
+            </a:r>
+            <a:r>
+              <a:rPr lang="en-US" dirty="0" smtClean="0">
+                <a:solidFill>
+                  <a:schemeClr val="tx1"/>
+                </a:solidFill>
+                <a:latin typeface="Comic Sans MS" panose="030F0702030302020204" pitchFamily="66" charset="0"/>
+              </a:rPr>
+              <a:t>.</a:t>
+            </a:r>
+          </a:p>
+        </p:txBody>
+      </p:sp>
+      <p:sp>
+        <p:nvSpPr>
+          <p:cNvPr id="4" name="Text Placeholder 2"/>
+          <p:cNvSpPr txBox="1">
+            <a:spLocks/>
+          </p:cNvSpPr>
+          <p:nvPr/>
+        </p:nvSpPr>
+        <p:spPr>
+          <a:xfrm>
+            <a:off x="464100" y="2174706"/>
+            <a:ext cx="8520600" cy="1077650"/>
+          </a:xfrm>
+          <a:prstGeom prst="rect">
+            <a:avLst/>
+          </a:prstGeom>
+          <a:noFill/>
+          <a:ln>
+            <a:noFill/>
+          </a:ln>
+        </p:spPr>
+        <p:txBody>
+          <a:bodyPr spcFirstLastPara="1" wrap="square" lIns="91425" tIns="91425" rIns="91425" bIns="91425" anchor="t" anchorCtr="0">
+            <a:noAutofit/>
+          </a:bodyPr>
+          <a:lstStyle>
+            <a:defPPr marR="0" lvl="0" algn="l" rtl="0">
+              <a:lnSpc>
+                <a:spcPct val="100000"/>
+              </a:lnSpc>
+              <a:spcBef>
+                <a:spcPts val="0"/>
+              </a:spcBef>
+              <a:spcAft>
+                <a:spcPts val="0"/>
+              </a:spcAft>
+            </a:defPPr>
+            <a:lvl1pPr marL="457200" marR="0" lvl="0" indent="-342900" algn="l" rtl="0">
+              <a:lnSpc>
+                <a:spcPct val="115000"/>
+              </a:lnSpc>
+              <a:spcBef>
+                <a:spcPts val="0"/>
+              </a:spcBef>
+              <a:spcAft>
+                <a:spcPts val="0"/>
+              </a:spcAft>
+              <a:buClr>
+                <a:schemeClr val="dk2"/>
+              </a:buClr>
+              <a:buSzPts val="1800"/>
+              <a:buFont typeface="Arial"/>
+              <a:buChar char="●"/>
+              <a:defRPr sz="1800" b="0" i="0" u="none" strike="noStrike" cap="none">
+                <a:solidFill>
+                  <a:schemeClr val="dk2"/>
+                </a:solidFill>
+                <a:latin typeface="Arial"/>
+                <a:ea typeface="Arial"/>
+                <a:cs typeface="Arial"/>
+                <a:sym typeface="Arial"/>
+              </a:defRPr>
+            </a:lvl1pPr>
+            <a:lvl2pPr marL="914400" marR="0" lvl="1" indent="-317500" algn="l" rtl="0">
+              <a:lnSpc>
+                <a:spcPct val="115000"/>
+              </a:lnSpc>
+              <a:spcBef>
+                <a:spcPts val="1600"/>
+              </a:spcBef>
+              <a:spcAft>
+                <a:spcPts val="0"/>
+              </a:spcAft>
+              <a:buClr>
+                <a:schemeClr val="dk2"/>
+              </a:buClr>
+              <a:buSzPts val="1400"/>
+              <a:buFont typeface="Arial"/>
+              <a:buChar char="○"/>
+              <a:defRPr sz="1400" b="0" i="0" u="none" strike="noStrike" cap="none">
+                <a:solidFill>
+                  <a:schemeClr val="dk2"/>
+                </a:solidFill>
+                <a:latin typeface="Arial"/>
+                <a:ea typeface="Arial"/>
+                <a:cs typeface="Arial"/>
+                <a:sym typeface="Arial"/>
+              </a:defRPr>
+            </a:lvl2pPr>
+            <a:lvl3pPr marL="1371600" marR="0" lvl="2" indent="-317500" algn="l" rtl="0">
+              <a:lnSpc>
+                <a:spcPct val="115000"/>
+              </a:lnSpc>
+              <a:spcBef>
+                <a:spcPts val="1600"/>
+              </a:spcBef>
+              <a:spcAft>
+                <a:spcPts val="0"/>
+              </a:spcAft>
+              <a:buClr>
+                <a:schemeClr val="dk2"/>
+              </a:buClr>
+              <a:buSzPts val="1400"/>
+              <a:buFont typeface="Arial"/>
+              <a:buChar char="■"/>
+              <a:defRPr sz="1400" b="0" i="0" u="none" strike="noStrike" cap="none">
+                <a:solidFill>
+                  <a:schemeClr val="dk2"/>
+                </a:solidFill>
+                <a:latin typeface="Arial"/>
+                <a:ea typeface="Arial"/>
+                <a:cs typeface="Arial"/>
+                <a:sym typeface="Arial"/>
+              </a:defRPr>
+            </a:lvl3pPr>
+            <a:lvl4pPr marL="1828800" marR="0" lvl="3" indent="-317500" algn="l" rtl="0">
+              <a:lnSpc>
+                <a:spcPct val="115000"/>
+              </a:lnSpc>
+              <a:spcBef>
+                <a:spcPts val="1600"/>
+              </a:spcBef>
+              <a:spcAft>
+                <a:spcPts val="0"/>
+              </a:spcAft>
+              <a:buClr>
+                <a:schemeClr val="dk2"/>
+              </a:buClr>
+              <a:buSzPts val="1400"/>
+              <a:buFont typeface="Arial"/>
+              <a:buChar char="●"/>
+              <a:defRPr sz="1400" b="0" i="0" u="none" strike="noStrike" cap="none">
+                <a:solidFill>
+                  <a:schemeClr val="dk2"/>
+                </a:solidFill>
+                <a:latin typeface="Arial"/>
+                <a:ea typeface="Arial"/>
+                <a:cs typeface="Arial"/>
+                <a:sym typeface="Arial"/>
+              </a:defRPr>
+            </a:lvl4pPr>
+            <a:lvl5pPr marL="2286000" marR="0" lvl="4" indent="-317500" algn="l" rtl="0">
+              <a:lnSpc>
+                <a:spcPct val="115000"/>
+              </a:lnSpc>
+              <a:spcBef>
+                <a:spcPts val="1600"/>
+              </a:spcBef>
+              <a:spcAft>
+                <a:spcPts val="0"/>
+              </a:spcAft>
+              <a:buClr>
+                <a:schemeClr val="dk2"/>
+              </a:buClr>
+              <a:buSzPts val="1400"/>
+              <a:buFont typeface="Arial"/>
+              <a:buChar char="○"/>
+              <a:defRPr sz="1400" b="0" i="0" u="none" strike="noStrike" cap="none">
+                <a:solidFill>
+                  <a:schemeClr val="dk2"/>
+                </a:solidFill>
+                <a:latin typeface="Arial"/>
+                <a:ea typeface="Arial"/>
+                <a:cs typeface="Arial"/>
+                <a:sym typeface="Arial"/>
+              </a:defRPr>
+            </a:lvl5pPr>
+            <a:lvl6pPr marL="2743200" marR="0" lvl="5" indent="-317500" algn="l" rtl="0">
+              <a:lnSpc>
+                <a:spcPct val="115000"/>
+              </a:lnSpc>
+              <a:spcBef>
+                <a:spcPts val="1600"/>
+              </a:spcBef>
+              <a:spcAft>
+                <a:spcPts val="0"/>
+              </a:spcAft>
+              <a:buClr>
+                <a:schemeClr val="dk2"/>
+              </a:buClr>
+              <a:buSzPts val="1400"/>
+              <a:buFont typeface="Arial"/>
+              <a:buChar char="■"/>
+              <a:defRPr sz="1400" b="0" i="0" u="none" strike="noStrike" cap="none">
+                <a:solidFill>
+                  <a:schemeClr val="dk2"/>
+                </a:solidFill>
+                <a:latin typeface="Arial"/>
+                <a:ea typeface="Arial"/>
+                <a:cs typeface="Arial"/>
+                <a:sym typeface="Arial"/>
+              </a:defRPr>
+            </a:lvl6pPr>
+            <a:lvl7pPr marL="3200400" marR="0" lvl="6" indent="-317500" algn="l" rtl="0">
+              <a:lnSpc>
+                <a:spcPct val="115000"/>
+              </a:lnSpc>
+              <a:spcBef>
+                <a:spcPts val="1600"/>
+              </a:spcBef>
+              <a:spcAft>
+                <a:spcPts val="0"/>
+              </a:spcAft>
+              <a:buClr>
+                <a:schemeClr val="dk2"/>
+              </a:buClr>
+              <a:buSzPts val="1400"/>
+              <a:buFont typeface="Arial"/>
+              <a:buChar char="●"/>
+              <a:defRPr sz="1400" b="0" i="0" u="none" strike="noStrike" cap="none">
+                <a:solidFill>
+                  <a:schemeClr val="dk2"/>
+                </a:solidFill>
+                <a:latin typeface="Arial"/>
+                <a:ea typeface="Arial"/>
+                <a:cs typeface="Arial"/>
+                <a:sym typeface="Arial"/>
+              </a:defRPr>
+            </a:lvl7pPr>
+            <a:lvl8pPr marL="3657600" marR="0" lvl="7" indent="-317500" algn="l" rtl="0">
+              <a:lnSpc>
+                <a:spcPct val="115000"/>
+              </a:lnSpc>
+              <a:spcBef>
+                <a:spcPts val="1600"/>
+              </a:spcBef>
+              <a:spcAft>
+                <a:spcPts val="0"/>
+              </a:spcAft>
+              <a:buClr>
+                <a:schemeClr val="dk2"/>
+              </a:buClr>
+              <a:buSzPts val="1400"/>
+              <a:buFont typeface="Arial"/>
+              <a:buChar char="○"/>
+              <a:defRPr sz="1400" b="0" i="0" u="none" strike="noStrike" cap="none">
+                <a:solidFill>
+                  <a:schemeClr val="dk2"/>
+                </a:solidFill>
+                <a:latin typeface="Arial"/>
+                <a:ea typeface="Arial"/>
+                <a:cs typeface="Arial"/>
+                <a:sym typeface="Arial"/>
+              </a:defRPr>
+            </a:lvl8pPr>
+            <a:lvl9pPr marL="4114800" marR="0" lvl="8" indent="-317500" algn="l" rtl="0">
+              <a:lnSpc>
+                <a:spcPct val="115000"/>
+              </a:lnSpc>
+              <a:spcBef>
+                <a:spcPts val="1600"/>
+              </a:spcBef>
+              <a:spcAft>
+                <a:spcPts val="1600"/>
+              </a:spcAft>
+              <a:buClr>
+                <a:schemeClr val="dk2"/>
+              </a:buClr>
+              <a:buSzPts val="1400"/>
+              <a:buFont typeface="Arial"/>
+              <a:buChar char="■"/>
+              <a:defRPr sz="1400" b="0" i="0" u="none" strike="noStrike" cap="none">
+                <a:solidFill>
+                  <a:schemeClr val="dk2"/>
+                </a:solidFill>
+                <a:latin typeface="Arial"/>
+                <a:ea typeface="Arial"/>
+                <a:cs typeface="Arial"/>
+                <a:sym typeface="Arial"/>
+              </a:defRPr>
+            </a:lvl9pPr>
+          </a:lstStyle>
+          <a:p>
+            <a:pPr marL="114300" indent="0">
+              <a:buFont typeface="Arial"/>
+              <a:buNone/>
+            </a:pPr>
+            <a:r>
+              <a:rPr lang="en-US" dirty="0" smtClean="0">
+                <a:solidFill>
+                  <a:schemeClr val="tx1"/>
+                </a:solidFill>
+                <a:latin typeface="Comic Sans MS" panose="030F0702030302020204" pitchFamily="66" charset="0"/>
+              </a:rPr>
+              <a:t>the minimum number of objects =?</a:t>
+            </a:r>
+            <a:br>
+              <a:rPr lang="en-US" dirty="0" smtClean="0">
+                <a:solidFill>
+                  <a:schemeClr val="tx1"/>
+                </a:solidFill>
+                <a:latin typeface="Comic Sans MS" panose="030F0702030302020204" pitchFamily="66" charset="0"/>
+              </a:rPr>
+            </a:br>
+            <a:r>
+              <a:rPr lang="en-US" dirty="0" smtClean="0">
+                <a:solidFill>
+                  <a:schemeClr val="tx1"/>
+                </a:solidFill>
+                <a:latin typeface="Comic Sans MS" panose="030F0702030302020204" pitchFamily="66" charset="0"/>
+              </a:rPr>
+              <a:t>such that at least </a:t>
+            </a:r>
+            <a:r>
+              <a:rPr lang="en-US" i="1" dirty="0" smtClean="0">
+                <a:solidFill>
+                  <a:schemeClr val="tx1"/>
+                </a:solidFill>
+                <a:latin typeface="Comic Sans MS" panose="030F0702030302020204" pitchFamily="66" charset="0"/>
+              </a:rPr>
+              <a:t>r </a:t>
+            </a:r>
+            <a:r>
+              <a:rPr lang="en-US" dirty="0" smtClean="0">
+                <a:solidFill>
+                  <a:schemeClr val="tx1"/>
+                </a:solidFill>
+                <a:latin typeface="Comic Sans MS" panose="030F0702030302020204" pitchFamily="66" charset="0"/>
+              </a:rPr>
+              <a:t>of these objects must be in one of </a:t>
+            </a:r>
+            <a:r>
+              <a:rPr lang="en-US" i="1" dirty="0" smtClean="0">
+                <a:solidFill>
+                  <a:schemeClr val="tx1"/>
+                </a:solidFill>
+                <a:latin typeface="Comic Sans MS" panose="030F0702030302020204" pitchFamily="66" charset="0"/>
+              </a:rPr>
+              <a:t>k </a:t>
+            </a:r>
+            <a:r>
+              <a:rPr lang="en-US" dirty="0" smtClean="0">
+                <a:solidFill>
+                  <a:schemeClr val="tx1"/>
+                </a:solidFill>
+                <a:latin typeface="Comic Sans MS" panose="030F0702030302020204" pitchFamily="66" charset="0"/>
+              </a:rPr>
+              <a:t>boxes when these objects are distributed among the boxes.</a:t>
+            </a:r>
+            <a:endParaRPr lang="en-US" dirty="0">
+              <a:solidFill>
+                <a:schemeClr val="tx1"/>
+              </a:solidFill>
+              <a:latin typeface="Comic Sans MS" panose="030F0702030302020204" pitchFamily="66" charset="0"/>
+            </a:endParaRPr>
+          </a:p>
+        </p:txBody>
+      </p:sp>
+      <p:sp>
+        <p:nvSpPr>
+          <p:cNvPr id="5" name="Text Placeholder 2"/>
+          <p:cNvSpPr txBox="1">
+            <a:spLocks/>
+          </p:cNvSpPr>
+          <p:nvPr/>
+        </p:nvSpPr>
+        <p:spPr>
+          <a:xfrm>
+            <a:off x="616500" y="3584406"/>
+            <a:ext cx="8520600" cy="1077650"/>
+          </a:xfrm>
+          <a:prstGeom prst="rect">
+            <a:avLst/>
+          </a:prstGeom>
+          <a:noFill/>
+          <a:ln>
+            <a:noFill/>
+          </a:ln>
+        </p:spPr>
+        <p:txBody>
+          <a:bodyPr spcFirstLastPara="1" wrap="square" lIns="91425" tIns="91425" rIns="91425" bIns="91425" anchor="t" anchorCtr="0">
+            <a:noAutofit/>
+          </a:bodyPr>
+          <a:lstStyle>
+            <a:defPPr marR="0" lvl="0" algn="l" rtl="0">
+              <a:lnSpc>
+                <a:spcPct val="100000"/>
+              </a:lnSpc>
+              <a:spcBef>
+                <a:spcPts val="0"/>
+              </a:spcBef>
+              <a:spcAft>
+                <a:spcPts val="0"/>
+              </a:spcAft>
+            </a:defPPr>
+            <a:lvl1pPr marL="457200" marR="0" lvl="0" indent="-342900" algn="l" rtl="0">
+              <a:lnSpc>
+                <a:spcPct val="115000"/>
+              </a:lnSpc>
+              <a:spcBef>
+                <a:spcPts val="0"/>
+              </a:spcBef>
+              <a:spcAft>
+                <a:spcPts val="0"/>
+              </a:spcAft>
+              <a:buClr>
+                <a:schemeClr val="dk2"/>
+              </a:buClr>
+              <a:buSzPts val="1800"/>
+              <a:buFont typeface="Arial"/>
+              <a:buChar char="●"/>
+              <a:defRPr sz="1800" b="0" i="0" u="none" strike="noStrike" cap="none">
+                <a:solidFill>
+                  <a:schemeClr val="dk2"/>
+                </a:solidFill>
+                <a:latin typeface="Arial"/>
+                <a:ea typeface="Arial"/>
+                <a:cs typeface="Arial"/>
+                <a:sym typeface="Arial"/>
+              </a:defRPr>
+            </a:lvl1pPr>
+            <a:lvl2pPr marL="914400" marR="0" lvl="1" indent="-317500" algn="l" rtl="0">
+              <a:lnSpc>
+                <a:spcPct val="115000"/>
+              </a:lnSpc>
+              <a:spcBef>
+                <a:spcPts val="1600"/>
+              </a:spcBef>
+              <a:spcAft>
+                <a:spcPts val="0"/>
+              </a:spcAft>
+              <a:buClr>
+                <a:schemeClr val="dk2"/>
+              </a:buClr>
+              <a:buSzPts val="1400"/>
+              <a:buFont typeface="Arial"/>
+              <a:buChar char="○"/>
+              <a:defRPr sz="1400" b="0" i="0" u="none" strike="noStrike" cap="none">
+                <a:solidFill>
+                  <a:schemeClr val="dk2"/>
+                </a:solidFill>
+                <a:latin typeface="Arial"/>
+                <a:ea typeface="Arial"/>
+                <a:cs typeface="Arial"/>
+                <a:sym typeface="Arial"/>
+              </a:defRPr>
+            </a:lvl2pPr>
+            <a:lvl3pPr marL="1371600" marR="0" lvl="2" indent="-317500" algn="l" rtl="0">
+              <a:lnSpc>
+                <a:spcPct val="115000"/>
+              </a:lnSpc>
+              <a:spcBef>
+                <a:spcPts val="1600"/>
+              </a:spcBef>
+              <a:spcAft>
+                <a:spcPts val="0"/>
+              </a:spcAft>
+              <a:buClr>
+                <a:schemeClr val="dk2"/>
+              </a:buClr>
+              <a:buSzPts val="1400"/>
+              <a:buFont typeface="Arial"/>
+              <a:buChar char="■"/>
+              <a:defRPr sz="1400" b="0" i="0" u="none" strike="noStrike" cap="none">
+                <a:solidFill>
+                  <a:schemeClr val="dk2"/>
+                </a:solidFill>
+                <a:latin typeface="Arial"/>
+                <a:ea typeface="Arial"/>
+                <a:cs typeface="Arial"/>
+                <a:sym typeface="Arial"/>
+              </a:defRPr>
+            </a:lvl3pPr>
+            <a:lvl4pPr marL="1828800" marR="0" lvl="3" indent="-317500" algn="l" rtl="0">
+              <a:lnSpc>
+                <a:spcPct val="115000"/>
+              </a:lnSpc>
+              <a:spcBef>
+                <a:spcPts val="1600"/>
+              </a:spcBef>
+              <a:spcAft>
+                <a:spcPts val="0"/>
+              </a:spcAft>
+              <a:buClr>
+                <a:schemeClr val="dk2"/>
+              </a:buClr>
+              <a:buSzPts val="1400"/>
+              <a:buFont typeface="Arial"/>
+              <a:buChar char="●"/>
+              <a:defRPr sz="1400" b="0" i="0" u="none" strike="noStrike" cap="none">
+                <a:solidFill>
+                  <a:schemeClr val="dk2"/>
+                </a:solidFill>
+                <a:latin typeface="Arial"/>
+                <a:ea typeface="Arial"/>
+                <a:cs typeface="Arial"/>
+                <a:sym typeface="Arial"/>
+              </a:defRPr>
+            </a:lvl4pPr>
+            <a:lvl5pPr marL="2286000" marR="0" lvl="4" indent="-317500" algn="l" rtl="0">
+              <a:lnSpc>
+                <a:spcPct val="115000"/>
+              </a:lnSpc>
+              <a:spcBef>
+                <a:spcPts val="1600"/>
+              </a:spcBef>
+              <a:spcAft>
+                <a:spcPts val="0"/>
+              </a:spcAft>
+              <a:buClr>
+                <a:schemeClr val="dk2"/>
+              </a:buClr>
+              <a:buSzPts val="1400"/>
+              <a:buFont typeface="Arial"/>
+              <a:buChar char="○"/>
+              <a:defRPr sz="1400" b="0" i="0" u="none" strike="noStrike" cap="none">
+                <a:solidFill>
+                  <a:schemeClr val="dk2"/>
+                </a:solidFill>
+                <a:latin typeface="Arial"/>
+                <a:ea typeface="Arial"/>
+                <a:cs typeface="Arial"/>
+                <a:sym typeface="Arial"/>
+              </a:defRPr>
+            </a:lvl5pPr>
+            <a:lvl6pPr marL="2743200" marR="0" lvl="5" indent="-317500" algn="l" rtl="0">
+              <a:lnSpc>
+                <a:spcPct val="115000"/>
+              </a:lnSpc>
+              <a:spcBef>
+                <a:spcPts val="1600"/>
+              </a:spcBef>
+              <a:spcAft>
+                <a:spcPts val="0"/>
+              </a:spcAft>
+              <a:buClr>
+                <a:schemeClr val="dk2"/>
+              </a:buClr>
+              <a:buSzPts val="1400"/>
+              <a:buFont typeface="Arial"/>
+              <a:buChar char="■"/>
+              <a:defRPr sz="1400" b="0" i="0" u="none" strike="noStrike" cap="none">
+                <a:solidFill>
+                  <a:schemeClr val="dk2"/>
+                </a:solidFill>
+                <a:latin typeface="Arial"/>
+                <a:ea typeface="Arial"/>
+                <a:cs typeface="Arial"/>
+                <a:sym typeface="Arial"/>
+              </a:defRPr>
+            </a:lvl6pPr>
+            <a:lvl7pPr marL="3200400" marR="0" lvl="6" indent="-317500" algn="l" rtl="0">
+              <a:lnSpc>
+                <a:spcPct val="115000"/>
+              </a:lnSpc>
+              <a:spcBef>
+                <a:spcPts val="1600"/>
+              </a:spcBef>
+              <a:spcAft>
+                <a:spcPts val="0"/>
+              </a:spcAft>
+              <a:buClr>
+                <a:schemeClr val="dk2"/>
+              </a:buClr>
+              <a:buSzPts val="1400"/>
+              <a:buFont typeface="Arial"/>
+              <a:buChar char="●"/>
+              <a:defRPr sz="1400" b="0" i="0" u="none" strike="noStrike" cap="none">
+                <a:solidFill>
+                  <a:schemeClr val="dk2"/>
+                </a:solidFill>
+                <a:latin typeface="Arial"/>
+                <a:ea typeface="Arial"/>
+                <a:cs typeface="Arial"/>
+                <a:sym typeface="Arial"/>
+              </a:defRPr>
+            </a:lvl7pPr>
+            <a:lvl8pPr marL="3657600" marR="0" lvl="7" indent="-317500" algn="l" rtl="0">
+              <a:lnSpc>
+                <a:spcPct val="115000"/>
+              </a:lnSpc>
+              <a:spcBef>
+                <a:spcPts val="1600"/>
+              </a:spcBef>
+              <a:spcAft>
+                <a:spcPts val="0"/>
+              </a:spcAft>
+              <a:buClr>
+                <a:schemeClr val="dk2"/>
+              </a:buClr>
+              <a:buSzPts val="1400"/>
+              <a:buFont typeface="Arial"/>
+              <a:buChar char="○"/>
+              <a:defRPr sz="1400" b="0" i="0" u="none" strike="noStrike" cap="none">
+                <a:solidFill>
+                  <a:schemeClr val="dk2"/>
+                </a:solidFill>
+                <a:latin typeface="Arial"/>
+                <a:ea typeface="Arial"/>
+                <a:cs typeface="Arial"/>
+                <a:sym typeface="Arial"/>
+              </a:defRPr>
+            </a:lvl8pPr>
+            <a:lvl9pPr marL="4114800" marR="0" lvl="8" indent="-317500" algn="l" rtl="0">
+              <a:lnSpc>
+                <a:spcPct val="115000"/>
+              </a:lnSpc>
+              <a:spcBef>
+                <a:spcPts val="1600"/>
+              </a:spcBef>
+              <a:spcAft>
+                <a:spcPts val="1600"/>
+              </a:spcAft>
+              <a:buClr>
+                <a:schemeClr val="dk2"/>
+              </a:buClr>
+              <a:buSzPts val="1400"/>
+              <a:buFont typeface="Arial"/>
+              <a:buChar char="■"/>
+              <a:defRPr sz="1400" b="0" i="0" u="none" strike="noStrike" cap="none">
+                <a:solidFill>
+                  <a:schemeClr val="dk2"/>
+                </a:solidFill>
+                <a:latin typeface="Arial"/>
+                <a:ea typeface="Arial"/>
+                <a:cs typeface="Arial"/>
+                <a:sym typeface="Arial"/>
+              </a:defRPr>
+            </a:lvl9pPr>
+          </a:lstStyle>
+          <a:p>
+            <a:pPr marL="114300" indent="0">
+              <a:buFont typeface="Arial"/>
+              <a:buNone/>
+            </a:pPr>
+            <a:r>
+              <a:rPr lang="en-US" dirty="0" smtClean="0">
+                <a:solidFill>
+                  <a:schemeClr val="tx1"/>
+                </a:solidFill>
+                <a:latin typeface="Comic Sans MS" panose="030F0702030302020204" pitchFamily="66" charset="0"/>
+              </a:rPr>
+              <a:t>N = k(r-1) + 1</a:t>
+            </a:r>
+            <a:endParaRPr lang="en-US" dirty="0">
+              <a:solidFill>
+                <a:schemeClr val="tx1"/>
+              </a:solidFill>
+              <a:latin typeface="Comic Sans MS" panose="030F0702030302020204" pitchFamily="66" charset="0"/>
+            </a:endParaRPr>
+          </a:p>
+        </p:txBody>
+      </p:sp>
+    </p:spTree>
+    <p:extLst>
+      <p:ext uri="{BB962C8B-B14F-4D97-AF65-F5344CB8AC3E}">
+        <p14:creationId xmlns:p14="http://schemas.microsoft.com/office/powerpoint/2010/main" val="873222895"/>
+      </p:ext>
+    </p:extLst>
+  </p:cSld>
+  <p:clrMapOvr>
+    <a:masterClrMapping/>
+  </p:clrMapOvr>
+  <p:timing>
+    <p:tnLst>
+      <p:par>
+        <p:cTn id="1" dur="indefinite" restart="never" nodeType="tmRoot">
+          <p:childTnLst>
+            <p:seq concurrent="1" nextAc="seek">
+              <p:cTn id="2" dur="indefinite" nodeType="mainSeq">
+                <p:childTnLst>
+                  <p:par>
+                    <p:cTn id="3" fill="hold">
+                      <p:stCondLst>
+                        <p:cond delay="indefinite"/>
+                      </p:stCondLst>
+                      <p:childTnLst>
+                        <p:par>
+                          <p:cTn id="4" fill="hold">
+                            <p:stCondLst>
+                              <p:cond delay="0"/>
+                            </p:stCondLst>
+                            <p:childTnLst>
+                              <p:par>
+                                <p:cTn id="5" presetID="1" presetClass="entr" presetSubtype="0" fill="hold" grpId="0" nodeType="clickEffect">
+                                  <p:stCondLst>
+                                    <p:cond delay="0"/>
+                                  </p:stCondLst>
+                                  <p:childTnLst>
+                                    <p:set>
+                                      <p:cBhvr>
+                                        <p:cTn id="6" dur="1" fill="hold">
+                                          <p:stCondLst>
+                                            <p:cond delay="0"/>
+                                          </p:stCondLst>
+                                        </p:cTn>
+                                        <p:tgtEl>
+                                          <p:spTgt spid="4"/>
+                                        </p:tgtEl>
+                                        <p:attrNameLst>
+                                          <p:attrName>style.visibility</p:attrName>
+                                        </p:attrNameLst>
+                                      </p:cBhvr>
+                                      <p:to>
+                                        <p:strVal val="visible"/>
+                                      </p:to>
+                                    </p:set>
+                                  </p:childTnLst>
+                                </p:cTn>
+                              </p:par>
+                            </p:childTnLst>
+                          </p:cTn>
+                        </p:par>
+                      </p:childTnLst>
+                    </p:cTn>
+                  </p:par>
+                  <p:par>
+                    <p:cTn id="7" fill="hold">
+                      <p:stCondLst>
+                        <p:cond delay="indefinite"/>
+                      </p:stCondLst>
+                      <p:childTnLst>
+                        <p:par>
+                          <p:cTn id="8" fill="hold">
+                            <p:stCondLst>
+                              <p:cond delay="0"/>
+                            </p:stCondLst>
+                            <p:childTnLst>
+                              <p:par>
+                                <p:cTn id="9" presetID="1" presetClass="entr" presetSubtype="0" fill="hold" grpId="0" nodeType="clickEffect">
+                                  <p:stCondLst>
+                                    <p:cond delay="0"/>
+                                  </p:stCondLst>
+                                  <p:childTnLst>
+                                    <p:set>
+                                      <p:cBhvr>
+                                        <p:cTn id="10" dur="1" fill="hold">
+                                          <p:stCondLst>
+                                            <p:cond delay="0"/>
+                                          </p:stCondLst>
+                                        </p:cTn>
+                                        <p:tgtEl>
+                                          <p:spTgt spid="5"/>
+                                        </p:tgtEl>
+                                        <p:attrNameLst>
+                                          <p:attrName>style.visibility</p:attrName>
+                                        </p:attrNameLst>
+                                      </p:cBhvr>
+                                      <p:to>
+                                        <p:strVal val="visible"/>
+                                      </p:to>
+                                    </p:set>
+                                  </p:childTnLst>
+                                </p:cTn>
+                              </p:par>
+                            </p:childTnLst>
+                          </p:cTn>
+                        </p:par>
+                      </p:childTnLst>
+                    </p:cTn>
+                  </p:par>
+                </p:childTnLst>
+              </p:cTn>
+              <p:prevCondLst>
+                <p:cond evt="onPrev" delay="0">
+                  <p:tgtEl>
+                    <p:sldTgt/>
+                  </p:tgtEl>
+                </p:cond>
+              </p:prevCondLst>
+              <p:nextCondLst>
+                <p:cond evt="onNext" delay="0">
+                  <p:tgtEl>
+                    <p:sldTgt/>
+                  </p:tgtEl>
+                </p:cond>
+              </p:nextCondLst>
+            </p:seq>
+          </p:childTnLst>
+        </p:cTn>
+      </p:par>
+    </p:tnLst>
+    <p:bldLst>
+      <p:bldP spid="4" grpId="0"/>
+      <p:bldP spid="5" grpId="0"/>
+    </p:bldLst>
+  </p:timing>
+</p:sld>
+</file>
+
+<file path=ppt/slides/slide22.xml><?xml version="1.0" encoding="utf-8"?>
 <p:sld xmlns:a="http://schemas.openxmlformats.org/drawingml/2006/main" xmlns:r="http://schemas.openxmlformats.org/officeDocument/2006/relationships" xmlns:p="http://schemas.openxmlformats.org/presentationml/2006/main">
   <p:cSld>
     <p:spTree>
@@ -10135,17 +11924,26 @@
             </a:pPr>
             <a:r>
               <a:rPr lang="en" dirty="0">
+                <a:solidFill>
+                  <a:schemeClr val="tx1"/>
+                </a:solidFill>
                 <a:latin typeface="Comic Sans MS" panose="030F0702030302020204" pitchFamily="66" charset="0"/>
               </a:rPr>
               <a:t>What is the minimum number of students required in a discrete mathematics class to be sure that at least six will receive the same grade, if there are five possible grades, A, B, C, D, and F</a:t>
             </a:r>
             <a:r>
               <a:rPr lang="en" dirty="0" smtClean="0">
+                <a:solidFill>
+                  <a:schemeClr val="tx1"/>
+                </a:solidFill>
                 <a:latin typeface="Comic Sans MS" panose="030F0702030302020204" pitchFamily="66" charset="0"/>
               </a:rPr>
               <a:t>?</a:t>
             </a:r>
             <a:endParaRPr dirty="0">
+              <a:solidFill>
+                <a:schemeClr val="tx1"/>
+              </a:solidFill>
               <a:latin typeface="Comic Sans MS" panose="030F0702030302020204" pitchFamily="66" charset="0"/>
             </a:endParaRPr>
           </a:p>
@@ -10156,10 +11954,17 @@
   <p:clrMapOvr>
     <a:masterClrMapping/>
   </p:clrMapOvr>
+  <p:timing>
+    <p:tnLst>
+      <p:par>
+        <p:cTn id="1" dur="indefinite" restart="never" nodeType="tmRoot"/>
+      </p:par>
+    </p:tnLst>
+  </p:timing>
 </p:sld>
 </file>
 
-<file path=ppt/slides/slide22.xml><?xml version="1.0" encoding="utf-8"?>
+<file path=ppt/slides/slide23.xml><?xml version="1.0" encoding="utf-8"?>
 <p:sld xmlns:a="http://schemas.openxmlformats.org/drawingml/2006/main" xmlns:r="http://schemas.openxmlformats.org/officeDocument/2006/relationships" xmlns:p="http://schemas.openxmlformats.org/presentationml/2006/main">
   <p:cSld>
     <p:spTree>
@@ -10307,10 +12112,17 @@
   <p:clrMapOvr>
     <a:masterClrMapping/>
   </p:clrMapOvr>
+  <p:timing>
+    <p:tnLst>
+      <p:par>
+        <p:cTn id="1" dur="indefinite" restart="never" nodeType="tmRoot"/>
+      </p:par>
+    </p:tnLst>
+  </p:timing>
 </p:sld>
 </file>
 
-<file path=ppt/slides/slide23.xml><?xml version="1.0" encoding="utf-8"?>
+<file path=ppt/slides/slide24.xml><?xml version="1.0" encoding="utf-8"?>
 <p:sld xmlns:a="http://schemas.openxmlformats.org/drawingml/2006/main" xmlns:r="http://schemas.openxmlformats.org/officeDocument/2006/relationships" xmlns:p="http://schemas.openxmlformats.org/presentationml/2006/main">
   <p:cSld>
     <p:spTree>
@@ -10450,7 +12262,37 @@
                 <a:cs typeface="Roboto"/>
                 <a:sym typeface="Roboto"/>
               </a:rPr>
-              <a:t> A box contains 6 red, 8 green, 10 blue, 12 yellow and 15 white balls. What is the minimum no. of balls we have to choose randomly from the box to ensure that we get 9 balls of same color</a:t>
+              <a:t> A box contains 6 red, 8 green, 10 blue, 12 yellow and 15 white balls. What is the minimum no. of balls we have to choose randomly from the box to ensure that we get </a:t>
+            </a:r>
+            <a:r>
+              <a:rPr lang="en" dirty="0" smtClean="0">
+                <a:solidFill>
+                  <a:schemeClr val="dk1"/>
+                </a:solidFill>
+                <a:highlight>
+                  <a:srgbClr val="FFFFFF"/>
+                </a:highlight>
+                <a:latin typeface="Comic Sans MS" panose="030F0702030302020204" pitchFamily="66" charset="0"/>
+                <a:ea typeface="Roboto"/>
+                <a:cs typeface="Roboto"/>
+                <a:sym typeface="Roboto"/>
+              </a:rPr>
+              <a:t>8 </a:t>
+            </a:r>
+            <a:r>
+              <a:rPr lang="en" dirty="0">
+                <a:solidFill>
+                  <a:schemeClr val="dk1"/>
+                </a:solidFill>
+                <a:highlight>
+                  <a:srgbClr val="FFFFFF"/>
+                </a:highlight>
+                <a:latin typeface="Comic Sans MS" panose="030F0702030302020204" pitchFamily="66" charset="0"/>
+                <a:ea typeface="Roboto"/>
+                <a:cs typeface="Roboto"/>
+                <a:sym typeface="Roboto"/>
+              </a:rPr>
+              <a:t>balls of same color</a:t>
             </a:r>
             <a:r>
               <a:rPr lang="en" dirty="0" smtClean="0">
@@ -10478,6 +12320,2280 @@
   <p:clrMapOvr>
     <a:masterClrMapping/>
   </p:clrMapOvr>
+  <p:timing>
+    <p:tnLst>
+      <p:par>
+        <p:cTn id="1" dur="indefinite" restart="never" nodeType="tmRoot"/>
+      </p:par>
+    </p:tnLst>
+  </p:timing>
+</p:sld>
+</file>
+
+<file path=ppt/slides/slide25.xml><?xml version="1.0" encoding="utf-8"?>
+<p:sld xmlns:a="http://schemas.openxmlformats.org/drawingml/2006/main" xmlns:r="http://schemas.openxmlformats.org/officeDocument/2006/relationships" xmlns:p="http://schemas.openxmlformats.org/presentationml/2006/main">
+  <p:cSld>
+    <p:spTree>
+      <p:nvGrpSpPr>
+        <p:cNvPr id="1" name="Shape 125"/>
+        <p:cNvGrpSpPr/>
+        <p:nvPr/>
+      </p:nvGrpSpPr>
+      <p:grpSpPr>
+        <a:xfrm>
+          <a:off x="0" y="0"/>
+          <a:ext cx="0" cy="0"/>
+          <a:chOff x="0" y="0"/>
+          <a:chExt cx="0" cy="0"/>
+        </a:xfrm>
+      </p:grpSpPr>
+      <p:sp>
+        <p:nvSpPr>
+          <p:cNvPr id="126" name="Google Shape;126;p25"/>
+          <p:cNvSpPr txBox="1">
+            <a:spLocks noGrp="1"/>
+          </p:cNvSpPr>
+          <p:nvPr>
+            <p:ph type="title"/>
+          </p:nvPr>
+        </p:nvSpPr>
+        <p:spPr>
+          <a:xfrm>
+            <a:off x="311700" y="445025"/>
+            <a:ext cx="8520600" cy="572700"/>
+          </a:xfrm>
+          <a:prstGeom prst="rect">
+            <a:avLst/>
+          </a:prstGeom>
+        </p:spPr>
+        <p:txBody>
+          <a:bodyPr spcFirstLastPara="1" wrap="square" lIns="91425" tIns="91425" rIns="91425" bIns="91425" anchor="t" anchorCtr="0">
+            <a:noAutofit/>
+          </a:bodyPr>
+          <a:lstStyle/>
+          <a:p>
+            <a:pPr marL="0" lvl="0" indent="0" algn="l" rtl="0">
+              <a:spcBef>
+                <a:spcPts val="0"/>
+              </a:spcBef>
+              <a:spcAft>
+                <a:spcPts val="0"/>
+              </a:spcAft>
+              <a:buNone/>
+            </a:pPr>
+            <a:r>
+              <a:rPr lang="en-US" dirty="0" smtClean="0">
+                <a:latin typeface="Comic Sans MS" panose="030F0702030302020204" pitchFamily="66" charset="0"/>
+              </a:rPr>
+              <a:t>Recursive functions</a:t>
+            </a:r>
+            <a:endParaRPr dirty="0">
+              <a:latin typeface="Comic Sans MS" panose="030F0702030302020204" pitchFamily="66" charset="0"/>
+            </a:endParaRPr>
+          </a:p>
+        </p:txBody>
+      </p:sp>
+      <p:sp>
+        <p:nvSpPr>
+          <p:cNvPr id="127" name="Google Shape;127;p25"/>
+          <p:cNvSpPr txBox="1">
+            <a:spLocks noGrp="1"/>
+          </p:cNvSpPr>
+          <p:nvPr>
+            <p:ph type="body" idx="1"/>
+          </p:nvPr>
+        </p:nvSpPr>
+        <p:spPr>
+          <a:xfrm>
+            <a:off x="311700" y="1152475"/>
+            <a:ext cx="2732836" cy="1455643"/>
+          </a:xfrm>
+          <a:prstGeom prst="rect">
+            <a:avLst/>
+          </a:prstGeom>
+        </p:spPr>
+        <p:txBody>
+          <a:bodyPr spcFirstLastPara="1" wrap="square" lIns="91425" tIns="91425" rIns="91425" bIns="91425" anchor="t" anchorCtr="0">
+            <a:noAutofit/>
+          </a:bodyPr>
+          <a:lstStyle/>
+          <a:p>
+            <a:pPr marL="0" lvl="0" indent="0" algn="l" rtl="0">
+              <a:spcBef>
+                <a:spcPts val="0"/>
+              </a:spcBef>
+              <a:spcAft>
+                <a:spcPts val="0"/>
+              </a:spcAft>
+              <a:buClr>
+                <a:schemeClr val="dk1"/>
+              </a:buClr>
+              <a:buSzPts val="1100"/>
+              <a:buFont typeface="Arial"/>
+              <a:buNone/>
+            </a:pPr>
+            <a:r>
+              <a:rPr lang="en" dirty="0" smtClean="0">
+                <a:solidFill>
+                  <a:schemeClr val="dk1"/>
+                </a:solidFill>
+                <a:highlight>
+                  <a:srgbClr val="FFFFFF"/>
+                </a:highlight>
+                <a:latin typeface="Comic Sans MS" panose="030F0702030302020204" pitchFamily="66" charset="0"/>
+                <a:ea typeface="Roboto"/>
+                <a:cs typeface="Roboto"/>
+                <a:sym typeface="Roboto"/>
+              </a:rPr>
+              <a:t>f(0</a:t>
+            </a:r>
+            <a:r>
+              <a:rPr lang="en" dirty="0" smtClean="0">
+                <a:solidFill>
+                  <a:schemeClr val="dk1"/>
+                </a:solidFill>
+                <a:highlight>
+                  <a:srgbClr val="FFFFFF"/>
+                </a:highlight>
+                <a:latin typeface="Comic Sans MS" panose="030F0702030302020204" pitchFamily="66" charset="0"/>
+                <a:ea typeface="Roboto"/>
+                <a:cs typeface="Roboto"/>
+                <a:sym typeface="Roboto"/>
+              </a:rPr>
+              <a:t>) = 1</a:t>
+            </a:r>
+          </a:p>
+          <a:p>
+            <a:pPr marL="0" lvl="0" indent="0" algn="l" rtl="0">
+              <a:spcBef>
+                <a:spcPts val="0"/>
+              </a:spcBef>
+              <a:spcAft>
+                <a:spcPts val="0"/>
+              </a:spcAft>
+              <a:buClr>
+                <a:schemeClr val="dk1"/>
+              </a:buClr>
+              <a:buSzPts val="1100"/>
+              <a:buFont typeface="Arial"/>
+              <a:buNone/>
+            </a:pPr>
+            <a:r>
+              <a:rPr lang="en-US" dirty="0">
+                <a:solidFill>
+                  <a:schemeClr val="dk1"/>
+                </a:solidFill>
+                <a:highlight>
+                  <a:srgbClr val="FFFFFF"/>
+                </a:highlight>
+                <a:latin typeface="Comic Sans MS" panose="030F0702030302020204" pitchFamily="66" charset="0"/>
+                <a:ea typeface="Roboto"/>
+                <a:sym typeface="Roboto"/>
+              </a:rPr>
+              <a:t>f</a:t>
+            </a:r>
+            <a:r>
+              <a:rPr lang="en" dirty="0" smtClean="0">
+                <a:solidFill>
+                  <a:schemeClr val="dk1"/>
+                </a:solidFill>
+                <a:highlight>
+                  <a:srgbClr val="FFFFFF"/>
+                </a:highlight>
+                <a:latin typeface="Comic Sans MS" panose="030F0702030302020204" pitchFamily="66" charset="0"/>
+                <a:ea typeface="Roboto"/>
+                <a:sym typeface="Roboto"/>
+              </a:rPr>
+              <a:t>(1) = 2</a:t>
+            </a:r>
+          </a:p>
+          <a:p>
+            <a:pPr marL="0" lvl="0" indent="0" algn="l" rtl="0">
+              <a:spcBef>
+                <a:spcPts val="0"/>
+              </a:spcBef>
+              <a:spcAft>
+                <a:spcPts val="0"/>
+              </a:spcAft>
+              <a:buClr>
+                <a:schemeClr val="dk1"/>
+              </a:buClr>
+              <a:buSzPts val="1100"/>
+              <a:buFont typeface="Arial"/>
+              <a:buNone/>
+            </a:pPr>
+            <a:r>
+              <a:rPr lang="en-US" dirty="0">
+                <a:solidFill>
+                  <a:schemeClr val="dk1"/>
+                </a:solidFill>
+                <a:highlight>
+                  <a:srgbClr val="FFFFFF"/>
+                </a:highlight>
+                <a:latin typeface="Comic Sans MS" panose="030F0702030302020204" pitchFamily="66" charset="0"/>
+                <a:ea typeface="Roboto"/>
+                <a:sym typeface="Roboto"/>
+              </a:rPr>
+              <a:t>f</a:t>
+            </a:r>
+            <a:r>
+              <a:rPr lang="en" dirty="0" smtClean="0">
+                <a:solidFill>
+                  <a:schemeClr val="dk1"/>
+                </a:solidFill>
+                <a:highlight>
+                  <a:srgbClr val="FFFFFF"/>
+                </a:highlight>
+                <a:latin typeface="Comic Sans MS" panose="030F0702030302020204" pitchFamily="66" charset="0"/>
+                <a:ea typeface="Roboto"/>
+                <a:sym typeface="Roboto"/>
+              </a:rPr>
+              <a:t>(n) = 2f(n-1) +3 f(n-2)</a:t>
+            </a:r>
+          </a:p>
+          <a:p>
+            <a:pPr marL="0" lvl="0" indent="0" algn="l" rtl="0">
+              <a:spcBef>
+                <a:spcPts val="0"/>
+              </a:spcBef>
+              <a:spcAft>
+                <a:spcPts val="0"/>
+              </a:spcAft>
+              <a:buClr>
+                <a:schemeClr val="dk1"/>
+              </a:buClr>
+              <a:buSzPts val="1100"/>
+              <a:buFont typeface="Arial"/>
+              <a:buNone/>
+            </a:pPr>
+            <a:r>
+              <a:rPr lang="en-US" dirty="0">
+                <a:solidFill>
+                  <a:schemeClr val="dk1"/>
+                </a:solidFill>
+                <a:highlight>
+                  <a:srgbClr val="FFFFFF"/>
+                </a:highlight>
+                <a:latin typeface="Comic Sans MS" panose="030F0702030302020204" pitchFamily="66" charset="0"/>
+                <a:ea typeface="Roboto"/>
+                <a:sym typeface="Roboto"/>
+              </a:rPr>
+              <a:t>f</a:t>
+            </a:r>
+            <a:r>
+              <a:rPr lang="en" dirty="0" smtClean="0">
+                <a:solidFill>
+                  <a:schemeClr val="dk1"/>
+                </a:solidFill>
+                <a:highlight>
+                  <a:srgbClr val="FFFFFF"/>
+                </a:highlight>
+                <a:latin typeface="Comic Sans MS" panose="030F0702030302020204" pitchFamily="66" charset="0"/>
+                <a:ea typeface="Roboto"/>
+                <a:sym typeface="Roboto"/>
+              </a:rPr>
+              <a:t>(5</a:t>
+            </a:r>
+            <a:r>
+              <a:rPr lang="en" dirty="0" smtClean="0">
+                <a:solidFill>
+                  <a:schemeClr val="dk1"/>
+                </a:solidFill>
+                <a:highlight>
+                  <a:srgbClr val="FFFFFF"/>
+                </a:highlight>
+                <a:latin typeface="Comic Sans MS" panose="030F0702030302020204" pitchFamily="66" charset="0"/>
+                <a:ea typeface="Roboto"/>
+                <a:sym typeface="Roboto"/>
+              </a:rPr>
+              <a:t>) = ?</a:t>
+            </a:r>
+            <a:endParaRPr dirty="0">
+              <a:latin typeface="Comic Sans MS" panose="030F0702030302020204" pitchFamily="66" charset="0"/>
+            </a:endParaRPr>
+          </a:p>
+        </p:txBody>
+      </p:sp>
+      <p:sp>
+        <p:nvSpPr>
+          <p:cNvPr id="4" name="Google Shape;127;p25"/>
+          <p:cNvSpPr txBox="1">
+            <a:spLocks/>
+          </p:cNvSpPr>
+          <p:nvPr/>
+        </p:nvSpPr>
+        <p:spPr>
+          <a:xfrm>
+            <a:off x="4516555" y="1304874"/>
+            <a:ext cx="2732836" cy="1455643"/>
+          </a:xfrm>
+          <a:prstGeom prst="rect">
+            <a:avLst/>
+          </a:prstGeom>
+          <a:noFill/>
+          <a:ln>
+            <a:noFill/>
+          </a:ln>
+        </p:spPr>
+        <p:txBody>
+          <a:bodyPr spcFirstLastPara="1" wrap="square" lIns="91425" tIns="91425" rIns="91425" bIns="91425" anchor="t" anchorCtr="0">
+            <a:noAutofit/>
+          </a:bodyPr>
+          <a:lstStyle>
+            <a:defPPr marR="0" lvl="0" algn="l" rtl="0">
+              <a:lnSpc>
+                <a:spcPct val="100000"/>
+              </a:lnSpc>
+              <a:spcBef>
+                <a:spcPts val="0"/>
+              </a:spcBef>
+              <a:spcAft>
+                <a:spcPts val="0"/>
+              </a:spcAft>
+            </a:defPPr>
+            <a:lvl1pPr marL="457200" marR="0" lvl="0" indent="-342900" algn="l" rtl="0">
+              <a:lnSpc>
+                <a:spcPct val="115000"/>
+              </a:lnSpc>
+              <a:spcBef>
+                <a:spcPts val="0"/>
+              </a:spcBef>
+              <a:spcAft>
+                <a:spcPts val="0"/>
+              </a:spcAft>
+              <a:buClr>
+                <a:schemeClr val="dk2"/>
+              </a:buClr>
+              <a:buSzPts val="1800"/>
+              <a:buFont typeface="Arial"/>
+              <a:buChar char="●"/>
+              <a:defRPr sz="1800" b="0" i="0" u="none" strike="noStrike" cap="none">
+                <a:solidFill>
+                  <a:schemeClr val="dk2"/>
+                </a:solidFill>
+                <a:latin typeface="Arial"/>
+                <a:ea typeface="Arial"/>
+                <a:cs typeface="Arial"/>
+                <a:sym typeface="Arial"/>
+              </a:defRPr>
+            </a:lvl1pPr>
+            <a:lvl2pPr marL="914400" marR="0" lvl="1" indent="-317500" algn="l" rtl="0">
+              <a:lnSpc>
+                <a:spcPct val="115000"/>
+              </a:lnSpc>
+              <a:spcBef>
+                <a:spcPts val="1600"/>
+              </a:spcBef>
+              <a:spcAft>
+                <a:spcPts val="0"/>
+              </a:spcAft>
+              <a:buClr>
+                <a:schemeClr val="dk2"/>
+              </a:buClr>
+              <a:buSzPts val="1400"/>
+              <a:buFont typeface="Arial"/>
+              <a:buChar char="○"/>
+              <a:defRPr sz="1400" b="0" i="0" u="none" strike="noStrike" cap="none">
+                <a:solidFill>
+                  <a:schemeClr val="dk2"/>
+                </a:solidFill>
+                <a:latin typeface="Arial"/>
+                <a:ea typeface="Arial"/>
+                <a:cs typeface="Arial"/>
+                <a:sym typeface="Arial"/>
+              </a:defRPr>
+            </a:lvl2pPr>
+            <a:lvl3pPr marL="1371600" marR="0" lvl="2" indent="-317500" algn="l" rtl="0">
+              <a:lnSpc>
+                <a:spcPct val="115000"/>
+              </a:lnSpc>
+              <a:spcBef>
+                <a:spcPts val="1600"/>
+              </a:spcBef>
+              <a:spcAft>
+                <a:spcPts val="0"/>
+              </a:spcAft>
+              <a:buClr>
+                <a:schemeClr val="dk2"/>
+              </a:buClr>
+              <a:buSzPts val="1400"/>
+              <a:buFont typeface="Arial"/>
+              <a:buChar char="■"/>
+              <a:defRPr sz="1400" b="0" i="0" u="none" strike="noStrike" cap="none">
+                <a:solidFill>
+                  <a:schemeClr val="dk2"/>
+                </a:solidFill>
+                <a:latin typeface="Arial"/>
+                <a:ea typeface="Arial"/>
+                <a:cs typeface="Arial"/>
+                <a:sym typeface="Arial"/>
+              </a:defRPr>
+            </a:lvl3pPr>
+            <a:lvl4pPr marL="1828800" marR="0" lvl="3" indent="-317500" algn="l" rtl="0">
+              <a:lnSpc>
+                <a:spcPct val="115000"/>
+              </a:lnSpc>
+              <a:spcBef>
+                <a:spcPts val="1600"/>
+              </a:spcBef>
+              <a:spcAft>
+                <a:spcPts val="0"/>
+              </a:spcAft>
+              <a:buClr>
+                <a:schemeClr val="dk2"/>
+              </a:buClr>
+              <a:buSzPts val="1400"/>
+              <a:buFont typeface="Arial"/>
+              <a:buChar char="●"/>
+              <a:defRPr sz="1400" b="0" i="0" u="none" strike="noStrike" cap="none">
+                <a:solidFill>
+                  <a:schemeClr val="dk2"/>
+                </a:solidFill>
+                <a:latin typeface="Arial"/>
+                <a:ea typeface="Arial"/>
+                <a:cs typeface="Arial"/>
+                <a:sym typeface="Arial"/>
+              </a:defRPr>
+            </a:lvl4pPr>
+            <a:lvl5pPr marL="2286000" marR="0" lvl="4" indent="-317500" algn="l" rtl="0">
+              <a:lnSpc>
+                <a:spcPct val="115000"/>
+              </a:lnSpc>
+              <a:spcBef>
+                <a:spcPts val="1600"/>
+              </a:spcBef>
+              <a:spcAft>
+                <a:spcPts val="0"/>
+              </a:spcAft>
+              <a:buClr>
+                <a:schemeClr val="dk2"/>
+              </a:buClr>
+              <a:buSzPts val="1400"/>
+              <a:buFont typeface="Arial"/>
+              <a:buChar char="○"/>
+              <a:defRPr sz="1400" b="0" i="0" u="none" strike="noStrike" cap="none">
+                <a:solidFill>
+                  <a:schemeClr val="dk2"/>
+                </a:solidFill>
+                <a:latin typeface="Arial"/>
+                <a:ea typeface="Arial"/>
+                <a:cs typeface="Arial"/>
+                <a:sym typeface="Arial"/>
+              </a:defRPr>
+            </a:lvl5pPr>
+            <a:lvl6pPr marL="2743200" marR="0" lvl="5" indent="-317500" algn="l" rtl="0">
+              <a:lnSpc>
+                <a:spcPct val="115000"/>
+              </a:lnSpc>
+              <a:spcBef>
+                <a:spcPts val="1600"/>
+              </a:spcBef>
+              <a:spcAft>
+                <a:spcPts val="0"/>
+              </a:spcAft>
+              <a:buClr>
+                <a:schemeClr val="dk2"/>
+              </a:buClr>
+              <a:buSzPts val="1400"/>
+              <a:buFont typeface="Arial"/>
+              <a:buChar char="■"/>
+              <a:defRPr sz="1400" b="0" i="0" u="none" strike="noStrike" cap="none">
+                <a:solidFill>
+                  <a:schemeClr val="dk2"/>
+                </a:solidFill>
+                <a:latin typeface="Arial"/>
+                <a:ea typeface="Arial"/>
+                <a:cs typeface="Arial"/>
+                <a:sym typeface="Arial"/>
+              </a:defRPr>
+            </a:lvl6pPr>
+            <a:lvl7pPr marL="3200400" marR="0" lvl="6" indent="-317500" algn="l" rtl="0">
+              <a:lnSpc>
+                <a:spcPct val="115000"/>
+              </a:lnSpc>
+              <a:spcBef>
+                <a:spcPts val="1600"/>
+              </a:spcBef>
+              <a:spcAft>
+                <a:spcPts val="0"/>
+              </a:spcAft>
+              <a:buClr>
+                <a:schemeClr val="dk2"/>
+              </a:buClr>
+              <a:buSzPts val="1400"/>
+              <a:buFont typeface="Arial"/>
+              <a:buChar char="●"/>
+              <a:defRPr sz="1400" b="0" i="0" u="none" strike="noStrike" cap="none">
+                <a:solidFill>
+                  <a:schemeClr val="dk2"/>
+                </a:solidFill>
+                <a:latin typeface="Arial"/>
+                <a:ea typeface="Arial"/>
+                <a:cs typeface="Arial"/>
+                <a:sym typeface="Arial"/>
+              </a:defRPr>
+            </a:lvl7pPr>
+            <a:lvl8pPr marL="3657600" marR="0" lvl="7" indent="-317500" algn="l" rtl="0">
+              <a:lnSpc>
+                <a:spcPct val="115000"/>
+              </a:lnSpc>
+              <a:spcBef>
+                <a:spcPts val="1600"/>
+              </a:spcBef>
+              <a:spcAft>
+                <a:spcPts val="0"/>
+              </a:spcAft>
+              <a:buClr>
+                <a:schemeClr val="dk2"/>
+              </a:buClr>
+              <a:buSzPts val="1400"/>
+              <a:buFont typeface="Arial"/>
+              <a:buChar char="○"/>
+              <a:defRPr sz="1400" b="0" i="0" u="none" strike="noStrike" cap="none">
+                <a:solidFill>
+                  <a:schemeClr val="dk2"/>
+                </a:solidFill>
+                <a:latin typeface="Arial"/>
+                <a:ea typeface="Arial"/>
+                <a:cs typeface="Arial"/>
+                <a:sym typeface="Arial"/>
+              </a:defRPr>
+            </a:lvl8pPr>
+            <a:lvl9pPr marL="4114800" marR="0" lvl="8" indent="-317500" algn="l" rtl="0">
+              <a:lnSpc>
+                <a:spcPct val="115000"/>
+              </a:lnSpc>
+              <a:spcBef>
+                <a:spcPts val="1600"/>
+              </a:spcBef>
+              <a:spcAft>
+                <a:spcPts val="1600"/>
+              </a:spcAft>
+              <a:buClr>
+                <a:schemeClr val="dk2"/>
+              </a:buClr>
+              <a:buSzPts val="1400"/>
+              <a:buFont typeface="Arial"/>
+              <a:buChar char="■"/>
+              <a:defRPr sz="1400" b="0" i="0" u="none" strike="noStrike" cap="none">
+                <a:solidFill>
+                  <a:schemeClr val="dk2"/>
+                </a:solidFill>
+                <a:latin typeface="Arial"/>
+                <a:ea typeface="Arial"/>
+                <a:cs typeface="Arial"/>
+                <a:sym typeface="Arial"/>
+              </a:defRPr>
+            </a:lvl9pPr>
+          </a:lstStyle>
+          <a:p>
+            <a:pPr marL="0" indent="0">
+              <a:buClr>
+                <a:schemeClr val="dk1"/>
+              </a:buClr>
+              <a:buSzPts val="1100"/>
+              <a:buFont typeface="Arial"/>
+              <a:buNone/>
+            </a:pPr>
+            <a:r>
+              <a:rPr lang="pt-BR" dirty="0" smtClean="0">
+                <a:solidFill>
+                  <a:schemeClr val="dk1"/>
+                </a:solidFill>
+                <a:highlight>
+                  <a:srgbClr val="FFFFFF"/>
+                </a:highlight>
+                <a:latin typeface="Comic Sans MS" panose="030F0702030302020204" pitchFamily="66" charset="0"/>
+                <a:ea typeface="Roboto"/>
+                <a:sym typeface="Roboto"/>
+              </a:rPr>
+              <a:t>f(n) = 2f(n-1) +3 f(n-2)</a:t>
+            </a:r>
+          </a:p>
+          <a:p>
+            <a:pPr marL="0" indent="0">
+              <a:buClr>
+                <a:schemeClr val="dk1"/>
+              </a:buClr>
+              <a:buSzPts val="1100"/>
+              <a:buFont typeface="Arial"/>
+              <a:buNone/>
+            </a:pPr>
+            <a:r>
+              <a:rPr lang="pt-BR" dirty="0">
+                <a:solidFill>
+                  <a:schemeClr val="dk1"/>
+                </a:solidFill>
+                <a:highlight>
+                  <a:srgbClr val="FFFFFF"/>
+                </a:highlight>
+                <a:latin typeface="Comic Sans MS" panose="030F0702030302020204" pitchFamily="66" charset="0"/>
+                <a:ea typeface="Roboto"/>
+                <a:sym typeface="Roboto"/>
+              </a:rPr>
+              <a:t>f</a:t>
+            </a:r>
+            <a:r>
+              <a:rPr lang="pt-BR" dirty="0" smtClean="0">
+                <a:solidFill>
+                  <a:schemeClr val="dk1"/>
+                </a:solidFill>
+                <a:highlight>
+                  <a:srgbClr val="FFFFFF"/>
+                </a:highlight>
+                <a:latin typeface="Comic Sans MS" panose="030F0702030302020204" pitchFamily="66" charset="0"/>
+                <a:ea typeface="Roboto"/>
+                <a:sym typeface="Roboto"/>
+              </a:rPr>
+              <a:t>(2) = 2f(1) + 3f(0)</a:t>
+            </a:r>
+          </a:p>
+          <a:p>
+            <a:pPr marL="0" indent="0">
+              <a:buClr>
+                <a:schemeClr val="dk1"/>
+              </a:buClr>
+              <a:buSzPts val="1100"/>
+              <a:buFont typeface="Arial"/>
+              <a:buNone/>
+            </a:pPr>
+            <a:r>
+              <a:rPr lang="pt-BR" dirty="0">
+                <a:solidFill>
+                  <a:schemeClr val="dk1"/>
+                </a:solidFill>
+                <a:highlight>
+                  <a:srgbClr val="FFFFFF"/>
+                </a:highlight>
+                <a:latin typeface="Comic Sans MS" panose="030F0702030302020204" pitchFamily="66" charset="0"/>
+                <a:ea typeface="Roboto"/>
+                <a:sym typeface="Roboto"/>
+              </a:rPr>
+              <a:t> </a:t>
+            </a:r>
+            <a:r>
+              <a:rPr lang="pt-BR" dirty="0" smtClean="0">
+                <a:solidFill>
+                  <a:schemeClr val="dk1"/>
+                </a:solidFill>
+                <a:highlight>
+                  <a:srgbClr val="FFFFFF"/>
+                </a:highlight>
+                <a:latin typeface="Comic Sans MS" panose="030F0702030302020204" pitchFamily="66" charset="0"/>
+                <a:ea typeface="Roboto"/>
+                <a:sym typeface="Roboto"/>
+              </a:rPr>
+              <a:t>      =  2*2 + 3*1</a:t>
+            </a:r>
+          </a:p>
+          <a:p>
+            <a:pPr marL="0" indent="0">
+              <a:buClr>
+                <a:schemeClr val="dk1"/>
+              </a:buClr>
+              <a:buSzPts val="1100"/>
+              <a:buFont typeface="Arial"/>
+              <a:buNone/>
+            </a:pPr>
+            <a:r>
+              <a:rPr lang="pt-BR" dirty="0">
+                <a:solidFill>
+                  <a:schemeClr val="dk1"/>
+                </a:solidFill>
+                <a:highlight>
+                  <a:srgbClr val="FFFFFF"/>
+                </a:highlight>
+                <a:latin typeface="Comic Sans MS" panose="030F0702030302020204" pitchFamily="66" charset="0"/>
+                <a:ea typeface="Roboto"/>
+                <a:sym typeface="Roboto"/>
+              </a:rPr>
+              <a:t> </a:t>
+            </a:r>
+            <a:r>
+              <a:rPr lang="pt-BR" dirty="0" smtClean="0">
+                <a:solidFill>
+                  <a:schemeClr val="dk1"/>
+                </a:solidFill>
+                <a:highlight>
+                  <a:srgbClr val="FFFFFF"/>
+                </a:highlight>
+                <a:latin typeface="Comic Sans MS" panose="030F0702030302020204" pitchFamily="66" charset="0"/>
+                <a:ea typeface="Roboto"/>
+                <a:sym typeface="Roboto"/>
+              </a:rPr>
+              <a:t>      = 7 </a:t>
+            </a:r>
+            <a:endParaRPr lang="pt-BR" dirty="0">
+              <a:latin typeface="Comic Sans MS" panose="030F0702030302020204" pitchFamily="66" charset="0"/>
+            </a:endParaRPr>
+          </a:p>
+        </p:txBody>
+      </p:sp>
+      <p:sp>
+        <p:nvSpPr>
+          <p:cNvPr id="5" name="Google Shape;127;p25"/>
+          <p:cNvSpPr txBox="1">
+            <a:spLocks/>
+          </p:cNvSpPr>
+          <p:nvPr/>
+        </p:nvSpPr>
+        <p:spPr>
+          <a:xfrm>
+            <a:off x="533374" y="2917295"/>
+            <a:ext cx="2732836" cy="1455643"/>
+          </a:xfrm>
+          <a:prstGeom prst="rect">
+            <a:avLst/>
+          </a:prstGeom>
+          <a:noFill/>
+          <a:ln>
+            <a:noFill/>
+          </a:ln>
+        </p:spPr>
+        <p:txBody>
+          <a:bodyPr spcFirstLastPara="1" wrap="square" lIns="91425" tIns="91425" rIns="91425" bIns="91425" anchor="t" anchorCtr="0">
+            <a:noAutofit/>
+          </a:bodyPr>
+          <a:lstStyle>
+            <a:defPPr marR="0" lvl="0" algn="l" rtl="0">
+              <a:lnSpc>
+                <a:spcPct val="100000"/>
+              </a:lnSpc>
+              <a:spcBef>
+                <a:spcPts val="0"/>
+              </a:spcBef>
+              <a:spcAft>
+                <a:spcPts val="0"/>
+              </a:spcAft>
+            </a:defPPr>
+            <a:lvl1pPr marL="457200" marR="0" lvl="0" indent="-342900" algn="l" rtl="0">
+              <a:lnSpc>
+                <a:spcPct val="115000"/>
+              </a:lnSpc>
+              <a:spcBef>
+                <a:spcPts val="0"/>
+              </a:spcBef>
+              <a:spcAft>
+                <a:spcPts val="0"/>
+              </a:spcAft>
+              <a:buClr>
+                <a:schemeClr val="dk2"/>
+              </a:buClr>
+              <a:buSzPts val="1800"/>
+              <a:buFont typeface="Arial"/>
+              <a:buChar char="●"/>
+              <a:defRPr sz="1800" b="0" i="0" u="none" strike="noStrike" cap="none">
+                <a:solidFill>
+                  <a:schemeClr val="dk2"/>
+                </a:solidFill>
+                <a:latin typeface="Arial"/>
+                <a:ea typeface="Arial"/>
+                <a:cs typeface="Arial"/>
+                <a:sym typeface="Arial"/>
+              </a:defRPr>
+            </a:lvl1pPr>
+            <a:lvl2pPr marL="914400" marR="0" lvl="1" indent="-317500" algn="l" rtl="0">
+              <a:lnSpc>
+                <a:spcPct val="115000"/>
+              </a:lnSpc>
+              <a:spcBef>
+                <a:spcPts val="1600"/>
+              </a:spcBef>
+              <a:spcAft>
+                <a:spcPts val="0"/>
+              </a:spcAft>
+              <a:buClr>
+                <a:schemeClr val="dk2"/>
+              </a:buClr>
+              <a:buSzPts val="1400"/>
+              <a:buFont typeface="Arial"/>
+              <a:buChar char="○"/>
+              <a:defRPr sz="1400" b="0" i="0" u="none" strike="noStrike" cap="none">
+                <a:solidFill>
+                  <a:schemeClr val="dk2"/>
+                </a:solidFill>
+                <a:latin typeface="Arial"/>
+                <a:ea typeface="Arial"/>
+                <a:cs typeface="Arial"/>
+                <a:sym typeface="Arial"/>
+              </a:defRPr>
+            </a:lvl2pPr>
+            <a:lvl3pPr marL="1371600" marR="0" lvl="2" indent="-317500" algn="l" rtl="0">
+              <a:lnSpc>
+                <a:spcPct val="115000"/>
+              </a:lnSpc>
+              <a:spcBef>
+                <a:spcPts val="1600"/>
+              </a:spcBef>
+              <a:spcAft>
+                <a:spcPts val="0"/>
+              </a:spcAft>
+              <a:buClr>
+                <a:schemeClr val="dk2"/>
+              </a:buClr>
+              <a:buSzPts val="1400"/>
+              <a:buFont typeface="Arial"/>
+              <a:buChar char="■"/>
+              <a:defRPr sz="1400" b="0" i="0" u="none" strike="noStrike" cap="none">
+                <a:solidFill>
+                  <a:schemeClr val="dk2"/>
+                </a:solidFill>
+                <a:latin typeface="Arial"/>
+                <a:ea typeface="Arial"/>
+                <a:cs typeface="Arial"/>
+                <a:sym typeface="Arial"/>
+              </a:defRPr>
+            </a:lvl3pPr>
+            <a:lvl4pPr marL="1828800" marR="0" lvl="3" indent="-317500" algn="l" rtl="0">
+              <a:lnSpc>
+                <a:spcPct val="115000"/>
+              </a:lnSpc>
+              <a:spcBef>
+                <a:spcPts val="1600"/>
+              </a:spcBef>
+              <a:spcAft>
+                <a:spcPts val="0"/>
+              </a:spcAft>
+              <a:buClr>
+                <a:schemeClr val="dk2"/>
+              </a:buClr>
+              <a:buSzPts val="1400"/>
+              <a:buFont typeface="Arial"/>
+              <a:buChar char="●"/>
+              <a:defRPr sz="1400" b="0" i="0" u="none" strike="noStrike" cap="none">
+                <a:solidFill>
+                  <a:schemeClr val="dk2"/>
+                </a:solidFill>
+                <a:latin typeface="Arial"/>
+                <a:ea typeface="Arial"/>
+                <a:cs typeface="Arial"/>
+                <a:sym typeface="Arial"/>
+              </a:defRPr>
+            </a:lvl4pPr>
+            <a:lvl5pPr marL="2286000" marR="0" lvl="4" indent="-317500" algn="l" rtl="0">
+              <a:lnSpc>
+                <a:spcPct val="115000"/>
+              </a:lnSpc>
+              <a:spcBef>
+                <a:spcPts val="1600"/>
+              </a:spcBef>
+              <a:spcAft>
+                <a:spcPts val="0"/>
+              </a:spcAft>
+              <a:buClr>
+                <a:schemeClr val="dk2"/>
+              </a:buClr>
+              <a:buSzPts val="1400"/>
+              <a:buFont typeface="Arial"/>
+              <a:buChar char="○"/>
+              <a:defRPr sz="1400" b="0" i="0" u="none" strike="noStrike" cap="none">
+                <a:solidFill>
+                  <a:schemeClr val="dk2"/>
+                </a:solidFill>
+                <a:latin typeface="Arial"/>
+                <a:ea typeface="Arial"/>
+                <a:cs typeface="Arial"/>
+                <a:sym typeface="Arial"/>
+              </a:defRPr>
+            </a:lvl5pPr>
+            <a:lvl6pPr marL="2743200" marR="0" lvl="5" indent="-317500" algn="l" rtl="0">
+              <a:lnSpc>
+                <a:spcPct val="115000"/>
+              </a:lnSpc>
+              <a:spcBef>
+                <a:spcPts val="1600"/>
+              </a:spcBef>
+              <a:spcAft>
+                <a:spcPts val="0"/>
+              </a:spcAft>
+              <a:buClr>
+                <a:schemeClr val="dk2"/>
+              </a:buClr>
+              <a:buSzPts val="1400"/>
+              <a:buFont typeface="Arial"/>
+              <a:buChar char="■"/>
+              <a:defRPr sz="1400" b="0" i="0" u="none" strike="noStrike" cap="none">
+                <a:solidFill>
+                  <a:schemeClr val="dk2"/>
+                </a:solidFill>
+                <a:latin typeface="Arial"/>
+                <a:ea typeface="Arial"/>
+                <a:cs typeface="Arial"/>
+                <a:sym typeface="Arial"/>
+              </a:defRPr>
+            </a:lvl6pPr>
+            <a:lvl7pPr marL="3200400" marR="0" lvl="6" indent="-317500" algn="l" rtl="0">
+              <a:lnSpc>
+                <a:spcPct val="115000"/>
+              </a:lnSpc>
+              <a:spcBef>
+                <a:spcPts val="1600"/>
+              </a:spcBef>
+              <a:spcAft>
+                <a:spcPts val="0"/>
+              </a:spcAft>
+              <a:buClr>
+                <a:schemeClr val="dk2"/>
+              </a:buClr>
+              <a:buSzPts val="1400"/>
+              <a:buFont typeface="Arial"/>
+              <a:buChar char="●"/>
+              <a:defRPr sz="1400" b="0" i="0" u="none" strike="noStrike" cap="none">
+                <a:solidFill>
+                  <a:schemeClr val="dk2"/>
+                </a:solidFill>
+                <a:latin typeface="Arial"/>
+                <a:ea typeface="Arial"/>
+                <a:cs typeface="Arial"/>
+                <a:sym typeface="Arial"/>
+              </a:defRPr>
+            </a:lvl7pPr>
+            <a:lvl8pPr marL="3657600" marR="0" lvl="7" indent="-317500" algn="l" rtl="0">
+              <a:lnSpc>
+                <a:spcPct val="115000"/>
+              </a:lnSpc>
+              <a:spcBef>
+                <a:spcPts val="1600"/>
+              </a:spcBef>
+              <a:spcAft>
+                <a:spcPts val="0"/>
+              </a:spcAft>
+              <a:buClr>
+                <a:schemeClr val="dk2"/>
+              </a:buClr>
+              <a:buSzPts val="1400"/>
+              <a:buFont typeface="Arial"/>
+              <a:buChar char="○"/>
+              <a:defRPr sz="1400" b="0" i="0" u="none" strike="noStrike" cap="none">
+                <a:solidFill>
+                  <a:schemeClr val="dk2"/>
+                </a:solidFill>
+                <a:latin typeface="Arial"/>
+                <a:ea typeface="Arial"/>
+                <a:cs typeface="Arial"/>
+                <a:sym typeface="Arial"/>
+              </a:defRPr>
+            </a:lvl8pPr>
+            <a:lvl9pPr marL="4114800" marR="0" lvl="8" indent="-317500" algn="l" rtl="0">
+              <a:lnSpc>
+                <a:spcPct val="115000"/>
+              </a:lnSpc>
+              <a:spcBef>
+                <a:spcPts val="1600"/>
+              </a:spcBef>
+              <a:spcAft>
+                <a:spcPts val="1600"/>
+              </a:spcAft>
+              <a:buClr>
+                <a:schemeClr val="dk2"/>
+              </a:buClr>
+              <a:buSzPts val="1400"/>
+              <a:buFont typeface="Arial"/>
+              <a:buChar char="■"/>
+              <a:defRPr sz="1400" b="0" i="0" u="none" strike="noStrike" cap="none">
+                <a:solidFill>
+                  <a:schemeClr val="dk2"/>
+                </a:solidFill>
+                <a:latin typeface="Arial"/>
+                <a:ea typeface="Arial"/>
+                <a:cs typeface="Arial"/>
+                <a:sym typeface="Arial"/>
+              </a:defRPr>
+            </a:lvl9pPr>
+          </a:lstStyle>
+          <a:p>
+            <a:pPr marL="0" indent="0">
+              <a:buClr>
+                <a:schemeClr val="dk1"/>
+              </a:buClr>
+              <a:buSzPts val="1100"/>
+              <a:buFont typeface="Arial"/>
+              <a:buNone/>
+            </a:pPr>
+            <a:r>
+              <a:rPr lang="pt-BR" dirty="0" smtClean="0">
+                <a:solidFill>
+                  <a:schemeClr val="dk1"/>
+                </a:solidFill>
+                <a:highlight>
+                  <a:srgbClr val="FFFFFF"/>
+                </a:highlight>
+                <a:latin typeface="Comic Sans MS" panose="030F0702030302020204" pitchFamily="66" charset="0"/>
+                <a:ea typeface="Roboto"/>
+                <a:sym typeface="Roboto"/>
+              </a:rPr>
+              <a:t>f(n) = 2f(n-1) +3 f(n-2)</a:t>
+            </a:r>
+          </a:p>
+          <a:p>
+            <a:pPr marL="0" indent="0">
+              <a:buClr>
+                <a:schemeClr val="dk1"/>
+              </a:buClr>
+              <a:buSzPts val="1100"/>
+              <a:buFont typeface="Arial"/>
+              <a:buNone/>
+            </a:pPr>
+            <a:r>
+              <a:rPr lang="pt-BR" dirty="0">
+                <a:solidFill>
+                  <a:schemeClr val="dk1"/>
+                </a:solidFill>
+                <a:highlight>
+                  <a:srgbClr val="FFFFFF"/>
+                </a:highlight>
+                <a:latin typeface="Comic Sans MS" panose="030F0702030302020204" pitchFamily="66" charset="0"/>
+                <a:ea typeface="Roboto"/>
+                <a:sym typeface="Roboto"/>
+              </a:rPr>
+              <a:t>f</a:t>
+            </a:r>
+            <a:r>
+              <a:rPr lang="pt-BR" dirty="0" smtClean="0">
+                <a:solidFill>
+                  <a:schemeClr val="dk1"/>
+                </a:solidFill>
+                <a:highlight>
+                  <a:srgbClr val="FFFFFF"/>
+                </a:highlight>
+                <a:latin typeface="Comic Sans MS" panose="030F0702030302020204" pitchFamily="66" charset="0"/>
+                <a:ea typeface="Roboto"/>
+                <a:sym typeface="Roboto"/>
+              </a:rPr>
+              <a:t>(3) = 2f(2) + 3f(1)</a:t>
+            </a:r>
+          </a:p>
+          <a:p>
+            <a:pPr marL="0" indent="0">
+              <a:buClr>
+                <a:schemeClr val="dk1"/>
+              </a:buClr>
+              <a:buSzPts val="1100"/>
+              <a:buFont typeface="Arial"/>
+              <a:buNone/>
+            </a:pPr>
+            <a:r>
+              <a:rPr lang="pt-BR" dirty="0">
+                <a:solidFill>
+                  <a:schemeClr val="dk1"/>
+                </a:solidFill>
+                <a:highlight>
+                  <a:srgbClr val="FFFFFF"/>
+                </a:highlight>
+                <a:latin typeface="Comic Sans MS" panose="030F0702030302020204" pitchFamily="66" charset="0"/>
+                <a:ea typeface="Roboto"/>
+                <a:sym typeface="Roboto"/>
+              </a:rPr>
+              <a:t> </a:t>
+            </a:r>
+            <a:r>
+              <a:rPr lang="pt-BR" dirty="0" smtClean="0">
+                <a:solidFill>
+                  <a:schemeClr val="dk1"/>
+                </a:solidFill>
+                <a:highlight>
+                  <a:srgbClr val="FFFFFF"/>
+                </a:highlight>
+                <a:latin typeface="Comic Sans MS" panose="030F0702030302020204" pitchFamily="66" charset="0"/>
+                <a:ea typeface="Roboto"/>
+                <a:sym typeface="Roboto"/>
+              </a:rPr>
+              <a:t>      =  2*7 + 3*2</a:t>
+            </a:r>
+          </a:p>
+          <a:p>
+            <a:pPr marL="0" indent="0">
+              <a:buClr>
+                <a:schemeClr val="dk1"/>
+              </a:buClr>
+              <a:buSzPts val="1100"/>
+              <a:buFont typeface="Arial"/>
+              <a:buNone/>
+            </a:pPr>
+            <a:r>
+              <a:rPr lang="pt-BR" dirty="0">
+                <a:solidFill>
+                  <a:schemeClr val="dk1"/>
+                </a:solidFill>
+                <a:highlight>
+                  <a:srgbClr val="FFFFFF"/>
+                </a:highlight>
+                <a:latin typeface="Comic Sans MS" panose="030F0702030302020204" pitchFamily="66" charset="0"/>
+                <a:ea typeface="Roboto"/>
+                <a:sym typeface="Roboto"/>
+              </a:rPr>
+              <a:t> </a:t>
+            </a:r>
+            <a:r>
+              <a:rPr lang="pt-BR" dirty="0" smtClean="0">
+                <a:solidFill>
+                  <a:schemeClr val="dk1"/>
+                </a:solidFill>
+                <a:highlight>
+                  <a:srgbClr val="FFFFFF"/>
+                </a:highlight>
+                <a:latin typeface="Comic Sans MS" panose="030F0702030302020204" pitchFamily="66" charset="0"/>
+                <a:ea typeface="Roboto"/>
+                <a:sym typeface="Roboto"/>
+              </a:rPr>
+              <a:t>      = 20</a:t>
+            </a:r>
+            <a:endParaRPr lang="pt-BR" dirty="0">
+              <a:latin typeface="Comic Sans MS" panose="030F0702030302020204" pitchFamily="66" charset="0"/>
+            </a:endParaRPr>
+          </a:p>
+        </p:txBody>
+      </p:sp>
+      <p:sp>
+        <p:nvSpPr>
+          <p:cNvPr id="6" name="Google Shape;127;p25"/>
+          <p:cNvSpPr txBox="1">
+            <a:spLocks/>
+          </p:cNvSpPr>
+          <p:nvPr/>
+        </p:nvSpPr>
+        <p:spPr>
+          <a:xfrm>
+            <a:off x="4516555" y="3054206"/>
+            <a:ext cx="2732836" cy="1455643"/>
+          </a:xfrm>
+          <a:prstGeom prst="rect">
+            <a:avLst/>
+          </a:prstGeom>
+          <a:noFill/>
+          <a:ln>
+            <a:noFill/>
+          </a:ln>
+        </p:spPr>
+        <p:txBody>
+          <a:bodyPr spcFirstLastPara="1" wrap="square" lIns="91425" tIns="91425" rIns="91425" bIns="91425" anchor="t" anchorCtr="0">
+            <a:noAutofit/>
+          </a:bodyPr>
+          <a:lstStyle>
+            <a:defPPr marR="0" lvl="0" algn="l" rtl="0">
+              <a:lnSpc>
+                <a:spcPct val="100000"/>
+              </a:lnSpc>
+              <a:spcBef>
+                <a:spcPts val="0"/>
+              </a:spcBef>
+              <a:spcAft>
+                <a:spcPts val="0"/>
+              </a:spcAft>
+            </a:defPPr>
+            <a:lvl1pPr marL="457200" marR="0" lvl="0" indent="-342900" algn="l" rtl="0">
+              <a:lnSpc>
+                <a:spcPct val="115000"/>
+              </a:lnSpc>
+              <a:spcBef>
+                <a:spcPts val="0"/>
+              </a:spcBef>
+              <a:spcAft>
+                <a:spcPts val="0"/>
+              </a:spcAft>
+              <a:buClr>
+                <a:schemeClr val="dk2"/>
+              </a:buClr>
+              <a:buSzPts val="1800"/>
+              <a:buFont typeface="Arial"/>
+              <a:buChar char="●"/>
+              <a:defRPr sz="1800" b="0" i="0" u="none" strike="noStrike" cap="none">
+                <a:solidFill>
+                  <a:schemeClr val="dk2"/>
+                </a:solidFill>
+                <a:latin typeface="Arial"/>
+                <a:ea typeface="Arial"/>
+                <a:cs typeface="Arial"/>
+                <a:sym typeface="Arial"/>
+              </a:defRPr>
+            </a:lvl1pPr>
+            <a:lvl2pPr marL="914400" marR="0" lvl="1" indent="-317500" algn="l" rtl="0">
+              <a:lnSpc>
+                <a:spcPct val="115000"/>
+              </a:lnSpc>
+              <a:spcBef>
+                <a:spcPts val="1600"/>
+              </a:spcBef>
+              <a:spcAft>
+                <a:spcPts val="0"/>
+              </a:spcAft>
+              <a:buClr>
+                <a:schemeClr val="dk2"/>
+              </a:buClr>
+              <a:buSzPts val="1400"/>
+              <a:buFont typeface="Arial"/>
+              <a:buChar char="○"/>
+              <a:defRPr sz="1400" b="0" i="0" u="none" strike="noStrike" cap="none">
+                <a:solidFill>
+                  <a:schemeClr val="dk2"/>
+                </a:solidFill>
+                <a:latin typeface="Arial"/>
+                <a:ea typeface="Arial"/>
+                <a:cs typeface="Arial"/>
+                <a:sym typeface="Arial"/>
+              </a:defRPr>
+            </a:lvl2pPr>
+            <a:lvl3pPr marL="1371600" marR="0" lvl="2" indent="-317500" algn="l" rtl="0">
+              <a:lnSpc>
+                <a:spcPct val="115000"/>
+              </a:lnSpc>
+              <a:spcBef>
+                <a:spcPts val="1600"/>
+              </a:spcBef>
+              <a:spcAft>
+                <a:spcPts val="0"/>
+              </a:spcAft>
+              <a:buClr>
+                <a:schemeClr val="dk2"/>
+              </a:buClr>
+              <a:buSzPts val="1400"/>
+              <a:buFont typeface="Arial"/>
+              <a:buChar char="■"/>
+              <a:defRPr sz="1400" b="0" i="0" u="none" strike="noStrike" cap="none">
+                <a:solidFill>
+                  <a:schemeClr val="dk2"/>
+                </a:solidFill>
+                <a:latin typeface="Arial"/>
+                <a:ea typeface="Arial"/>
+                <a:cs typeface="Arial"/>
+                <a:sym typeface="Arial"/>
+              </a:defRPr>
+            </a:lvl3pPr>
+            <a:lvl4pPr marL="1828800" marR="0" lvl="3" indent="-317500" algn="l" rtl="0">
+              <a:lnSpc>
+                <a:spcPct val="115000"/>
+              </a:lnSpc>
+              <a:spcBef>
+                <a:spcPts val="1600"/>
+              </a:spcBef>
+              <a:spcAft>
+                <a:spcPts val="0"/>
+              </a:spcAft>
+              <a:buClr>
+                <a:schemeClr val="dk2"/>
+              </a:buClr>
+              <a:buSzPts val="1400"/>
+              <a:buFont typeface="Arial"/>
+              <a:buChar char="●"/>
+              <a:defRPr sz="1400" b="0" i="0" u="none" strike="noStrike" cap="none">
+                <a:solidFill>
+                  <a:schemeClr val="dk2"/>
+                </a:solidFill>
+                <a:latin typeface="Arial"/>
+                <a:ea typeface="Arial"/>
+                <a:cs typeface="Arial"/>
+                <a:sym typeface="Arial"/>
+              </a:defRPr>
+            </a:lvl4pPr>
+            <a:lvl5pPr marL="2286000" marR="0" lvl="4" indent="-317500" algn="l" rtl="0">
+              <a:lnSpc>
+                <a:spcPct val="115000"/>
+              </a:lnSpc>
+              <a:spcBef>
+                <a:spcPts val="1600"/>
+              </a:spcBef>
+              <a:spcAft>
+                <a:spcPts val="0"/>
+              </a:spcAft>
+              <a:buClr>
+                <a:schemeClr val="dk2"/>
+              </a:buClr>
+              <a:buSzPts val="1400"/>
+              <a:buFont typeface="Arial"/>
+              <a:buChar char="○"/>
+              <a:defRPr sz="1400" b="0" i="0" u="none" strike="noStrike" cap="none">
+                <a:solidFill>
+                  <a:schemeClr val="dk2"/>
+                </a:solidFill>
+                <a:latin typeface="Arial"/>
+                <a:ea typeface="Arial"/>
+                <a:cs typeface="Arial"/>
+                <a:sym typeface="Arial"/>
+              </a:defRPr>
+            </a:lvl5pPr>
+            <a:lvl6pPr marL="2743200" marR="0" lvl="5" indent="-317500" algn="l" rtl="0">
+              <a:lnSpc>
+                <a:spcPct val="115000"/>
+              </a:lnSpc>
+              <a:spcBef>
+                <a:spcPts val="1600"/>
+              </a:spcBef>
+              <a:spcAft>
+                <a:spcPts val="0"/>
+              </a:spcAft>
+              <a:buClr>
+                <a:schemeClr val="dk2"/>
+              </a:buClr>
+              <a:buSzPts val="1400"/>
+              <a:buFont typeface="Arial"/>
+              <a:buChar char="■"/>
+              <a:defRPr sz="1400" b="0" i="0" u="none" strike="noStrike" cap="none">
+                <a:solidFill>
+                  <a:schemeClr val="dk2"/>
+                </a:solidFill>
+                <a:latin typeface="Arial"/>
+                <a:ea typeface="Arial"/>
+                <a:cs typeface="Arial"/>
+                <a:sym typeface="Arial"/>
+              </a:defRPr>
+            </a:lvl6pPr>
+            <a:lvl7pPr marL="3200400" marR="0" lvl="6" indent="-317500" algn="l" rtl="0">
+              <a:lnSpc>
+                <a:spcPct val="115000"/>
+              </a:lnSpc>
+              <a:spcBef>
+                <a:spcPts val="1600"/>
+              </a:spcBef>
+              <a:spcAft>
+                <a:spcPts val="0"/>
+              </a:spcAft>
+              <a:buClr>
+                <a:schemeClr val="dk2"/>
+              </a:buClr>
+              <a:buSzPts val="1400"/>
+              <a:buFont typeface="Arial"/>
+              <a:buChar char="●"/>
+              <a:defRPr sz="1400" b="0" i="0" u="none" strike="noStrike" cap="none">
+                <a:solidFill>
+                  <a:schemeClr val="dk2"/>
+                </a:solidFill>
+                <a:latin typeface="Arial"/>
+                <a:ea typeface="Arial"/>
+                <a:cs typeface="Arial"/>
+                <a:sym typeface="Arial"/>
+              </a:defRPr>
+            </a:lvl7pPr>
+            <a:lvl8pPr marL="3657600" marR="0" lvl="7" indent="-317500" algn="l" rtl="0">
+              <a:lnSpc>
+                <a:spcPct val="115000"/>
+              </a:lnSpc>
+              <a:spcBef>
+                <a:spcPts val="1600"/>
+              </a:spcBef>
+              <a:spcAft>
+                <a:spcPts val="0"/>
+              </a:spcAft>
+              <a:buClr>
+                <a:schemeClr val="dk2"/>
+              </a:buClr>
+              <a:buSzPts val="1400"/>
+              <a:buFont typeface="Arial"/>
+              <a:buChar char="○"/>
+              <a:defRPr sz="1400" b="0" i="0" u="none" strike="noStrike" cap="none">
+                <a:solidFill>
+                  <a:schemeClr val="dk2"/>
+                </a:solidFill>
+                <a:latin typeface="Arial"/>
+                <a:ea typeface="Arial"/>
+                <a:cs typeface="Arial"/>
+                <a:sym typeface="Arial"/>
+              </a:defRPr>
+            </a:lvl8pPr>
+            <a:lvl9pPr marL="4114800" marR="0" lvl="8" indent="-317500" algn="l" rtl="0">
+              <a:lnSpc>
+                <a:spcPct val="115000"/>
+              </a:lnSpc>
+              <a:spcBef>
+                <a:spcPts val="1600"/>
+              </a:spcBef>
+              <a:spcAft>
+                <a:spcPts val="1600"/>
+              </a:spcAft>
+              <a:buClr>
+                <a:schemeClr val="dk2"/>
+              </a:buClr>
+              <a:buSzPts val="1400"/>
+              <a:buFont typeface="Arial"/>
+              <a:buChar char="■"/>
+              <a:defRPr sz="1400" b="0" i="0" u="none" strike="noStrike" cap="none">
+                <a:solidFill>
+                  <a:schemeClr val="dk2"/>
+                </a:solidFill>
+                <a:latin typeface="Arial"/>
+                <a:ea typeface="Arial"/>
+                <a:cs typeface="Arial"/>
+                <a:sym typeface="Arial"/>
+              </a:defRPr>
+            </a:lvl9pPr>
+          </a:lstStyle>
+          <a:p>
+            <a:pPr marL="0" indent="0">
+              <a:buClr>
+                <a:schemeClr val="dk1"/>
+              </a:buClr>
+              <a:buSzPts val="1100"/>
+              <a:buFont typeface="Arial"/>
+              <a:buNone/>
+            </a:pPr>
+            <a:r>
+              <a:rPr lang="pt-BR" dirty="0" smtClean="0">
+                <a:solidFill>
+                  <a:schemeClr val="dk1"/>
+                </a:solidFill>
+                <a:highlight>
+                  <a:srgbClr val="FFFFFF"/>
+                </a:highlight>
+                <a:latin typeface="Comic Sans MS" panose="030F0702030302020204" pitchFamily="66" charset="0"/>
+                <a:ea typeface="Roboto"/>
+                <a:sym typeface="Roboto"/>
+              </a:rPr>
+              <a:t>f(n) = 2f(n-1) +3 f(n-2)</a:t>
+            </a:r>
+          </a:p>
+          <a:p>
+            <a:pPr marL="0" indent="0">
+              <a:buClr>
+                <a:schemeClr val="dk1"/>
+              </a:buClr>
+              <a:buSzPts val="1100"/>
+              <a:buFont typeface="Arial"/>
+              <a:buNone/>
+            </a:pPr>
+            <a:r>
+              <a:rPr lang="pt-BR" dirty="0">
+                <a:solidFill>
+                  <a:schemeClr val="dk1"/>
+                </a:solidFill>
+                <a:highlight>
+                  <a:srgbClr val="FFFFFF"/>
+                </a:highlight>
+                <a:latin typeface="Comic Sans MS" panose="030F0702030302020204" pitchFamily="66" charset="0"/>
+                <a:ea typeface="Roboto"/>
+                <a:sym typeface="Roboto"/>
+              </a:rPr>
+              <a:t>f</a:t>
+            </a:r>
+            <a:r>
+              <a:rPr lang="pt-BR" dirty="0" smtClean="0">
+                <a:solidFill>
+                  <a:schemeClr val="dk1"/>
+                </a:solidFill>
+                <a:highlight>
+                  <a:srgbClr val="FFFFFF"/>
+                </a:highlight>
+                <a:latin typeface="Comic Sans MS" panose="030F0702030302020204" pitchFamily="66" charset="0"/>
+                <a:ea typeface="Roboto"/>
+                <a:sym typeface="Roboto"/>
+              </a:rPr>
+              <a:t>(4) = 2f(3) + 3f(2)</a:t>
+            </a:r>
+          </a:p>
+          <a:p>
+            <a:pPr marL="0" indent="0">
+              <a:buClr>
+                <a:schemeClr val="dk1"/>
+              </a:buClr>
+              <a:buSzPts val="1100"/>
+              <a:buFont typeface="Arial"/>
+              <a:buNone/>
+            </a:pPr>
+            <a:r>
+              <a:rPr lang="pt-BR" dirty="0">
+                <a:solidFill>
+                  <a:schemeClr val="dk1"/>
+                </a:solidFill>
+                <a:highlight>
+                  <a:srgbClr val="FFFFFF"/>
+                </a:highlight>
+                <a:latin typeface="Comic Sans MS" panose="030F0702030302020204" pitchFamily="66" charset="0"/>
+                <a:ea typeface="Roboto"/>
+                <a:sym typeface="Roboto"/>
+              </a:rPr>
+              <a:t> </a:t>
+            </a:r>
+            <a:r>
+              <a:rPr lang="pt-BR" dirty="0" smtClean="0">
+                <a:solidFill>
+                  <a:schemeClr val="dk1"/>
+                </a:solidFill>
+                <a:highlight>
+                  <a:srgbClr val="FFFFFF"/>
+                </a:highlight>
+                <a:latin typeface="Comic Sans MS" panose="030F0702030302020204" pitchFamily="66" charset="0"/>
+                <a:ea typeface="Roboto"/>
+                <a:sym typeface="Roboto"/>
+              </a:rPr>
+              <a:t>      =  2*20 + 3*7</a:t>
+            </a:r>
+          </a:p>
+          <a:p>
+            <a:pPr marL="0" indent="0">
+              <a:buClr>
+                <a:schemeClr val="dk1"/>
+              </a:buClr>
+              <a:buSzPts val="1100"/>
+              <a:buFont typeface="Arial"/>
+              <a:buNone/>
+            </a:pPr>
+            <a:r>
+              <a:rPr lang="pt-BR" dirty="0">
+                <a:solidFill>
+                  <a:schemeClr val="dk1"/>
+                </a:solidFill>
+                <a:highlight>
+                  <a:srgbClr val="FFFFFF"/>
+                </a:highlight>
+                <a:latin typeface="Comic Sans MS" panose="030F0702030302020204" pitchFamily="66" charset="0"/>
+                <a:ea typeface="Roboto"/>
+                <a:sym typeface="Roboto"/>
+              </a:rPr>
+              <a:t> </a:t>
+            </a:r>
+            <a:r>
+              <a:rPr lang="pt-BR" dirty="0" smtClean="0">
+                <a:solidFill>
+                  <a:schemeClr val="dk1"/>
+                </a:solidFill>
+                <a:highlight>
+                  <a:srgbClr val="FFFFFF"/>
+                </a:highlight>
+                <a:latin typeface="Comic Sans MS" panose="030F0702030302020204" pitchFamily="66" charset="0"/>
+                <a:ea typeface="Roboto"/>
+                <a:sym typeface="Roboto"/>
+              </a:rPr>
+              <a:t>      = 61</a:t>
+            </a:r>
+            <a:endParaRPr lang="pt-BR" dirty="0">
+              <a:latin typeface="Comic Sans MS" panose="030F0702030302020204" pitchFamily="66" charset="0"/>
+            </a:endParaRPr>
+          </a:p>
+        </p:txBody>
+      </p:sp>
+    </p:spTree>
+    <p:extLst>
+      <p:ext uri="{BB962C8B-B14F-4D97-AF65-F5344CB8AC3E}">
+        <p14:creationId xmlns:p14="http://schemas.microsoft.com/office/powerpoint/2010/main" val="1541107977"/>
+      </p:ext>
+    </p:extLst>
+  </p:cSld>
+  <p:clrMapOvr>
+    <a:masterClrMapping/>
+  </p:clrMapOvr>
+  <p:timing>
+    <p:tnLst>
+      <p:par>
+        <p:cTn id="1" dur="indefinite" restart="never" nodeType="tmRoot">
+          <p:childTnLst>
+            <p:seq concurrent="1" nextAc="seek">
+              <p:cTn id="2" dur="indefinite" nodeType="mainSeq">
+                <p:childTnLst>
+                  <p:par>
+                    <p:cTn id="3" fill="hold">
+                      <p:stCondLst>
+                        <p:cond delay="indefinite"/>
+                      </p:stCondLst>
+                      <p:childTnLst>
+                        <p:par>
+                          <p:cTn id="4" fill="hold">
+                            <p:stCondLst>
+                              <p:cond delay="0"/>
+                            </p:stCondLst>
+                            <p:childTnLst>
+                              <p:par>
+                                <p:cTn id="5" presetID="1" presetClass="entr" presetSubtype="0" fill="hold" grpId="0" nodeType="clickEffect">
+                                  <p:stCondLst>
+                                    <p:cond delay="0"/>
+                                  </p:stCondLst>
+                                  <p:childTnLst>
+                                    <p:set>
+                                      <p:cBhvr>
+                                        <p:cTn id="6" dur="1" fill="hold">
+                                          <p:stCondLst>
+                                            <p:cond delay="0"/>
+                                          </p:stCondLst>
+                                        </p:cTn>
+                                        <p:tgtEl>
+                                          <p:spTgt spid="4"/>
+                                        </p:tgtEl>
+                                        <p:attrNameLst>
+                                          <p:attrName>style.visibility</p:attrName>
+                                        </p:attrNameLst>
+                                      </p:cBhvr>
+                                      <p:to>
+                                        <p:strVal val="visible"/>
+                                      </p:to>
+                                    </p:set>
+                                  </p:childTnLst>
+                                </p:cTn>
+                              </p:par>
+                            </p:childTnLst>
+                          </p:cTn>
+                        </p:par>
+                      </p:childTnLst>
+                    </p:cTn>
+                  </p:par>
+                  <p:par>
+                    <p:cTn id="7" fill="hold">
+                      <p:stCondLst>
+                        <p:cond delay="indefinite"/>
+                      </p:stCondLst>
+                      <p:childTnLst>
+                        <p:par>
+                          <p:cTn id="8" fill="hold">
+                            <p:stCondLst>
+                              <p:cond delay="0"/>
+                            </p:stCondLst>
+                            <p:childTnLst>
+                              <p:par>
+                                <p:cTn id="9" presetID="1" presetClass="entr" presetSubtype="0" fill="hold" grpId="0" nodeType="clickEffect">
+                                  <p:stCondLst>
+                                    <p:cond delay="0"/>
+                                  </p:stCondLst>
+                                  <p:childTnLst>
+                                    <p:set>
+                                      <p:cBhvr>
+                                        <p:cTn id="10" dur="1" fill="hold">
+                                          <p:stCondLst>
+                                            <p:cond delay="0"/>
+                                          </p:stCondLst>
+                                        </p:cTn>
+                                        <p:tgtEl>
+                                          <p:spTgt spid="5"/>
+                                        </p:tgtEl>
+                                        <p:attrNameLst>
+                                          <p:attrName>style.visibility</p:attrName>
+                                        </p:attrNameLst>
+                                      </p:cBhvr>
+                                      <p:to>
+                                        <p:strVal val="visible"/>
+                                      </p:to>
+                                    </p:set>
+                                  </p:childTnLst>
+                                </p:cTn>
+                              </p:par>
+                            </p:childTnLst>
+                          </p:cTn>
+                        </p:par>
+                      </p:childTnLst>
+                    </p:cTn>
+                  </p:par>
+                  <p:par>
+                    <p:cTn id="11" fill="hold">
+                      <p:stCondLst>
+                        <p:cond delay="indefinite"/>
+                      </p:stCondLst>
+                      <p:childTnLst>
+                        <p:par>
+                          <p:cTn id="12" fill="hold">
+                            <p:stCondLst>
+                              <p:cond delay="0"/>
+                            </p:stCondLst>
+                            <p:childTnLst>
+                              <p:par>
+                                <p:cTn id="13" presetID="1" presetClass="entr" presetSubtype="0" fill="hold" grpId="0" nodeType="clickEffect">
+                                  <p:stCondLst>
+                                    <p:cond delay="0"/>
+                                  </p:stCondLst>
+                                  <p:childTnLst>
+                                    <p:set>
+                                      <p:cBhvr>
+                                        <p:cTn id="14" dur="1" fill="hold">
+                                          <p:stCondLst>
+                                            <p:cond delay="0"/>
+                                          </p:stCondLst>
+                                        </p:cTn>
+                                        <p:tgtEl>
+                                          <p:spTgt spid="6"/>
+                                        </p:tgtEl>
+                                        <p:attrNameLst>
+                                          <p:attrName>style.visibility</p:attrName>
+                                        </p:attrNameLst>
+                                      </p:cBhvr>
+                                      <p:to>
+                                        <p:strVal val="visible"/>
+                                      </p:to>
+                                    </p:set>
+                                  </p:childTnLst>
+                                </p:cTn>
+                              </p:par>
+                            </p:childTnLst>
+                          </p:cTn>
+                        </p:par>
+                      </p:childTnLst>
+                    </p:cTn>
+                  </p:par>
+                </p:childTnLst>
+              </p:cTn>
+              <p:prevCondLst>
+                <p:cond evt="onPrev" delay="0">
+                  <p:tgtEl>
+                    <p:sldTgt/>
+                  </p:tgtEl>
+                </p:cond>
+              </p:prevCondLst>
+              <p:nextCondLst>
+                <p:cond evt="onNext" delay="0">
+                  <p:tgtEl>
+                    <p:sldTgt/>
+                  </p:tgtEl>
+                </p:cond>
+              </p:nextCondLst>
+            </p:seq>
+          </p:childTnLst>
+        </p:cTn>
+      </p:par>
+    </p:tnLst>
+    <p:bldLst>
+      <p:bldP spid="4" grpId="0"/>
+      <p:bldP spid="5" grpId="0"/>
+      <p:bldP spid="6" grpId="0"/>
+    </p:bldLst>
+  </p:timing>
+</p:sld>
+</file>
+
+<file path=ppt/slides/slide26.xml><?xml version="1.0" encoding="utf-8"?>
+<p:sld xmlns:a="http://schemas.openxmlformats.org/drawingml/2006/main" xmlns:r="http://schemas.openxmlformats.org/officeDocument/2006/relationships" xmlns:p="http://schemas.openxmlformats.org/presentationml/2006/main">
+  <p:cSld>
+    <p:spTree>
+      <p:nvGrpSpPr>
+        <p:cNvPr id="1" name="Shape 125"/>
+        <p:cNvGrpSpPr/>
+        <p:nvPr/>
+      </p:nvGrpSpPr>
+      <p:grpSpPr>
+        <a:xfrm>
+          <a:off x="0" y="0"/>
+          <a:ext cx="0" cy="0"/>
+          <a:chOff x="0" y="0"/>
+          <a:chExt cx="0" cy="0"/>
+        </a:xfrm>
+      </p:grpSpPr>
+      <p:sp>
+        <p:nvSpPr>
+          <p:cNvPr id="126" name="Google Shape;126;p25"/>
+          <p:cNvSpPr txBox="1">
+            <a:spLocks noGrp="1"/>
+          </p:cNvSpPr>
+          <p:nvPr>
+            <p:ph type="title"/>
+          </p:nvPr>
+        </p:nvSpPr>
+        <p:spPr>
+          <a:xfrm>
+            <a:off x="311700" y="445025"/>
+            <a:ext cx="8520600" cy="572700"/>
+          </a:xfrm>
+          <a:prstGeom prst="rect">
+            <a:avLst/>
+          </a:prstGeom>
+        </p:spPr>
+        <p:txBody>
+          <a:bodyPr spcFirstLastPara="1" wrap="square" lIns="91425" tIns="91425" rIns="91425" bIns="91425" anchor="t" anchorCtr="0">
+            <a:noAutofit/>
+          </a:bodyPr>
+          <a:lstStyle/>
+          <a:p>
+            <a:pPr marL="0" lvl="0" indent="0" algn="l" rtl="0">
+              <a:spcBef>
+                <a:spcPts val="0"/>
+              </a:spcBef>
+              <a:spcAft>
+                <a:spcPts val="0"/>
+              </a:spcAft>
+              <a:buNone/>
+            </a:pPr>
+            <a:r>
+              <a:rPr lang="en-US" dirty="0" smtClean="0">
+                <a:latin typeface="Comic Sans MS" panose="030F0702030302020204" pitchFamily="66" charset="0"/>
+              </a:rPr>
+              <a:t>Recursive functions</a:t>
+            </a:r>
+            <a:endParaRPr dirty="0">
+              <a:latin typeface="Comic Sans MS" panose="030F0702030302020204" pitchFamily="66" charset="0"/>
+            </a:endParaRPr>
+          </a:p>
+        </p:txBody>
+      </p:sp>
+      <p:sp>
+        <p:nvSpPr>
+          <p:cNvPr id="4" name="Google Shape;127;p25"/>
+          <p:cNvSpPr txBox="1">
+            <a:spLocks/>
+          </p:cNvSpPr>
+          <p:nvPr/>
+        </p:nvSpPr>
+        <p:spPr>
+          <a:xfrm>
+            <a:off x="533374" y="1221747"/>
+            <a:ext cx="2732836" cy="1455643"/>
+          </a:xfrm>
+          <a:prstGeom prst="rect">
+            <a:avLst/>
+          </a:prstGeom>
+          <a:noFill/>
+          <a:ln>
+            <a:noFill/>
+          </a:ln>
+        </p:spPr>
+        <p:txBody>
+          <a:bodyPr spcFirstLastPara="1" wrap="square" lIns="91425" tIns="91425" rIns="91425" bIns="91425" anchor="t" anchorCtr="0">
+            <a:noAutofit/>
+          </a:bodyPr>
+          <a:lstStyle>
+            <a:defPPr marR="0" lvl="0" algn="l" rtl="0">
+              <a:lnSpc>
+                <a:spcPct val="100000"/>
+              </a:lnSpc>
+              <a:spcBef>
+                <a:spcPts val="0"/>
+              </a:spcBef>
+              <a:spcAft>
+                <a:spcPts val="0"/>
+              </a:spcAft>
+            </a:defPPr>
+            <a:lvl1pPr marL="457200" marR="0" lvl="0" indent="-342900" algn="l" rtl="0">
+              <a:lnSpc>
+                <a:spcPct val="115000"/>
+              </a:lnSpc>
+              <a:spcBef>
+                <a:spcPts val="0"/>
+              </a:spcBef>
+              <a:spcAft>
+                <a:spcPts val="0"/>
+              </a:spcAft>
+              <a:buClr>
+                <a:schemeClr val="dk2"/>
+              </a:buClr>
+              <a:buSzPts val="1800"/>
+              <a:buFont typeface="Arial"/>
+              <a:buChar char="●"/>
+              <a:defRPr sz="1800" b="0" i="0" u="none" strike="noStrike" cap="none">
+                <a:solidFill>
+                  <a:schemeClr val="dk2"/>
+                </a:solidFill>
+                <a:latin typeface="Arial"/>
+                <a:ea typeface="Arial"/>
+                <a:cs typeface="Arial"/>
+                <a:sym typeface="Arial"/>
+              </a:defRPr>
+            </a:lvl1pPr>
+            <a:lvl2pPr marL="914400" marR="0" lvl="1" indent="-317500" algn="l" rtl="0">
+              <a:lnSpc>
+                <a:spcPct val="115000"/>
+              </a:lnSpc>
+              <a:spcBef>
+                <a:spcPts val="1600"/>
+              </a:spcBef>
+              <a:spcAft>
+                <a:spcPts val="0"/>
+              </a:spcAft>
+              <a:buClr>
+                <a:schemeClr val="dk2"/>
+              </a:buClr>
+              <a:buSzPts val="1400"/>
+              <a:buFont typeface="Arial"/>
+              <a:buChar char="○"/>
+              <a:defRPr sz="1400" b="0" i="0" u="none" strike="noStrike" cap="none">
+                <a:solidFill>
+                  <a:schemeClr val="dk2"/>
+                </a:solidFill>
+                <a:latin typeface="Arial"/>
+                <a:ea typeface="Arial"/>
+                <a:cs typeface="Arial"/>
+                <a:sym typeface="Arial"/>
+              </a:defRPr>
+            </a:lvl2pPr>
+            <a:lvl3pPr marL="1371600" marR="0" lvl="2" indent="-317500" algn="l" rtl="0">
+              <a:lnSpc>
+                <a:spcPct val="115000"/>
+              </a:lnSpc>
+              <a:spcBef>
+                <a:spcPts val="1600"/>
+              </a:spcBef>
+              <a:spcAft>
+                <a:spcPts val="0"/>
+              </a:spcAft>
+              <a:buClr>
+                <a:schemeClr val="dk2"/>
+              </a:buClr>
+              <a:buSzPts val="1400"/>
+              <a:buFont typeface="Arial"/>
+              <a:buChar char="■"/>
+              <a:defRPr sz="1400" b="0" i="0" u="none" strike="noStrike" cap="none">
+                <a:solidFill>
+                  <a:schemeClr val="dk2"/>
+                </a:solidFill>
+                <a:latin typeface="Arial"/>
+                <a:ea typeface="Arial"/>
+                <a:cs typeface="Arial"/>
+                <a:sym typeface="Arial"/>
+              </a:defRPr>
+            </a:lvl3pPr>
+            <a:lvl4pPr marL="1828800" marR="0" lvl="3" indent="-317500" algn="l" rtl="0">
+              <a:lnSpc>
+                <a:spcPct val="115000"/>
+              </a:lnSpc>
+              <a:spcBef>
+                <a:spcPts val="1600"/>
+              </a:spcBef>
+              <a:spcAft>
+                <a:spcPts val="0"/>
+              </a:spcAft>
+              <a:buClr>
+                <a:schemeClr val="dk2"/>
+              </a:buClr>
+              <a:buSzPts val="1400"/>
+              <a:buFont typeface="Arial"/>
+              <a:buChar char="●"/>
+              <a:defRPr sz="1400" b="0" i="0" u="none" strike="noStrike" cap="none">
+                <a:solidFill>
+                  <a:schemeClr val="dk2"/>
+                </a:solidFill>
+                <a:latin typeface="Arial"/>
+                <a:ea typeface="Arial"/>
+                <a:cs typeface="Arial"/>
+                <a:sym typeface="Arial"/>
+              </a:defRPr>
+            </a:lvl4pPr>
+            <a:lvl5pPr marL="2286000" marR="0" lvl="4" indent="-317500" algn="l" rtl="0">
+              <a:lnSpc>
+                <a:spcPct val="115000"/>
+              </a:lnSpc>
+              <a:spcBef>
+                <a:spcPts val="1600"/>
+              </a:spcBef>
+              <a:spcAft>
+                <a:spcPts val="0"/>
+              </a:spcAft>
+              <a:buClr>
+                <a:schemeClr val="dk2"/>
+              </a:buClr>
+              <a:buSzPts val="1400"/>
+              <a:buFont typeface="Arial"/>
+              <a:buChar char="○"/>
+              <a:defRPr sz="1400" b="0" i="0" u="none" strike="noStrike" cap="none">
+                <a:solidFill>
+                  <a:schemeClr val="dk2"/>
+                </a:solidFill>
+                <a:latin typeface="Arial"/>
+                <a:ea typeface="Arial"/>
+                <a:cs typeface="Arial"/>
+                <a:sym typeface="Arial"/>
+              </a:defRPr>
+            </a:lvl5pPr>
+            <a:lvl6pPr marL="2743200" marR="0" lvl="5" indent="-317500" algn="l" rtl="0">
+              <a:lnSpc>
+                <a:spcPct val="115000"/>
+              </a:lnSpc>
+              <a:spcBef>
+                <a:spcPts val="1600"/>
+              </a:spcBef>
+              <a:spcAft>
+                <a:spcPts val="0"/>
+              </a:spcAft>
+              <a:buClr>
+                <a:schemeClr val="dk2"/>
+              </a:buClr>
+              <a:buSzPts val="1400"/>
+              <a:buFont typeface="Arial"/>
+              <a:buChar char="■"/>
+              <a:defRPr sz="1400" b="0" i="0" u="none" strike="noStrike" cap="none">
+                <a:solidFill>
+                  <a:schemeClr val="dk2"/>
+                </a:solidFill>
+                <a:latin typeface="Arial"/>
+                <a:ea typeface="Arial"/>
+                <a:cs typeface="Arial"/>
+                <a:sym typeface="Arial"/>
+              </a:defRPr>
+            </a:lvl6pPr>
+            <a:lvl7pPr marL="3200400" marR="0" lvl="6" indent="-317500" algn="l" rtl="0">
+              <a:lnSpc>
+                <a:spcPct val="115000"/>
+              </a:lnSpc>
+              <a:spcBef>
+                <a:spcPts val="1600"/>
+              </a:spcBef>
+              <a:spcAft>
+                <a:spcPts val="0"/>
+              </a:spcAft>
+              <a:buClr>
+                <a:schemeClr val="dk2"/>
+              </a:buClr>
+              <a:buSzPts val="1400"/>
+              <a:buFont typeface="Arial"/>
+              <a:buChar char="●"/>
+              <a:defRPr sz="1400" b="0" i="0" u="none" strike="noStrike" cap="none">
+                <a:solidFill>
+                  <a:schemeClr val="dk2"/>
+                </a:solidFill>
+                <a:latin typeface="Arial"/>
+                <a:ea typeface="Arial"/>
+                <a:cs typeface="Arial"/>
+                <a:sym typeface="Arial"/>
+              </a:defRPr>
+            </a:lvl7pPr>
+            <a:lvl8pPr marL="3657600" marR="0" lvl="7" indent="-317500" algn="l" rtl="0">
+              <a:lnSpc>
+                <a:spcPct val="115000"/>
+              </a:lnSpc>
+              <a:spcBef>
+                <a:spcPts val="1600"/>
+              </a:spcBef>
+              <a:spcAft>
+                <a:spcPts val="0"/>
+              </a:spcAft>
+              <a:buClr>
+                <a:schemeClr val="dk2"/>
+              </a:buClr>
+              <a:buSzPts val="1400"/>
+              <a:buFont typeface="Arial"/>
+              <a:buChar char="○"/>
+              <a:defRPr sz="1400" b="0" i="0" u="none" strike="noStrike" cap="none">
+                <a:solidFill>
+                  <a:schemeClr val="dk2"/>
+                </a:solidFill>
+                <a:latin typeface="Arial"/>
+                <a:ea typeface="Arial"/>
+                <a:cs typeface="Arial"/>
+                <a:sym typeface="Arial"/>
+              </a:defRPr>
+            </a:lvl8pPr>
+            <a:lvl9pPr marL="4114800" marR="0" lvl="8" indent="-317500" algn="l" rtl="0">
+              <a:lnSpc>
+                <a:spcPct val="115000"/>
+              </a:lnSpc>
+              <a:spcBef>
+                <a:spcPts val="1600"/>
+              </a:spcBef>
+              <a:spcAft>
+                <a:spcPts val="1600"/>
+              </a:spcAft>
+              <a:buClr>
+                <a:schemeClr val="dk2"/>
+              </a:buClr>
+              <a:buSzPts val="1400"/>
+              <a:buFont typeface="Arial"/>
+              <a:buChar char="■"/>
+              <a:defRPr sz="1400" b="0" i="0" u="none" strike="noStrike" cap="none">
+                <a:solidFill>
+                  <a:schemeClr val="dk2"/>
+                </a:solidFill>
+                <a:latin typeface="Arial"/>
+                <a:ea typeface="Arial"/>
+                <a:cs typeface="Arial"/>
+                <a:sym typeface="Arial"/>
+              </a:defRPr>
+            </a:lvl9pPr>
+          </a:lstStyle>
+          <a:p>
+            <a:pPr marL="0" indent="0">
+              <a:buClr>
+                <a:schemeClr val="dk1"/>
+              </a:buClr>
+              <a:buSzPts val="1100"/>
+              <a:buFont typeface="Arial"/>
+              <a:buNone/>
+            </a:pPr>
+            <a:r>
+              <a:rPr lang="pt-BR" dirty="0" smtClean="0">
+                <a:solidFill>
+                  <a:schemeClr val="dk1"/>
+                </a:solidFill>
+                <a:highlight>
+                  <a:srgbClr val="FFFFFF"/>
+                </a:highlight>
+                <a:latin typeface="Comic Sans MS" panose="030F0702030302020204" pitchFamily="66" charset="0"/>
+                <a:ea typeface="Roboto"/>
+                <a:sym typeface="Roboto"/>
+              </a:rPr>
+              <a:t>f(n) = 2f(n-1) +3 f(n-2)</a:t>
+            </a:r>
+          </a:p>
+          <a:p>
+            <a:pPr marL="0" indent="0">
+              <a:buClr>
+                <a:schemeClr val="dk1"/>
+              </a:buClr>
+              <a:buSzPts val="1100"/>
+              <a:buFont typeface="Arial"/>
+              <a:buNone/>
+            </a:pPr>
+            <a:r>
+              <a:rPr lang="pt-BR" dirty="0" smtClean="0">
+                <a:solidFill>
+                  <a:schemeClr val="dk1"/>
+                </a:solidFill>
+                <a:highlight>
+                  <a:srgbClr val="FFFFFF"/>
+                </a:highlight>
+                <a:latin typeface="Comic Sans MS" panose="030F0702030302020204" pitchFamily="66" charset="0"/>
+                <a:ea typeface="Roboto"/>
+                <a:sym typeface="Roboto"/>
+              </a:rPr>
+              <a:t>f(5) = 2f(4) + 3f(3)</a:t>
+            </a:r>
+          </a:p>
+          <a:p>
+            <a:pPr marL="0" indent="0">
+              <a:buClr>
+                <a:schemeClr val="dk1"/>
+              </a:buClr>
+              <a:buSzPts val="1100"/>
+              <a:buFont typeface="Arial"/>
+              <a:buNone/>
+            </a:pPr>
+            <a:r>
+              <a:rPr lang="pt-BR" dirty="0">
+                <a:solidFill>
+                  <a:schemeClr val="dk1"/>
+                </a:solidFill>
+                <a:highlight>
+                  <a:srgbClr val="FFFFFF"/>
+                </a:highlight>
+                <a:latin typeface="Comic Sans MS" panose="030F0702030302020204" pitchFamily="66" charset="0"/>
+                <a:ea typeface="Roboto"/>
+                <a:sym typeface="Roboto"/>
+              </a:rPr>
+              <a:t> </a:t>
+            </a:r>
+            <a:r>
+              <a:rPr lang="pt-BR" dirty="0" smtClean="0">
+                <a:solidFill>
+                  <a:schemeClr val="dk1"/>
+                </a:solidFill>
+                <a:highlight>
+                  <a:srgbClr val="FFFFFF"/>
+                </a:highlight>
+                <a:latin typeface="Comic Sans MS" panose="030F0702030302020204" pitchFamily="66" charset="0"/>
+                <a:ea typeface="Roboto"/>
+                <a:sym typeface="Roboto"/>
+              </a:rPr>
+              <a:t>      =  2*61 + 3*20</a:t>
+            </a:r>
+          </a:p>
+          <a:p>
+            <a:pPr marL="0" indent="0">
+              <a:buClr>
+                <a:schemeClr val="dk1"/>
+              </a:buClr>
+              <a:buSzPts val="1100"/>
+              <a:buFont typeface="Arial"/>
+              <a:buNone/>
+            </a:pPr>
+            <a:r>
+              <a:rPr lang="pt-BR" dirty="0">
+                <a:solidFill>
+                  <a:schemeClr val="dk1"/>
+                </a:solidFill>
+                <a:highlight>
+                  <a:srgbClr val="FFFFFF"/>
+                </a:highlight>
+                <a:latin typeface="Comic Sans MS" panose="030F0702030302020204" pitchFamily="66" charset="0"/>
+                <a:ea typeface="Roboto"/>
+                <a:sym typeface="Roboto"/>
+              </a:rPr>
+              <a:t> </a:t>
+            </a:r>
+            <a:r>
+              <a:rPr lang="pt-BR" dirty="0" smtClean="0">
+                <a:solidFill>
+                  <a:schemeClr val="dk1"/>
+                </a:solidFill>
+                <a:highlight>
+                  <a:srgbClr val="FFFFFF"/>
+                </a:highlight>
+                <a:latin typeface="Comic Sans MS" panose="030F0702030302020204" pitchFamily="66" charset="0"/>
+                <a:ea typeface="Roboto"/>
+                <a:sym typeface="Roboto"/>
+              </a:rPr>
+              <a:t>      = 182</a:t>
+            </a:r>
+            <a:endParaRPr lang="pt-BR" dirty="0">
+              <a:latin typeface="Comic Sans MS" panose="030F0702030302020204" pitchFamily="66" charset="0"/>
+            </a:endParaRPr>
+          </a:p>
+        </p:txBody>
+      </p:sp>
+    </p:spTree>
+    <p:extLst>
+      <p:ext uri="{BB962C8B-B14F-4D97-AF65-F5344CB8AC3E}">
+        <p14:creationId xmlns:p14="http://schemas.microsoft.com/office/powerpoint/2010/main" val="1600128320"/>
+      </p:ext>
+    </p:extLst>
+  </p:cSld>
+  <p:clrMapOvr>
+    <a:masterClrMapping/>
+  </p:clrMapOvr>
+  <p:timing>
+    <p:tnLst>
+      <p:par>
+        <p:cTn id="1" dur="indefinite" restart="never" nodeType="tmRoot">
+          <p:childTnLst>
+            <p:seq concurrent="1" nextAc="seek">
+              <p:cTn id="2" dur="indefinite" nodeType="mainSeq">
+                <p:childTnLst>
+                  <p:par>
+                    <p:cTn id="3" fill="hold">
+                      <p:stCondLst>
+                        <p:cond delay="indefinite"/>
+                      </p:stCondLst>
+                      <p:childTnLst>
+                        <p:par>
+                          <p:cTn id="4" fill="hold">
+                            <p:stCondLst>
+                              <p:cond delay="0"/>
+                            </p:stCondLst>
+                            <p:childTnLst>
+                              <p:par>
+                                <p:cTn id="5" presetID="1" presetClass="entr" presetSubtype="0" fill="hold" grpId="0" nodeType="clickEffect">
+                                  <p:stCondLst>
+                                    <p:cond delay="0"/>
+                                  </p:stCondLst>
+                                  <p:childTnLst>
+                                    <p:set>
+                                      <p:cBhvr>
+                                        <p:cTn id="6" dur="1" fill="hold">
+                                          <p:stCondLst>
+                                            <p:cond delay="0"/>
+                                          </p:stCondLst>
+                                        </p:cTn>
+                                        <p:tgtEl>
+                                          <p:spTgt spid="4"/>
+                                        </p:tgtEl>
+                                        <p:attrNameLst>
+                                          <p:attrName>style.visibility</p:attrName>
+                                        </p:attrNameLst>
+                                      </p:cBhvr>
+                                      <p:to>
+                                        <p:strVal val="visible"/>
+                                      </p:to>
+                                    </p:set>
+                                  </p:childTnLst>
+                                </p:cTn>
+                              </p:par>
+                            </p:childTnLst>
+                          </p:cTn>
+                        </p:par>
+                      </p:childTnLst>
+                    </p:cTn>
+                  </p:par>
+                </p:childTnLst>
+              </p:cTn>
+              <p:prevCondLst>
+                <p:cond evt="onPrev" delay="0">
+                  <p:tgtEl>
+                    <p:sldTgt/>
+                  </p:tgtEl>
+                </p:cond>
+              </p:prevCondLst>
+              <p:nextCondLst>
+                <p:cond evt="onNext" delay="0">
+                  <p:tgtEl>
+                    <p:sldTgt/>
+                  </p:tgtEl>
+                </p:cond>
+              </p:nextCondLst>
+            </p:seq>
+          </p:childTnLst>
+        </p:cTn>
+      </p:par>
+    </p:tnLst>
+    <p:bldLst>
+      <p:bldP spid="4" grpId="0"/>
+    </p:bldLst>
+  </p:timing>
 </p:sld>
 </file>
 
@@ -10628,6 +14744,13 @@
   <p:clrMapOvr>
     <a:masterClrMapping/>
   </p:clrMapOvr>
+  <p:timing>
+    <p:tnLst>
+      <p:par>
+        <p:cTn id="1" dur="indefinite" restart="never" nodeType="tmRoot"/>
+      </p:par>
+    </p:tnLst>
+  </p:timing>
 </p:sld>
 </file>
 
@@ -10784,6 +14907,13 @@
   <p:clrMapOvr>
     <a:masterClrMapping/>
   </p:clrMapOvr>
+  <p:timing>
+    <p:tnLst>
+      <p:par>
+        <p:cTn id="1" dur="indefinite" restart="never" nodeType="tmRoot"/>
+      </p:par>
+    </p:tnLst>
+  </p:timing>
 </p:sld>
 </file>
 
@@ -10905,18 +15035,27 @@
             </a:pPr>
             <a:r>
               <a:rPr lang="en-US" dirty="0">
+                <a:solidFill>
+                  <a:schemeClr val="tx1"/>
+                </a:solidFill>
                 <a:latin typeface="Comic Sans MS" panose="030F0702030302020204" pitchFamily="66" charset="0"/>
               </a:rPr>
               <a:t>There are 32 microcomputers in a computer center. Each microcomputer has 24 ports. </a:t>
             </a:r>
             <a:r>
               <a:rPr lang="en-US" dirty="0" smtClean="0">
+                <a:solidFill>
+                  <a:schemeClr val="tx1"/>
+                </a:solidFill>
                 <a:latin typeface="Comic Sans MS" panose="030F0702030302020204" pitchFamily="66" charset="0"/>
               </a:rPr>
               <a:t>How many </a:t>
             </a:r>
             <a:r>
               <a:rPr lang="en-US" dirty="0">
+                <a:solidFill>
+                  <a:schemeClr val="tx1"/>
+                </a:solidFill>
                 <a:latin typeface="Comic Sans MS" panose="030F0702030302020204" pitchFamily="66" charset="0"/>
               </a:rPr>
               <a:t>different ports to a microcomputer in the center are there?</a:t>
@@ -10940,6 +15079,13 @@
   <p:clrMapOvr>
     <a:masterClrMapping/>
   </p:clrMapOvr>
+  <p:timing>
+    <p:tnLst>
+      <p:par>
+        <p:cTn id="1" dur="indefinite" restart="never" nodeType="tmRoot"/>
+      </p:par>
+    </p:tnLst>
+  </p:timing>
 </p:sld>
 </file>
 
@@ -11059,7 +15205,97 @@
                 </a:solidFill>
                 <a:latin typeface="Comic Sans MS" panose="030F0702030302020204" pitchFamily="66" charset="0"/>
               </a:rPr>
-              <a:t>by performing the tasks T1, T2, . . . , Tm in sequence. </a:t>
+              <a:t>by performing the tasks T</a:t>
+            </a:r>
+            <a:r>
+              <a:rPr lang="en-US" baseline="-25000" dirty="0">
+                <a:solidFill>
+                  <a:schemeClr val="tx1"/>
+                </a:solidFill>
+                <a:latin typeface="Comic Sans MS" panose="030F0702030302020204" pitchFamily="66" charset="0"/>
+              </a:rPr>
+              <a:t>1</a:t>
+            </a:r>
+            <a:r>
+              <a:rPr lang="en-US" dirty="0">
+                <a:solidFill>
+                  <a:schemeClr val="tx1"/>
+                </a:solidFill>
+                <a:latin typeface="Comic Sans MS" panose="030F0702030302020204" pitchFamily="66" charset="0"/>
+              </a:rPr>
+              <a:t>, </a:t>
+            </a:r>
+            <a:r>
+              <a:rPr lang="en-US" dirty="0" smtClean="0">
+                <a:solidFill>
+                  <a:schemeClr val="tx1"/>
+                </a:solidFill>
+                <a:latin typeface="Comic Sans MS" panose="030F0702030302020204" pitchFamily="66" charset="0"/>
+              </a:rPr>
+              <a:t>T</a:t>
+            </a:r>
+            <a:r>
+              <a:rPr lang="en-US" baseline="-25000" dirty="0" smtClean="0">
+                <a:solidFill>
+                  <a:schemeClr val="tx1"/>
+                </a:solidFill>
+                <a:latin typeface="Comic Sans MS" panose="030F0702030302020204" pitchFamily="66" charset="0"/>
+              </a:rPr>
+              <a:t>2</a:t>
+            </a:r>
+            <a:r>
+              <a:rPr lang="en-US" dirty="0" smtClean="0">
+                <a:solidFill>
+                  <a:schemeClr val="tx1"/>
+                </a:solidFill>
+                <a:latin typeface="Comic Sans MS" panose="030F0702030302020204" pitchFamily="66" charset="0"/>
+              </a:rPr>
+              <a:t>, </a:t>
+            </a:r>
+            <a:r>
+              <a:rPr lang="en-US" dirty="0">
+                <a:solidFill>
+                  <a:schemeClr val="tx1"/>
+                </a:solidFill>
+                <a:latin typeface="Comic Sans MS" panose="030F0702030302020204" pitchFamily="66" charset="0"/>
+              </a:rPr>
+              <a:t>. . . , </a:t>
+            </a:r>
+            <a:r>
+              <a:rPr lang="en-US" dirty="0" smtClean="0">
+                <a:solidFill>
+                  <a:schemeClr val="tx1"/>
+                </a:solidFill>
+                <a:latin typeface="Comic Sans MS" panose="030F0702030302020204" pitchFamily="66" charset="0"/>
+              </a:rPr>
+              <a:t>T</a:t>
+            </a:r>
+            <a:r>
+              <a:rPr lang="en-US" baseline="-25000" dirty="0" smtClean="0">
+                <a:solidFill>
+                  <a:schemeClr val="tx1"/>
+                </a:solidFill>
+                <a:latin typeface="Comic Sans MS" panose="030F0702030302020204" pitchFamily="66" charset="0"/>
+              </a:rPr>
+              <a:t>m</a:t>
+            </a:r>
+            <a:r>
+              <a:rPr lang="en-US" dirty="0" smtClean="0">
+                <a:solidFill>
+                  <a:schemeClr val="tx1"/>
+                </a:solidFill>
+                <a:latin typeface="Comic Sans MS" panose="030F0702030302020204" pitchFamily="66" charset="0"/>
+              </a:rPr>
+              <a:t> </a:t>
+            </a:r>
+            <a:r>
+              <a:rPr lang="en-US" dirty="0">
+                <a:solidFill>
+                  <a:schemeClr val="tx1"/>
+                </a:solidFill>
+                <a:latin typeface="Comic Sans MS" panose="030F0702030302020204" pitchFamily="66" charset="0"/>
+              </a:rPr>
+              <a:t>in sequence. </a:t>
             </a:r>
             <a:r>
               <a:rPr lang="en-US" dirty="0" smtClean="0">
@@ -11097,13 +15333,31 @@
               <a:t>each task </a:t>
             </a:r>
             <a:r>
-              <a:rPr lang="en-US" dirty="0" err="1">
-                <a:solidFill>
-                  <a:schemeClr val="tx1"/>
-                </a:solidFill>
-                <a:latin typeface="Comic Sans MS" panose="030F0702030302020204" pitchFamily="66" charset="0"/>
-              </a:rPr>
-              <a:t>Ti</a:t>
+              <a:rPr lang="en-US" dirty="0" err="1" smtClean="0">
+                <a:solidFill>
+                  <a:schemeClr val="tx1"/>
+                </a:solidFill>
+                <a:latin typeface="Comic Sans MS" panose="030F0702030302020204" pitchFamily="66" charset="0"/>
+              </a:rPr>
+              <a:t>T</a:t>
+            </a:r>
+            <a:r>
+              <a:rPr lang="en-US" baseline="-25000" dirty="0" err="1" smtClean="0">
+                <a:solidFill>
+                  <a:schemeClr val="tx1"/>
+                </a:solidFill>
+                <a:latin typeface="Comic Sans MS" panose="030F0702030302020204" pitchFamily="66" charset="0"/>
+              </a:rPr>
+              <a:t>i</a:t>
+            </a:r>
+            <a:r>
+              <a:rPr lang="en-US" dirty="0" smtClean="0">
+                <a:solidFill>
+                  <a:schemeClr val="tx1"/>
+                </a:solidFill>
+                <a:latin typeface="Comic Sans MS" panose="030F0702030302020204" pitchFamily="66" charset="0"/>
+              </a:rPr>
+              <a:t> </a:t>
             </a:r>
             <a:r>
               <a:rPr lang="en-US" dirty="0">
@@ -11112,10 +15366,37 @@
                 </a:solidFill>
                 <a:latin typeface="Comic Sans MS" panose="030F0702030302020204" pitchFamily="66" charset="0"/>
               </a:rPr>
-              <a:t> , </a:t>
-            </a:r>
-            <a:r>
-              <a:rPr lang="en-US" dirty="0" err="1">
+              <a:t>, i = 1, 2, . . . , n, can </a:t>
+            </a:r>
+            <a:r>
+              <a:rPr lang="en-US" dirty="0" smtClean="0">
+                <a:solidFill>
+                  <a:schemeClr val="tx1"/>
+                </a:solidFill>
+                <a:latin typeface="Comic Sans MS" panose="030F0702030302020204" pitchFamily="66" charset="0"/>
+              </a:rPr>
+              <a:t>be done </a:t>
+            </a:r>
+            <a:r>
+              <a:rPr lang="en-US" dirty="0">
+                <a:solidFill>
+                  <a:schemeClr val="tx1"/>
+                </a:solidFill>
+                <a:latin typeface="Comic Sans MS" panose="030F0702030302020204" pitchFamily="66" charset="0"/>
+              </a:rPr>
+              <a:t>in </a:t>
+            </a:r>
+            <a:r>
+              <a:rPr lang="en-US" dirty="0" err="1" smtClean="0">
+                <a:solidFill>
+                  <a:schemeClr val="tx1"/>
+                </a:solidFill>
+                <a:latin typeface="Comic Sans MS" panose="030F0702030302020204" pitchFamily="66" charset="0"/>
+              </a:rPr>
+              <a:t>n</a:t>
+            </a:r>
+            <a:r>
+              <a:rPr lang="en-US" baseline="-25000" dirty="0" err="1">
                 <a:solidFill>
                   <a:schemeClr val="tx1"/>
                 </a:solidFill>
@@ -11124,49 +15405,22 @@
               <a:t>i</a:t>
             </a:r>
             <a:r>
+              <a:rPr lang="en-US" dirty="0" smtClean="0">
+                <a:solidFill>
+                  <a:schemeClr val="tx1"/>
+                </a:solidFill>
+                <a:latin typeface="Comic Sans MS" panose="030F0702030302020204" pitchFamily="66" charset="0"/>
+              </a:rPr>
+              <a:t> </a:t>
+            </a:r>
+            <a:r>
               <a:rPr lang="en-US" dirty="0">
                 <a:solidFill>
                   <a:schemeClr val="tx1"/>
                 </a:solidFill>
                 <a:latin typeface="Comic Sans MS" panose="030F0702030302020204" pitchFamily="66" charset="0"/>
               </a:rPr>
-              <a:t> = 1, 2, . . . , n, can </a:t>
-            </a:r>
-            <a:r>
-              <a:rPr lang="en-US" dirty="0" smtClean="0">
-                <a:solidFill>
-                  <a:schemeClr val="tx1"/>
-                </a:solidFill>
-                <a:latin typeface="Comic Sans MS" panose="030F0702030302020204" pitchFamily="66" charset="0"/>
-              </a:rPr>
-              <a:t>be done </a:t>
-            </a:r>
-            <a:r>
-              <a:rPr lang="en-US" dirty="0">
-                <a:solidFill>
-                  <a:schemeClr val="tx1"/>
-                </a:solidFill>
-                <a:latin typeface="Comic Sans MS" panose="030F0702030302020204" pitchFamily="66" charset="0"/>
-              </a:rPr>
-              <a:t>in </a:t>
-            </a:r>
-            <a:r>
-              <a:rPr lang="en-US" dirty="0" err="1">
-                <a:solidFill>
-                  <a:schemeClr val="tx1"/>
-                </a:solidFill>
-                <a:latin typeface="Comic Sans MS" panose="030F0702030302020204" pitchFamily="66" charset="0"/>
-              </a:rPr>
-              <a:t>ni</a:t>
-            </a:r>
-            <a:r>
-              <a:rPr lang="en-US" dirty="0">
-                <a:solidFill>
-                  <a:schemeClr val="tx1"/>
-                </a:solidFill>
-                <a:latin typeface="Comic Sans MS" panose="030F0702030302020204" pitchFamily="66" charset="0"/>
-              </a:rPr>
-              <a:t> ways, regardless of how the previous tasks were done, </a:t>
+              <a:t>ways, regardless of how the previous tasks were done, </a:t>
             </a:r>
             <a:r>
               <a:rPr lang="en-US" dirty="0" smtClean="0">
@@ -11201,13 +15455,35 @@
                 </a:solidFill>
                 <a:latin typeface="Comic Sans MS" panose="030F0702030302020204" pitchFamily="66" charset="0"/>
               </a:rPr>
-              <a:t>there are n1 · n2 · · · · · nm</a:t>
-            </a:r>
-          </a:p>
-          <a:p>
-            <a:pPr marL="114300" indent="0">
-              <a:buNone/>
-            </a:pPr>
+              <a:t>there are </a:t>
+            </a:r>
+            <a:r>
+              <a:rPr lang="en-US" dirty="0" smtClean="0">
+                <a:solidFill>
+                  <a:schemeClr val="tx1"/>
+                </a:solidFill>
+                <a:latin typeface="Comic Sans MS" panose="030F0702030302020204" pitchFamily="66" charset="0"/>
+              </a:rPr>
+              <a:t>n</a:t>
+            </a:r>
+            <a:r>
+              <a:rPr lang="en-US" baseline="-25000" dirty="0" smtClean="0">
+                <a:solidFill>
+                  <a:schemeClr val="tx1"/>
+                </a:solidFill>
+                <a:latin typeface="Comic Sans MS" panose="030F0702030302020204" pitchFamily="66" charset="0"/>
+              </a:rPr>
+              <a:t>1</a:t>
+            </a:r>
+            <a:r>
+              <a:rPr lang="en-US" dirty="0" smtClean="0">
+                <a:solidFill>
+                  <a:schemeClr val="tx1"/>
+                </a:solidFill>
+                <a:latin typeface="Comic Sans MS" panose="030F0702030302020204" pitchFamily="66" charset="0"/>
+              </a:rPr>
+              <a:t> </a:t>
+            </a:r>
             <a:r>
               <a:rPr lang="en-US" dirty="0">
                 <a:solidFill>
@@ -11215,7 +15491,79 @@
                 </a:solidFill>
                 <a:latin typeface="Comic Sans MS" panose="030F0702030302020204" pitchFamily="66" charset="0"/>
               </a:rPr>
-              <a:t>ways to carry out the procedure</a:t>
+              <a:t>· </a:t>
+            </a:r>
+            <a:r>
+              <a:rPr lang="en-US" dirty="0" smtClean="0">
+                <a:solidFill>
+                  <a:schemeClr val="tx1"/>
+                </a:solidFill>
+                <a:latin typeface="Comic Sans MS" panose="030F0702030302020204" pitchFamily="66" charset="0"/>
+              </a:rPr>
+              <a:t>n</a:t>
+            </a:r>
+            <a:r>
+              <a:rPr lang="en-US" baseline="-25000" dirty="0" smtClean="0">
+                <a:solidFill>
+                  <a:schemeClr val="tx1"/>
+                </a:solidFill>
+                <a:latin typeface="Comic Sans MS" panose="030F0702030302020204" pitchFamily="66" charset="0"/>
+              </a:rPr>
+              <a:t>2</a:t>
+            </a:r>
+            <a:r>
+              <a:rPr lang="en-US" dirty="0" smtClean="0">
+                <a:solidFill>
+                  <a:schemeClr val="tx1"/>
+                </a:solidFill>
+                <a:latin typeface="Comic Sans MS" panose="030F0702030302020204" pitchFamily="66" charset="0"/>
+              </a:rPr>
+              <a:t> </a:t>
+            </a:r>
+            <a:r>
+              <a:rPr lang="en-US" dirty="0">
+                <a:solidFill>
+                  <a:schemeClr val="tx1"/>
+                </a:solidFill>
+                <a:latin typeface="Comic Sans MS" panose="030F0702030302020204" pitchFamily="66" charset="0"/>
+              </a:rPr>
+              <a:t>· · · · · </a:t>
+            </a:r>
+            <a:r>
+              <a:rPr lang="en-US" dirty="0" smtClean="0">
+                <a:solidFill>
+                  <a:schemeClr val="tx1"/>
+                </a:solidFill>
+                <a:latin typeface="Comic Sans MS" panose="030F0702030302020204" pitchFamily="66" charset="0"/>
+              </a:rPr>
+              <a:t>n</a:t>
+            </a:r>
+            <a:r>
+              <a:rPr lang="en-US" baseline="-25000" dirty="0" smtClean="0">
+                <a:solidFill>
+                  <a:schemeClr val="tx1"/>
+                </a:solidFill>
+                <a:latin typeface="Comic Sans MS" panose="030F0702030302020204" pitchFamily="66" charset="0"/>
+              </a:rPr>
+              <a:t>m </a:t>
+            </a:r>
+            <a:r>
+              <a:rPr lang="en-US" dirty="0" smtClean="0">
+                <a:solidFill>
+                  <a:schemeClr val="tx1"/>
+                </a:solidFill>
+                <a:latin typeface="Comic Sans MS" panose="030F0702030302020204" pitchFamily="66" charset="0"/>
+              </a:rPr>
+              <a:t>ways </a:t>
+            </a:r>
+            <a:r>
+              <a:rPr lang="en-US" dirty="0">
+                <a:solidFill>
+                  <a:schemeClr val="tx1"/>
+                </a:solidFill>
+                <a:latin typeface="Comic Sans MS" panose="030F0702030302020204" pitchFamily="66" charset="0"/>
+              </a:rPr>
+              <a:t>to carry out the procedure</a:t>
             </a:r>
             <a:endParaRPr dirty="0">
               <a:solidFill>
@@ -11236,6 +15584,13 @@
   <p:clrMapOvr>
     <a:masterClrMapping/>
   </p:clrMapOvr>
+  <p:timing>
+    <p:tnLst>
+      <p:par>
+        <p:cTn id="1" dur="indefinite" restart="never" nodeType="tmRoot"/>
+      </p:par>
+    </p:tnLst>
+  </p:timing>
 </p:sld>
 </file>
 
@@ -11355,11 +15710,17 @@
             </a:pPr>
             <a:r>
               <a:rPr lang="en-US" dirty="0">
+                <a:solidFill>
+                  <a:schemeClr val="tx1"/>
+                </a:solidFill>
                 <a:latin typeface="Comic Sans MS" panose="030F0702030302020204" pitchFamily="66" charset="0"/>
               </a:rPr>
               <a:t>How many different bit strings of length seven are there?</a:t>
             </a:r>
             <a:endParaRPr dirty="0">
+              <a:solidFill>
+                <a:schemeClr val="tx1"/>
+              </a:solidFill>
               <a:latin typeface="Comic Sans MS" panose="030F0702030302020204" pitchFamily="66" charset="0"/>
             </a:endParaRPr>
           </a:p>
@@ -11374,6 +15735,9 @@
               <a:buNone/>
             </a:pPr>
             <a:endParaRPr dirty="0">
+              <a:solidFill>
+                <a:schemeClr val="tx1"/>
+              </a:solidFill>
               <a:latin typeface="Comic Sans MS" panose="030F0702030302020204" pitchFamily="66" charset="0"/>
             </a:endParaRPr>
           </a:p>
@@ -11384,6 +15748,13 @@
   <p:clrMapOvr>
     <a:masterClrMapping/>
   </p:clrMapOvr>
+  <p:timing>
+    <p:tnLst>
+      <p:par>
+        <p:cTn id="1" dur="indefinite" restart="never" nodeType="tmRoot"/>
+      </p:par>
+    </p:tnLst>
+  </p:timing>
 </p:sld>
 </file>
 
@@ -11505,35 +15876,53 @@
             </a:pPr>
             <a:r>
               <a:rPr lang="en-US" dirty="0">
+                <a:solidFill>
+                  <a:schemeClr val="tx1"/>
+                </a:solidFill>
                 <a:latin typeface="Comic Sans MS" panose="030F0702030302020204" pitchFamily="66" charset="0"/>
               </a:rPr>
               <a:t>How many different license plates can be made if each plate contains a sequence of </a:t>
             </a:r>
             <a:r>
               <a:rPr lang="en-US" dirty="0" smtClean="0">
+                <a:solidFill>
+                  <a:schemeClr val="tx1"/>
+                </a:solidFill>
                 <a:latin typeface="Comic Sans MS" panose="030F0702030302020204" pitchFamily="66" charset="0"/>
               </a:rPr>
               <a:t>three uppercase </a:t>
             </a:r>
             <a:r>
               <a:rPr lang="en-US" dirty="0">
+                <a:solidFill>
+                  <a:schemeClr val="tx1"/>
+                </a:solidFill>
                 <a:latin typeface="Comic Sans MS" panose="030F0702030302020204" pitchFamily="66" charset="0"/>
               </a:rPr>
               <a:t>English letters followed by three digits (and no sequences of letters are </a:t>
             </a:r>
             <a:r>
               <a:rPr lang="en-US" dirty="0" smtClean="0">
+                <a:solidFill>
+                  <a:schemeClr val="tx1"/>
+                </a:solidFill>
                 <a:latin typeface="Comic Sans MS" panose="030F0702030302020204" pitchFamily="66" charset="0"/>
               </a:rPr>
               <a:t>prohibited, even </a:t>
             </a:r>
             <a:r>
               <a:rPr lang="en-US" dirty="0">
+                <a:solidFill>
+                  <a:schemeClr val="tx1"/>
+                </a:solidFill>
                 <a:latin typeface="Comic Sans MS" panose="030F0702030302020204" pitchFamily="66" charset="0"/>
               </a:rPr>
               <a:t>if they are obscene)?</a:t>
             </a:r>
             <a:endParaRPr dirty="0">
+              <a:solidFill>
+                <a:schemeClr val="tx1"/>
+              </a:solidFill>
               <a:latin typeface="Comic Sans MS" panose="030F0702030302020204" pitchFamily="66" charset="0"/>
             </a:endParaRPr>
           </a:p>
@@ -11548,6 +15937,9 @@
               <a:buNone/>
             </a:pPr>
             <a:endParaRPr dirty="0">
+              <a:solidFill>
+                <a:schemeClr val="tx1"/>
+              </a:solidFill>
               <a:latin typeface="Comic Sans MS" panose="030F0702030302020204" pitchFamily="66" charset="0"/>
             </a:endParaRPr>
           </a:p>
@@ -11563,6 +15955,13 @@
   <p:clrMapOvr>
     <a:masterClrMapping/>
   </p:clrMapOvr>
+  <p:timing>
+    <p:tnLst>
+      <p:par>
+        <p:cTn id="1" dur="indefinite" restart="never" nodeType="tmRoot"/>
+      </p:par>
+    </p:tnLst>
+  </p:timing>
 </p:sld>
 </file>
 
@@ -11690,11 +16089,17 @@
             </a:pPr>
             <a:r>
               <a:rPr lang="en" dirty="0">
+                <a:solidFill>
+                  <a:schemeClr val="tx1"/>
+                </a:solidFill>
                 <a:latin typeface="Comic Sans MS" panose="030F0702030302020204" pitchFamily="66" charset="0"/>
               </a:rPr>
               <a:t>A telephone number has the form NYX-NNX-XXXX</a:t>
             </a:r>
             <a:endParaRPr dirty="0">
+              <a:solidFill>
+                <a:schemeClr val="tx1"/>
+              </a:solidFill>
               <a:latin typeface="Comic Sans MS" panose="030F0702030302020204" pitchFamily="66" charset="0"/>
             </a:endParaRPr>
           </a:p>
@@ -11710,57 +16115,87 @@
             </a:pPr>
             <a:r>
               <a:rPr lang="en" dirty="0">
+                <a:solidFill>
+                  <a:schemeClr val="tx1"/>
+                </a:solidFill>
                 <a:latin typeface="Comic Sans MS" panose="030F0702030302020204" pitchFamily="66" charset="0"/>
               </a:rPr>
               <a:t>Let X denote a digit that can take any of the values 0 through 9, </a:t>
             </a:r>
             <a:r>
               <a:rPr lang="en" dirty="0" smtClean="0">
+                <a:solidFill>
+                  <a:schemeClr val="tx1"/>
+                </a:solidFill>
                 <a:latin typeface="Comic Sans MS" panose="030F0702030302020204" pitchFamily="66" charset="0"/>
               </a:rPr>
               <a:t/>
             </a:r>
             <a:br>
               <a:rPr lang="en" dirty="0" smtClean="0">
+                <a:solidFill>
+                  <a:schemeClr val="tx1"/>
+                </a:solidFill>
                 <a:latin typeface="Comic Sans MS" panose="030F0702030302020204" pitchFamily="66" charset="0"/>
               </a:rPr>
             </a:br>
             <a:r>
               <a:rPr lang="en" dirty="0" smtClean="0">
+                <a:solidFill>
+                  <a:schemeClr val="tx1"/>
+                </a:solidFill>
                 <a:latin typeface="Comic Sans MS" panose="030F0702030302020204" pitchFamily="66" charset="0"/>
               </a:rPr>
               <a:t>let </a:t>
             </a:r>
             <a:r>
               <a:rPr lang="en" dirty="0">
+                <a:solidFill>
+                  <a:schemeClr val="tx1"/>
+                </a:solidFill>
                 <a:latin typeface="Comic Sans MS" panose="030F0702030302020204" pitchFamily="66" charset="0"/>
               </a:rPr>
               <a:t>N denote a digit that can take any of the values 2 through 9, </a:t>
             </a:r>
             <a:r>
               <a:rPr lang="en" dirty="0" smtClean="0">
+                <a:solidFill>
+                  <a:schemeClr val="tx1"/>
+                </a:solidFill>
                 <a:latin typeface="Comic Sans MS" panose="030F0702030302020204" pitchFamily="66" charset="0"/>
               </a:rPr>
               <a:t/>
             </a:r>
             <a:br>
               <a:rPr lang="en" dirty="0" smtClean="0">
+                <a:solidFill>
+                  <a:schemeClr val="tx1"/>
+                </a:solidFill>
                 <a:latin typeface="Comic Sans MS" panose="030F0702030302020204" pitchFamily="66" charset="0"/>
               </a:rPr>
             </a:br>
             <a:r>
               <a:rPr lang="en" dirty="0" smtClean="0">
+                <a:solidFill>
+                  <a:schemeClr val="tx1"/>
+                </a:solidFill>
                 <a:latin typeface="Comic Sans MS" panose="030F0702030302020204" pitchFamily="66" charset="0"/>
               </a:rPr>
               <a:t>and </a:t>
             </a:r>
             <a:r>
               <a:rPr lang="en" dirty="0">
+                <a:solidFill>
+                  <a:schemeClr val="tx1"/>
+                </a:solidFill>
                 <a:latin typeface="Comic Sans MS" panose="030F0702030302020204" pitchFamily="66" charset="0"/>
               </a:rPr>
               <a:t>let Y denote a digit that must be a 0 or a 1.</a:t>
             </a:r>
             <a:endParaRPr dirty="0">
+              <a:solidFill>
+                <a:schemeClr val="tx1"/>
+              </a:solidFill>
               <a:latin typeface="Comic Sans MS" panose="030F0702030302020204" pitchFamily="66" charset="0"/>
             </a:endParaRPr>
           </a:p>
@@ -11776,17 +16211,26 @@
             </a:pPr>
             <a:r>
               <a:rPr lang="en" dirty="0">
+                <a:solidFill>
+                  <a:schemeClr val="tx1"/>
+                </a:solidFill>
                 <a:latin typeface="Comic Sans MS" panose="030F0702030302020204" pitchFamily="66" charset="0"/>
               </a:rPr>
               <a:t>How many different North American telephone numbers are possible </a:t>
             </a:r>
             <a:r>
               <a:rPr lang="en" dirty="0" smtClean="0">
+                <a:solidFill>
+                  <a:schemeClr val="tx1"/>
+                </a:solidFill>
                 <a:latin typeface="Comic Sans MS" panose="030F0702030302020204" pitchFamily="66" charset="0"/>
               </a:rPr>
               <a:t>?</a:t>
             </a:r>
             <a:endParaRPr dirty="0">
+              <a:solidFill>
+                <a:schemeClr val="tx1"/>
+              </a:solidFill>
               <a:latin typeface="Comic Sans MS" panose="030F0702030302020204" pitchFamily="66" charset="0"/>
             </a:endParaRPr>
           </a:p>
@@ -11797,6 +16241,13 @@
   <p:clrMapOvr>
     <a:masterClrMapping/>
   </p:clrMapOvr>
+  <p:timing>
+    <p:tnLst>
+      <p:par>
+        <p:cTn id="1" dur="indefinite" restart="never" nodeType="tmRoot"/>
+      </p:par>
+    </p:tnLst>
+  </p:timing>
 </p:sld>
 </file>
 

--- a/cse106/slides/Lecture7.pptx
+++ b/cse106/slides/Lecture7.pptx
@@ -5,56 +5,51 @@
     <p:sldMasterId id="2147483659" r:id="rId1"/>
   </p:sldMasterIdLst>
   <p:notesMasterIdLst>
-    <p:notesMasterId r:id="rId28"/>
+    <p:notesMasterId r:id="rId27"/>
   </p:notesMasterIdLst>
   <p:sldIdLst>
     <p:sldId id="256" r:id="rId2"/>
     <p:sldId id="257" r:id="rId3"/>
-    <p:sldId id="269" r:id="rId4"/>
-    <p:sldId id="258" r:id="rId5"/>
-    <p:sldId id="271" r:id="rId6"/>
-    <p:sldId id="270" r:id="rId7"/>
-    <p:sldId id="259" r:id="rId8"/>
+    <p:sldId id="284" r:id="rId4"/>
+    <p:sldId id="269" r:id="rId5"/>
+    <p:sldId id="285" r:id="rId6"/>
+    <p:sldId id="286" r:id="rId7"/>
+    <p:sldId id="258" r:id="rId8"/>
     <p:sldId id="273" r:id="rId9"/>
     <p:sldId id="260" r:id="rId10"/>
     <p:sldId id="274" r:id="rId11"/>
     <p:sldId id="261" r:id="rId12"/>
-    <p:sldId id="275" r:id="rId13"/>
-    <p:sldId id="262" r:id="rId14"/>
+    <p:sldId id="262" r:id="rId13"/>
+    <p:sldId id="287" r:id="rId14"/>
     <p:sldId id="263" r:id="rId15"/>
-    <p:sldId id="279" r:id="rId16"/>
-    <p:sldId id="276" r:id="rId17"/>
-    <p:sldId id="264" r:id="rId18"/>
-    <p:sldId id="277" r:id="rId19"/>
-    <p:sldId id="278" r:id="rId20"/>
-    <p:sldId id="265" r:id="rId21"/>
-    <p:sldId id="280" r:id="rId22"/>
-    <p:sldId id="266" r:id="rId23"/>
-    <p:sldId id="267" r:id="rId24"/>
-    <p:sldId id="268" r:id="rId25"/>
-    <p:sldId id="281" r:id="rId26"/>
-    <p:sldId id="282" r:id="rId27"/>
+    <p:sldId id="288" r:id="rId16"/>
+    <p:sldId id="289" r:id="rId17"/>
+    <p:sldId id="277" r:id="rId18"/>
+    <p:sldId id="278" r:id="rId19"/>
+    <p:sldId id="265" r:id="rId20"/>
+    <p:sldId id="280" r:id="rId21"/>
+    <p:sldId id="266" r:id="rId22"/>
+    <p:sldId id="267" r:id="rId23"/>
+    <p:sldId id="268" r:id="rId24"/>
+    <p:sldId id="281" r:id="rId25"/>
+    <p:sldId id="282" r:id="rId26"/>
   </p:sldIdLst>
   <p:sldSz cx="9144000" cy="5143500" type="screen16x9"/>
   <p:notesSz cx="6858000" cy="9144000"/>
   <p:embeddedFontLst>
     <p:embeddedFont>
-      <p:font typeface="Comic Sans MS" panose="030F0702030302020204" pitchFamily="66" charset="0"/>
-      <p:regular r:id="rId29"/>
-      <p:bold r:id="rId30"/>
-      <p:italic r:id="rId31"/>
-      <p:boldItalic r:id="rId32"/>
+      <p:font typeface="Roboto" panose="020B0604020202020204" charset="0"/>
+      <p:regular r:id="rId28"/>
+      <p:bold r:id="rId29"/>
+      <p:italic r:id="rId30"/>
+      <p:boldItalic r:id="rId31"/>
     </p:embeddedFont>
     <p:embeddedFont>
-      <p:font typeface="Roboto" panose="020B0604020202020204" charset="0"/>
-      <p:regular r:id="rId33"/>
-      <p:bold r:id="rId34"/>
-      <p:italic r:id="rId35"/>
-      <p:boldItalic r:id="rId36"/>
-    </p:embeddedFont>
-    <p:embeddedFont>
-      <p:font typeface="Cambria Math" panose="02040503050406030204" pitchFamily="18" charset="0"/>
-      <p:regular r:id="rId37"/>
+      <p:font typeface="Comic Sans MS" panose="030F0702030302020204" pitchFamily="66" charset="0"/>
+      <p:regular r:id="rId32"/>
+      <p:bold r:id="rId33"/>
+      <p:italic r:id="rId34"/>
+      <p:boldItalic r:id="rId35"/>
     </p:embeddedFont>
   </p:embeddedFontLst>
   <p:defaultTextStyle>
@@ -1083,115 +1078,6 @@
   <p:cSld>
     <p:spTree>
       <p:nvGrpSpPr>
-        <p:cNvPr id="1" name="Shape 56"/>
-        <p:cNvGrpSpPr/>
-        <p:nvPr/>
-      </p:nvGrpSpPr>
-      <p:grpSpPr>
-        <a:xfrm>
-          <a:off x="0" y="0"/>
-          <a:ext cx="0" cy="0"/>
-          <a:chOff x="0" y="0"/>
-          <a:chExt cx="0" cy="0"/>
-        </a:xfrm>
-      </p:grpSpPr>
-      <p:sp>
-        <p:nvSpPr>
-          <p:cNvPr id="57" name="Google Shape;57;g6fa31e23a8_0_0:notes"/>
-          <p:cNvSpPr>
-            <a:spLocks noGrp="1" noRot="1" noChangeAspect="1"/>
-          </p:cNvSpPr>
-          <p:nvPr>
-            <p:ph type="sldImg" idx="2"/>
-          </p:nvPr>
-        </p:nvSpPr>
-        <p:spPr>
-          <a:xfrm>
-            <a:off x="381000" y="685800"/>
-            <a:ext cx="6096000" cy="3429000"/>
-          </a:xfrm>
-          <a:custGeom>
-            <a:avLst/>
-            <a:gdLst/>
-            <a:ahLst/>
-            <a:cxnLst/>
-            <a:rect l="l" t="t" r="r" b="b"/>
-            <a:pathLst>
-              <a:path w="120000" h="120000" extrusionOk="0">
-                <a:moveTo>
-                  <a:pt x="0" y="0"/>
-                </a:moveTo>
-                <a:lnTo>
-                  <a:pt x="120000" y="0"/>
-                </a:lnTo>
-                <a:lnTo>
-                  <a:pt x="120000" y="120000"/>
-                </a:lnTo>
-                <a:lnTo>
-                  <a:pt x="0" y="120000"/>
-                </a:lnTo>
-                <a:close/>
-              </a:path>
-            </a:pathLst>
-          </a:custGeom>
-        </p:spPr>
-      </p:sp>
-      <p:sp>
-        <p:nvSpPr>
-          <p:cNvPr id="58" name="Google Shape;58;g6fa31e23a8_0_0:notes"/>
-          <p:cNvSpPr txBox="1">
-            <a:spLocks noGrp="1"/>
-          </p:cNvSpPr>
-          <p:nvPr>
-            <p:ph type="body" idx="1"/>
-          </p:nvPr>
-        </p:nvSpPr>
-        <p:spPr>
-          <a:xfrm>
-            <a:off x="685800" y="4343400"/>
-            <a:ext cx="5486400" cy="4114800"/>
-          </a:xfrm>
-          <a:prstGeom prst="rect">
-            <a:avLst/>
-          </a:prstGeom>
-        </p:spPr>
-        <p:txBody>
-          <a:bodyPr spcFirstLastPara="1" wrap="square" lIns="91425" tIns="91425" rIns="91425" bIns="91425" anchor="t" anchorCtr="0">
-            <a:noAutofit/>
-          </a:bodyPr>
-          <a:lstStyle/>
-          <a:p>
-            <a:pPr marL="0" lvl="0" indent="0" algn="l" rtl="0">
-              <a:spcBef>
-                <a:spcPts val="0"/>
-              </a:spcBef>
-              <a:spcAft>
-                <a:spcPts val="0"/>
-              </a:spcAft>
-              <a:buNone/>
-            </a:pPr>
-            <a:endParaRPr/>
-          </a:p>
-        </p:txBody>
-      </p:sp>
-    </p:spTree>
-    <p:extLst>
-      <p:ext uri="{BB962C8B-B14F-4D97-AF65-F5344CB8AC3E}">
-        <p14:creationId xmlns:p14="http://schemas.microsoft.com/office/powerpoint/2010/main" val="2082546107"/>
-      </p:ext>
-    </p:extLst>
-  </p:cSld>
-  <p:clrMapOvr>
-    <a:masterClrMapping/>
-  </p:clrMapOvr>
-</p:notes>
-</file>
-
-<file path=ppt/notesSlides/notesSlide13.xml><?xml version="1.0" encoding="utf-8"?>
-<p:notes xmlns:a="http://schemas.openxmlformats.org/drawingml/2006/main" xmlns:r="http://schemas.openxmlformats.org/officeDocument/2006/relationships" xmlns:p="http://schemas.openxmlformats.org/presentationml/2006/main" showMasterSp="0" showMasterPhAnim="0">
-  <p:cSld>
-    <p:spTree>
-      <p:nvGrpSpPr>
         <p:cNvPr id="1" name="Shape 86"/>
         <p:cNvGrpSpPr/>
         <p:nvPr/>
@@ -1287,6 +1173,115 @@
     <p:extLst>
       <p:ext uri="{BB962C8B-B14F-4D97-AF65-F5344CB8AC3E}">
         <p14:creationId xmlns:p14="http://schemas.microsoft.com/office/powerpoint/2010/main" val="1307556515"/>
+      </p:ext>
+    </p:extLst>
+  </p:cSld>
+  <p:clrMapOvr>
+    <a:masterClrMapping/>
+  </p:clrMapOvr>
+</p:notes>
+</file>
+
+<file path=ppt/notesSlides/notesSlide13.xml><?xml version="1.0" encoding="utf-8"?>
+<p:notes xmlns:a="http://schemas.openxmlformats.org/drawingml/2006/main" xmlns:r="http://schemas.openxmlformats.org/officeDocument/2006/relationships" xmlns:p="http://schemas.openxmlformats.org/presentationml/2006/main" showMasterSp="0" showMasterPhAnim="0">
+  <p:cSld>
+    <p:spTree>
+      <p:nvGrpSpPr>
+        <p:cNvPr id="1" name="Shape 80"/>
+        <p:cNvGrpSpPr/>
+        <p:nvPr/>
+      </p:nvGrpSpPr>
+      <p:grpSpPr>
+        <a:xfrm>
+          <a:off x="0" y="0"/>
+          <a:ext cx="0" cy="0"/>
+          <a:chOff x="0" y="0"/>
+          <a:chExt cx="0" cy="0"/>
+        </a:xfrm>
+      </p:grpSpPr>
+      <p:sp>
+        <p:nvSpPr>
+          <p:cNvPr id="81" name="Google Shape;81;g6fa31e23a8_0_26:notes"/>
+          <p:cNvSpPr>
+            <a:spLocks noGrp="1" noRot="1" noChangeAspect="1"/>
+          </p:cNvSpPr>
+          <p:nvPr>
+            <p:ph type="sldImg" idx="2"/>
+          </p:nvPr>
+        </p:nvSpPr>
+        <p:spPr>
+          <a:xfrm>
+            <a:off x="381000" y="685800"/>
+            <a:ext cx="6096000" cy="3429000"/>
+          </a:xfrm>
+          <a:custGeom>
+            <a:avLst/>
+            <a:gdLst/>
+            <a:ahLst/>
+            <a:cxnLst/>
+            <a:rect l="l" t="t" r="r" b="b"/>
+            <a:pathLst>
+              <a:path w="120000" h="120000" extrusionOk="0">
+                <a:moveTo>
+                  <a:pt x="0" y="0"/>
+                </a:moveTo>
+                <a:lnTo>
+                  <a:pt x="120000" y="0"/>
+                </a:lnTo>
+                <a:lnTo>
+                  <a:pt x="120000" y="120000"/>
+                </a:lnTo>
+                <a:lnTo>
+                  <a:pt x="0" y="120000"/>
+                </a:lnTo>
+                <a:close/>
+              </a:path>
+            </a:pathLst>
+          </a:custGeom>
+        </p:spPr>
+      </p:sp>
+      <p:sp>
+        <p:nvSpPr>
+          <p:cNvPr id="82" name="Google Shape;82;g6fa31e23a8_0_26:notes"/>
+          <p:cNvSpPr txBox="1">
+            <a:spLocks noGrp="1"/>
+          </p:cNvSpPr>
+          <p:nvPr>
+            <p:ph type="body" idx="1"/>
+          </p:nvPr>
+        </p:nvSpPr>
+        <p:spPr>
+          <a:xfrm>
+            <a:off x="685800" y="4343400"/>
+            <a:ext cx="5486400" cy="4114800"/>
+          </a:xfrm>
+          <a:prstGeom prst="rect">
+            <a:avLst/>
+          </a:prstGeom>
+        </p:spPr>
+        <p:txBody>
+          <a:bodyPr spcFirstLastPara="1" wrap="square" lIns="91425" tIns="91425" rIns="91425" bIns="91425" anchor="t" anchorCtr="0">
+            <a:noAutofit/>
+          </a:bodyPr>
+          <a:lstStyle/>
+          <a:p>
+            <a:pPr marL="0" lvl="0" indent="0" algn="l" rtl="0">
+              <a:spcBef>
+                <a:spcPts val="0"/>
+              </a:spcBef>
+              <a:spcAft>
+                <a:spcPts val="0"/>
+              </a:spcAft>
+              <a:buNone/>
+            </a:pPr>
+            <a:endParaRPr/>
+          </a:p>
+        </p:txBody>
+      </p:sp>
+    </p:spTree>
+    <p:extLst>
+      <p:ext uri="{BB962C8B-B14F-4D97-AF65-F5344CB8AC3E}">
+        <p14:creationId xmlns:p14="http://schemas.microsoft.com/office/powerpoint/2010/main" val="2435157298"/>
       </p:ext>
     </p:extLst>
   </p:cSld>
@@ -1504,7 +1499,7 @@
     </p:spTree>
     <p:extLst>
       <p:ext uri="{BB962C8B-B14F-4D97-AF65-F5344CB8AC3E}">
-        <p14:creationId xmlns:p14="http://schemas.microsoft.com/office/powerpoint/2010/main" val="1680413364"/>
+        <p14:creationId xmlns:p14="http://schemas.microsoft.com/office/powerpoint/2010/main" val="1279867313"/>
       </p:ext>
     </p:extLst>
   </p:cSld>
@@ -1519,7 +1514,7 @@
   <p:cSld>
     <p:spTree>
       <p:nvGrpSpPr>
-        <p:cNvPr id="1" name="Shape 56"/>
+        <p:cNvPr id="1" name="Shape 92"/>
         <p:cNvGrpSpPr/>
         <p:nvPr/>
       </p:nvGrpSpPr>
@@ -1533,7 +1528,7 @@
       </p:grpSpPr>
       <p:sp>
         <p:nvSpPr>
-          <p:cNvPr id="57" name="Google Shape;57;g6fa31e23a8_0_0:notes"/>
+          <p:cNvPr id="93" name="Google Shape;93;g6fa31e23a8_0_36:notes"/>
           <p:cNvSpPr>
             <a:spLocks noGrp="1" noRot="1" noChangeAspect="1"/>
           </p:cNvSpPr>
@@ -1574,7 +1569,7 @@
       </p:sp>
       <p:sp>
         <p:nvSpPr>
-          <p:cNvPr id="58" name="Google Shape;58;g6fa31e23a8_0_0:notes"/>
+          <p:cNvPr id="94" name="Google Shape;94;g6fa31e23a8_0_36:notes"/>
           <p:cNvSpPr txBox="1">
             <a:spLocks noGrp="1"/>
           </p:cNvSpPr>
@@ -1613,7 +1608,7 @@
     </p:spTree>
     <p:extLst>
       <p:ext uri="{BB962C8B-B14F-4D97-AF65-F5344CB8AC3E}">
-        <p14:creationId xmlns:p14="http://schemas.microsoft.com/office/powerpoint/2010/main" val="2082546107"/>
+        <p14:creationId xmlns:p14="http://schemas.microsoft.com/office/powerpoint/2010/main" val="3121085914"/>
       </p:ext>
     </p:extLst>
   </p:cSld>
@@ -1737,115 +1732,6 @@
   <p:cSld>
     <p:spTree>
       <p:nvGrpSpPr>
-        <p:cNvPr id="1" name="Shape 98"/>
-        <p:cNvGrpSpPr/>
-        <p:nvPr/>
-      </p:nvGrpSpPr>
-      <p:grpSpPr>
-        <a:xfrm>
-          <a:off x="0" y="0"/>
-          <a:ext cx="0" cy="0"/>
-          <a:chOff x="0" y="0"/>
-          <a:chExt cx="0" cy="0"/>
-        </a:xfrm>
-      </p:grpSpPr>
-      <p:sp>
-        <p:nvSpPr>
-          <p:cNvPr id="99" name="Google Shape;99;g6fa31e23a8_0_41:notes"/>
-          <p:cNvSpPr>
-            <a:spLocks noGrp="1" noRot="1" noChangeAspect="1"/>
-          </p:cNvSpPr>
-          <p:nvPr>
-            <p:ph type="sldImg" idx="2"/>
-          </p:nvPr>
-        </p:nvSpPr>
-        <p:spPr>
-          <a:xfrm>
-            <a:off x="381000" y="685800"/>
-            <a:ext cx="6096000" cy="3429000"/>
-          </a:xfrm>
-          <a:custGeom>
-            <a:avLst/>
-            <a:gdLst/>
-            <a:ahLst/>
-            <a:cxnLst/>
-            <a:rect l="l" t="t" r="r" b="b"/>
-            <a:pathLst>
-              <a:path w="120000" h="120000" extrusionOk="0">
-                <a:moveTo>
-                  <a:pt x="0" y="0"/>
-                </a:moveTo>
-                <a:lnTo>
-                  <a:pt x="120000" y="0"/>
-                </a:lnTo>
-                <a:lnTo>
-                  <a:pt x="120000" y="120000"/>
-                </a:lnTo>
-                <a:lnTo>
-                  <a:pt x="0" y="120000"/>
-                </a:lnTo>
-                <a:close/>
-              </a:path>
-            </a:pathLst>
-          </a:custGeom>
-        </p:spPr>
-      </p:sp>
-      <p:sp>
-        <p:nvSpPr>
-          <p:cNvPr id="100" name="Google Shape;100;g6fa31e23a8_0_41:notes"/>
-          <p:cNvSpPr txBox="1">
-            <a:spLocks noGrp="1"/>
-          </p:cNvSpPr>
-          <p:nvPr>
-            <p:ph type="body" idx="1"/>
-          </p:nvPr>
-        </p:nvSpPr>
-        <p:spPr>
-          <a:xfrm>
-            <a:off x="685800" y="4343400"/>
-            <a:ext cx="5486400" cy="4114800"/>
-          </a:xfrm>
-          <a:prstGeom prst="rect">
-            <a:avLst/>
-          </a:prstGeom>
-        </p:spPr>
-        <p:txBody>
-          <a:bodyPr spcFirstLastPara="1" wrap="square" lIns="91425" tIns="91425" rIns="91425" bIns="91425" anchor="t" anchorCtr="0">
-            <a:noAutofit/>
-          </a:bodyPr>
-          <a:lstStyle/>
-          <a:p>
-            <a:pPr marL="0" lvl="0" indent="0" algn="l" rtl="0">
-              <a:spcBef>
-                <a:spcPts val="0"/>
-              </a:spcBef>
-              <a:spcAft>
-                <a:spcPts val="0"/>
-              </a:spcAft>
-              <a:buNone/>
-            </a:pPr>
-            <a:endParaRPr/>
-          </a:p>
-        </p:txBody>
-      </p:sp>
-    </p:spTree>
-    <p:extLst>
-      <p:ext uri="{BB962C8B-B14F-4D97-AF65-F5344CB8AC3E}">
-        <p14:creationId xmlns:p14="http://schemas.microsoft.com/office/powerpoint/2010/main" val="2915340096"/>
-      </p:ext>
-    </p:extLst>
-  </p:cSld>
-  <p:clrMapOvr>
-    <a:masterClrMapping/>
-  </p:clrMapOvr>
-</p:notes>
-</file>
-
-<file path=ppt/notesSlides/notesSlide19.xml><?xml version="1.0" encoding="utf-8"?>
-<p:notes xmlns:a="http://schemas.openxmlformats.org/drawingml/2006/main" xmlns:r="http://schemas.openxmlformats.org/officeDocument/2006/relationships" xmlns:p="http://schemas.openxmlformats.org/presentationml/2006/main" showMasterSp="0" showMasterPhAnim="0">
-  <p:cSld>
-    <p:spTree>
-      <p:nvGrpSpPr>
         <p:cNvPr id="1" name="Shape 104"/>
         <p:cNvGrpSpPr/>
         <p:nvPr/>
@@ -1941,6 +1827,115 @@
     <p:extLst>
       <p:ext uri="{BB962C8B-B14F-4D97-AF65-F5344CB8AC3E}">
         <p14:creationId xmlns:p14="http://schemas.microsoft.com/office/powerpoint/2010/main" val="1999401343"/>
+      </p:ext>
+    </p:extLst>
+  </p:cSld>
+  <p:clrMapOvr>
+    <a:masterClrMapping/>
+  </p:clrMapOvr>
+</p:notes>
+</file>
+
+<file path=ppt/notesSlides/notesSlide19.xml><?xml version="1.0" encoding="utf-8"?>
+<p:notes xmlns:a="http://schemas.openxmlformats.org/drawingml/2006/main" xmlns:r="http://schemas.openxmlformats.org/officeDocument/2006/relationships" xmlns:p="http://schemas.openxmlformats.org/presentationml/2006/main" showMasterSp="0" showMasterPhAnim="0">
+  <p:cSld>
+    <p:spTree>
+      <p:nvGrpSpPr>
+        <p:cNvPr id="1" name="Shape 110"/>
+        <p:cNvGrpSpPr/>
+        <p:nvPr/>
+      </p:nvGrpSpPr>
+      <p:grpSpPr>
+        <a:xfrm>
+          <a:off x="0" y="0"/>
+          <a:ext cx="0" cy="0"/>
+          <a:chOff x="0" y="0"/>
+          <a:chExt cx="0" cy="0"/>
+        </a:xfrm>
+      </p:grpSpPr>
+      <p:sp>
+        <p:nvSpPr>
+          <p:cNvPr id="111" name="Google Shape;111;g6fa31e23a8_0_74:notes"/>
+          <p:cNvSpPr>
+            <a:spLocks noGrp="1" noRot="1" noChangeAspect="1"/>
+          </p:cNvSpPr>
+          <p:nvPr>
+            <p:ph type="sldImg" idx="2"/>
+          </p:nvPr>
+        </p:nvSpPr>
+        <p:spPr>
+          <a:xfrm>
+            <a:off x="381000" y="685800"/>
+            <a:ext cx="6096000" cy="3429000"/>
+          </a:xfrm>
+          <a:custGeom>
+            <a:avLst/>
+            <a:gdLst/>
+            <a:ahLst/>
+            <a:cxnLst/>
+            <a:rect l="l" t="t" r="r" b="b"/>
+            <a:pathLst>
+              <a:path w="120000" h="120000" extrusionOk="0">
+                <a:moveTo>
+                  <a:pt x="0" y="0"/>
+                </a:moveTo>
+                <a:lnTo>
+                  <a:pt x="120000" y="0"/>
+                </a:lnTo>
+                <a:lnTo>
+                  <a:pt x="120000" y="120000"/>
+                </a:lnTo>
+                <a:lnTo>
+                  <a:pt x="0" y="120000"/>
+                </a:lnTo>
+                <a:close/>
+              </a:path>
+            </a:pathLst>
+          </a:custGeom>
+        </p:spPr>
+      </p:sp>
+      <p:sp>
+        <p:nvSpPr>
+          <p:cNvPr id="112" name="Google Shape;112;g6fa31e23a8_0_74:notes"/>
+          <p:cNvSpPr txBox="1">
+            <a:spLocks noGrp="1"/>
+          </p:cNvSpPr>
+          <p:nvPr>
+            <p:ph type="body" idx="1"/>
+          </p:nvPr>
+        </p:nvSpPr>
+        <p:spPr>
+          <a:xfrm>
+            <a:off x="685800" y="4343400"/>
+            <a:ext cx="5486400" cy="4114800"/>
+          </a:xfrm>
+          <a:prstGeom prst="rect">
+            <a:avLst/>
+          </a:prstGeom>
+        </p:spPr>
+        <p:txBody>
+          <a:bodyPr spcFirstLastPara="1" wrap="square" lIns="91425" tIns="91425" rIns="91425" bIns="91425" anchor="t" anchorCtr="0">
+            <a:noAutofit/>
+          </a:bodyPr>
+          <a:lstStyle/>
+          <a:p>
+            <a:pPr marL="0" lvl="0" indent="0" algn="l" rtl="0">
+              <a:spcBef>
+                <a:spcPts val="0"/>
+              </a:spcBef>
+              <a:spcAft>
+                <a:spcPts val="0"/>
+              </a:spcAft>
+              <a:buNone/>
+            </a:pPr>
+            <a:endParaRPr/>
+          </a:p>
+        </p:txBody>
+      </p:sp>
+    </p:spTree>
+    <p:extLst>
+      <p:ext uri="{BB962C8B-B14F-4D97-AF65-F5344CB8AC3E}">
+        <p14:creationId xmlns:p14="http://schemas.microsoft.com/office/powerpoint/2010/main" val="3191269809"/>
       </p:ext>
     </p:extLst>
   </p:cSld>
@@ -2064,115 +2059,6 @@
   <p:cSld>
     <p:spTree>
       <p:nvGrpSpPr>
-        <p:cNvPr id="1" name="Shape 110"/>
-        <p:cNvGrpSpPr/>
-        <p:nvPr/>
-      </p:nvGrpSpPr>
-      <p:grpSpPr>
-        <a:xfrm>
-          <a:off x="0" y="0"/>
-          <a:ext cx="0" cy="0"/>
-          <a:chOff x="0" y="0"/>
-          <a:chExt cx="0" cy="0"/>
-        </a:xfrm>
-      </p:grpSpPr>
-      <p:sp>
-        <p:nvSpPr>
-          <p:cNvPr id="111" name="Google Shape;111;g6fa31e23a8_0_74:notes"/>
-          <p:cNvSpPr>
-            <a:spLocks noGrp="1" noRot="1" noChangeAspect="1"/>
-          </p:cNvSpPr>
-          <p:nvPr>
-            <p:ph type="sldImg" idx="2"/>
-          </p:nvPr>
-        </p:nvSpPr>
-        <p:spPr>
-          <a:xfrm>
-            <a:off x="381000" y="685800"/>
-            <a:ext cx="6096000" cy="3429000"/>
-          </a:xfrm>
-          <a:custGeom>
-            <a:avLst/>
-            <a:gdLst/>
-            <a:ahLst/>
-            <a:cxnLst/>
-            <a:rect l="l" t="t" r="r" b="b"/>
-            <a:pathLst>
-              <a:path w="120000" h="120000" extrusionOk="0">
-                <a:moveTo>
-                  <a:pt x="0" y="0"/>
-                </a:moveTo>
-                <a:lnTo>
-                  <a:pt x="120000" y="0"/>
-                </a:lnTo>
-                <a:lnTo>
-                  <a:pt x="120000" y="120000"/>
-                </a:lnTo>
-                <a:lnTo>
-                  <a:pt x="0" y="120000"/>
-                </a:lnTo>
-                <a:close/>
-              </a:path>
-            </a:pathLst>
-          </a:custGeom>
-        </p:spPr>
-      </p:sp>
-      <p:sp>
-        <p:nvSpPr>
-          <p:cNvPr id="112" name="Google Shape;112;g6fa31e23a8_0_74:notes"/>
-          <p:cNvSpPr txBox="1">
-            <a:spLocks noGrp="1"/>
-          </p:cNvSpPr>
-          <p:nvPr>
-            <p:ph type="body" idx="1"/>
-          </p:nvPr>
-        </p:nvSpPr>
-        <p:spPr>
-          <a:xfrm>
-            <a:off x="685800" y="4343400"/>
-            <a:ext cx="5486400" cy="4114800"/>
-          </a:xfrm>
-          <a:prstGeom prst="rect">
-            <a:avLst/>
-          </a:prstGeom>
-        </p:spPr>
-        <p:txBody>
-          <a:bodyPr spcFirstLastPara="1" wrap="square" lIns="91425" tIns="91425" rIns="91425" bIns="91425" anchor="t" anchorCtr="0">
-            <a:noAutofit/>
-          </a:bodyPr>
-          <a:lstStyle/>
-          <a:p>
-            <a:pPr marL="0" lvl="0" indent="0" algn="l" rtl="0">
-              <a:spcBef>
-                <a:spcPts val="0"/>
-              </a:spcBef>
-              <a:spcAft>
-                <a:spcPts val="0"/>
-              </a:spcAft>
-              <a:buNone/>
-            </a:pPr>
-            <a:endParaRPr/>
-          </a:p>
-        </p:txBody>
-      </p:sp>
-    </p:spTree>
-    <p:extLst>
-      <p:ext uri="{BB962C8B-B14F-4D97-AF65-F5344CB8AC3E}">
-        <p14:creationId xmlns:p14="http://schemas.microsoft.com/office/powerpoint/2010/main" val="3191269809"/>
-      </p:ext>
-    </p:extLst>
-  </p:cSld>
-  <p:clrMapOvr>
-    <a:masterClrMapping/>
-  </p:clrMapOvr>
-</p:notes>
-</file>
-
-<file path=ppt/notesSlides/notesSlide21.xml><?xml version="1.0" encoding="utf-8"?>
-<p:notes xmlns:a="http://schemas.openxmlformats.org/drawingml/2006/main" xmlns:r="http://schemas.openxmlformats.org/officeDocument/2006/relationships" xmlns:p="http://schemas.openxmlformats.org/presentationml/2006/main" showMasterSp="0" showMasterPhAnim="0">
-  <p:cSld>
-    <p:spTree>
-      <p:nvGrpSpPr>
         <p:cNvPr id="1" name="Shape 116"/>
         <p:cNvGrpSpPr/>
         <p:nvPr/>
@@ -2268,6 +2154,115 @@
     <p:extLst>
       <p:ext uri="{BB962C8B-B14F-4D97-AF65-F5344CB8AC3E}">
         <p14:creationId xmlns:p14="http://schemas.microsoft.com/office/powerpoint/2010/main" val="3591535520"/>
+      </p:ext>
+    </p:extLst>
+  </p:cSld>
+  <p:clrMapOvr>
+    <a:masterClrMapping/>
+  </p:clrMapOvr>
+</p:notes>
+</file>
+
+<file path=ppt/notesSlides/notesSlide21.xml><?xml version="1.0" encoding="utf-8"?>
+<p:notes xmlns:a="http://schemas.openxmlformats.org/drawingml/2006/main" xmlns:r="http://schemas.openxmlformats.org/officeDocument/2006/relationships" xmlns:p="http://schemas.openxmlformats.org/presentationml/2006/main" showMasterSp="0" showMasterPhAnim="0">
+  <p:cSld>
+    <p:spTree>
+      <p:nvGrpSpPr>
+        <p:cNvPr id="1" name="Shape 122"/>
+        <p:cNvGrpSpPr/>
+        <p:nvPr/>
+      </p:nvGrpSpPr>
+      <p:grpSpPr>
+        <a:xfrm>
+          <a:off x="0" y="0"/>
+          <a:ext cx="0" cy="0"/>
+          <a:chOff x="0" y="0"/>
+          <a:chExt cx="0" cy="0"/>
+        </a:xfrm>
+      </p:grpSpPr>
+      <p:sp>
+        <p:nvSpPr>
+          <p:cNvPr id="123" name="Google Shape;123;g65af26e7ba_1_1:notes"/>
+          <p:cNvSpPr>
+            <a:spLocks noGrp="1" noRot="1" noChangeAspect="1"/>
+          </p:cNvSpPr>
+          <p:nvPr>
+            <p:ph type="sldImg" idx="2"/>
+          </p:nvPr>
+        </p:nvSpPr>
+        <p:spPr>
+          <a:xfrm>
+            <a:off x="381000" y="685800"/>
+            <a:ext cx="6096000" cy="3429000"/>
+          </a:xfrm>
+          <a:custGeom>
+            <a:avLst/>
+            <a:gdLst/>
+            <a:ahLst/>
+            <a:cxnLst/>
+            <a:rect l="l" t="t" r="r" b="b"/>
+            <a:pathLst>
+              <a:path w="120000" h="120000" extrusionOk="0">
+                <a:moveTo>
+                  <a:pt x="0" y="0"/>
+                </a:moveTo>
+                <a:lnTo>
+                  <a:pt x="120000" y="0"/>
+                </a:lnTo>
+                <a:lnTo>
+                  <a:pt x="120000" y="120000"/>
+                </a:lnTo>
+                <a:lnTo>
+                  <a:pt x="0" y="120000"/>
+                </a:lnTo>
+                <a:close/>
+              </a:path>
+            </a:pathLst>
+          </a:custGeom>
+        </p:spPr>
+      </p:sp>
+      <p:sp>
+        <p:nvSpPr>
+          <p:cNvPr id="124" name="Google Shape;124;g65af26e7ba_1_1:notes"/>
+          <p:cNvSpPr txBox="1">
+            <a:spLocks noGrp="1"/>
+          </p:cNvSpPr>
+          <p:nvPr>
+            <p:ph type="body" idx="1"/>
+          </p:nvPr>
+        </p:nvSpPr>
+        <p:spPr>
+          <a:xfrm>
+            <a:off x="685800" y="4343400"/>
+            <a:ext cx="5486400" cy="4114800"/>
+          </a:xfrm>
+          <a:prstGeom prst="rect">
+            <a:avLst/>
+          </a:prstGeom>
+        </p:spPr>
+        <p:txBody>
+          <a:bodyPr spcFirstLastPara="1" wrap="square" lIns="91425" tIns="91425" rIns="91425" bIns="91425" anchor="t" anchorCtr="0">
+            <a:noAutofit/>
+          </a:bodyPr>
+          <a:lstStyle/>
+          <a:p>
+            <a:pPr marL="0" lvl="0" indent="0" algn="l" rtl="0">
+              <a:spcBef>
+                <a:spcPts val="0"/>
+              </a:spcBef>
+              <a:spcAft>
+                <a:spcPts val="0"/>
+              </a:spcAft>
+              <a:buNone/>
+            </a:pPr>
+            <a:endParaRPr/>
+          </a:p>
+        </p:txBody>
+      </p:sp>
+    </p:spTree>
+    <p:extLst>
+      <p:ext uri="{BB962C8B-B14F-4D97-AF65-F5344CB8AC3E}">
+        <p14:creationId xmlns:p14="http://schemas.microsoft.com/office/powerpoint/2010/main" val="1991549119"/>
       </p:ext>
     </p:extLst>
   </p:cSld>
@@ -2495,115 +2490,6 @@
 </p:notes>
 </file>
 
-<file path=ppt/notesSlides/notesSlide24.xml><?xml version="1.0" encoding="utf-8"?>
-<p:notes xmlns:a="http://schemas.openxmlformats.org/drawingml/2006/main" xmlns:r="http://schemas.openxmlformats.org/officeDocument/2006/relationships" xmlns:p="http://schemas.openxmlformats.org/presentationml/2006/main" showMasterSp="0" showMasterPhAnim="0">
-  <p:cSld>
-    <p:spTree>
-      <p:nvGrpSpPr>
-        <p:cNvPr id="1" name="Shape 122"/>
-        <p:cNvGrpSpPr/>
-        <p:nvPr/>
-      </p:nvGrpSpPr>
-      <p:grpSpPr>
-        <a:xfrm>
-          <a:off x="0" y="0"/>
-          <a:ext cx="0" cy="0"/>
-          <a:chOff x="0" y="0"/>
-          <a:chExt cx="0" cy="0"/>
-        </a:xfrm>
-      </p:grpSpPr>
-      <p:sp>
-        <p:nvSpPr>
-          <p:cNvPr id="123" name="Google Shape;123;g65af26e7ba_1_1:notes"/>
-          <p:cNvSpPr>
-            <a:spLocks noGrp="1" noRot="1" noChangeAspect="1"/>
-          </p:cNvSpPr>
-          <p:nvPr>
-            <p:ph type="sldImg" idx="2"/>
-          </p:nvPr>
-        </p:nvSpPr>
-        <p:spPr>
-          <a:xfrm>
-            <a:off x="381000" y="685800"/>
-            <a:ext cx="6096000" cy="3429000"/>
-          </a:xfrm>
-          <a:custGeom>
-            <a:avLst/>
-            <a:gdLst/>
-            <a:ahLst/>
-            <a:cxnLst/>
-            <a:rect l="l" t="t" r="r" b="b"/>
-            <a:pathLst>
-              <a:path w="120000" h="120000" extrusionOk="0">
-                <a:moveTo>
-                  <a:pt x="0" y="0"/>
-                </a:moveTo>
-                <a:lnTo>
-                  <a:pt x="120000" y="0"/>
-                </a:lnTo>
-                <a:lnTo>
-                  <a:pt x="120000" y="120000"/>
-                </a:lnTo>
-                <a:lnTo>
-                  <a:pt x="0" y="120000"/>
-                </a:lnTo>
-                <a:close/>
-              </a:path>
-            </a:pathLst>
-          </a:custGeom>
-        </p:spPr>
-      </p:sp>
-      <p:sp>
-        <p:nvSpPr>
-          <p:cNvPr id="124" name="Google Shape;124;g65af26e7ba_1_1:notes"/>
-          <p:cNvSpPr txBox="1">
-            <a:spLocks noGrp="1"/>
-          </p:cNvSpPr>
-          <p:nvPr>
-            <p:ph type="body" idx="1"/>
-          </p:nvPr>
-        </p:nvSpPr>
-        <p:spPr>
-          <a:xfrm>
-            <a:off x="685800" y="4343400"/>
-            <a:ext cx="5486400" cy="4114800"/>
-          </a:xfrm>
-          <a:prstGeom prst="rect">
-            <a:avLst/>
-          </a:prstGeom>
-        </p:spPr>
-        <p:txBody>
-          <a:bodyPr spcFirstLastPara="1" wrap="square" lIns="91425" tIns="91425" rIns="91425" bIns="91425" anchor="t" anchorCtr="0">
-            <a:noAutofit/>
-          </a:bodyPr>
-          <a:lstStyle/>
-          <a:p>
-            <a:pPr marL="0" lvl="0" indent="0" algn="l" rtl="0">
-              <a:spcBef>
-                <a:spcPts val="0"/>
-              </a:spcBef>
-              <a:spcAft>
-                <a:spcPts val="0"/>
-              </a:spcAft>
-              <a:buNone/>
-            </a:pPr>
-            <a:endParaRPr/>
-          </a:p>
-        </p:txBody>
-      </p:sp>
-    </p:spTree>
-    <p:extLst>
-      <p:ext uri="{BB962C8B-B14F-4D97-AF65-F5344CB8AC3E}">
-        <p14:creationId xmlns:p14="http://schemas.microsoft.com/office/powerpoint/2010/main" val="1991549119"/>
-      </p:ext>
-    </p:extLst>
-  </p:cSld>
-  <p:clrMapOvr>
-    <a:masterClrMapping/>
-  </p:clrMapOvr>
-</p:notes>
-</file>
-
 <file path=ppt/notesSlides/notesSlide3.xml><?xml version="1.0" encoding="utf-8"?>
 <p:notes xmlns:a="http://schemas.openxmlformats.org/drawingml/2006/main" xmlns:r="http://schemas.openxmlformats.org/officeDocument/2006/relationships" xmlns:p="http://schemas.openxmlformats.org/presentationml/2006/main" showMasterSp="0" showMasterPhAnim="0">
   <p:cSld>
@@ -2703,7 +2589,7 @@
     </p:spTree>
     <p:extLst>
       <p:ext uri="{BB962C8B-B14F-4D97-AF65-F5344CB8AC3E}">
-        <p14:creationId xmlns:p14="http://schemas.microsoft.com/office/powerpoint/2010/main" val="2082546107"/>
+        <p14:creationId xmlns:p14="http://schemas.microsoft.com/office/powerpoint/2010/main" val="1154784285"/>
       </p:ext>
     </p:extLst>
   </p:cSld>
@@ -2718,7 +2604,7 @@
   <p:cSld>
     <p:spTree>
       <p:nvGrpSpPr>
-        <p:cNvPr id="1" name="Shape 62"/>
+        <p:cNvPr id="1" name="Shape 56"/>
         <p:cNvGrpSpPr/>
         <p:nvPr/>
       </p:nvGrpSpPr>
@@ -2732,7 +2618,7 @@
       </p:grpSpPr>
       <p:sp>
         <p:nvSpPr>
-          <p:cNvPr id="63" name="Google Shape;63;g6fa31e23a8_0_6:notes"/>
+          <p:cNvPr id="57" name="Google Shape;57;g6fa31e23a8_0_0:notes"/>
           <p:cNvSpPr>
             <a:spLocks noGrp="1" noRot="1" noChangeAspect="1"/>
           </p:cNvSpPr>
@@ -2773,7 +2659,7 @@
       </p:sp>
       <p:sp>
         <p:nvSpPr>
-          <p:cNvPr id="64" name="Google Shape;64;g6fa31e23a8_0_6:notes"/>
+          <p:cNvPr id="58" name="Google Shape;58;g6fa31e23a8_0_0:notes"/>
           <p:cNvSpPr txBox="1">
             <a:spLocks noGrp="1"/>
           </p:cNvSpPr>
@@ -2812,7 +2698,7 @@
     </p:spTree>
     <p:extLst>
       <p:ext uri="{BB962C8B-B14F-4D97-AF65-F5344CB8AC3E}">
-        <p14:creationId xmlns:p14="http://schemas.microsoft.com/office/powerpoint/2010/main" val="1961306619"/>
+        <p14:creationId xmlns:p14="http://schemas.microsoft.com/office/powerpoint/2010/main" val="2082546107"/>
       </p:ext>
     </p:extLst>
   </p:cSld>
@@ -2827,7 +2713,7 @@
   <p:cSld>
     <p:spTree>
       <p:nvGrpSpPr>
-        <p:cNvPr id="1" name="Shape 62"/>
+        <p:cNvPr id="1" name="Shape 56"/>
         <p:cNvGrpSpPr/>
         <p:nvPr/>
       </p:nvGrpSpPr>
@@ -2841,7 +2727,7 @@
       </p:grpSpPr>
       <p:sp>
         <p:nvSpPr>
-          <p:cNvPr id="63" name="Google Shape;63;g6fa31e23a8_0_6:notes"/>
+          <p:cNvPr id="57" name="Google Shape;57;g6fa31e23a8_0_0:notes"/>
           <p:cNvSpPr>
             <a:spLocks noGrp="1" noRot="1" noChangeAspect="1"/>
           </p:cNvSpPr>
@@ -2882,7 +2768,7 @@
       </p:sp>
       <p:sp>
         <p:nvSpPr>
-          <p:cNvPr id="64" name="Google Shape;64;g6fa31e23a8_0_6:notes"/>
+          <p:cNvPr id="58" name="Google Shape;58;g6fa31e23a8_0_0:notes"/>
           <p:cNvSpPr txBox="1">
             <a:spLocks noGrp="1"/>
           </p:cNvSpPr>
@@ -2921,7 +2807,7 @@
     </p:spTree>
     <p:extLst>
       <p:ext uri="{BB962C8B-B14F-4D97-AF65-F5344CB8AC3E}">
-        <p14:creationId xmlns:p14="http://schemas.microsoft.com/office/powerpoint/2010/main" val="1961306619"/>
+        <p14:creationId xmlns:p14="http://schemas.microsoft.com/office/powerpoint/2010/main" val="333366220"/>
       </p:ext>
     </p:extLst>
   </p:cSld>
@@ -3030,7 +2916,7 @@
     </p:spTree>
     <p:extLst>
       <p:ext uri="{BB962C8B-B14F-4D97-AF65-F5344CB8AC3E}">
-        <p14:creationId xmlns:p14="http://schemas.microsoft.com/office/powerpoint/2010/main" val="2082546107"/>
+        <p14:creationId xmlns:p14="http://schemas.microsoft.com/office/powerpoint/2010/main" val="2361435422"/>
       </p:ext>
     </p:extLst>
   </p:cSld>
@@ -3045,7 +2931,7 @@
   <p:cSld>
     <p:spTree>
       <p:nvGrpSpPr>
-        <p:cNvPr id="1" name="Shape 68"/>
+        <p:cNvPr id="1" name="Shape 62"/>
         <p:cNvGrpSpPr/>
         <p:nvPr/>
       </p:nvGrpSpPr>
@@ -3059,7 +2945,7 @@
       </p:grpSpPr>
       <p:sp>
         <p:nvSpPr>
-          <p:cNvPr id="69" name="Google Shape;69;g6fa31e23a8_0_16:notes"/>
+          <p:cNvPr id="63" name="Google Shape;63;g6fa31e23a8_0_6:notes"/>
           <p:cNvSpPr>
             <a:spLocks noGrp="1" noRot="1" noChangeAspect="1"/>
           </p:cNvSpPr>
@@ -3100,7 +2986,7 @@
       </p:sp>
       <p:sp>
         <p:nvSpPr>
-          <p:cNvPr id="70" name="Google Shape;70;g6fa31e23a8_0_16:notes"/>
+          <p:cNvPr id="64" name="Google Shape;64;g6fa31e23a8_0_6:notes"/>
           <p:cNvSpPr txBox="1">
             <a:spLocks noGrp="1"/>
           </p:cNvSpPr>
@@ -3139,7 +3025,7 @@
     </p:spTree>
     <p:extLst>
       <p:ext uri="{BB962C8B-B14F-4D97-AF65-F5344CB8AC3E}">
-        <p14:creationId xmlns:p14="http://schemas.microsoft.com/office/powerpoint/2010/main" val="683497319"/>
+        <p14:creationId xmlns:p14="http://schemas.microsoft.com/office/powerpoint/2010/main" val="1961306619"/>
       </p:ext>
     </p:extLst>
   </p:cSld>
@@ -8378,7 +8264,25 @@
                 </a:solidFill>
                 <a:latin typeface="Comic Sans MS" panose="030F0702030302020204" pitchFamily="66" charset="0"/>
               </a:rPr>
-              <a:t>2 ways, then there are </a:t>
+              <a:t>2 </a:t>
+            </a:r>
+            <a:r>
+              <a:rPr lang="en-US" dirty="0" smtClean="0">
+                <a:solidFill>
+                  <a:schemeClr val="tx1"/>
+                </a:solidFill>
+                <a:latin typeface="Comic Sans MS" panose="030F0702030302020204" pitchFamily="66" charset="0"/>
+              </a:rPr>
+              <a:t>ways (they do not overlap), </a:t>
+            </a:r>
+            <a:r>
+              <a:rPr lang="en-US" dirty="0">
+                <a:solidFill>
+                  <a:schemeClr val="tx1"/>
+                </a:solidFill>
+                <a:latin typeface="Comic Sans MS" panose="030F0702030302020204" pitchFamily="66" charset="0"/>
+              </a:rPr>
+              <a:t>then there are </a:t>
             </a:r>
             <a:r>
               <a:rPr lang="en-US" i="1" dirty="0">
@@ -8530,7 +8434,7 @@
         <p:spPr>
           <a:xfrm>
             <a:off x="311700" y="1152475"/>
-            <a:ext cx="8520600" cy="1755112"/>
+            <a:ext cx="8520600" cy="786684"/>
           </a:xfrm>
           <a:prstGeom prst="rect">
             <a:avLst/>
@@ -8557,22 +8461,13 @@
               <a:buNone/>
             </a:pPr>
             <a:r>
-              <a:rPr lang="en" dirty="0">
+              <a:rPr lang="en" dirty="0" smtClean="0">
                 <a:solidFill>
                   <a:schemeClr val="tx1"/>
                 </a:solidFill>
                 <a:latin typeface="Comic Sans MS" panose="030F0702030302020204" pitchFamily="66" charset="0"/>
               </a:rPr>
-              <a:t>Suppose that either a member of the mathematics faculty or a student who is a mathematics major is chosen as a representative to a university committee. How many different choices are there for this representative if there are 37 members of the mathematics faculty and 83 mathematics majors and no one is both a faculty member and a student</a:t>
-            </a:r>
-            <a:r>
-              <a:rPr lang="en" dirty="0" smtClean="0">
-                <a:solidFill>
-                  <a:schemeClr val="tx1"/>
-                </a:solidFill>
-                <a:latin typeface="Comic Sans MS" panose="030F0702030302020204" pitchFamily="66" charset="0"/>
-              </a:rPr>
-              <a:t>?</a:t>
+              <a:t>In how many ways can we select two books from different subjects among 5 distinct CS books, 3 distinct math books, 2 distinct art books?</a:t>
             </a:r>
             <a:endParaRPr dirty="0">
               <a:solidFill>
@@ -8599,459 +8494,6 @@
 </file>
 
 <file path=ppt/slides/slide12.xml><?xml version="1.0" encoding="utf-8"?>
-<p:sld xmlns:a="http://schemas.openxmlformats.org/drawingml/2006/main" xmlns:r="http://schemas.openxmlformats.org/officeDocument/2006/relationships" xmlns:p="http://schemas.openxmlformats.org/presentationml/2006/main">
-  <p:cSld>
-    <p:spTree>
-      <p:nvGrpSpPr>
-        <p:cNvPr id="1" name="Shape 59"/>
-        <p:cNvGrpSpPr/>
-        <p:nvPr/>
-      </p:nvGrpSpPr>
-      <p:grpSpPr>
-        <a:xfrm>
-          <a:off x="0" y="0"/>
-          <a:ext cx="0" cy="0"/>
-          <a:chOff x="0" y="0"/>
-          <a:chExt cx="0" cy="0"/>
-        </a:xfrm>
-      </p:grpSpPr>
-      <p:sp>
-        <p:nvSpPr>
-          <p:cNvPr id="60" name="Google Shape;60;p14"/>
-          <p:cNvSpPr txBox="1">
-            <a:spLocks noGrp="1"/>
-          </p:cNvSpPr>
-          <p:nvPr>
-            <p:ph type="title"/>
-          </p:nvPr>
-        </p:nvSpPr>
-        <p:spPr>
-          <a:xfrm>
-            <a:off x="311700" y="445025"/>
-            <a:ext cx="8520600" cy="572700"/>
-          </a:xfrm>
-          <a:prstGeom prst="rect">
-            <a:avLst/>
-          </a:prstGeom>
-        </p:spPr>
-        <p:txBody>
-          <a:bodyPr spcFirstLastPara="1" wrap="square" lIns="91425" tIns="91425" rIns="91425" bIns="91425" anchor="t" anchorCtr="0">
-            <a:noAutofit/>
-          </a:bodyPr>
-          <a:lstStyle/>
-          <a:p>
-            <a:pPr marL="0" lvl="0" indent="0" algn="l" rtl="0">
-              <a:spcBef>
-                <a:spcPts val="0"/>
-              </a:spcBef>
-              <a:spcAft>
-                <a:spcPts val="0"/>
-              </a:spcAft>
-              <a:buNone/>
-            </a:pPr>
-            <a:r>
-              <a:rPr lang="en" dirty="0" smtClean="0">
-                <a:latin typeface="Comic Sans MS" panose="030F0702030302020204" pitchFamily="66" charset="0"/>
-              </a:rPr>
-              <a:t>The Sum Rule: Extended</a:t>
-            </a:r>
-            <a:endParaRPr dirty="0">
-              <a:latin typeface="Comic Sans MS" panose="030F0702030302020204" pitchFamily="66" charset="0"/>
-            </a:endParaRPr>
-          </a:p>
-        </p:txBody>
-      </p:sp>
-      <p:sp>
-        <p:nvSpPr>
-          <p:cNvPr id="61" name="Google Shape;61;p14"/>
-          <p:cNvSpPr txBox="1">
-            <a:spLocks noGrp="1"/>
-          </p:cNvSpPr>
-          <p:nvPr>
-            <p:ph type="body" idx="1"/>
-          </p:nvPr>
-        </p:nvSpPr>
-        <p:spPr>
-          <a:xfrm>
-            <a:off x="311700" y="1152474"/>
-            <a:ext cx="8520600" cy="2546690"/>
-          </a:xfrm>
-          <a:prstGeom prst="rect">
-            <a:avLst/>
-          </a:prstGeom>
-        </p:spPr>
-        <p:txBody>
-          <a:bodyPr spcFirstLastPara="1" wrap="square" lIns="91425" tIns="91425" rIns="91425" bIns="91425" anchor="t" anchorCtr="0">
-            <a:noAutofit/>
-          </a:bodyPr>
-          <a:lstStyle/>
-          <a:p>
-            <a:pPr marL="114300" indent="0">
-              <a:buNone/>
-            </a:pPr>
-            <a:r>
-              <a:rPr lang="en-US" dirty="0">
-                <a:solidFill>
-                  <a:schemeClr val="tx1"/>
-                </a:solidFill>
-                <a:latin typeface="Comic Sans MS" panose="030F0702030302020204" pitchFamily="66" charset="0"/>
-              </a:rPr>
-              <a:t>We can extend the sum rule to more than two tasks. </a:t>
-            </a:r>
-            <a:r>
-              <a:rPr lang="en-US" dirty="0" smtClean="0">
-                <a:solidFill>
-                  <a:schemeClr val="tx1"/>
-                </a:solidFill>
-                <a:latin typeface="Comic Sans MS" panose="030F0702030302020204" pitchFamily="66" charset="0"/>
-              </a:rPr>
-              <a:t/>
-            </a:r>
-            <a:br>
-              <a:rPr lang="en-US" dirty="0" smtClean="0">
-                <a:solidFill>
-                  <a:schemeClr val="tx1"/>
-                </a:solidFill>
-                <a:latin typeface="Comic Sans MS" panose="030F0702030302020204" pitchFamily="66" charset="0"/>
-              </a:rPr>
-            </a:br>
-            <a:r>
-              <a:rPr lang="en-US" dirty="0" smtClean="0">
-                <a:solidFill>
-                  <a:schemeClr val="tx1"/>
-                </a:solidFill>
-                <a:latin typeface="Comic Sans MS" panose="030F0702030302020204" pitchFamily="66" charset="0"/>
-              </a:rPr>
-              <a:t>Suppose </a:t>
-            </a:r>
-            <a:r>
-              <a:rPr lang="en-US" dirty="0">
-                <a:solidFill>
-                  <a:schemeClr val="tx1"/>
-                </a:solidFill>
-                <a:latin typeface="Comic Sans MS" panose="030F0702030302020204" pitchFamily="66" charset="0"/>
-              </a:rPr>
-              <a:t>that a task can be done in </a:t>
-            </a:r>
-            <a:r>
-              <a:rPr lang="en-US" dirty="0" smtClean="0">
-                <a:solidFill>
-                  <a:schemeClr val="tx1"/>
-                </a:solidFill>
-                <a:latin typeface="Comic Sans MS" panose="030F0702030302020204" pitchFamily="66" charset="0"/>
-              </a:rPr>
-              <a:t>one of </a:t>
-            </a:r>
-            <a:r>
-              <a:rPr lang="en-US" dirty="0" smtClean="0">
-                <a:solidFill>
-                  <a:schemeClr val="tx1"/>
-                </a:solidFill>
-                <a:latin typeface="Comic Sans MS" panose="030F0702030302020204" pitchFamily="66" charset="0"/>
-              </a:rPr>
-              <a:t>n</a:t>
-            </a:r>
-            <a:r>
-              <a:rPr lang="en-US" baseline="-25000" dirty="0" smtClean="0">
-                <a:solidFill>
-                  <a:schemeClr val="tx1"/>
-                </a:solidFill>
-                <a:latin typeface="Comic Sans MS" panose="030F0702030302020204" pitchFamily="66" charset="0"/>
-              </a:rPr>
-              <a:t>1</a:t>
-            </a:r>
-            <a:r>
-              <a:rPr lang="en-US" dirty="0" smtClean="0">
-                <a:solidFill>
-                  <a:schemeClr val="tx1"/>
-                </a:solidFill>
-                <a:latin typeface="Comic Sans MS" panose="030F0702030302020204" pitchFamily="66" charset="0"/>
-              </a:rPr>
-              <a:t> </a:t>
-            </a:r>
-            <a:r>
-              <a:rPr lang="en-US" dirty="0">
-                <a:solidFill>
-                  <a:schemeClr val="tx1"/>
-                </a:solidFill>
-                <a:latin typeface="Comic Sans MS" panose="030F0702030302020204" pitchFamily="66" charset="0"/>
-              </a:rPr>
-              <a:t>ways, in one of </a:t>
-            </a:r>
-            <a:r>
-              <a:rPr lang="en-US" dirty="0" smtClean="0">
-                <a:solidFill>
-                  <a:schemeClr val="tx1"/>
-                </a:solidFill>
-                <a:latin typeface="Comic Sans MS" panose="030F0702030302020204" pitchFamily="66" charset="0"/>
-              </a:rPr>
-              <a:t>n</a:t>
-            </a:r>
-            <a:r>
-              <a:rPr lang="en-US" baseline="-25000" dirty="0" smtClean="0">
-                <a:solidFill>
-                  <a:schemeClr val="tx1"/>
-                </a:solidFill>
-                <a:latin typeface="Comic Sans MS" panose="030F0702030302020204" pitchFamily="66" charset="0"/>
-              </a:rPr>
-              <a:t>2</a:t>
-            </a:r>
-            <a:r>
-              <a:rPr lang="en-US" dirty="0" smtClean="0">
-                <a:solidFill>
-                  <a:schemeClr val="tx1"/>
-                </a:solidFill>
-                <a:latin typeface="Comic Sans MS" panose="030F0702030302020204" pitchFamily="66" charset="0"/>
-              </a:rPr>
-              <a:t> </a:t>
-            </a:r>
-            <a:r>
-              <a:rPr lang="en-US" dirty="0">
-                <a:solidFill>
-                  <a:schemeClr val="tx1"/>
-                </a:solidFill>
-                <a:latin typeface="Comic Sans MS" panose="030F0702030302020204" pitchFamily="66" charset="0"/>
-              </a:rPr>
-              <a:t>ways, . . . , or in one of </a:t>
-            </a:r>
-            <a:r>
-              <a:rPr lang="en-US" dirty="0" smtClean="0">
-                <a:solidFill>
-                  <a:schemeClr val="tx1"/>
-                </a:solidFill>
-                <a:latin typeface="Comic Sans MS" panose="030F0702030302020204" pitchFamily="66" charset="0"/>
-              </a:rPr>
-              <a:t>n</a:t>
-            </a:r>
-            <a:r>
-              <a:rPr lang="en-US" baseline="-25000" dirty="0" smtClean="0">
-                <a:solidFill>
-                  <a:schemeClr val="tx1"/>
-                </a:solidFill>
-                <a:latin typeface="Comic Sans MS" panose="030F0702030302020204" pitchFamily="66" charset="0"/>
-              </a:rPr>
-              <a:t>m</a:t>
-            </a:r>
-            <a:r>
-              <a:rPr lang="en-US" dirty="0" smtClean="0">
-                <a:solidFill>
-                  <a:schemeClr val="tx1"/>
-                </a:solidFill>
-                <a:latin typeface="Comic Sans MS" panose="030F0702030302020204" pitchFamily="66" charset="0"/>
-              </a:rPr>
-              <a:t> </a:t>
-            </a:r>
-            <a:r>
-              <a:rPr lang="en-US" dirty="0" smtClean="0">
-                <a:solidFill>
-                  <a:schemeClr val="tx1"/>
-                </a:solidFill>
-                <a:latin typeface="Comic Sans MS" panose="030F0702030302020204" pitchFamily="66" charset="0"/>
-              </a:rPr>
-              <a:t>ways</a:t>
-            </a:r>
-            <a:r>
-              <a:rPr lang="en-US" dirty="0">
-                <a:solidFill>
-                  <a:schemeClr val="tx1"/>
-                </a:solidFill>
-                <a:latin typeface="Comic Sans MS" panose="030F0702030302020204" pitchFamily="66" charset="0"/>
-              </a:rPr>
-              <a:t>, where none of the set of </a:t>
-            </a:r>
-            <a:r>
-              <a:rPr lang="en-US" dirty="0" err="1" smtClean="0">
-                <a:solidFill>
-                  <a:schemeClr val="tx1"/>
-                </a:solidFill>
-                <a:latin typeface="Comic Sans MS" panose="030F0702030302020204" pitchFamily="66" charset="0"/>
-              </a:rPr>
-              <a:t>n</a:t>
-            </a:r>
-            <a:r>
-              <a:rPr lang="en-US" baseline="-25000" dirty="0" err="1">
-                <a:solidFill>
-                  <a:schemeClr val="tx1"/>
-                </a:solidFill>
-                <a:latin typeface="Comic Sans MS" panose="030F0702030302020204" pitchFamily="66" charset="0"/>
-              </a:rPr>
-              <a:t>i</a:t>
-            </a:r>
-            <a:r>
-              <a:rPr lang="en-US" dirty="0" smtClean="0">
-                <a:solidFill>
-                  <a:schemeClr val="tx1"/>
-                </a:solidFill>
-                <a:latin typeface="Comic Sans MS" panose="030F0702030302020204" pitchFamily="66" charset="0"/>
-              </a:rPr>
-              <a:t> </a:t>
-            </a:r>
-            <a:r>
-              <a:rPr lang="en-US" dirty="0">
-                <a:solidFill>
-                  <a:schemeClr val="tx1"/>
-                </a:solidFill>
-                <a:latin typeface="Comic Sans MS" panose="030F0702030302020204" pitchFamily="66" charset="0"/>
-              </a:rPr>
-              <a:t>ways of</a:t>
-            </a:r>
-          </a:p>
-          <a:p>
-            <a:pPr marL="114300" indent="0">
-              <a:buNone/>
-            </a:pPr>
-            <a:r>
-              <a:rPr lang="en-US" dirty="0">
-                <a:solidFill>
-                  <a:schemeClr val="tx1"/>
-                </a:solidFill>
-                <a:latin typeface="Comic Sans MS" panose="030F0702030302020204" pitchFamily="66" charset="0"/>
-              </a:rPr>
-              <a:t>doing the task is the same as any of the set of </a:t>
-            </a:r>
-            <a:r>
-              <a:rPr lang="en-US" dirty="0" err="1" smtClean="0">
-                <a:solidFill>
-                  <a:schemeClr val="tx1"/>
-                </a:solidFill>
-                <a:latin typeface="Comic Sans MS" panose="030F0702030302020204" pitchFamily="66" charset="0"/>
-              </a:rPr>
-              <a:t>n</a:t>
-            </a:r>
-            <a:r>
-              <a:rPr lang="en-US" baseline="-25000" dirty="0" err="1" smtClean="0">
-                <a:solidFill>
-                  <a:schemeClr val="tx1"/>
-                </a:solidFill>
-                <a:latin typeface="Comic Sans MS" panose="030F0702030302020204" pitchFamily="66" charset="0"/>
-              </a:rPr>
-              <a:t>j</a:t>
-            </a:r>
-            <a:r>
-              <a:rPr lang="en-US" dirty="0" smtClean="0">
-                <a:solidFill>
-                  <a:schemeClr val="tx1"/>
-                </a:solidFill>
-                <a:latin typeface="Comic Sans MS" panose="030F0702030302020204" pitchFamily="66" charset="0"/>
-              </a:rPr>
-              <a:t> </a:t>
-            </a:r>
-            <a:r>
-              <a:rPr lang="en-US" dirty="0">
-                <a:solidFill>
-                  <a:schemeClr val="tx1"/>
-                </a:solidFill>
-                <a:latin typeface="Comic Sans MS" panose="030F0702030302020204" pitchFamily="66" charset="0"/>
-              </a:rPr>
-              <a:t>ways, for all pairs i and j with 1 ≤ i &lt; j ≤ m.</a:t>
-            </a:r>
-          </a:p>
-          <a:p>
-            <a:pPr marL="114300" indent="0">
-              <a:buNone/>
-            </a:pPr>
-            <a:r>
-              <a:rPr lang="en-US" dirty="0">
-                <a:solidFill>
-                  <a:schemeClr val="tx1"/>
-                </a:solidFill>
-                <a:latin typeface="Comic Sans MS" panose="030F0702030302020204" pitchFamily="66" charset="0"/>
-              </a:rPr>
-              <a:t>Then the number of ways to do the task is </a:t>
-            </a:r>
-            <a:r>
-              <a:rPr lang="en-US" dirty="0" smtClean="0">
-                <a:solidFill>
-                  <a:schemeClr val="tx1"/>
-                </a:solidFill>
-                <a:latin typeface="Comic Sans MS" panose="030F0702030302020204" pitchFamily="66" charset="0"/>
-              </a:rPr>
-              <a:t>n</a:t>
-            </a:r>
-            <a:r>
-              <a:rPr lang="en-US" baseline="-25000" dirty="0" smtClean="0">
-                <a:solidFill>
-                  <a:schemeClr val="tx1"/>
-                </a:solidFill>
-                <a:latin typeface="Comic Sans MS" panose="030F0702030302020204" pitchFamily="66" charset="0"/>
-              </a:rPr>
-              <a:t>1</a:t>
-            </a:r>
-            <a:r>
-              <a:rPr lang="en-US" dirty="0" smtClean="0">
-                <a:solidFill>
-                  <a:schemeClr val="tx1"/>
-                </a:solidFill>
-                <a:latin typeface="Comic Sans MS" panose="030F0702030302020204" pitchFamily="66" charset="0"/>
-              </a:rPr>
-              <a:t> + n</a:t>
-            </a:r>
-            <a:r>
-              <a:rPr lang="en-US" baseline="-25000" dirty="0" smtClean="0">
-                <a:solidFill>
-                  <a:schemeClr val="tx1"/>
-                </a:solidFill>
-                <a:latin typeface="Comic Sans MS" panose="030F0702030302020204" pitchFamily="66" charset="0"/>
-              </a:rPr>
-              <a:t>2</a:t>
-            </a:r>
-            <a:r>
-              <a:rPr lang="en-US" dirty="0" smtClean="0">
-                <a:solidFill>
-                  <a:schemeClr val="tx1"/>
-                </a:solidFill>
-                <a:latin typeface="Comic Sans MS" panose="030F0702030302020204" pitchFamily="66" charset="0"/>
-              </a:rPr>
-              <a:t> + … + n</a:t>
-            </a:r>
-            <a:r>
-              <a:rPr lang="en-US" baseline="-25000" dirty="0" smtClean="0">
-                <a:solidFill>
-                  <a:schemeClr val="tx1"/>
-                </a:solidFill>
-                <a:latin typeface="Comic Sans MS" panose="030F0702030302020204" pitchFamily="66" charset="0"/>
-              </a:rPr>
-              <a:t>m</a:t>
-            </a:r>
-            <a:r>
-              <a:rPr lang="en-US" dirty="0" smtClean="0">
-                <a:solidFill>
-                  <a:schemeClr val="tx1"/>
-                </a:solidFill>
-                <a:latin typeface="Comic Sans MS" panose="030F0702030302020204" pitchFamily="66" charset="0"/>
-              </a:rPr>
-              <a:t>. </a:t>
-            </a:r>
-            <a:endParaRPr dirty="0">
-              <a:solidFill>
-                <a:schemeClr val="tx1"/>
-              </a:solidFill>
-              <a:latin typeface="Comic Sans MS" panose="030F0702030302020204" pitchFamily="66" charset="0"/>
-            </a:endParaRPr>
-          </a:p>
-        </p:txBody>
-      </p:sp>
-    </p:spTree>
-    <p:extLst>
-      <p:ext uri="{BB962C8B-B14F-4D97-AF65-F5344CB8AC3E}">
-        <p14:creationId xmlns:p14="http://schemas.microsoft.com/office/powerpoint/2010/main" val="1355116688"/>
-      </p:ext>
-    </p:extLst>
-  </p:cSld>
-  <p:clrMapOvr>
-    <a:masterClrMapping/>
-  </p:clrMapOvr>
-  <p:timing>
-    <p:tnLst>
-      <p:par>
-        <p:cTn id="1" dur="indefinite" restart="never" nodeType="tmRoot"/>
-      </p:par>
-    </p:tnLst>
-  </p:timing>
-</p:sld>
-</file>
-
-<file path=ppt/slides/slide13.xml><?xml version="1.0" encoding="utf-8"?>
 <p:sld xmlns:a="http://schemas.openxmlformats.org/drawingml/2006/main" xmlns:r="http://schemas.openxmlformats.org/officeDocument/2006/relationships" xmlns:p="http://schemas.openxmlformats.org/presentationml/2006/main">
   <p:cSld>
     <p:spTree>
@@ -9186,6 +8628,161 @@
         </p:txBody>
       </p:sp>
     </p:spTree>
+  </p:cSld>
+  <p:clrMapOvr>
+    <a:masterClrMapping/>
+  </p:clrMapOvr>
+  <p:timing>
+    <p:tnLst>
+      <p:par>
+        <p:cTn id="1" dur="indefinite" restart="never" nodeType="tmRoot"/>
+      </p:par>
+    </p:tnLst>
+  </p:timing>
+</p:sld>
+</file>
+
+<file path=ppt/slides/slide13.xml><?xml version="1.0" encoding="utf-8"?>
+<p:sld xmlns:a="http://schemas.openxmlformats.org/drawingml/2006/main" xmlns:r="http://schemas.openxmlformats.org/officeDocument/2006/relationships" xmlns:p="http://schemas.openxmlformats.org/presentationml/2006/main">
+  <p:cSld>
+    <p:spTree>
+      <p:nvGrpSpPr>
+        <p:cNvPr id="1" name="Shape 83"/>
+        <p:cNvGrpSpPr/>
+        <p:nvPr/>
+      </p:nvGrpSpPr>
+      <p:grpSpPr>
+        <a:xfrm>
+          <a:off x="0" y="0"/>
+          <a:ext cx="0" cy="0"/>
+          <a:chOff x="0" y="0"/>
+          <a:chExt cx="0" cy="0"/>
+        </a:xfrm>
+      </p:grpSpPr>
+      <p:sp>
+        <p:nvSpPr>
+          <p:cNvPr id="84" name="Google Shape;84;p18"/>
+          <p:cNvSpPr txBox="1">
+            <a:spLocks noGrp="1"/>
+          </p:cNvSpPr>
+          <p:nvPr>
+            <p:ph type="title"/>
+          </p:nvPr>
+        </p:nvSpPr>
+        <p:spPr>
+          <a:xfrm>
+            <a:off x="311700" y="445025"/>
+            <a:ext cx="8520600" cy="572700"/>
+          </a:xfrm>
+          <a:prstGeom prst="rect">
+            <a:avLst/>
+          </a:prstGeom>
+        </p:spPr>
+        <p:txBody>
+          <a:bodyPr spcFirstLastPara="1" wrap="square" lIns="91425" tIns="91425" rIns="91425" bIns="91425" anchor="t" anchorCtr="0">
+            <a:noAutofit/>
+          </a:bodyPr>
+          <a:lstStyle/>
+          <a:p>
+            <a:pPr marL="0" lvl="0" indent="0" algn="l" rtl="0">
+              <a:spcBef>
+                <a:spcPts val="0"/>
+              </a:spcBef>
+              <a:spcAft>
+                <a:spcPts val="0"/>
+              </a:spcAft>
+              <a:buNone/>
+            </a:pPr>
+            <a:r>
+              <a:rPr lang="en" dirty="0">
+                <a:latin typeface="Comic Sans MS" panose="030F0702030302020204" pitchFamily="66" charset="0"/>
+              </a:rPr>
+              <a:t>Problem </a:t>
+            </a:r>
+            <a:r>
+              <a:rPr lang="en" dirty="0" smtClean="0">
+                <a:latin typeface="Comic Sans MS" panose="030F0702030302020204" pitchFamily="66" charset="0"/>
+              </a:rPr>
+              <a:t>2.3</a:t>
+            </a:r>
+            <a:endParaRPr dirty="0">
+              <a:latin typeface="Comic Sans MS" panose="030F0702030302020204" pitchFamily="66" charset="0"/>
+            </a:endParaRPr>
+          </a:p>
+        </p:txBody>
+      </p:sp>
+      <p:sp>
+        <p:nvSpPr>
+          <p:cNvPr id="85" name="Google Shape;85;p18"/>
+          <p:cNvSpPr txBox="1">
+            <a:spLocks noGrp="1"/>
+          </p:cNvSpPr>
+          <p:nvPr>
+            <p:ph type="body" idx="1"/>
+          </p:nvPr>
+        </p:nvSpPr>
+        <p:spPr>
+          <a:xfrm>
+            <a:off x="311700" y="1152475"/>
+            <a:ext cx="8520600" cy="1755112"/>
+          </a:xfrm>
+          <a:prstGeom prst="rect">
+            <a:avLst/>
+          </a:prstGeom>
+        </p:spPr>
+        <p:txBody>
+          <a:bodyPr spcFirstLastPara="1" wrap="square" lIns="91425" tIns="91425" rIns="91425" bIns="91425" anchor="t" anchorCtr="0">
+            <a:noAutofit/>
+          </a:bodyPr>
+          <a:lstStyle/>
+          <a:p>
+            <a:pPr marL="0" lvl="0" indent="0" algn="l" rtl="0">
+              <a:spcBef>
+                <a:spcPts val="0"/>
+              </a:spcBef>
+              <a:spcAft>
+                <a:spcPts val="0"/>
+              </a:spcAft>
+              <a:buClr>
+                <a:schemeClr val="dk1"/>
+              </a:buClr>
+              <a:buSzPts val="1100"/>
+              <a:buFont typeface="Arial"/>
+              <a:buNone/>
+            </a:pPr>
+            <a:r>
+              <a:rPr lang="en" dirty="0">
+                <a:solidFill>
+                  <a:schemeClr val="tx1"/>
+                </a:solidFill>
+                <a:latin typeface="Comic Sans MS" panose="030F0702030302020204" pitchFamily="66" charset="0"/>
+              </a:rPr>
+              <a:t>Suppose that either a member of the mathematics faculty or a student who is a mathematics major is chosen as a representative to a university committee. How many different choices are there for this representative if there are 37 members of the mathematics faculty and 83 mathematics majors and no one is both a faculty member and a student</a:t>
+            </a:r>
+            <a:r>
+              <a:rPr lang="en" dirty="0" smtClean="0">
+                <a:solidFill>
+                  <a:schemeClr val="tx1"/>
+                </a:solidFill>
+                <a:latin typeface="Comic Sans MS" panose="030F0702030302020204" pitchFamily="66" charset="0"/>
+              </a:rPr>
+              <a:t>?</a:t>
+            </a:r>
+            <a:endParaRPr dirty="0">
+              <a:solidFill>
+                <a:schemeClr val="tx1"/>
+              </a:solidFill>
+              <a:latin typeface="Comic Sans MS" panose="030F0702030302020204" pitchFamily="66" charset="0"/>
+            </a:endParaRPr>
+          </a:p>
+        </p:txBody>
+      </p:sp>
+    </p:spTree>
+    <p:extLst>
+      <p:ext uri="{BB962C8B-B14F-4D97-AF65-F5344CB8AC3E}">
+        <p14:creationId xmlns:p14="http://schemas.microsoft.com/office/powerpoint/2010/main" val="1730474807"/>
+      </p:ext>
+    </p:extLst>
   </p:cSld>
   <p:clrMapOvr>
     <a:masterClrMapping/>
@@ -9260,7 +8857,13 @@
               <a:rPr lang="en" dirty="0">
                 <a:latin typeface="Comic Sans MS" panose="030F0702030302020204" pitchFamily="66" charset="0"/>
               </a:rPr>
-              <a:t>Problem 3.1</a:t>
+              <a:t>Problem </a:t>
+            </a:r>
+            <a:r>
+              <a:rPr lang="en" dirty="0" smtClean="0">
+                <a:latin typeface="Comic Sans MS" panose="030F0702030302020204" pitchFamily="66" charset="0"/>
+              </a:rPr>
+              <a:t>3.1</a:t>
             </a:r>
             <a:endParaRPr dirty="0">
               <a:latin typeface="Comic Sans MS" panose="030F0702030302020204" pitchFamily="66" charset="0"/>
@@ -9460,8 +9063,8 @@
         </p:nvSpPr>
         <p:spPr>
           <a:xfrm>
-            <a:off x="311700" y="1152475"/>
-            <a:ext cx="8520600" cy="1631822"/>
+            <a:off x="311700" y="1152474"/>
+            <a:ext cx="8520600" cy="2946559"/>
           </a:xfrm>
           <a:prstGeom prst="rect">
             <a:avLst/>
@@ -9488,61 +9091,161 @@
               <a:buNone/>
             </a:pPr>
             <a:r>
-              <a:rPr lang="en" dirty="0">
+              <a:rPr lang="en-US" dirty="0" smtClean="0">
                 <a:solidFill>
                   <a:schemeClr val="tx1"/>
                 </a:solidFill>
                 <a:latin typeface="Comic Sans MS" panose="030F0702030302020204" pitchFamily="66" charset="0"/>
               </a:rPr>
-              <a:t>Each user on a computer system has a password, which is six to eight characters long, where each character is an uppercase letter or a digit. Each password must contain at least one digit.</a:t>
-            </a:r>
-            <a:endParaRPr dirty="0">
+              <a:t>A six person committee of Alice, Bob, Charlie, Dylan, Elle, Frank is to select a chairperson, secretary, treasurer from themselves.</a:t>
+            </a:r>
+          </a:p>
+          <a:p>
+            <a:pPr marL="342900" lvl="0" algn="l" rtl="0">
+              <a:spcBef>
+                <a:spcPts val="0"/>
+              </a:spcBef>
+              <a:spcAft>
+                <a:spcPts val="0"/>
+              </a:spcAft>
+              <a:buClr>
+                <a:schemeClr val="dk1"/>
+              </a:buClr>
+              <a:buSzPts val="1100"/>
+              <a:buFont typeface="Arial"/>
+              <a:buAutoNum type="alphaLcPeriod"/>
+            </a:pPr>
+            <a:r>
+              <a:rPr lang="en-US" dirty="0" smtClean="0">
+                <a:solidFill>
+                  <a:schemeClr val="tx1"/>
+                </a:solidFill>
+                <a:latin typeface="Comic Sans MS" panose="030F0702030302020204" pitchFamily="66" charset="0"/>
+              </a:rPr>
+              <a:t>How many ways this can be done?</a:t>
+            </a:r>
+          </a:p>
+          <a:p>
+            <a:pPr marL="342900" lvl="0" algn="l" rtl="0">
+              <a:spcBef>
+                <a:spcPts val="0"/>
+              </a:spcBef>
+              <a:spcAft>
+                <a:spcPts val="0"/>
+              </a:spcAft>
+              <a:buClr>
+                <a:schemeClr val="dk1"/>
+              </a:buClr>
+              <a:buSzPts val="1100"/>
+              <a:buFont typeface="Arial"/>
+              <a:buAutoNum type="alphaLcPeriod"/>
+            </a:pPr>
+            <a:r>
+              <a:rPr lang="en-US" dirty="0" smtClean="0">
+                <a:solidFill>
+                  <a:schemeClr val="tx1"/>
+                </a:solidFill>
+                <a:latin typeface="Comic Sans MS" panose="030F0702030302020204" pitchFamily="66" charset="0"/>
+              </a:rPr>
+              <a:t>If either Elle or Bob must be a chairperson?</a:t>
+            </a:r>
+          </a:p>
+          <a:p>
+            <a:pPr marL="342900" lvl="0" algn="l" rtl="0">
+              <a:spcBef>
+                <a:spcPts val="0"/>
+              </a:spcBef>
+              <a:spcAft>
+                <a:spcPts val="0"/>
+              </a:spcAft>
+              <a:buClr>
+                <a:schemeClr val="dk1"/>
+              </a:buClr>
+              <a:buSzPts val="1100"/>
+              <a:buFont typeface="Arial"/>
+              <a:buAutoNum type="alphaLcPeriod"/>
+            </a:pPr>
+            <a:r>
+              <a:rPr lang="en-US" dirty="0" smtClean="0">
+                <a:solidFill>
+                  <a:schemeClr val="tx1"/>
+                </a:solidFill>
+                <a:latin typeface="Comic Sans MS" panose="030F0702030302020204" pitchFamily="66" charset="0"/>
+              </a:rPr>
+              <a:t>If </a:t>
+            </a:r>
+            <a:r>
+              <a:rPr lang="en-US" dirty="0">
+                <a:solidFill>
+                  <a:schemeClr val="tx1"/>
+                </a:solidFill>
+                <a:latin typeface="Comic Sans MS" panose="030F0702030302020204" pitchFamily="66" charset="0"/>
+              </a:rPr>
+              <a:t>E</a:t>
+            </a:r>
+            <a:r>
+              <a:rPr lang="en-US" dirty="0" smtClean="0">
+                <a:solidFill>
+                  <a:schemeClr val="tx1"/>
+                </a:solidFill>
+                <a:latin typeface="Comic Sans MS" panose="030F0702030302020204" pitchFamily="66" charset="0"/>
+              </a:rPr>
+              <a:t>lle must hold one position?</a:t>
+            </a:r>
+          </a:p>
+          <a:p>
+            <a:pPr marL="342900" lvl="0" algn="l" rtl="0">
+              <a:spcBef>
+                <a:spcPts val="0"/>
+              </a:spcBef>
+              <a:spcAft>
+                <a:spcPts val="0"/>
+              </a:spcAft>
+              <a:buClr>
+                <a:schemeClr val="dk1"/>
+              </a:buClr>
+              <a:buSzPts val="1100"/>
+              <a:buFont typeface="Arial"/>
+              <a:buAutoNum type="alphaLcPeriod"/>
+            </a:pPr>
+            <a:r>
+              <a:rPr lang="en-US" dirty="0" smtClean="0">
+                <a:solidFill>
+                  <a:schemeClr val="tx1"/>
+                </a:solidFill>
+                <a:latin typeface="Comic Sans MS" panose="030F0702030302020204" pitchFamily="66" charset="0"/>
+              </a:rPr>
+              <a:t>If both Dylan and Frank must hold positions</a:t>
+            </a:r>
+          </a:p>
+          <a:p>
+            <a:pPr marL="342900" lvl="0" algn="l" rtl="0">
+              <a:spcBef>
+                <a:spcPts val="0"/>
+              </a:spcBef>
+              <a:spcAft>
+                <a:spcPts val="0"/>
+              </a:spcAft>
+              <a:buClr>
+                <a:schemeClr val="dk1"/>
+              </a:buClr>
+              <a:buSzPts val="1100"/>
+              <a:buFont typeface="Arial"/>
+              <a:buAutoNum type="alphaLcPeriod"/>
+            </a:pPr>
+            <a:endParaRPr lang="en" dirty="0" smtClean="0">
               <a:solidFill>
                 <a:schemeClr val="tx1"/>
               </a:solidFill>
               <a:latin typeface="Comic Sans MS" panose="030F0702030302020204" pitchFamily="66" charset="0"/>
             </a:endParaRPr>
           </a:p>
-          <a:p>
-            <a:pPr marL="0" lvl="0" indent="0" algn="l" rtl="0">
-              <a:spcBef>
-                <a:spcPts val="1600"/>
-              </a:spcBef>
-              <a:spcAft>
-                <a:spcPts val="0"/>
-              </a:spcAft>
-              <a:buClr>
-                <a:schemeClr val="dk1"/>
-              </a:buClr>
-              <a:buSzPts val="1100"/>
-              <a:buFont typeface="Arial"/>
-              <a:buNone/>
-            </a:pPr>
-            <a:r>
-              <a:rPr lang="en" dirty="0">
-                <a:solidFill>
-                  <a:schemeClr val="tx1"/>
-                </a:solidFill>
-                <a:latin typeface="Comic Sans MS" panose="030F0702030302020204" pitchFamily="66" charset="0"/>
-              </a:rPr>
-              <a:t>How many possible passwords are there</a:t>
-            </a:r>
-            <a:r>
-              <a:rPr lang="en" dirty="0" smtClean="0">
-                <a:solidFill>
-                  <a:schemeClr val="tx1"/>
-                </a:solidFill>
-                <a:latin typeface="Comic Sans MS" panose="030F0702030302020204" pitchFamily="66" charset="0"/>
-              </a:rPr>
-              <a:t>?</a:t>
-            </a:r>
-          </a:p>
         </p:txBody>
       </p:sp>
     </p:spTree>
     <p:extLst>
       <p:ext uri="{BB962C8B-B14F-4D97-AF65-F5344CB8AC3E}">
-        <p14:creationId xmlns:p14="http://schemas.microsoft.com/office/powerpoint/2010/main" val="625156126"/>
+        <p14:creationId xmlns:p14="http://schemas.microsoft.com/office/powerpoint/2010/main" val="2693808051"/>
       </p:ext>
     </p:extLst>
   </p:cSld>
@@ -9564,7 +9267,7 @@
   <p:cSld>
     <p:spTree>
       <p:nvGrpSpPr>
-        <p:cNvPr id="1" name="Shape 59"/>
+        <p:cNvPr id="1" name="Shape 95"/>
         <p:cNvGrpSpPr/>
         <p:nvPr/>
       </p:nvGrpSpPr>
@@ -9578,7 +9281,7 @@
       </p:grpSpPr>
       <p:sp>
         <p:nvSpPr>
-          <p:cNvPr id="60" name="Google Shape;60;p14"/>
+          <p:cNvPr id="96" name="Google Shape;96;p20"/>
           <p:cNvSpPr txBox="1">
             <a:spLocks noGrp="1"/>
           </p:cNvSpPr>
@@ -9608,13 +9311,24 @@
               <a:spcAft>
                 <a:spcPts val="0"/>
               </a:spcAft>
+              <a:buClr>
+                <a:schemeClr val="dk1"/>
+              </a:buClr>
+              <a:buSzPts val="1100"/>
+              <a:buFont typeface="Arial"/>
               <a:buNone/>
             </a:pPr>
             <a:r>
+              <a:rPr lang="en" dirty="0">
+                <a:latin typeface="Comic Sans MS" panose="030F0702030302020204" pitchFamily="66" charset="0"/>
+              </a:rPr>
+              <a:t>Problem </a:t>
+            </a:r>
+            <a:r>
               <a:rPr lang="en" dirty="0" smtClean="0">
                 <a:latin typeface="Comic Sans MS" panose="030F0702030302020204" pitchFamily="66" charset="0"/>
               </a:rPr>
-              <a:t>The Subtraction Rule</a:t>
+              <a:t>3.2</a:t>
             </a:r>
             <a:endParaRPr dirty="0">
               <a:latin typeface="Comic Sans MS" panose="030F0702030302020204" pitchFamily="66" charset="0"/>
@@ -9622,203 +9336,57 @@
           </a:p>
         </p:txBody>
       </p:sp>
-      <mc:AlternateContent xmlns:mc="http://schemas.openxmlformats.org/markup-compatibility/2006">
-        <mc:Choice xmlns:a14="http://schemas.microsoft.com/office/drawing/2010/main" Requires="a14">
-          <p:sp>
-            <p:nvSpPr>
-              <p:cNvPr id="61" name="Google Shape;61;p14"/>
-              <p:cNvSpPr txBox="1">
-                <a:spLocks noGrp="1"/>
-              </p:cNvSpPr>
-              <p:nvPr>
-                <p:ph type="body" idx="1"/>
-              </p:nvPr>
-            </p:nvSpPr>
-            <p:spPr>
-              <a:xfrm>
-                <a:off x="311700" y="1152474"/>
-                <a:ext cx="8520600" cy="1663462"/>
-              </a:xfrm>
-              <a:prstGeom prst="rect">
-                <a:avLst/>
-              </a:prstGeom>
-            </p:spPr>
-            <p:txBody>
-              <a:bodyPr spcFirstLastPara="1" wrap="square" lIns="91425" tIns="91425" rIns="91425" bIns="91425" anchor="t" anchorCtr="0">
-                <a:noAutofit/>
-              </a:bodyPr>
-              <a:lstStyle/>
-              <a:p>
-                <a:pPr marL="114300" indent="0">
-                  <a:buNone/>
-                </a:pPr>
-                <a:r>
-                  <a:rPr lang="en-US" dirty="0" smtClean="0">
-                    <a:solidFill>
-                      <a:schemeClr val="tx1"/>
-                    </a:solidFill>
-                    <a:latin typeface="Comic Sans MS" panose="030F0702030302020204" pitchFamily="66" charset="0"/>
-                  </a:rPr>
-                  <a:t>THE SUBTRACTION RULE If a task can be done in either </a:t>
-                </a:r>
-                <a:r>
-                  <a:rPr lang="en-US" i="1" dirty="0">
-                    <a:solidFill>
-                      <a:schemeClr val="tx1"/>
-                    </a:solidFill>
-                    <a:latin typeface="Comic Sans MS" panose="030F0702030302020204" pitchFamily="66" charset="0"/>
-                  </a:rPr>
-                  <a:t>n</a:t>
-                </a:r>
-                <a:r>
-                  <a:rPr lang="en-US" dirty="0">
-                    <a:solidFill>
-                      <a:schemeClr val="tx1"/>
-                    </a:solidFill>
-                    <a:latin typeface="Comic Sans MS" panose="030F0702030302020204" pitchFamily="66" charset="0"/>
-                  </a:rPr>
-                  <a:t>1 ways or </a:t>
-                </a:r>
-                <a:r>
-                  <a:rPr lang="en-US" i="1" dirty="0">
-                    <a:solidFill>
-                      <a:schemeClr val="tx1"/>
-                    </a:solidFill>
-                    <a:latin typeface="Comic Sans MS" panose="030F0702030302020204" pitchFamily="66" charset="0"/>
-                  </a:rPr>
-                  <a:t>n</a:t>
-                </a:r>
-                <a:r>
-                  <a:rPr lang="en-US" dirty="0">
-                    <a:solidFill>
-                      <a:schemeClr val="tx1"/>
-                    </a:solidFill>
-                    <a:latin typeface="Comic Sans MS" panose="030F0702030302020204" pitchFamily="66" charset="0"/>
-                  </a:rPr>
-                  <a:t>2 ways, then the</a:t>
-                </a:r>
-              </a:p>
-              <a:p>
-                <a:pPr marL="114300" indent="0">
-                  <a:buNone/>
-                </a:pPr>
-                <a:r>
-                  <a:rPr lang="en-US" dirty="0">
-                    <a:solidFill>
-                      <a:schemeClr val="tx1"/>
-                    </a:solidFill>
-                    <a:latin typeface="Comic Sans MS" panose="030F0702030302020204" pitchFamily="66" charset="0"/>
-                  </a:rPr>
-                  <a:t>number of ways to do the task is </a:t>
-                </a:r>
-                <a:r>
-                  <a:rPr lang="en-US" i="1" dirty="0">
-                    <a:solidFill>
-                      <a:schemeClr val="tx1"/>
-                    </a:solidFill>
-                    <a:latin typeface="Comic Sans MS" panose="030F0702030302020204" pitchFamily="66" charset="0"/>
-                  </a:rPr>
-                  <a:t>n</a:t>
-                </a:r>
-                <a:r>
-                  <a:rPr lang="en-US" dirty="0">
-                    <a:solidFill>
-                      <a:schemeClr val="tx1"/>
-                    </a:solidFill>
-                    <a:latin typeface="Comic Sans MS" panose="030F0702030302020204" pitchFamily="66" charset="0"/>
-                  </a:rPr>
-                  <a:t>1 + </a:t>
-                </a:r>
-                <a:r>
-                  <a:rPr lang="en-US" i="1" dirty="0">
-                    <a:solidFill>
-                      <a:schemeClr val="tx1"/>
-                    </a:solidFill>
-                    <a:latin typeface="Comic Sans MS" panose="030F0702030302020204" pitchFamily="66" charset="0"/>
-                  </a:rPr>
-                  <a:t>n</a:t>
-                </a:r>
-                <a:r>
-                  <a:rPr lang="en-US" dirty="0">
-                    <a:solidFill>
-                      <a:schemeClr val="tx1"/>
-                    </a:solidFill>
-                    <a:latin typeface="Comic Sans MS" panose="030F0702030302020204" pitchFamily="66" charset="0"/>
-                  </a:rPr>
-                  <a:t>2 minus (n1 </a:t>
-                </a:r>
-                <a14:m>
-                  <m:oMath xmlns:m="http://schemas.openxmlformats.org/officeDocument/2006/math">
-                    <m:r>
-                      <a:rPr lang="en-US" i="1">
-                        <a:solidFill>
-                          <a:schemeClr val="tx1"/>
-                        </a:solidFill>
-                        <a:latin typeface="Cambria Math"/>
-                        <a:ea typeface="Cambria Math"/>
-                      </a:rPr>
-                      <m:t>⋂</m:t>
-                    </m:r>
-                  </m:oMath>
-                </a14:m>
-                <a:r>
-                  <a:rPr lang="en-US" dirty="0">
-                    <a:solidFill>
-                      <a:schemeClr val="tx1"/>
-                    </a:solidFill>
-                    <a:latin typeface="Comic Sans MS" panose="030F0702030302020204" pitchFamily="66" charset="0"/>
-                  </a:rPr>
-                  <a:t>n2)common to the two different ways.</a:t>
-                </a:r>
-              </a:p>
-            </p:txBody>
-          </p:sp>
-        </mc:Choice>
-        <mc:Fallback>
-          <p:sp>
-            <p:nvSpPr>
-              <p:cNvPr id="61" name="Google Shape;61;p14"/>
-              <p:cNvSpPr txBox="1">
-                <a:spLocks noGrp="1" noRot="1" noChangeAspect="1" noMove="1" noResize="1" noEditPoints="1" noAdjustHandles="1" noChangeArrowheads="1" noChangeShapeType="1" noTextEdit="1"/>
-              </p:cNvSpPr>
-              <p:nvPr>
-                <p:ph type="body" idx="1"/>
-              </p:nvPr>
-            </p:nvSpPr>
-            <p:spPr>
-              <a:xfrm>
-                <a:off x="311700" y="1152474"/>
-                <a:ext cx="8520600" cy="1663462"/>
-              </a:xfrm>
-              <a:prstGeom prst="rect">
-                <a:avLst/>
-              </a:prstGeom>
-              <a:blipFill rotWithShape="0">
-                <a:blip r:embed="rId3"/>
-                <a:stretch>
-                  <a:fillRect/>
-                </a:stretch>
-              </a:blipFill>
-            </p:spPr>
-            <p:txBody>
-              <a:bodyPr/>
-              <a:lstStyle/>
-              <a:p>
-                <a:r>
-                  <a:rPr lang="en-US">
-                    <a:noFill/>
-                  </a:rPr>
-                  <a:t> </a:t>
-                </a:r>
-              </a:p>
-            </p:txBody>
-          </p:sp>
-        </mc:Fallback>
-      </mc:AlternateContent>
+      <p:sp>
+        <p:nvSpPr>
+          <p:cNvPr id="97" name="Google Shape;97;p20"/>
+          <p:cNvSpPr txBox="1">
+            <a:spLocks noGrp="1"/>
+          </p:cNvSpPr>
+          <p:nvPr>
+            <p:ph type="body" idx="1"/>
+          </p:nvPr>
+        </p:nvSpPr>
+        <p:spPr>
+          <a:xfrm>
+            <a:off x="311700" y="1152474"/>
+            <a:ext cx="8520600" cy="2946559"/>
+          </a:xfrm>
+          <a:prstGeom prst="rect">
+            <a:avLst/>
+          </a:prstGeom>
+        </p:spPr>
+        <p:txBody>
+          <a:bodyPr spcFirstLastPara="1" wrap="square" lIns="91425" tIns="91425" rIns="91425" bIns="91425" anchor="t" anchorCtr="0">
+            <a:noAutofit/>
+          </a:bodyPr>
+          <a:lstStyle/>
+          <a:p>
+            <a:pPr marL="0" lvl="0" indent="0" algn="l" rtl="0">
+              <a:spcBef>
+                <a:spcPts val="0"/>
+              </a:spcBef>
+              <a:spcAft>
+                <a:spcPts val="0"/>
+              </a:spcAft>
+              <a:buClr>
+                <a:schemeClr val="dk1"/>
+              </a:buClr>
+              <a:buSzPts val="1100"/>
+              <a:buNone/>
+            </a:pPr>
+            <a:endParaRPr lang="en" dirty="0" smtClean="0">
+              <a:solidFill>
+                <a:schemeClr val="tx1"/>
+              </a:solidFill>
+              <a:latin typeface="Comic Sans MS" panose="030F0702030302020204" pitchFamily="66" charset="0"/>
+            </a:endParaRPr>
+          </a:p>
+        </p:txBody>
+      </p:sp>
     </p:spTree>
     <p:extLst>
       <p:ext uri="{BB962C8B-B14F-4D97-AF65-F5344CB8AC3E}">
-        <p14:creationId xmlns:p14="http://schemas.microsoft.com/office/powerpoint/2010/main" val="1292884265"/>
+        <p14:creationId xmlns:p14="http://schemas.microsoft.com/office/powerpoint/2010/main" val="978745287"/>
       </p:ext>
     </p:extLst>
   </p:cSld>
@@ -9895,156 +9463,6 @@
               <a:rPr lang="en" dirty="0">
                 <a:latin typeface="Comic Sans MS" panose="030F0702030302020204" pitchFamily="66" charset="0"/>
               </a:rPr>
-              <a:t>Problem 4.1</a:t>
-            </a:r>
-            <a:endParaRPr dirty="0">
-              <a:latin typeface="Comic Sans MS" panose="030F0702030302020204" pitchFamily="66" charset="0"/>
-            </a:endParaRPr>
-          </a:p>
-        </p:txBody>
-      </p:sp>
-      <p:sp>
-        <p:nvSpPr>
-          <p:cNvPr id="103" name="Google Shape;103;p21"/>
-          <p:cNvSpPr txBox="1">
-            <a:spLocks noGrp="1"/>
-          </p:cNvSpPr>
-          <p:nvPr>
-            <p:ph type="body" idx="1"/>
-          </p:nvPr>
-        </p:nvSpPr>
-        <p:spPr>
-          <a:xfrm>
-            <a:off x="311700" y="1152475"/>
-            <a:ext cx="8520600" cy="779067"/>
-          </a:xfrm>
-          <a:prstGeom prst="rect">
-            <a:avLst/>
-          </a:prstGeom>
-        </p:spPr>
-        <p:txBody>
-          <a:bodyPr spcFirstLastPara="1" wrap="square" lIns="91425" tIns="91425" rIns="91425" bIns="91425" anchor="t" anchorCtr="0">
-            <a:noAutofit/>
-          </a:bodyPr>
-          <a:lstStyle/>
-          <a:p>
-            <a:pPr marL="0" lvl="0" indent="0">
-              <a:spcAft>
-                <a:spcPts val="1600"/>
-              </a:spcAft>
-              <a:buNone/>
-            </a:pPr>
-            <a:r>
-              <a:rPr lang="en-US" dirty="0">
-                <a:solidFill>
-                  <a:schemeClr val="tx1"/>
-                </a:solidFill>
-                <a:latin typeface="Comic Sans MS" panose="030F0702030302020204" pitchFamily="66" charset="0"/>
-              </a:rPr>
-              <a:t>How many bit strings of length eight either start with a 1 bit or end with the two bits </a:t>
-            </a:r>
-            <a:r>
-              <a:rPr lang="en-US" dirty="0" smtClean="0">
-                <a:solidFill>
-                  <a:schemeClr val="tx1"/>
-                </a:solidFill>
-                <a:latin typeface="Comic Sans MS" panose="030F0702030302020204" pitchFamily="66" charset="0"/>
-              </a:rPr>
-              <a:t>00</a:t>
-            </a:r>
-            <a:r>
-              <a:rPr lang="en-US" dirty="0">
-                <a:solidFill>
-                  <a:schemeClr val="tx1"/>
-                </a:solidFill>
-                <a:latin typeface="Comic Sans MS" panose="030F0702030302020204" pitchFamily="66" charset="0"/>
-              </a:rPr>
-              <a:t>?</a:t>
-            </a:r>
-            <a:endParaRPr lang="en" dirty="0" smtClean="0">
-              <a:solidFill>
-                <a:schemeClr val="tx1"/>
-              </a:solidFill>
-              <a:latin typeface="Comic Sans MS" panose="030F0702030302020204" pitchFamily="66" charset="0"/>
-            </a:endParaRPr>
-          </a:p>
-        </p:txBody>
-      </p:sp>
-    </p:spTree>
-  </p:cSld>
-  <p:clrMapOvr>
-    <a:masterClrMapping/>
-  </p:clrMapOvr>
-  <p:timing>
-    <p:tnLst>
-      <p:par>
-        <p:cTn id="1" dur="indefinite" restart="never" nodeType="tmRoot"/>
-      </p:par>
-    </p:tnLst>
-  </p:timing>
-</p:sld>
-</file>
-
-<file path=ppt/slides/slide18.xml><?xml version="1.0" encoding="utf-8"?>
-<p:sld xmlns:a="http://schemas.openxmlformats.org/drawingml/2006/main" xmlns:r="http://schemas.openxmlformats.org/officeDocument/2006/relationships" xmlns:p="http://schemas.openxmlformats.org/presentationml/2006/main">
-  <p:cSld>
-    <p:spTree>
-      <p:nvGrpSpPr>
-        <p:cNvPr id="1" name="Shape 101"/>
-        <p:cNvGrpSpPr/>
-        <p:nvPr/>
-      </p:nvGrpSpPr>
-      <p:grpSpPr>
-        <a:xfrm>
-          <a:off x="0" y="0"/>
-          <a:ext cx="0" cy="0"/>
-          <a:chOff x="0" y="0"/>
-          <a:chExt cx="0" cy="0"/>
-        </a:xfrm>
-      </p:grpSpPr>
-      <p:sp>
-        <p:nvSpPr>
-          <p:cNvPr id="102" name="Google Shape;102;p21"/>
-          <p:cNvSpPr txBox="1">
-            <a:spLocks noGrp="1"/>
-          </p:cNvSpPr>
-          <p:nvPr>
-            <p:ph type="title"/>
-          </p:nvPr>
-        </p:nvSpPr>
-        <p:spPr>
-          <a:xfrm>
-            <a:off x="311700" y="445025"/>
-            <a:ext cx="8520600" cy="572700"/>
-          </a:xfrm>
-          <a:prstGeom prst="rect">
-            <a:avLst/>
-          </a:prstGeom>
-        </p:spPr>
-        <p:txBody>
-          <a:bodyPr spcFirstLastPara="1" wrap="square" lIns="91425" tIns="91425" rIns="91425" bIns="91425" anchor="t" anchorCtr="0">
-            <a:noAutofit/>
-          </a:bodyPr>
-          <a:lstStyle/>
-          <a:p>
-            <a:pPr marL="0" lvl="0" indent="0" algn="l" rtl="0">
-              <a:spcBef>
-                <a:spcPts val="0"/>
-              </a:spcBef>
-              <a:spcAft>
-                <a:spcPts val="0"/>
-              </a:spcAft>
-              <a:buClr>
-                <a:schemeClr val="dk1"/>
-              </a:buClr>
-              <a:buSzPts val="1100"/>
-              <a:buFont typeface="Arial"/>
-              <a:buNone/>
-            </a:pPr>
-            <a:r>
-              <a:rPr lang="en" dirty="0">
-                <a:latin typeface="Comic Sans MS" panose="030F0702030302020204" pitchFamily="66" charset="0"/>
-              </a:rPr>
               <a:t>Problem </a:t>
             </a:r>
             <a:r>
@@ -10140,7 +9558,7 @@
 </p:sld>
 </file>
 
-<file path=ppt/slides/slide19.xml><?xml version="1.0" encoding="utf-8"?>
+<file path=ppt/slides/slide18.xml><?xml version="1.0" encoding="utf-8"?>
 <p:sld xmlns:a="http://schemas.openxmlformats.org/drawingml/2006/main" xmlns:r="http://schemas.openxmlformats.org/officeDocument/2006/relationships" xmlns:p="http://schemas.openxmlformats.org/presentationml/2006/main">
   <p:cSld>
     <p:spTree>
@@ -10383,6 +9801,175 @@
         <p14:creationId xmlns:p14="http://schemas.microsoft.com/office/powerpoint/2010/main" val="2186115136"/>
       </p:ext>
     </p:extLst>
+  </p:cSld>
+  <p:clrMapOvr>
+    <a:masterClrMapping/>
+  </p:clrMapOvr>
+  <p:timing>
+    <p:tnLst>
+      <p:par>
+        <p:cTn id="1" dur="indefinite" restart="never" nodeType="tmRoot"/>
+      </p:par>
+    </p:tnLst>
+  </p:timing>
+</p:sld>
+</file>
+
+<file path=ppt/slides/slide19.xml><?xml version="1.0" encoding="utf-8"?>
+<p:sld xmlns:a="http://schemas.openxmlformats.org/drawingml/2006/main" xmlns:r="http://schemas.openxmlformats.org/officeDocument/2006/relationships" xmlns:p="http://schemas.openxmlformats.org/presentationml/2006/main">
+  <p:cSld>
+    <p:spTree>
+      <p:nvGrpSpPr>
+        <p:cNvPr id="1" name="Shape 107"/>
+        <p:cNvGrpSpPr/>
+        <p:nvPr/>
+      </p:nvGrpSpPr>
+      <p:grpSpPr>
+        <a:xfrm>
+          <a:off x="0" y="0"/>
+          <a:ext cx="0" cy="0"/>
+          <a:chOff x="0" y="0"/>
+          <a:chExt cx="0" cy="0"/>
+        </a:xfrm>
+      </p:grpSpPr>
+      <p:sp>
+        <p:nvSpPr>
+          <p:cNvPr id="108" name="Google Shape;108;p22"/>
+          <p:cNvSpPr txBox="1">
+            <a:spLocks noGrp="1"/>
+          </p:cNvSpPr>
+          <p:nvPr>
+            <p:ph type="title"/>
+          </p:nvPr>
+        </p:nvSpPr>
+        <p:spPr>
+          <a:xfrm>
+            <a:off x="311700" y="445025"/>
+            <a:ext cx="8520600" cy="572700"/>
+          </a:xfrm>
+          <a:prstGeom prst="rect">
+            <a:avLst/>
+          </a:prstGeom>
+        </p:spPr>
+        <p:txBody>
+          <a:bodyPr spcFirstLastPara="1" wrap="square" lIns="91425" tIns="91425" rIns="91425" bIns="91425" anchor="t" anchorCtr="0">
+            <a:noAutofit/>
+          </a:bodyPr>
+          <a:lstStyle/>
+          <a:p>
+            <a:pPr marL="0" lvl="0" indent="0" algn="l" rtl="0">
+              <a:spcBef>
+                <a:spcPts val="0"/>
+              </a:spcBef>
+              <a:spcAft>
+                <a:spcPts val="0"/>
+              </a:spcAft>
+              <a:buClr>
+                <a:schemeClr val="dk1"/>
+              </a:buClr>
+              <a:buSzPts val="1100"/>
+              <a:buFont typeface="Arial"/>
+              <a:buNone/>
+            </a:pPr>
+            <a:r>
+              <a:rPr lang="en" dirty="0">
+                <a:latin typeface="Comic Sans MS" panose="030F0702030302020204" pitchFamily="66" charset="0"/>
+              </a:rPr>
+              <a:t>Problem </a:t>
+            </a:r>
+            <a:r>
+              <a:rPr lang="en" dirty="0" smtClean="0">
+                <a:latin typeface="Comic Sans MS" panose="030F0702030302020204" pitchFamily="66" charset="0"/>
+              </a:rPr>
+              <a:t>6.1</a:t>
+            </a:r>
+            <a:endParaRPr dirty="0">
+              <a:latin typeface="Comic Sans MS" panose="030F0702030302020204" pitchFamily="66" charset="0"/>
+            </a:endParaRPr>
+          </a:p>
+          <a:p>
+            <a:pPr marL="0" lvl="0" indent="0" algn="l" rtl="0">
+              <a:spcBef>
+                <a:spcPts val="0"/>
+              </a:spcBef>
+              <a:spcAft>
+                <a:spcPts val="0"/>
+              </a:spcAft>
+              <a:buNone/>
+            </a:pPr>
+            <a:endParaRPr dirty="0">
+              <a:latin typeface="Comic Sans MS" panose="030F0702030302020204" pitchFamily="66" charset="0"/>
+            </a:endParaRPr>
+          </a:p>
+        </p:txBody>
+      </p:sp>
+      <p:sp>
+        <p:nvSpPr>
+          <p:cNvPr id="109" name="Google Shape;109;p22"/>
+          <p:cNvSpPr txBox="1">
+            <a:spLocks noGrp="1"/>
+          </p:cNvSpPr>
+          <p:nvPr>
+            <p:ph type="body" idx="1"/>
+          </p:nvPr>
+        </p:nvSpPr>
+        <p:spPr>
+          <a:xfrm>
+            <a:off x="311700" y="1152475"/>
+            <a:ext cx="8520600" cy="1128388"/>
+          </a:xfrm>
+          <a:prstGeom prst="rect">
+            <a:avLst/>
+          </a:prstGeom>
+        </p:spPr>
+        <p:txBody>
+          <a:bodyPr spcFirstLastPara="1" wrap="square" lIns="91425" tIns="91425" rIns="91425" bIns="91425" anchor="t" anchorCtr="0">
+            <a:noAutofit/>
+          </a:bodyPr>
+          <a:lstStyle/>
+          <a:p>
+            <a:pPr marL="0" lvl="0" indent="0" algn="l" rtl="0">
+              <a:spcBef>
+                <a:spcPts val="0"/>
+              </a:spcBef>
+              <a:spcAft>
+                <a:spcPts val="0"/>
+              </a:spcAft>
+              <a:buClr>
+                <a:schemeClr val="dk1"/>
+              </a:buClr>
+              <a:buSzPts val="1100"/>
+              <a:buFont typeface="Arial"/>
+              <a:buNone/>
+            </a:pPr>
+            <a:r>
+              <a:rPr lang="en" dirty="0">
+                <a:solidFill>
+                  <a:schemeClr val="tx1"/>
+                </a:solidFill>
+                <a:latin typeface="Comic Sans MS" panose="030F0702030302020204" pitchFamily="66" charset="0"/>
+              </a:rPr>
+              <a:t>How many students must be in a class to guarantee that at least two students receive the same score on the final exam, if the exam is graded on a scale from 0 to 100 points</a:t>
+            </a:r>
+            <a:r>
+              <a:rPr lang="en" dirty="0" smtClean="0">
+                <a:solidFill>
+                  <a:schemeClr val="tx1"/>
+                </a:solidFill>
+                <a:latin typeface="Comic Sans MS" panose="030F0702030302020204" pitchFamily="66" charset="0"/>
+              </a:rPr>
+              <a:t>?</a:t>
+            </a:r>
+            <a:endParaRPr dirty="0">
+              <a:solidFill>
+                <a:schemeClr val="tx1"/>
+              </a:solidFill>
+              <a:latin typeface="Comic Sans MS" panose="030F0702030302020204" pitchFamily="66" charset="0"/>
+            </a:endParaRPr>
+          </a:p>
+        </p:txBody>
+      </p:sp>
+    </p:spTree>
   </p:cSld>
   <p:clrMapOvr>
     <a:masterClrMapping/>
@@ -10452,7 +10039,13 @@
               <a:rPr lang="en" dirty="0" smtClean="0">
                 <a:latin typeface="Comic Sans MS" panose="030F0702030302020204" pitchFamily="66" charset="0"/>
               </a:rPr>
-              <a:t>The Product Rule</a:t>
+              <a:t>First rule of counting - The </a:t>
+            </a:r>
+            <a:r>
+              <a:rPr lang="en" dirty="0" smtClean="0">
+                <a:latin typeface="Comic Sans MS" panose="030F0702030302020204" pitchFamily="66" charset="0"/>
+              </a:rPr>
+              <a:t>Product Rule</a:t>
             </a:r>
             <a:endParaRPr dirty="0">
               <a:latin typeface="Comic Sans MS" panose="030F0702030302020204" pitchFamily="66" charset="0"/>
@@ -10562,7 +10155,7 @@
                 </a:solidFill>
                 <a:latin typeface="Comic Sans MS" panose="030F0702030302020204" pitchFamily="66" charset="0"/>
               </a:rPr>
-              <a:t>1 ways to do the first task and for each of these ways of doing the </a:t>
+              <a:t>1 ways to do the first </a:t>
             </a:r>
             <a:r>
               <a:rPr lang="en-US" dirty="0" smtClean="0">
@@ -10571,7 +10164,7 @@
                 </a:solidFill>
                 <a:latin typeface="Comic Sans MS" panose="030F0702030302020204" pitchFamily="66" charset="0"/>
               </a:rPr>
-              <a:t>first task</a:t>
+              <a:t>task and </a:t>
             </a:r>
             <a:r>
               <a:rPr lang="en-US" dirty="0">
@@ -10580,7 +10173,7 @@
                 </a:solidFill>
                 <a:latin typeface="Comic Sans MS" panose="030F0702030302020204" pitchFamily="66" charset="0"/>
               </a:rPr>
-              <a:t>, there are </a:t>
+              <a:t>there are </a:t>
             </a:r>
             <a:r>
               <a:rPr lang="en-US" i="1" dirty="0">
@@ -10696,175 +10289,6 @@
 </file>
 
 <file path=ppt/slides/slide20.xml><?xml version="1.0" encoding="utf-8"?>
-<p:sld xmlns:a="http://schemas.openxmlformats.org/drawingml/2006/main" xmlns:r="http://schemas.openxmlformats.org/officeDocument/2006/relationships" xmlns:p="http://schemas.openxmlformats.org/presentationml/2006/main">
-  <p:cSld>
-    <p:spTree>
-      <p:nvGrpSpPr>
-        <p:cNvPr id="1" name="Shape 107"/>
-        <p:cNvGrpSpPr/>
-        <p:nvPr/>
-      </p:nvGrpSpPr>
-      <p:grpSpPr>
-        <a:xfrm>
-          <a:off x="0" y="0"/>
-          <a:ext cx="0" cy="0"/>
-          <a:chOff x="0" y="0"/>
-          <a:chExt cx="0" cy="0"/>
-        </a:xfrm>
-      </p:grpSpPr>
-      <p:sp>
-        <p:nvSpPr>
-          <p:cNvPr id="108" name="Google Shape;108;p22"/>
-          <p:cNvSpPr txBox="1">
-            <a:spLocks noGrp="1"/>
-          </p:cNvSpPr>
-          <p:nvPr>
-            <p:ph type="title"/>
-          </p:nvPr>
-        </p:nvSpPr>
-        <p:spPr>
-          <a:xfrm>
-            <a:off x="311700" y="445025"/>
-            <a:ext cx="8520600" cy="572700"/>
-          </a:xfrm>
-          <a:prstGeom prst="rect">
-            <a:avLst/>
-          </a:prstGeom>
-        </p:spPr>
-        <p:txBody>
-          <a:bodyPr spcFirstLastPara="1" wrap="square" lIns="91425" tIns="91425" rIns="91425" bIns="91425" anchor="t" anchorCtr="0">
-            <a:noAutofit/>
-          </a:bodyPr>
-          <a:lstStyle/>
-          <a:p>
-            <a:pPr marL="0" lvl="0" indent="0" algn="l" rtl="0">
-              <a:spcBef>
-                <a:spcPts val="0"/>
-              </a:spcBef>
-              <a:spcAft>
-                <a:spcPts val="0"/>
-              </a:spcAft>
-              <a:buClr>
-                <a:schemeClr val="dk1"/>
-              </a:buClr>
-              <a:buSzPts val="1100"/>
-              <a:buFont typeface="Arial"/>
-              <a:buNone/>
-            </a:pPr>
-            <a:r>
-              <a:rPr lang="en" dirty="0">
-                <a:latin typeface="Comic Sans MS" panose="030F0702030302020204" pitchFamily="66" charset="0"/>
-              </a:rPr>
-              <a:t>Problem </a:t>
-            </a:r>
-            <a:r>
-              <a:rPr lang="en" dirty="0" smtClean="0">
-                <a:latin typeface="Comic Sans MS" panose="030F0702030302020204" pitchFamily="66" charset="0"/>
-              </a:rPr>
-              <a:t>6.1</a:t>
-            </a:r>
-            <a:endParaRPr dirty="0">
-              <a:latin typeface="Comic Sans MS" panose="030F0702030302020204" pitchFamily="66" charset="0"/>
-            </a:endParaRPr>
-          </a:p>
-          <a:p>
-            <a:pPr marL="0" lvl="0" indent="0" algn="l" rtl="0">
-              <a:spcBef>
-                <a:spcPts val="0"/>
-              </a:spcBef>
-              <a:spcAft>
-                <a:spcPts val="0"/>
-              </a:spcAft>
-              <a:buNone/>
-            </a:pPr>
-            <a:endParaRPr dirty="0">
-              <a:latin typeface="Comic Sans MS" panose="030F0702030302020204" pitchFamily="66" charset="0"/>
-            </a:endParaRPr>
-          </a:p>
-        </p:txBody>
-      </p:sp>
-      <p:sp>
-        <p:nvSpPr>
-          <p:cNvPr id="109" name="Google Shape;109;p22"/>
-          <p:cNvSpPr txBox="1">
-            <a:spLocks noGrp="1"/>
-          </p:cNvSpPr>
-          <p:nvPr>
-            <p:ph type="body" idx="1"/>
-          </p:nvPr>
-        </p:nvSpPr>
-        <p:spPr>
-          <a:xfrm>
-            <a:off x="311700" y="1152475"/>
-            <a:ext cx="8520600" cy="1128388"/>
-          </a:xfrm>
-          <a:prstGeom prst="rect">
-            <a:avLst/>
-          </a:prstGeom>
-        </p:spPr>
-        <p:txBody>
-          <a:bodyPr spcFirstLastPara="1" wrap="square" lIns="91425" tIns="91425" rIns="91425" bIns="91425" anchor="t" anchorCtr="0">
-            <a:noAutofit/>
-          </a:bodyPr>
-          <a:lstStyle/>
-          <a:p>
-            <a:pPr marL="0" lvl="0" indent="0" algn="l" rtl="0">
-              <a:spcBef>
-                <a:spcPts val="0"/>
-              </a:spcBef>
-              <a:spcAft>
-                <a:spcPts val="0"/>
-              </a:spcAft>
-              <a:buClr>
-                <a:schemeClr val="dk1"/>
-              </a:buClr>
-              <a:buSzPts val="1100"/>
-              <a:buFont typeface="Arial"/>
-              <a:buNone/>
-            </a:pPr>
-            <a:r>
-              <a:rPr lang="en" dirty="0">
-                <a:solidFill>
-                  <a:schemeClr val="tx1"/>
-                </a:solidFill>
-                <a:latin typeface="Comic Sans MS" panose="030F0702030302020204" pitchFamily="66" charset="0"/>
-              </a:rPr>
-              <a:t>How many students must be in a class to guarantee that at least two students receive the same score on the final exam, if the exam is graded on a scale from 0 to 100 points</a:t>
-            </a:r>
-            <a:r>
-              <a:rPr lang="en" dirty="0" smtClean="0">
-                <a:solidFill>
-                  <a:schemeClr val="tx1"/>
-                </a:solidFill>
-                <a:latin typeface="Comic Sans MS" panose="030F0702030302020204" pitchFamily="66" charset="0"/>
-              </a:rPr>
-              <a:t>?</a:t>
-            </a:r>
-            <a:endParaRPr dirty="0">
-              <a:solidFill>
-                <a:schemeClr val="tx1"/>
-              </a:solidFill>
-              <a:latin typeface="Comic Sans MS" panose="030F0702030302020204" pitchFamily="66" charset="0"/>
-            </a:endParaRPr>
-          </a:p>
-        </p:txBody>
-      </p:sp>
-    </p:spTree>
-  </p:cSld>
-  <p:clrMapOvr>
-    <a:masterClrMapping/>
-  </p:clrMapOvr>
-  <p:timing>
-    <p:tnLst>
-      <p:par>
-        <p:cTn id="1" dur="indefinite" restart="never" nodeType="tmRoot"/>
-      </p:par>
-    </p:tnLst>
-  </p:timing>
-</p:sld>
-</file>
-
-<file path=ppt/slides/slide21.xml><?xml version="1.0" encoding="utf-8"?>
 <p:sld xmlns:a="http://schemas.openxmlformats.org/drawingml/2006/main" xmlns:r="http://schemas.openxmlformats.org/officeDocument/2006/relationships" xmlns:p="http://schemas.openxmlformats.org/presentationml/2006/main">
   <p:cSld>
     <p:spTree>
@@ -11795,7 +11219,7 @@
 </p:sld>
 </file>
 
-<file path=ppt/slides/slide22.xml><?xml version="1.0" encoding="utf-8"?>
+<file path=ppt/slides/slide21.xml><?xml version="1.0" encoding="utf-8"?>
 <p:sld xmlns:a="http://schemas.openxmlformats.org/drawingml/2006/main" xmlns:r="http://schemas.openxmlformats.org/officeDocument/2006/relationships" xmlns:p="http://schemas.openxmlformats.org/presentationml/2006/main">
   <p:cSld>
     <p:spTree>
@@ -11964,7 +11388,7 @@
 </p:sld>
 </file>
 
-<file path=ppt/slides/slide23.xml><?xml version="1.0" encoding="utf-8"?>
+<file path=ppt/slides/slide22.xml><?xml version="1.0" encoding="utf-8"?>
 <p:sld xmlns:a="http://schemas.openxmlformats.org/drawingml/2006/main" xmlns:r="http://schemas.openxmlformats.org/officeDocument/2006/relationships" xmlns:p="http://schemas.openxmlformats.org/presentationml/2006/main">
   <p:cSld>
     <p:spTree>
@@ -12100,6 +11524,214 @@
                 <a:sym typeface="Roboto"/>
               </a:rPr>
               <a:t>A bag contains 10 red marbles, 10 white marbles, and 10 blue marbles. What is the minimum no. of marbles you have to choose randomly from the bag to ensure that we get 4 marbles of same color?</a:t>
+            </a:r>
+            <a:endParaRPr dirty="0">
+              <a:latin typeface="Comic Sans MS" panose="030F0702030302020204" pitchFamily="66" charset="0"/>
+            </a:endParaRPr>
+          </a:p>
+        </p:txBody>
+      </p:sp>
+    </p:spTree>
+  </p:cSld>
+  <p:clrMapOvr>
+    <a:masterClrMapping/>
+  </p:clrMapOvr>
+  <p:timing>
+    <p:tnLst>
+      <p:par>
+        <p:cTn id="1" dur="indefinite" restart="never" nodeType="tmRoot"/>
+      </p:par>
+    </p:tnLst>
+  </p:timing>
+</p:sld>
+</file>
+
+<file path=ppt/slides/slide23.xml><?xml version="1.0" encoding="utf-8"?>
+<p:sld xmlns:a="http://schemas.openxmlformats.org/drawingml/2006/main" xmlns:r="http://schemas.openxmlformats.org/officeDocument/2006/relationships" xmlns:p="http://schemas.openxmlformats.org/presentationml/2006/main">
+  <p:cSld>
+    <p:spTree>
+      <p:nvGrpSpPr>
+        <p:cNvPr id="1" name="Shape 125"/>
+        <p:cNvGrpSpPr/>
+        <p:nvPr/>
+      </p:nvGrpSpPr>
+      <p:grpSpPr>
+        <a:xfrm>
+          <a:off x="0" y="0"/>
+          <a:ext cx="0" cy="0"/>
+          <a:chOff x="0" y="0"/>
+          <a:chExt cx="0" cy="0"/>
+        </a:xfrm>
+      </p:grpSpPr>
+      <p:sp>
+        <p:nvSpPr>
+          <p:cNvPr id="126" name="Google Shape;126;p25"/>
+          <p:cNvSpPr txBox="1">
+            <a:spLocks noGrp="1"/>
+          </p:cNvSpPr>
+          <p:nvPr>
+            <p:ph type="title"/>
+          </p:nvPr>
+        </p:nvSpPr>
+        <p:spPr>
+          <a:xfrm>
+            <a:off x="311700" y="445025"/>
+            <a:ext cx="8520600" cy="572700"/>
+          </a:xfrm>
+          <a:prstGeom prst="rect">
+            <a:avLst/>
+          </a:prstGeom>
+        </p:spPr>
+        <p:txBody>
+          <a:bodyPr spcFirstLastPara="1" wrap="square" lIns="91425" tIns="91425" rIns="91425" bIns="91425" anchor="t" anchorCtr="0">
+            <a:noAutofit/>
+          </a:bodyPr>
+          <a:lstStyle/>
+          <a:p>
+            <a:pPr marL="0" lvl="0" indent="0" algn="l" rtl="0">
+              <a:spcBef>
+                <a:spcPts val="0"/>
+              </a:spcBef>
+              <a:spcAft>
+                <a:spcPts val="0"/>
+              </a:spcAft>
+              <a:buClr>
+                <a:schemeClr val="dk1"/>
+              </a:buClr>
+              <a:buSzPts val="1100"/>
+              <a:buFont typeface="Arial"/>
+              <a:buNone/>
+            </a:pPr>
+            <a:r>
+              <a:rPr lang="en" dirty="0">
+                <a:latin typeface="Comic Sans MS" panose="030F0702030302020204" pitchFamily="66" charset="0"/>
+              </a:rPr>
+              <a:t>Problem </a:t>
+            </a:r>
+            <a:r>
+              <a:rPr lang="en" dirty="0" smtClean="0">
+                <a:latin typeface="Comic Sans MS" panose="030F0702030302020204" pitchFamily="66" charset="0"/>
+              </a:rPr>
+              <a:t>6.4</a:t>
+            </a:r>
+            <a:endParaRPr dirty="0">
+              <a:latin typeface="Comic Sans MS" panose="030F0702030302020204" pitchFamily="66" charset="0"/>
+            </a:endParaRPr>
+          </a:p>
+          <a:p>
+            <a:pPr marL="0" lvl="0" indent="0" algn="l" rtl="0">
+              <a:spcBef>
+                <a:spcPts val="0"/>
+              </a:spcBef>
+              <a:spcAft>
+                <a:spcPts val="0"/>
+              </a:spcAft>
+              <a:buNone/>
+            </a:pPr>
+            <a:endParaRPr dirty="0">
+              <a:latin typeface="Comic Sans MS" panose="030F0702030302020204" pitchFamily="66" charset="0"/>
+            </a:endParaRPr>
+          </a:p>
+        </p:txBody>
+      </p:sp>
+      <p:sp>
+        <p:nvSpPr>
+          <p:cNvPr id="127" name="Google Shape;127;p25"/>
+          <p:cNvSpPr txBox="1">
+            <a:spLocks noGrp="1"/>
+          </p:cNvSpPr>
+          <p:nvPr>
+            <p:ph type="body" idx="1"/>
+          </p:nvPr>
+        </p:nvSpPr>
+        <p:spPr>
+          <a:xfrm>
+            <a:off x="311700" y="1152475"/>
+            <a:ext cx="8520600" cy="1210581"/>
+          </a:xfrm>
+          <a:prstGeom prst="rect">
+            <a:avLst/>
+          </a:prstGeom>
+        </p:spPr>
+        <p:txBody>
+          <a:bodyPr spcFirstLastPara="1" wrap="square" lIns="91425" tIns="91425" rIns="91425" bIns="91425" anchor="t" anchorCtr="0">
+            <a:noAutofit/>
+          </a:bodyPr>
+          <a:lstStyle/>
+          <a:p>
+            <a:pPr marL="0" lvl="0" indent="0" algn="l" rtl="0">
+              <a:spcBef>
+                <a:spcPts val="0"/>
+              </a:spcBef>
+              <a:spcAft>
+                <a:spcPts val="0"/>
+              </a:spcAft>
+              <a:buClr>
+                <a:schemeClr val="dk1"/>
+              </a:buClr>
+              <a:buSzPts val="1100"/>
+              <a:buFont typeface="Arial"/>
+              <a:buNone/>
+            </a:pPr>
+            <a:r>
+              <a:rPr lang="en" dirty="0">
+                <a:solidFill>
+                  <a:schemeClr val="dk1"/>
+                </a:solidFill>
+                <a:highlight>
+                  <a:srgbClr val="FFFFFF"/>
+                </a:highlight>
+                <a:latin typeface="Comic Sans MS" panose="030F0702030302020204" pitchFamily="66" charset="0"/>
+                <a:ea typeface="Roboto"/>
+                <a:cs typeface="Roboto"/>
+                <a:sym typeface="Roboto"/>
+              </a:rPr>
+              <a:t> A box contains 6 red, 8 green, 10 blue, 12 yellow and 15 white balls. What is the minimum no. of balls we have to choose randomly from the box to ensure that we get </a:t>
+            </a:r>
+            <a:r>
+              <a:rPr lang="en" dirty="0" smtClean="0">
+                <a:solidFill>
+                  <a:schemeClr val="dk1"/>
+                </a:solidFill>
+                <a:highlight>
+                  <a:srgbClr val="FFFFFF"/>
+                </a:highlight>
+                <a:latin typeface="Comic Sans MS" panose="030F0702030302020204" pitchFamily="66" charset="0"/>
+                <a:ea typeface="Roboto"/>
+                <a:cs typeface="Roboto"/>
+                <a:sym typeface="Roboto"/>
+              </a:rPr>
+              <a:t>8 </a:t>
+            </a:r>
+            <a:r>
+              <a:rPr lang="en" dirty="0">
+                <a:solidFill>
+                  <a:schemeClr val="dk1"/>
+                </a:solidFill>
+                <a:highlight>
+                  <a:srgbClr val="FFFFFF"/>
+                </a:highlight>
+                <a:latin typeface="Comic Sans MS" panose="030F0702030302020204" pitchFamily="66" charset="0"/>
+                <a:ea typeface="Roboto"/>
+                <a:cs typeface="Roboto"/>
+                <a:sym typeface="Roboto"/>
+              </a:rPr>
+              <a:t>balls of same color</a:t>
+            </a:r>
+            <a:r>
+              <a:rPr lang="en" dirty="0" smtClean="0">
+                <a:solidFill>
+                  <a:schemeClr val="dk1"/>
+                </a:solidFill>
+                <a:highlight>
+                  <a:srgbClr val="FFFFFF"/>
+                </a:highlight>
+                <a:latin typeface="Comic Sans MS" panose="030F0702030302020204" pitchFamily="66" charset="0"/>
+                <a:ea typeface="Roboto"/>
+                <a:cs typeface="Roboto"/>
+                <a:sym typeface="Roboto"/>
+              </a:rPr>
+              <a:t>?</a:t>
             </a:r>
             <a:endParaRPr dirty="0">
               <a:latin typeface="Comic Sans MS" panose="030F0702030302020204" pitchFamily="66" charset="0"/>
@@ -12171,214 +11803,6 @@
               <a:spcAft>
                 <a:spcPts val="0"/>
               </a:spcAft>
-              <a:buClr>
-                <a:schemeClr val="dk1"/>
-              </a:buClr>
-              <a:buSzPts val="1100"/>
-              <a:buFont typeface="Arial"/>
-              <a:buNone/>
-            </a:pPr>
-            <a:r>
-              <a:rPr lang="en" dirty="0">
-                <a:latin typeface="Comic Sans MS" panose="030F0702030302020204" pitchFamily="66" charset="0"/>
-              </a:rPr>
-              <a:t>Problem </a:t>
-            </a:r>
-            <a:r>
-              <a:rPr lang="en" dirty="0" smtClean="0">
-                <a:latin typeface="Comic Sans MS" panose="030F0702030302020204" pitchFamily="66" charset="0"/>
-              </a:rPr>
-              <a:t>6.4</a:t>
-            </a:r>
-            <a:endParaRPr dirty="0">
-              <a:latin typeface="Comic Sans MS" panose="030F0702030302020204" pitchFamily="66" charset="0"/>
-            </a:endParaRPr>
-          </a:p>
-          <a:p>
-            <a:pPr marL="0" lvl="0" indent="0" algn="l" rtl="0">
-              <a:spcBef>
-                <a:spcPts val="0"/>
-              </a:spcBef>
-              <a:spcAft>
-                <a:spcPts val="0"/>
-              </a:spcAft>
-              <a:buNone/>
-            </a:pPr>
-            <a:endParaRPr dirty="0">
-              <a:latin typeface="Comic Sans MS" panose="030F0702030302020204" pitchFamily="66" charset="0"/>
-            </a:endParaRPr>
-          </a:p>
-        </p:txBody>
-      </p:sp>
-      <p:sp>
-        <p:nvSpPr>
-          <p:cNvPr id="127" name="Google Shape;127;p25"/>
-          <p:cNvSpPr txBox="1">
-            <a:spLocks noGrp="1"/>
-          </p:cNvSpPr>
-          <p:nvPr>
-            <p:ph type="body" idx="1"/>
-          </p:nvPr>
-        </p:nvSpPr>
-        <p:spPr>
-          <a:xfrm>
-            <a:off x="311700" y="1152475"/>
-            <a:ext cx="8520600" cy="1210581"/>
-          </a:xfrm>
-          <a:prstGeom prst="rect">
-            <a:avLst/>
-          </a:prstGeom>
-        </p:spPr>
-        <p:txBody>
-          <a:bodyPr spcFirstLastPara="1" wrap="square" lIns="91425" tIns="91425" rIns="91425" bIns="91425" anchor="t" anchorCtr="0">
-            <a:noAutofit/>
-          </a:bodyPr>
-          <a:lstStyle/>
-          <a:p>
-            <a:pPr marL="0" lvl="0" indent="0" algn="l" rtl="0">
-              <a:spcBef>
-                <a:spcPts val="0"/>
-              </a:spcBef>
-              <a:spcAft>
-                <a:spcPts val="0"/>
-              </a:spcAft>
-              <a:buClr>
-                <a:schemeClr val="dk1"/>
-              </a:buClr>
-              <a:buSzPts val="1100"/>
-              <a:buFont typeface="Arial"/>
-              <a:buNone/>
-            </a:pPr>
-            <a:r>
-              <a:rPr lang="en" dirty="0">
-                <a:solidFill>
-                  <a:schemeClr val="dk1"/>
-                </a:solidFill>
-                <a:highlight>
-                  <a:srgbClr val="FFFFFF"/>
-                </a:highlight>
-                <a:latin typeface="Comic Sans MS" panose="030F0702030302020204" pitchFamily="66" charset="0"/>
-                <a:ea typeface="Roboto"/>
-                <a:cs typeface="Roboto"/>
-                <a:sym typeface="Roboto"/>
-              </a:rPr>
-              <a:t> A box contains 6 red, 8 green, 10 blue, 12 yellow and 15 white balls. What is the minimum no. of balls we have to choose randomly from the box to ensure that we get </a:t>
-            </a:r>
-            <a:r>
-              <a:rPr lang="en" dirty="0" smtClean="0">
-                <a:solidFill>
-                  <a:schemeClr val="dk1"/>
-                </a:solidFill>
-                <a:highlight>
-                  <a:srgbClr val="FFFFFF"/>
-                </a:highlight>
-                <a:latin typeface="Comic Sans MS" panose="030F0702030302020204" pitchFamily="66" charset="0"/>
-                <a:ea typeface="Roboto"/>
-                <a:cs typeface="Roboto"/>
-                <a:sym typeface="Roboto"/>
-              </a:rPr>
-              <a:t>8 </a:t>
-            </a:r>
-            <a:r>
-              <a:rPr lang="en" dirty="0">
-                <a:solidFill>
-                  <a:schemeClr val="dk1"/>
-                </a:solidFill>
-                <a:highlight>
-                  <a:srgbClr val="FFFFFF"/>
-                </a:highlight>
-                <a:latin typeface="Comic Sans MS" panose="030F0702030302020204" pitchFamily="66" charset="0"/>
-                <a:ea typeface="Roboto"/>
-                <a:cs typeface="Roboto"/>
-                <a:sym typeface="Roboto"/>
-              </a:rPr>
-              <a:t>balls of same color</a:t>
-            </a:r>
-            <a:r>
-              <a:rPr lang="en" dirty="0" smtClean="0">
-                <a:solidFill>
-                  <a:schemeClr val="dk1"/>
-                </a:solidFill>
-                <a:highlight>
-                  <a:srgbClr val="FFFFFF"/>
-                </a:highlight>
-                <a:latin typeface="Comic Sans MS" panose="030F0702030302020204" pitchFamily="66" charset="0"/>
-                <a:ea typeface="Roboto"/>
-                <a:cs typeface="Roboto"/>
-                <a:sym typeface="Roboto"/>
-              </a:rPr>
-              <a:t>?</a:t>
-            </a:r>
-            <a:endParaRPr dirty="0">
-              <a:latin typeface="Comic Sans MS" panose="030F0702030302020204" pitchFamily="66" charset="0"/>
-            </a:endParaRPr>
-          </a:p>
-        </p:txBody>
-      </p:sp>
-    </p:spTree>
-  </p:cSld>
-  <p:clrMapOvr>
-    <a:masterClrMapping/>
-  </p:clrMapOvr>
-  <p:timing>
-    <p:tnLst>
-      <p:par>
-        <p:cTn id="1" dur="indefinite" restart="never" nodeType="tmRoot"/>
-      </p:par>
-    </p:tnLst>
-  </p:timing>
-</p:sld>
-</file>
-
-<file path=ppt/slides/slide25.xml><?xml version="1.0" encoding="utf-8"?>
-<p:sld xmlns:a="http://schemas.openxmlformats.org/drawingml/2006/main" xmlns:r="http://schemas.openxmlformats.org/officeDocument/2006/relationships" xmlns:p="http://schemas.openxmlformats.org/presentationml/2006/main">
-  <p:cSld>
-    <p:spTree>
-      <p:nvGrpSpPr>
-        <p:cNvPr id="1" name="Shape 125"/>
-        <p:cNvGrpSpPr/>
-        <p:nvPr/>
-      </p:nvGrpSpPr>
-      <p:grpSpPr>
-        <a:xfrm>
-          <a:off x="0" y="0"/>
-          <a:ext cx="0" cy="0"/>
-          <a:chOff x="0" y="0"/>
-          <a:chExt cx="0" cy="0"/>
-        </a:xfrm>
-      </p:grpSpPr>
-      <p:sp>
-        <p:nvSpPr>
-          <p:cNvPr id="126" name="Google Shape;126;p25"/>
-          <p:cNvSpPr txBox="1">
-            <a:spLocks noGrp="1"/>
-          </p:cNvSpPr>
-          <p:nvPr>
-            <p:ph type="title"/>
-          </p:nvPr>
-        </p:nvSpPr>
-        <p:spPr>
-          <a:xfrm>
-            <a:off x="311700" y="445025"/>
-            <a:ext cx="8520600" cy="572700"/>
-          </a:xfrm>
-          <a:prstGeom prst="rect">
-            <a:avLst/>
-          </a:prstGeom>
-        </p:spPr>
-        <p:txBody>
-          <a:bodyPr spcFirstLastPara="1" wrap="square" lIns="91425" tIns="91425" rIns="91425" bIns="91425" anchor="t" anchorCtr="0">
-            <a:noAutofit/>
-          </a:bodyPr>
-          <a:lstStyle/>
-          <a:p>
-            <a:pPr marL="0" lvl="0" indent="0" algn="l" rtl="0">
-              <a:spcBef>
-                <a:spcPts val="0"/>
-              </a:spcBef>
-              <a:spcAft>
-                <a:spcPts val="0"/>
-              </a:spcAft>
               <a:buNone/>
             </a:pPr>
             <a:r>
@@ -12445,22 +11869,7 @@
                 <a:cs typeface="Roboto"/>
                 <a:sym typeface="Roboto"/>
               </a:rPr>
-              <a:t>f(0</a:t>
-            </a:r>
-            <a:r>
-              <a:rPr lang="en" dirty="0" smtClean="0">
-                <a:solidFill>
-                  <a:schemeClr val="dk1"/>
-                </a:solidFill>
-                <a:highlight>
-                  <a:srgbClr val="FFFFFF"/>
-                </a:highlight>
-                <a:latin typeface="Comic Sans MS" panose="030F0702030302020204" pitchFamily="66" charset="0"/>
-                <a:ea typeface="Roboto"/>
-                <a:cs typeface="Roboto"/>
-                <a:sym typeface="Roboto"/>
-              </a:rPr>
-              <a:t>) = 1</a:t>
+              <a:t>f(0) = 1</a:t>
             </a:r>
           </a:p>
           <a:p>
@@ -12592,21 +12001,7 @@
                 <a:ea typeface="Roboto"/>
                 <a:sym typeface="Roboto"/>
               </a:rPr>
-              <a:t>(5</a:t>
-            </a:r>
-            <a:r>
-              <a:rPr lang="en" dirty="0" smtClean="0">
-                <a:solidFill>
-                  <a:schemeClr val="dk1"/>
-                </a:solidFill>
-                <a:highlight>
-                  <a:srgbClr val="FFFFFF"/>
-                </a:highlight>
-                <a:latin typeface="Comic Sans MS" panose="030F0702030302020204" pitchFamily="66" charset="0"/>
-                <a:ea typeface="Roboto"/>
-                <a:sym typeface="Roboto"/>
-              </a:rPr>
-              <a:t>) = ?</a:t>
+              <a:t>(5) = ?</a:t>
             </a:r>
             <a:endParaRPr dirty="0">
               <a:latin typeface="Comic Sans MS" panose="030F0702030302020204" pitchFamily="66" charset="0"/>
@@ -14042,7 +13437,7 @@
 </p:sld>
 </file>
 
-<file path=ppt/slides/slide26.xml><?xml version="1.0" encoding="utf-8"?>
+<file path=ppt/slides/slide25.xml><?xml version="1.0" encoding="utf-8"?>
 <p:sld xmlns:a="http://schemas.openxmlformats.org/drawingml/2006/main" xmlns:r="http://schemas.openxmlformats.org/officeDocument/2006/relationships" xmlns:p="http://schemas.openxmlformats.org/presentationml/2006/main">
   <p:cSld>
     <p:spTree>
@@ -14649,12 +14044,12 @@
               <a:buNone/>
             </a:pPr>
             <a:r>
-              <a:rPr lang="en">
+              <a:rPr lang="en" dirty="0">
                 <a:latin typeface="Comic Sans MS" panose="030F0702030302020204" pitchFamily="66" charset="0"/>
               </a:rPr>
               <a:t>Problem 1.1</a:t>
             </a:r>
-            <a:endParaRPr>
+            <a:endParaRPr dirty="0">
               <a:latin typeface="Comic Sans MS" panose="030F0702030302020204" pitchFamily="66" charset="0"/>
             </a:endParaRPr>
           </a:p>
@@ -14700,13 +14095,201 @@
               <a:buNone/>
             </a:pPr>
             <a:r>
+              <a:rPr lang="en-US" dirty="0" smtClean="0">
+                <a:solidFill>
+                  <a:schemeClr val="tx1"/>
+                </a:solidFill>
+                <a:latin typeface="Comic Sans MS" panose="030F0702030302020204" pitchFamily="66" charset="0"/>
+              </a:rPr>
+              <a:t>How many 3-bit strings? Or </a:t>
+            </a:r>
+          </a:p>
+          <a:p>
+            <a:pPr marL="0" lvl="0" indent="0" algn="l" rtl="0">
+              <a:spcBef>
+                <a:spcPts val="0"/>
+              </a:spcBef>
+              <a:spcAft>
+                <a:spcPts val="0"/>
+              </a:spcAft>
+              <a:buClr>
+                <a:schemeClr val="dk1"/>
+              </a:buClr>
+              <a:buSzPts val="1100"/>
+              <a:buFont typeface="Arial"/>
+              <a:buNone/>
+            </a:pPr>
+            <a:r>
+              <a:rPr lang="en-US" dirty="0" smtClean="0">
+                <a:solidFill>
+                  <a:schemeClr val="tx1"/>
+                </a:solidFill>
+                <a:latin typeface="Comic Sans MS" panose="030F0702030302020204" pitchFamily="66" charset="0"/>
+              </a:rPr>
+              <a:t>How many sequences of three bits from {0, 1}?</a:t>
+            </a:r>
+            <a:endParaRPr dirty="0">
+              <a:solidFill>
+                <a:schemeClr val="tx1"/>
+              </a:solidFill>
+              <a:latin typeface="Comic Sans MS" panose="030F0702030302020204" pitchFamily="66" charset="0"/>
+            </a:endParaRPr>
+          </a:p>
+          <a:p>
+            <a:pPr marL="0" lvl="0" indent="0" algn="l" rtl="0">
+              <a:spcBef>
+                <a:spcPts val="1600"/>
+              </a:spcBef>
+              <a:spcAft>
+                <a:spcPts val="1600"/>
+              </a:spcAft>
+              <a:buNone/>
+            </a:pPr>
+            <a:endParaRPr dirty="0">
+              <a:solidFill>
+                <a:schemeClr val="tx1"/>
+              </a:solidFill>
+              <a:latin typeface="Comic Sans MS" panose="030F0702030302020204" pitchFamily="66" charset="0"/>
+            </a:endParaRPr>
+          </a:p>
+        </p:txBody>
+      </p:sp>
+    </p:spTree>
+    <p:extLst>
+      <p:ext uri="{BB962C8B-B14F-4D97-AF65-F5344CB8AC3E}">
+        <p14:creationId xmlns:p14="http://schemas.microsoft.com/office/powerpoint/2010/main" val="2278579061"/>
+      </p:ext>
+    </p:extLst>
+  </p:cSld>
+  <p:clrMapOvr>
+    <a:masterClrMapping/>
+  </p:clrMapOvr>
+  <p:timing>
+    <p:tnLst>
+      <p:par>
+        <p:cTn id="1" dur="indefinite" restart="never" nodeType="tmRoot"/>
+      </p:par>
+    </p:tnLst>
+  </p:timing>
+</p:sld>
+</file>
+
+<file path=ppt/slides/slide4.xml><?xml version="1.0" encoding="utf-8"?>
+<p:sld xmlns:a="http://schemas.openxmlformats.org/drawingml/2006/main" xmlns:r="http://schemas.openxmlformats.org/officeDocument/2006/relationships" xmlns:p="http://schemas.openxmlformats.org/presentationml/2006/main">
+  <p:cSld>
+    <p:spTree>
+      <p:nvGrpSpPr>
+        <p:cNvPr id="1" name="Shape 59"/>
+        <p:cNvGrpSpPr/>
+        <p:nvPr/>
+      </p:nvGrpSpPr>
+      <p:grpSpPr>
+        <a:xfrm>
+          <a:off x="0" y="0"/>
+          <a:ext cx="0" cy="0"/>
+          <a:chOff x="0" y="0"/>
+          <a:chExt cx="0" cy="0"/>
+        </a:xfrm>
+      </p:grpSpPr>
+      <p:sp>
+        <p:nvSpPr>
+          <p:cNvPr id="60" name="Google Shape;60;p14"/>
+          <p:cNvSpPr txBox="1">
+            <a:spLocks noGrp="1"/>
+          </p:cNvSpPr>
+          <p:nvPr>
+            <p:ph type="title"/>
+          </p:nvPr>
+        </p:nvSpPr>
+        <p:spPr>
+          <a:xfrm>
+            <a:off x="311700" y="445025"/>
+            <a:ext cx="8520600" cy="572700"/>
+          </a:xfrm>
+          <a:prstGeom prst="rect">
+            <a:avLst/>
+          </a:prstGeom>
+        </p:spPr>
+        <p:txBody>
+          <a:bodyPr spcFirstLastPara="1" wrap="square" lIns="91425" tIns="91425" rIns="91425" bIns="91425" anchor="t" anchorCtr="0">
+            <a:noAutofit/>
+          </a:bodyPr>
+          <a:lstStyle/>
+          <a:p>
+            <a:pPr marL="0" lvl="0" indent="0" algn="l" rtl="0">
+              <a:spcBef>
+                <a:spcPts val="0"/>
+              </a:spcBef>
+              <a:spcAft>
+                <a:spcPts val="0"/>
+              </a:spcAft>
+              <a:buNone/>
+            </a:pPr>
+            <a:r>
               <a:rPr lang="en" dirty="0">
+                <a:latin typeface="Comic Sans MS" panose="030F0702030302020204" pitchFamily="66" charset="0"/>
+              </a:rPr>
+              <a:t>Problem </a:t>
+            </a:r>
+            <a:r>
+              <a:rPr lang="en" dirty="0" smtClean="0">
+                <a:latin typeface="Comic Sans MS" panose="030F0702030302020204" pitchFamily="66" charset="0"/>
+              </a:rPr>
+              <a:t>1.2</a:t>
+            </a:r>
+            <a:endParaRPr dirty="0">
+              <a:latin typeface="Comic Sans MS" panose="030F0702030302020204" pitchFamily="66" charset="0"/>
+            </a:endParaRPr>
+          </a:p>
+        </p:txBody>
+      </p:sp>
+      <p:sp>
+        <p:nvSpPr>
+          <p:cNvPr id="61" name="Google Shape;61;p14"/>
+          <p:cNvSpPr txBox="1">
+            <a:spLocks noGrp="1"/>
+          </p:cNvSpPr>
+          <p:nvPr>
+            <p:ph type="body" idx="1"/>
+          </p:nvPr>
+        </p:nvSpPr>
+        <p:spPr>
+          <a:xfrm>
+            <a:off x="311700" y="1152475"/>
+            <a:ext cx="8520600" cy="471374"/>
+          </a:xfrm>
+          <a:prstGeom prst="rect">
+            <a:avLst/>
+          </a:prstGeom>
+        </p:spPr>
+        <p:txBody>
+          <a:bodyPr spcFirstLastPara="1" wrap="square" lIns="91425" tIns="91425" rIns="91425" bIns="91425" anchor="t" anchorCtr="0">
+            <a:noAutofit/>
+          </a:bodyPr>
+          <a:lstStyle/>
+          <a:p>
+            <a:pPr marL="0" lvl="0" indent="0" algn="l" rtl="0">
+              <a:spcBef>
+                <a:spcPts val="0"/>
+              </a:spcBef>
+              <a:spcAft>
+                <a:spcPts val="0"/>
+              </a:spcAft>
+              <a:buClr>
+                <a:schemeClr val="dk1"/>
+              </a:buClr>
+              <a:buSzPts val="1100"/>
+              <a:buFont typeface="Arial"/>
+              <a:buNone/>
+            </a:pPr>
+            <a:r>
+              <a:rPr lang="en-US" dirty="0" smtClean="0">
                 <a:solidFill>
                   <a:schemeClr val="tx1"/>
                 </a:solidFill>
                 <a:latin typeface="Comic Sans MS" panose="030F0702030302020204" pitchFamily="66" charset="0"/>
               </a:rPr>
-              <a:t>A new company with just two employees, Sanchez and Patel, rents a floor of a building with 12 offices. How many ways are there to assign different offices to these two employees?</a:t>
+              <a:t>How many outcomes possible for k coin tosses?</a:t>
             </a:r>
             <a:endParaRPr dirty="0">
               <a:solidFill>
@@ -14754,12 +14337,12 @@
 </p:sld>
 </file>
 
-<file path=ppt/slides/slide4.xml><?xml version="1.0" encoding="utf-8"?>
+<file path=ppt/slides/slide5.xml><?xml version="1.0" encoding="utf-8"?>
 <p:sld xmlns:a="http://schemas.openxmlformats.org/drawingml/2006/main" xmlns:r="http://schemas.openxmlformats.org/officeDocument/2006/relationships" xmlns:p="http://schemas.openxmlformats.org/presentationml/2006/main">
   <p:cSld>
     <p:spTree>
       <p:nvGrpSpPr>
-        <p:cNvPr id="1" name="Shape 65"/>
+        <p:cNvPr id="1" name="Shape 59"/>
         <p:cNvGrpSpPr/>
         <p:nvPr/>
       </p:nvGrpSpPr>
@@ -14773,7 +14356,7 @@
       </p:grpSpPr>
       <p:sp>
         <p:nvSpPr>
-          <p:cNvPr id="66" name="Google Shape;66;p15"/>
+          <p:cNvPr id="60" name="Google Shape;60;p14"/>
           <p:cNvSpPr txBox="1">
             <a:spLocks noGrp="1"/>
           </p:cNvSpPr>
@@ -14803,33 +14386,20 @@
               <a:spcAft>
                 <a:spcPts val="0"/>
               </a:spcAft>
-              <a:buClr>
-                <a:schemeClr val="dk1"/>
-              </a:buClr>
-              <a:buSzPts val="1100"/>
-              <a:buFont typeface="Arial"/>
               <a:buNone/>
             </a:pPr>
             <a:r>
               <a:rPr lang="en" dirty="0">
                 <a:latin typeface="Comic Sans MS" panose="030F0702030302020204" pitchFamily="66" charset="0"/>
               </a:rPr>
-              <a:t>Problem 1.2</a:t>
-            </a:r>
-            <a:endParaRPr dirty="0">
-              <a:latin typeface="Comic Sans MS" panose="030F0702030302020204" pitchFamily="66" charset="0"/>
-            </a:endParaRPr>
-          </a:p>
-          <a:p>
-            <a:pPr marL="0" lvl="0" indent="0" algn="l" rtl="0">
-              <a:spcBef>
-                <a:spcPts val="0"/>
-              </a:spcBef>
-              <a:spcAft>
-                <a:spcPts val="0"/>
-              </a:spcAft>
-              <a:buNone/>
-            </a:pPr>
+              <a:t>Problem </a:t>
+            </a:r>
+            <a:r>
+              <a:rPr lang="en" dirty="0" smtClean="0">
+                <a:latin typeface="Comic Sans MS" panose="030F0702030302020204" pitchFamily="66" charset="0"/>
+              </a:rPr>
+              <a:t>1.3</a:t>
+            </a:r>
             <a:endParaRPr dirty="0">
               <a:latin typeface="Comic Sans MS" panose="030F0702030302020204" pitchFamily="66" charset="0"/>
             </a:endParaRPr>
@@ -14838,7 +14408,7 @@
       </p:sp>
       <p:sp>
         <p:nvSpPr>
-          <p:cNvPr id="67" name="Google Shape;67;p15"/>
+          <p:cNvPr id="61" name="Google Shape;61;p14"/>
           <p:cNvSpPr txBox="1">
             <a:spLocks noGrp="1"/>
           </p:cNvSpPr>
@@ -14849,7 +14419,7 @@
         <p:spPr>
           <a:xfrm>
             <a:off x="311700" y="1152475"/>
-            <a:ext cx="8520600" cy="1128388"/>
+            <a:ext cx="8520600" cy="471374"/>
           </a:xfrm>
           <a:prstGeom prst="rect">
             <a:avLst/>
@@ -14876,22 +14446,13 @@
               <a:buNone/>
             </a:pPr>
             <a:r>
-              <a:rPr lang="en" dirty="0">
+              <a:rPr lang="en-US" dirty="0" smtClean="0">
                 <a:solidFill>
                   <a:schemeClr val="tx1"/>
                 </a:solidFill>
                 <a:latin typeface="Comic Sans MS" panose="030F0702030302020204" pitchFamily="66" charset="0"/>
               </a:rPr>
-              <a:t>The chairs of an auditorium are to be labeled with an uppercase English letter followed by a positive integer not exceeding 100. What is the largest number of chairs that can be labeled differently</a:t>
-            </a:r>
-            <a:r>
-              <a:rPr lang="en" dirty="0" smtClean="0">
-                <a:solidFill>
-                  <a:schemeClr val="tx1"/>
-                </a:solidFill>
-                <a:latin typeface="Comic Sans MS" panose="030F0702030302020204" pitchFamily="66" charset="0"/>
-              </a:rPr>
-              <a:t>?</a:t>
+              <a:t>How many k digit numbers?</a:t>
             </a:r>
             <a:endParaRPr dirty="0">
               <a:solidFill>
@@ -14900,166 +14461,16 @@
               <a:latin typeface="Comic Sans MS" panose="030F0702030302020204" pitchFamily="66" charset="0"/>
             </a:endParaRPr>
           </a:p>
-        </p:txBody>
-      </p:sp>
-    </p:spTree>
-  </p:cSld>
-  <p:clrMapOvr>
-    <a:masterClrMapping/>
-  </p:clrMapOvr>
-  <p:timing>
-    <p:tnLst>
-      <p:par>
-        <p:cTn id="1" dur="indefinite" restart="never" nodeType="tmRoot"/>
-      </p:par>
-    </p:tnLst>
-  </p:timing>
-</p:sld>
-</file>
-
-<file path=ppt/slides/slide5.xml><?xml version="1.0" encoding="utf-8"?>
-<p:sld xmlns:a="http://schemas.openxmlformats.org/drawingml/2006/main" xmlns:r="http://schemas.openxmlformats.org/officeDocument/2006/relationships" xmlns:p="http://schemas.openxmlformats.org/presentationml/2006/main">
-  <p:cSld>
-    <p:spTree>
-      <p:nvGrpSpPr>
-        <p:cNvPr id="1" name="Shape 65"/>
-        <p:cNvGrpSpPr/>
-        <p:nvPr/>
-      </p:nvGrpSpPr>
-      <p:grpSpPr>
-        <a:xfrm>
-          <a:off x="0" y="0"/>
-          <a:ext cx="0" cy="0"/>
-          <a:chOff x="0" y="0"/>
-          <a:chExt cx="0" cy="0"/>
-        </a:xfrm>
-      </p:grpSpPr>
-      <p:sp>
-        <p:nvSpPr>
-          <p:cNvPr id="66" name="Google Shape;66;p15"/>
-          <p:cNvSpPr txBox="1">
-            <a:spLocks noGrp="1"/>
-          </p:cNvSpPr>
-          <p:nvPr>
-            <p:ph type="title"/>
-          </p:nvPr>
-        </p:nvSpPr>
-        <p:spPr>
-          <a:xfrm>
-            <a:off x="311700" y="445025"/>
-            <a:ext cx="8520600" cy="572700"/>
-          </a:xfrm>
-          <a:prstGeom prst="rect">
-            <a:avLst/>
-          </a:prstGeom>
-        </p:spPr>
-        <p:txBody>
-          <a:bodyPr spcFirstLastPara="1" wrap="square" lIns="91425" tIns="91425" rIns="91425" bIns="91425" anchor="t" anchorCtr="0">
-            <a:noAutofit/>
-          </a:bodyPr>
-          <a:lstStyle/>
           <a:p>
             <a:pPr marL="0" lvl="0" indent="0" algn="l" rtl="0">
               <a:spcBef>
-                <a:spcPts val="0"/>
-              </a:spcBef>
-              <a:spcAft>
-                <a:spcPts val="0"/>
-              </a:spcAft>
-              <a:buClr>
-                <a:schemeClr val="dk1"/>
-              </a:buClr>
-              <a:buSzPts val="1100"/>
-              <a:buFont typeface="Arial"/>
+                <a:spcPts val="1600"/>
+              </a:spcBef>
+              <a:spcAft>
+                <a:spcPts val="1600"/>
+              </a:spcAft>
               <a:buNone/>
             </a:pPr>
-            <a:r>
-              <a:rPr lang="en" dirty="0">
-                <a:latin typeface="Comic Sans MS" panose="030F0702030302020204" pitchFamily="66" charset="0"/>
-              </a:rPr>
-              <a:t>Problem </a:t>
-            </a:r>
-            <a:r>
-              <a:rPr lang="en" dirty="0" smtClean="0">
-                <a:latin typeface="Comic Sans MS" panose="030F0702030302020204" pitchFamily="66" charset="0"/>
-              </a:rPr>
-              <a:t>1.3</a:t>
-            </a:r>
-            <a:endParaRPr dirty="0">
-              <a:latin typeface="Comic Sans MS" panose="030F0702030302020204" pitchFamily="66" charset="0"/>
-            </a:endParaRPr>
-          </a:p>
-          <a:p>
-            <a:pPr marL="0" lvl="0" indent="0" algn="l" rtl="0">
-              <a:spcBef>
-                <a:spcPts val="0"/>
-              </a:spcBef>
-              <a:spcAft>
-                <a:spcPts val="0"/>
-              </a:spcAft>
-              <a:buNone/>
-            </a:pPr>
-            <a:endParaRPr dirty="0">
-              <a:latin typeface="Comic Sans MS" panose="030F0702030302020204" pitchFamily="66" charset="0"/>
-            </a:endParaRPr>
-          </a:p>
-        </p:txBody>
-      </p:sp>
-      <p:sp>
-        <p:nvSpPr>
-          <p:cNvPr id="67" name="Google Shape;67;p15"/>
-          <p:cNvSpPr txBox="1">
-            <a:spLocks noGrp="1"/>
-          </p:cNvSpPr>
-          <p:nvPr>
-            <p:ph type="body" idx="1"/>
-          </p:nvPr>
-        </p:nvSpPr>
-        <p:spPr>
-          <a:xfrm>
-            <a:off x="311700" y="1152475"/>
-            <a:ext cx="8520600" cy="1128388"/>
-          </a:xfrm>
-          <a:prstGeom prst="rect">
-            <a:avLst/>
-          </a:prstGeom>
-        </p:spPr>
-        <p:txBody>
-          <a:bodyPr spcFirstLastPara="1" wrap="square" lIns="91425" tIns="91425" rIns="91425" bIns="91425" anchor="t" anchorCtr="0">
-            <a:noAutofit/>
-          </a:bodyPr>
-          <a:lstStyle/>
-          <a:p>
-            <a:pPr marL="114300" indent="0">
-              <a:buNone/>
-            </a:pPr>
-            <a:r>
-              <a:rPr lang="en-US" dirty="0">
-                <a:solidFill>
-                  <a:schemeClr val="tx1"/>
-                </a:solidFill>
-                <a:latin typeface="Comic Sans MS" panose="030F0702030302020204" pitchFamily="66" charset="0"/>
-              </a:rPr>
-              <a:t>There are 32 microcomputers in a computer center. Each microcomputer has 24 ports. </a:t>
-            </a:r>
-            <a:r>
-              <a:rPr lang="en-US" dirty="0" smtClean="0">
-                <a:solidFill>
-                  <a:schemeClr val="tx1"/>
-                </a:solidFill>
-                <a:latin typeface="Comic Sans MS" panose="030F0702030302020204" pitchFamily="66" charset="0"/>
-              </a:rPr>
-              <a:t>How many </a:t>
-            </a:r>
-            <a:r>
-              <a:rPr lang="en-US" dirty="0">
-                <a:solidFill>
-                  <a:schemeClr val="tx1"/>
-                </a:solidFill>
-                <a:latin typeface="Comic Sans MS" panose="030F0702030302020204" pitchFamily="66" charset="0"/>
-              </a:rPr>
-              <a:t>different ports to a microcomputer in the center are there?</a:t>
-            </a:r>
             <a:endParaRPr dirty="0">
               <a:solidFill>
                 <a:schemeClr val="tx1"/>
@@ -15072,7 +14483,7 @@
     </p:spTree>
     <p:extLst>
       <p:ext uri="{BB962C8B-B14F-4D97-AF65-F5344CB8AC3E}">
-        <p14:creationId xmlns:p14="http://schemas.microsoft.com/office/powerpoint/2010/main" val="2544647665"/>
+        <p14:creationId xmlns:p14="http://schemas.microsoft.com/office/powerpoint/2010/main" val="3696039275"/>
       </p:ext>
     </p:extLst>
   </p:cSld>
@@ -15141,10 +14552,16 @@
               <a:buNone/>
             </a:pPr>
             <a:r>
+              <a:rPr lang="en" dirty="0">
+                <a:latin typeface="Comic Sans MS" panose="030F0702030302020204" pitchFamily="66" charset="0"/>
+              </a:rPr>
+              <a:t>Problem </a:t>
+            </a:r>
+            <a:r>
               <a:rPr lang="en" dirty="0" smtClean="0">
                 <a:latin typeface="Comic Sans MS" panose="030F0702030302020204" pitchFamily="66" charset="0"/>
               </a:rPr>
-              <a:t>The Product Rule: Extended</a:t>
+              <a:t>1.4</a:t>
             </a:r>
             <a:endParaRPr dirty="0">
               <a:latin typeface="Comic Sans MS" panose="030F0702030302020204" pitchFamily="66" charset="0"/>
@@ -15164,8 +14581,8 @@
         </p:nvSpPr>
         <p:spPr>
           <a:xfrm>
-            <a:off x="311700" y="1152474"/>
-            <a:ext cx="8520600" cy="2546690"/>
+            <a:off x="311700" y="1152475"/>
+            <a:ext cx="8520600" cy="471374"/>
           </a:xfrm>
           <a:prstGeom prst="rect">
             <a:avLst/>
@@ -15177,394 +14594,46 @@
           </a:bodyPr>
           <a:lstStyle/>
           <a:p>
-            <a:pPr marL="114300" indent="0">
+            <a:pPr marL="0" lvl="0" indent="0" algn="l" rtl="0">
+              <a:spcBef>
+                <a:spcPts val="0"/>
+              </a:spcBef>
+              <a:spcAft>
+                <a:spcPts val="0"/>
+              </a:spcAft>
+              <a:buClr>
+                <a:schemeClr val="dk1"/>
+              </a:buClr>
+              <a:buSzPts val="1100"/>
+              <a:buFont typeface="Arial"/>
               <a:buNone/>
             </a:pPr>
             <a:r>
-              <a:rPr lang="en-US" dirty="0">
+              <a:rPr lang="en-US" dirty="0" smtClean="0">
                 <a:solidFill>
                   <a:schemeClr val="tx1"/>
                 </a:solidFill>
                 <a:latin typeface="Comic Sans MS" panose="030F0702030302020204" pitchFamily="66" charset="0"/>
               </a:rPr>
-              <a:t>Suppose that a procedure is </a:t>
-            </a:r>
-            <a:r>
-              <a:rPr lang="en-US" dirty="0" smtClean="0">
-                <a:solidFill>
-                  <a:schemeClr val="tx1"/>
-                </a:solidFill>
-                <a:latin typeface="Comic Sans MS" panose="030F0702030302020204" pitchFamily="66" charset="0"/>
-              </a:rPr>
-              <a:t>carried out </a:t>
-            </a:r>
-            <a:r>
-              <a:rPr lang="en-US" dirty="0">
-                <a:solidFill>
-                  <a:schemeClr val="tx1"/>
-                </a:solidFill>
-                <a:latin typeface="Comic Sans MS" panose="030F0702030302020204" pitchFamily="66" charset="0"/>
-              </a:rPr>
-              <a:t>by performing the tasks T</a:t>
-            </a:r>
-            <a:r>
-              <a:rPr lang="en-US" baseline="-25000" dirty="0">
-                <a:solidFill>
-                  <a:schemeClr val="tx1"/>
-                </a:solidFill>
-                <a:latin typeface="Comic Sans MS" panose="030F0702030302020204" pitchFamily="66" charset="0"/>
-              </a:rPr>
-              <a:t>1</a:t>
-            </a:r>
-            <a:r>
-              <a:rPr lang="en-US" dirty="0">
-                <a:solidFill>
-                  <a:schemeClr val="tx1"/>
-                </a:solidFill>
-                <a:latin typeface="Comic Sans MS" panose="030F0702030302020204" pitchFamily="66" charset="0"/>
-              </a:rPr>
-              <a:t>, </a:t>
-            </a:r>
-            <a:r>
-              <a:rPr lang="en-US" dirty="0" smtClean="0">
-                <a:solidFill>
-                  <a:schemeClr val="tx1"/>
-                </a:solidFill>
-                <a:latin typeface="Comic Sans MS" panose="030F0702030302020204" pitchFamily="66" charset="0"/>
-              </a:rPr>
-              <a:t>T</a:t>
-            </a:r>
-            <a:r>
-              <a:rPr lang="en-US" baseline="-25000" dirty="0" smtClean="0">
-                <a:solidFill>
-                  <a:schemeClr val="tx1"/>
-                </a:solidFill>
-                <a:latin typeface="Comic Sans MS" panose="030F0702030302020204" pitchFamily="66" charset="0"/>
-              </a:rPr>
-              <a:t>2</a:t>
-            </a:r>
-            <a:r>
-              <a:rPr lang="en-US" dirty="0" smtClean="0">
-                <a:solidFill>
-                  <a:schemeClr val="tx1"/>
-                </a:solidFill>
-                <a:latin typeface="Comic Sans MS" panose="030F0702030302020204" pitchFamily="66" charset="0"/>
-              </a:rPr>
-              <a:t>, </a:t>
-            </a:r>
-            <a:r>
-              <a:rPr lang="en-US" dirty="0">
-                <a:solidFill>
-                  <a:schemeClr val="tx1"/>
-                </a:solidFill>
-                <a:latin typeface="Comic Sans MS" panose="030F0702030302020204" pitchFamily="66" charset="0"/>
-              </a:rPr>
-              <a:t>. . . , </a:t>
-            </a:r>
-            <a:r>
-              <a:rPr lang="en-US" dirty="0" smtClean="0">
-                <a:solidFill>
-                  <a:schemeClr val="tx1"/>
-                </a:solidFill>
-                <a:latin typeface="Comic Sans MS" panose="030F0702030302020204" pitchFamily="66" charset="0"/>
-              </a:rPr>
-              <a:t>T</a:t>
-            </a:r>
-            <a:r>
-              <a:rPr lang="en-US" baseline="-25000" dirty="0" smtClean="0">
-                <a:solidFill>
-                  <a:schemeClr val="tx1"/>
-                </a:solidFill>
-                <a:latin typeface="Comic Sans MS" panose="030F0702030302020204" pitchFamily="66" charset="0"/>
-              </a:rPr>
-              <a:t>m</a:t>
-            </a:r>
-            <a:r>
-              <a:rPr lang="en-US" dirty="0" smtClean="0">
-                <a:solidFill>
-                  <a:schemeClr val="tx1"/>
-                </a:solidFill>
-                <a:latin typeface="Comic Sans MS" panose="030F0702030302020204" pitchFamily="66" charset="0"/>
-              </a:rPr>
-              <a:t> </a:t>
-            </a:r>
-            <a:r>
-              <a:rPr lang="en-US" dirty="0">
-                <a:solidFill>
-                  <a:schemeClr val="tx1"/>
-                </a:solidFill>
-                <a:latin typeface="Comic Sans MS" panose="030F0702030302020204" pitchFamily="66" charset="0"/>
-              </a:rPr>
-              <a:t>in sequence. </a:t>
-            </a:r>
-            <a:r>
-              <a:rPr lang="en-US" dirty="0" smtClean="0">
-                <a:solidFill>
-                  <a:schemeClr val="tx1"/>
-                </a:solidFill>
-                <a:latin typeface="Comic Sans MS" panose="030F0702030302020204" pitchFamily="66" charset="0"/>
-              </a:rPr>
-              <a:t/>
-            </a:r>
-            <a:br>
-              <a:rPr lang="en-US" dirty="0" smtClean="0">
-                <a:solidFill>
-                  <a:schemeClr val="tx1"/>
-                </a:solidFill>
-                <a:latin typeface="Comic Sans MS" panose="030F0702030302020204" pitchFamily="66" charset="0"/>
-              </a:rPr>
-            </a:br>
-            <a:r>
-              <a:rPr lang="en-US" dirty="0" smtClean="0">
-                <a:solidFill>
-                  <a:schemeClr val="tx1"/>
-                </a:solidFill>
-                <a:latin typeface="Comic Sans MS" panose="030F0702030302020204" pitchFamily="66" charset="0"/>
-              </a:rPr>
-              <a:t>If </a:t>
-            </a:r>
-            <a:r>
-              <a:rPr lang="en-US" dirty="0">
-                <a:solidFill>
-                  <a:schemeClr val="tx1"/>
-                </a:solidFill>
-                <a:latin typeface="Comic Sans MS" panose="030F0702030302020204" pitchFamily="66" charset="0"/>
-              </a:rPr>
-              <a:t>each task </a:t>
-            </a:r>
-            <a:r>
-              <a:rPr lang="en-US" dirty="0" err="1" smtClean="0">
-                <a:solidFill>
-                  <a:schemeClr val="tx1"/>
-                </a:solidFill>
-                <a:latin typeface="Comic Sans MS" panose="030F0702030302020204" pitchFamily="66" charset="0"/>
-              </a:rPr>
-              <a:t>T</a:t>
-            </a:r>
-            <a:r>
-              <a:rPr lang="en-US" baseline="-25000" dirty="0" err="1" smtClean="0">
-                <a:solidFill>
-                  <a:schemeClr val="tx1"/>
-                </a:solidFill>
-                <a:latin typeface="Comic Sans MS" panose="030F0702030302020204" pitchFamily="66" charset="0"/>
-              </a:rPr>
-              <a:t>i</a:t>
-            </a:r>
-            <a:r>
-              <a:rPr lang="en-US" dirty="0" smtClean="0">
-                <a:solidFill>
-                  <a:schemeClr val="tx1"/>
-                </a:solidFill>
-                <a:latin typeface="Comic Sans MS" panose="030F0702030302020204" pitchFamily="66" charset="0"/>
-              </a:rPr>
-              <a:t> </a:t>
-            </a:r>
-            <a:r>
-              <a:rPr lang="en-US" dirty="0">
-                <a:solidFill>
-                  <a:schemeClr val="tx1"/>
-                </a:solidFill>
-                <a:latin typeface="Comic Sans MS" panose="030F0702030302020204" pitchFamily="66" charset="0"/>
-              </a:rPr>
-              <a:t>, i = 1, 2, . . . , n, can </a:t>
-            </a:r>
-            <a:r>
-              <a:rPr lang="en-US" dirty="0" smtClean="0">
-                <a:solidFill>
-                  <a:schemeClr val="tx1"/>
-                </a:solidFill>
-                <a:latin typeface="Comic Sans MS" panose="030F0702030302020204" pitchFamily="66" charset="0"/>
-              </a:rPr>
-              <a:t>be done </a:t>
-            </a:r>
-            <a:r>
-              <a:rPr lang="en-US" dirty="0">
-                <a:solidFill>
-                  <a:schemeClr val="tx1"/>
-                </a:solidFill>
-                <a:latin typeface="Comic Sans MS" panose="030F0702030302020204" pitchFamily="66" charset="0"/>
-              </a:rPr>
-              <a:t>in </a:t>
-            </a:r>
-            <a:r>
-              <a:rPr lang="en-US" dirty="0" err="1" smtClean="0">
-                <a:solidFill>
-                  <a:schemeClr val="tx1"/>
-                </a:solidFill>
-                <a:latin typeface="Comic Sans MS" panose="030F0702030302020204" pitchFamily="66" charset="0"/>
-              </a:rPr>
-              <a:t>n</a:t>
-            </a:r>
-            <a:r>
-              <a:rPr lang="en-US" baseline="-25000" dirty="0" err="1">
-                <a:solidFill>
-                  <a:schemeClr val="tx1"/>
-                </a:solidFill>
-                <a:latin typeface="Comic Sans MS" panose="030F0702030302020204" pitchFamily="66" charset="0"/>
-              </a:rPr>
-              <a:t>i</a:t>
-            </a:r>
-            <a:r>
-              <a:rPr lang="en-US" dirty="0" smtClean="0">
-                <a:solidFill>
-                  <a:schemeClr val="tx1"/>
-                </a:solidFill>
-                <a:latin typeface="Comic Sans MS" panose="030F0702030302020204" pitchFamily="66" charset="0"/>
-              </a:rPr>
-              <a:t> </a:t>
-            </a:r>
-            <a:r>
-              <a:rPr lang="en-US" dirty="0">
-                <a:solidFill>
-                  <a:schemeClr val="tx1"/>
-                </a:solidFill>
-                <a:latin typeface="Comic Sans MS" panose="030F0702030302020204" pitchFamily="66" charset="0"/>
-              </a:rPr>
-              <a:t>ways, regardless of how the previous tasks were done, </a:t>
-            </a:r>
-            <a:r>
-              <a:rPr lang="en-US" dirty="0" smtClean="0">
-                <a:solidFill>
-                  <a:schemeClr val="tx1"/>
-                </a:solidFill>
-                <a:latin typeface="Comic Sans MS" panose="030F0702030302020204" pitchFamily="66" charset="0"/>
-              </a:rPr>
-              <a:t/>
-            </a:r>
-            <a:br>
-              <a:rPr lang="en-US" dirty="0" smtClean="0">
-                <a:solidFill>
-                  <a:schemeClr val="tx1"/>
-                </a:solidFill>
-                <a:latin typeface="Comic Sans MS" panose="030F0702030302020204" pitchFamily="66" charset="0"/>
-              </a:rPr>
-            </a:br>
-            <a:r>
-              <a:rPr lang="en-US" dirty="0" smtClean="0">
-                <a:solidFill>
-                  <a:schemeClr val="tx1"/>
-                </a:solidFill>
-                <a:latin typeface="Comic Sans MS" panose="030F0702030302020204" pitchFamily="66" charset="0"/>
-              </a:rPr>
-              <a:t>then </a:t>
-            </a:r>
-            <a:r>
-              <a:rPr lang="en-US" dirty="0">
-                <a:solidFill>
-                  <a:schemeClr val="tx1"/>
-                </a:solidFill>
-                <a:latin typeface="Comic Sans MS" panose="030F0702030302020204" pitchFamily="66" charset="0"/>
-              </a:rPr>
-              <a:t>there are </a:t>
-            </a:r>
-            <a:r>
-              <a:rPr lang="en-US" dirty="0" smtClean="0">
-                <a:solidFill>
-                  <a:schemeClr val="tx1"/>
-                </a:solidFill>
-                <a:latin typeface="Comic Sans MS" panose="030F0702030302020204" pitchFamily="66" charset="0"/>
-              </a:rPr>
-              <a:t>n</a:t>
-            </a:r>
-            <a:r>
-              <a:rPr lang="en-US" baseline="-25000" dirty="0" smtClean="0">
-                <a:solidFill>
-                  <a:schemeClr val="tx1"/>
-                </a:solidFill>
-                <a:latin typeface="Comic Sans MS" panose="030F0702030302020204" pitchFamily="66" charset="0"/>
-              </a:rPr>
-              <a:t>1</a:t>
-            </a:r>
-            <a:r>
-              <a:rPr lang="en-US" dirty="0" smtClean="0">
-                <a:solidFill>
-                  <a:schemeClr val="tx1"/>
-                </a:solidFill>
-                <a:latin typeface="Comic Sans MS" panose="030F0702030302020204" pitchFamily="66" charset="0"/>
-              </a:rPr>
-              <a:t> </a:t>
-            </a:r>
-            <a:r>
-              <a:rPr lang="en-US" dirty="0">
-                <a:solidFill>
-                  <a:schemeClr val="tx1"/>
-                </a:solidFill>
-                <a:latin typeface="Comic Sans MS" panose="030F0702030302020204" pitchFamily="66" charset="0"/>
-              </a:rPr>
-              <a:t>· </a:t>
-            </a:r>
-            <a:r>
-              <a:rPr lang="en-US" dirty="0" smtClean="0">
-                <a:solidFill>
-                  <a:schemeClr val="tx1"/>
-                </a:solidFill>
-                <a:latin typeface="Comic Sans MS" panose="030F0702030302020204" pitchFamily="66" charset="0"/>
-              </a:rPr>
-              <a:t>n</a:t>
-            </a:r>
-            <a:r>
-              <a:rPr lang="en-US" baseline="-25000" dirty="0" smtClean="0">
-                <a:solidFill>
-                  <a:schemeClr val="tx1"/>
-                </a:solidFill>
-                <a:latin typeface="Comic Sans MS" panose="030F0702030302020204" pitchFamily="66" charset="0"/>
-              </a:rPr>
-              <a:t>2</a:t>
-            </a:r>
-            <a:r>
-              <a:rPr lang="en-US" dirty="0" smtClean="0">
-                <a:solidFill>
-                  <a:schemeClr val="tx1"/>
-                </a:solidFill>
-                <a:latin typeface="Comic Sans MS" panose="030F0702030302020204" pitchFamily="66" charset="0"/>
-              </a:rPr>
-              <a:t> </a:t>
-            </a:r>
-            <a:r>
-              <a:rPr lang="en-US" dirty="0">
-                <a:solidFill>
-                  <a:schemeClr val="tx1"/>
-                </a:solidFill>
-                <a:latin typeface="Comic Sans MS" panose="030F0702030302020204" pitchFamily="66" charset="0"/>
-              </a:rPr>
-              <a:t>· · · · · </a:t>
-            </a:r>
-            <a:r>
-              <a:rPr lang="en-US" dirty="0" smtClean="0">
-                <a:solidFill>
-                  <a:schemeClr val="tx1"/>
-                </a:solidFill>
-                <a:latin typeface="Comic Sans MS" panose="030F0702030302020204" pitchFamily="66" charset="0"/>
-              </a:rPr>
-              <a:t>n</a:t>
-            </a:r>
-            <a:r>
-              <a:rPr lang="en-US" baseline="-25000" dirty="0" smtClean="0">
-                <a:solidFill>
-                  <a:schemeClr val="tx1"/>
-                </a:solidFill>
-                <a:latin typeface="Comic Sans MS" panose="030F0702030302020204" pitchFamily="66" charset="0"/>
-              </a:rPr>
-              <a:t>m </a:t>
-            </a:r>
-            <a:r>
-              <a:rPr lang="en-US" dirty="0" smtClean="0">
-                <a:solidFill>
-                  <a:schemeClr val="tx1"/>
-                </a:solidFill>
-                <a:latin typeface="Comic Sans MS" panose="030F0702030302020204" pitchFamily="66" charset="0"/>
-              </a:rPr>
-              <a:t>ways </a:t>
-            </a:r>
-            <a:r>
-              <a:rPr lang="en-US" dirty="0">
-                <a:solidFill>
-                  <a:schemeClr val="tx1"/>
-                </a:solidFill>
-                <a:latin typeface="Comic Sans MS" panose="030F0702030302020204" pitchFamily="66" charset="0"/>
-              </a:rPr>
-              <a:t>to carry out the procedure</a:t>
-            </a:r>
+              <a:t>How many k digit m-base numbers?</a:t>
+            </a:r>
+            <a:endParaRPr dirty="0">
+              <a:solidFill>
+                <a:schemeClr val="tx1"/>
+              </a:solidFill>
+              <a:latin typeface="Comic Sans MS" panose="030F0702030302020204" pitchFamily="66" charset="0"/>
+            </a:endParaRPr>
+          </a:p>
+          <a:p>
+            <a:pPr marL="0" lvl="0" indent="0" algn="l" rtl="0">
+              <a:spcBef>
+                <a:spcPts val="1600"/>
+              </a:spcBef>
+              <a:spcAft>
+                <a:spcPts val="1600"/>
+              </a:spcAft>
+              <a:buNone/>
+            </a:pPr>
             <a:endParaRPr dirty="0">
               <a:solidFill>
                 <a:schemeClr val="tx1"/>
@@ -15577,7 +14646,7 @@
     </p:spTree>
     <p:extLst>
       <p:ext uri="{BB962C8B-B14F-4D97-AF65-F5344CB8AC3E}">
-        <p14:creationId xmlns:p14="http://schemas.microsoft.com/office/powerpoint/2010/main" val="102010585"/>
+        <p14:creationId xmlns:p14="http://schemas.microsoft.com/office/powerpoint/2010/main" val="3218171266"/>
       </p:ext>
     </p:extLst>
   </p:cSld>
@@ -15599,7 +14668,7 @@
   <p:cSld>
     <p:spTree>
       <p:nvGrpSpPr>
-        <p:cNvPr id="1" name="Shape 71"/>
+        <p:cNvPr id="1" name="Shape 65"/>
         <p:cNvGrpSpPr/>
         <p:nvPr/>
       </p:nvGrpSpPr>
@@ -15613,7 +14682,7 @@
       </p:grpSpPr>
       <p:sp>
         <p:nvSpPr>
-          <p:cNvPr id="72" name="Google Shape;72;p16"/>
+          <p:cNvPr id="66" name="Google Shape;66;p15"/>
           <p:cNvSpPr txBox="1">
             <a:spLocks noGrp="1"/>
           </p:cNvSpPr>
@@ -15654,7 +14723,13 @@
               <a:rPr lang="en" dirty="0">
                 <a:latin typeface="Comic Sans MS" panose="030F0702030302020204" pitchFamily="66" charset="0"/>
               </a:rPr>
-              <a:t>Problem 1.4</a:t>
+              <a:t>Problem </a:t>
+            </a:r>
+            <a:r>
+              <a:rPr lang="en" dirty="0" smtClean="0">
+                <a:latin typeface="Comic Sans MS" panose="030F0702030302020204" pitchFamily="66" charset="0"/>
+              </a:rPr>
+              <a:t>1.5</a:t>
             </a:r>
             <a:endParaRPr dirty="0">
               <a:latin typeface="Comic Sans MS" panose="030F0702030302020204" pitchFamily="66" charset="0"/>
@@ -15678,7 +14753,7 @@
       </p:sp>
       <p:sp>
         <p:nvSpPr>
-          <p:cNvPr id="73" name="Google Shape;73;p16"/>
+          <p:cNvPr id="67" name="Google Shape;67;p15"/>
           <p:cNvSpPr txBox="1">
             <a:spLocks noGrp="1"/>
           </p:cNvSpPr>
@@ -15688,8 +14763,8 @@
         </p:nvSpPr>
         <p:spPr>
           <a:xfrm>
-            <a:off x="311700" y="1152476"/>
-            <a:ext cx="8520600" cy="551634"/>
+            <a:off x="311700" y="1152475"/>
+            <a:ext cx="8520600" cy="1128388"/>
           </a:xfrm>
           <a:prstGeom prst="rect">
             <a:avLst/>
@@ -15701,39 +14776,38 @@
           </a:bodyPr>
           <a:lstStyle/>
           <a:p>
-            <a:pPr marL="0" lvl="0" indent="0">
+            <a:pPr marL="0" lvl="0" indent="0" algn="l" rtl="0">
+              <a:spcBef>
+                <a:spcPts val="0"/>
+              </a:spcBef>
+              <a:spcAft>
+                <a:spcPts val="0"/>
+              </a:spcAft>
               <a:buClr>
                 <a:schemeClr val="dk1"/>
               </a:buClr>
               <a:buSzPts val="1100"/>
+              <a:buFont typeface="Arial"/>
               <a:buNone/>
             </a:pPr>
             <a:r>
-              <a:rPr lang="en-US" dirty="0">
+              <a:rPr lang="en" dirty="0">
                 <a:solidFill>
                   <a:schemeClr val="tx1"/>
                 </a:solidFill>
                 <a:latin typeface="Comic Sans MS" panose="030F0702030302020204" pitchFamily="66" charset="0"/>
               </a:rPr>
-              <a:t>How many different bit strings of length seven are there?</a:t>
-            </a:r>
-            <a:endParaRPr dirty="0">
-              <a:solidFill>
-                <a:schemeClr val="tx1"/>
-              </a:solidFill>
-              <a:latin typeface="Comic Sans MS" panose="030F0702030302020204" pitchFamily="66" charset="0"/>
-            </a:endParaRPr>
-          </a:p>
-          <a:p>
-            <a:pPr marL="0" lvl="0" indent="0" algn="l" rtl="0">
-              <a:spcBef>
-                <a:spcPts val="1600"/>
-              </a:spcBef>
-              <a:spcAft>
-                <a:spcPts val="1600"/>
-              </a:spcAft>
-              <a:buNone/>
-            </a:pPr>
+              <a:t>The chairs of an auditorium are to be labeled with an uppercase English letter followed by a positive integer not exceeding 100. What is the largest number of chairs that can be labeled differently</a:t>
+            </a:r>
+            <a:r>
+              <a:rPr lang="en" dirty="0" smtClean="0">
+                <a:solidFill>
+                  <a:schemeClr val="tx1"/>
+                </a:solidFill>
+                <a:latin typeface="Comic Sans MS" panose="030F0702030302020204" pitchFamily="66" charset="0"/>
+              </a:rPr>
+              <a:t>?</a:t>
+            </a:r>
             <a:endParaRPr dirty="0">
               <a:solidFill>
                 <a:schemeClr val="tx1"/>
@@ -15824,7 +14898,7 @@
               <a:rPr lang="en" dirty="0" smtClean="0">
                 <a:latin typeface="Comic Sans MS" panose="030F0702030302020204" pitchFamily="66" charset="0"/>
               </a:rPr>
-              <a:t>1.5</a:t>
+              <a:t>1.6</a:t>
             </a:r>
             <a:endParaRPr dirty="0">
               <a:latin typeface="Comic Sans MS" panose="030F0702030302020204" pitchFamily="66" charset="0"/>

--- a/cse106/slides/Lecture7.pptx
+++ b/cse106/slides/Lecture7.pptx
@@ -5,7 +5,7 @@
     <p:sldMasterId id="2147483659" r:id="rId1"/>
   </p:sldMasterIdLst>
   <p:notesMasterIdLst>
-    <p:notesMasterId r:id="rId27"/>
+    <p:notesMasterId r:id="rId28"/>
   </p:notesMasterIdLst>
   <p:sldIdLst>
     <p:sldId id="256" r:id="rId2"/>
@@ -21,35 +21,36 @@
     <p:sldId id="261" r:id="rId12"/>
     <p:sldId id="262" r:id="rId13"/>
     <p:sldId id="287" r:id="rId14"/>
-    <p:sldId id="263" r:id="rId15"/>
-    <p:sldId id="288" r:id="rId16"/>
-    <p:sldId id="289" r:id="rId17"/>
-    <p:sldId id="277" r:id="rId18"/>
-    <p:sldId id="278" r:id="rId19"/>
-    <p:sldId id="265" r:id="rId20"/>
-    <p:sldId id="280" r:id="rId21"/>
-    <p:sldId id="266" r:id="rId22"/>
-    <p:sldId id="267" r:id="rId23"/>
-    <p:sldId id="268" r:id="rId24"/>
-    <p:sldId id="281" r:id="rId25"/>
-    <p:sldId id="282" r:id="rId26"/>
+    <p:sldId id="290" r:id="rId15"/>
+    <p:sldId id="291" r:id="rId16"/>
+    <p:sldId id="292" r:id="rId17"/>
+    <p:sldId id="263" r:id="rId18"/>
+    <p:sldId id="288" r:id="rId19"/>
+    <p:sldId id="289" r:id="rId20"/>
+    <p:sldId id="277" r:id="rId21"/>
+    <p:sldId id="278" r:id="rId22"/>
+    <p:sldId id="265" r:id="rId23"/>
+    <p:sldId id="280" r:id="rId24"/>
+    <p:sldId id="266" r:id="rId25"/>
+    <p:sldId id="267" r:id="rId26"/>
+    <p:sldId id="268" r:id="rId27"/>
   </p:sldIdLst>
   <p:sldSz cx="9144000" cy="5143500" type="screen16x9"/>
   <p:notesSz cx="6858000" cy="9144000"/>
   <p:embeddedFontLst>
     <p:embeddedFont>
       <p:font typeface="Roboto" panose="020B0604020202020204" charset="0"/>
-      <p:regular r:id="rId28"/>
-      <p:bold r:id="rId29"/>
-      <p:italic r:id="rId30"/>
-      <p:boldItalic r:id="rId31"/>
+      <p:regular r:id="rId29"/>
+      <p:bold r:id="rId30"/>
+      <p:italic r:id="rId31"/>
+      <p:boldItalic r:id="rId32"/>
     </p:embeddedFont>
     <p:embeddedFont>
       <p:font typeface="Comic Sans MS" panose="030F0702030302020204" pitchFamily="66" charset="0"/>
-      <p:regular r:id="rId32"/>
-      <p:bold r:id="rId33"/>
-      <p:italic r:id="rId34"/>
-      <p:boldItalic r:id="rId35"/>
+      <p:regular r:id="rId33"/>
+      <p:bold r:id="rId34"/>
+      <p:italic r:id="rId35"/>
+      <p:boldItalic r:id="rId36"/>
     </p:embeddedFont>
   </p:embeddedFontLst>
   <p:defaultTextStyle>
@@ -1296,7 +1297,7 @@
   <p:cSld>
     <p:spTree>
       <p:nvGrpSpPr>
-        <p:cNvPr id="1" name="Shape 92"/>
+        <p:cNvPr id="1" name="Shape 80"/>
         <p:cNvGrpSpPr/>
         <p:nvPr/>
       </p:nvGrpSpPr>
@@ -1310,7 +1311,7 @@
       </p:grpSpPr>
       <p:sp>
         <p:nvSpPr>
-          <p:cNvPr id="93" name="Google Shape;93;g6fa31e23a8_0_36:notes"/>
+          <p:cNvPr id="81" name="Google Shape;81;g6fa31e23a8_0_26:notes"/>
           <p:cNvSpPr>
             <a:spLocks noGrp="1" noRot="1" noChangeAspect="1"/>
           </p:cNvSpPr>
@@ -1351,7 +1352,7 @@
       </p:sp>
       <p:sp>
         <p:nvSpPr>
-          <p:cNvPr id="94" name="Google Shape;94;g6fa31e23a8_0_36:notes"/>
+          <p:cNvPr id="82" name="Google Shape;82;g6fa31e23a8_0_26:notes"/>
           <p:cNvSpPr txBox="1">
             <a:spLocks noGrp="1"/>
           </p:cNvSpPr>
@@ -1390,7 +1391,7 @@
     </p:spTree>
     <p:extLst>
       <p:ext uri="{BB962C8B-B14F-4D97-AF65-F5344CB8AC3E}">
-        <p14:creationId xmlns:p14="http://schemas.microsoft.com/office/powerpoint/2010/main" val="711315741"/>
+        <p14:creationId xmlns:p14="http://schemas.microsoft.com/office/powerpoint/2010/main" val="3441985934"/>
       </p:ext>
     </p:extLst>
   </p:cSld>
@@ -1401,6 +1402,224 @@
 </file>
 
 <file path=ppt/notesSlides/notesSlide15.xml><?xml version="1.0" encoding="utf-8"?>
+<p:notes xmlns:a="http://schemas.openxmlformats.org/drawingml/2006/main" xmlns:r="http://schemas.openxmlformats.org/officeDocument/2006/relationships" xmlns:p="http://schemas.openxmlformats.org/presentationml/2006/main" showMasterSp="0" showMasterPhAnim="0">
+  <p:cSld>
+    <p:spTree>
+      <p:nvGrpSpPr>
+        <p:cNvPr id="1" name="Shape 80"/>
+        <p:cNvGrpSpPr/>
+        <p:nvPr/>
+      </p:nvGrpSpPr>
+      <p:grpSpPr>
+        <a:xfrm>
+          <a:off x="0" y="0"/>
+          <a:ext cx="0" cy="0"/>
+          <a:chOff x="0" y="0"/>
+          <a:chExt cx="0" cy="0"/>
+        </a:xfrm>
+      </p:grpSpPr>
+      <p:sp>
+        <p:nvSpPr>
+          <p:cNvPr id="81" name="Google Shape;81;g6fa31e23a8_0_26:notes"/>
+          <p:cNvSpPr>
+            <a:spLocks noGrp="1" noRot="1" noChangeAspect="1"/>
+          </p:cNvSpPr>
+          <p:nvPr>
+            <p:ph type="sldImg" idx="2"/>
+          </p:nvPr>
+        </p:nvSpPr>
+        <p:spPr>
+          <a:xfrm>
+            <a:off x="381000" y="685800"/>
+            <a:ext cx="6096000" cy="3429000"/>
+          </a:xfrm>
+          <a:custGeom>
+            <a:avLst/>
+            <a:gdLst/>
+            <a:ahLst/>
+            <a:cxnLst/>
+            <a:rect l="l" t="t" r="r" b="b"/>
+            <a:pathLst>
+              <a:path w="120000" h="120000" extrusionOk="0">
+                <a:moveTo>
+                  <a:pt x="0" y="0"/>
+                </a:moveTo>
+                <a:lnTo>
+                  <a:pt x="120000" y="0"/>
+                </a:lnTo>
+                <a:lnTo>
+                  <a:pt x="120000" y="120000"/>
+                </a:lnTo>
+                <a:lnTo>
+                  <a:pt x="0" y="120000"/>
+                </a:lnTo>
+                <a:close/>
+              </a:path>
+            </a:pathLst>
+          </a:custGeom>
+        </p:spPr>
+      </p:sp>
+      <p:sp>
+        <p:nvSpPr>
+          <p:cNvPr id="82" name="Google Shape;82;g6fa31e23a8_0_26:notes"/>
+          <p:cNvSpPr txBox="1">
+            <a:spLocks noGrp="1"/>
+          </p:cNvSpPr>
+          <p:nvPr>
+            <p:ph type="body" idx="1"/>
+          </p:nvPr>
+        </p:nvSpPr>
+        <p:spPr>
+          <a:xfrm>
+            <a:off x="685800" y="4343400"/>
+            <a:ext cx="5486400" cy="4114800"/>
+          </a:xfrm>
+          <a:prstGeom prst="rect">
+            <a:avLst/>
+          </a:prstGeom>
+        </p:spPr>
+        <p:txBody>
+          <a:bodyPr spcFirstLastPara="1" wrap="square" lIns="91425" tIns="91425" rIns="91425" bIns="91425" anchor="t" anchorCtr="0">
+            <a:noAutofit/>
+          </a:bodyPr>
+          <a:lstStyle/>
+          <a:p>
+            <a:pPr marL="0" lvl="0" indent="0" algn="l" rtl="0">
+              <a:spcBef>
+                <a:spcPts val="0"/>
+              </a:spcBef>
+              <a:spcAft>
+                <a:spcPts val="0"/>
+              </a:spcAft>
+              <a:buNone/>
+            </a:pPr>
+            <a:endParaRPr/>
+          </a:p>
+        </p:txBody>
+      </p:sp>
+    </p:spTree>
+    <p:extLst>
+      <p:ext uri="{BB962C8B-B14F-4D97-AF65-F5344CB8AC3E}">
+        <p14:creationId xmlns:p14="http://schemas.microsoft.com/office/powerpoint/2010/main" val="852901753"/>
+      </p:ext>
+    </p:extLst>
+  </p:cSld>
+  <p:clrMapOvr>
+    <a:masterClrMapping/>
+  </p:clrMapOvr>
+</p:notes>
+</file>
+
+<file path=ppt/notesSlides/notesSlide16.xml><?xml version="1.0" encoding="utf-8"?>
+<p:notes xmlns:a="http://schemas.openxmlformats.org/drawingml/2006/main" xmlns:r="http://schemas.openxmlformats.org/officeDocument/2006/relationships" xmlns:p="http://schemas.openxmlformats.org/presentationml/2006/main" showMasterSp="0" showMasterPhAnim="0">
+  <p:cSld>
+    <p:spTree>
+      <p:nvGrpSpPr>
+        <p:cNvPr id="1" name="Shape 80"/>
+        <p:cNvGrpSpPr/>
+        <p:nvPr/>
+      </p:nvGrpSpPr>
+      <p:grpSpPr>
+        <a:xfrm>
+          <a:off x="0" y="0"/>
+          <a:ext cx="0" cy="0"/>
+          <a:chOff x="0" y="0"/>
+          <a:chExt cx="0" cy="0"/>
+        </a:xfrm>
+      </p:grpSpPr>
+      <p:sp>
+        <p:nvSpPr>
+          <p:cNvPr id="81" name="Google Shape;81;g6fa31e23a8_0_26:notes"/>
+          <p:cNvSpPr>
+            <a:spLocks noGrp="1" noRot="1" noChangeAspect="1"/>
+          </p:cNvSpPr>
+          <p:nvPr>
+            <p:ph type="sldImg" idx="2"/>
+          </p:nvPr>
+        </p:nvSpPr>
+        <p:spPr>
+          <a:xfrm>
+            <a:off x="381000" y="685800"/>
+            <a:ext cx="6096000" cy="3429000"/>
+          </a:xfrm>
+          <a:custGeom>
+            <a:avLst/>
+            <a:gdLst/>
+            <a:ahLst/>
+            <a:cxnLst/>
+            <a:rect l="l" t="t" r="r" b="b"/>
+            <a:pathLst>
+              <a:path w="120000" h="120000" extrusionOk="0">
+                <a:moveTo>
+                  <a:pt x="0" y="0"/>
+                </a:moveTo>
+                <a:lnTo>
+                  <a:pt x="120000" y="0"/>
+                </a:lnTo>
+                <a:lnTo>
+                  <a:pt x="120000" y="120000"/>
+                </a:lnTo>
+                <a:lnTo>
+                  <a:pt x="0" y="120000"/>
+                </a:lnTo>
+                <a:close/>
+              </a:path>
+            </a:pathLst>
+          </a:custGeom>
+        </p:spPr>
+      </p:sp>
+      <p:sp>
+        <p:nvSpPr>
+          <p:cNvPr id="82" name="Google Shape;82;g6fa31e23a8_0_26:notes"/>
+          <p:cNvSpPr txBox="1">
+            <a:spLocks noGrp="1"/>
+          </p:cNvSpPr>
+          <p:nvPr>
+            <p:ph type="body" idx="1"/>
+          </p:nvPr>
+        </p:nvSpPr>
+        <p:spPr>
+          <a:xfrm>
+            <a:off x="685800" y="4343400"/>
+            <a:ext cx="5486400" cy="4114800"/>
+          </a:xfrm>
+          <a:prstGeom prst="rect">
+            <a:avLst/>
+          </a:prstGeom>
+        </p:spPr>
+        <p:txBody>
+          <a:bodyPr spcFirstLastPara="1" wrap="square" lIns="91425" tIns="91425" rIns="91425" bIns="91425" anchor="t" anchorCtr="0">
+            <a:noAutofit/>
+          </a:bodyPr>
+          <a:lstStyle/>
+          <a:p>
+            <a:pPr marL="0" lvl="0" indent="0" algn="l" rtl="0">
+              <a:spcBef>
+                <a:spcPts val="0"/>
+              </a:spcBef>
+              <a:spcAft>
+                <a:spcPts val="0"/>
+              </a:spcAft>
+              <a:buNone/>
+            </a:pPr>
+            <a:endParaRPr/>
+          </a:p>
+        </p:txBody>
+      </p:sp>
+    </p:spTree>
+    <p:extLst>
+      <p:ext uri="{BB962C8B-B14F-4D97-AF65-F5344CB8AC3E}">
+        <p14:creationId xmlns:p14="http://schemas.microsoft.com/office/powerpoint/2010/main" val="2120440368"/>
+      </p:ext>
+    </p:extLst>
+  </p:cSld>
+  <p:clrMapOvr>
+    <a:masterClrMapping/>
+  </p:clrMapOvr>
+</p:notes>
+</file>
+
+<file path=ppt/notesSlides/notesSlide17.xml><?xml version="1.0" encoding="utf-8"?>
 <p:notes xmlns:a="http://schemas.openxmlformats.org/drawingml/2006/main" xmlns:r="http://schemas.openxmlformats.org/officeDocument/2006/relationships" xmlns:p="http://schemas.openxmlformats.org/presentationml/2006/main" showMasterSp="0" showMasterPhAnim="0">
   <p:cSld>
     <p:spTree>
@@ -1499,7 +1718,7 @@
     </p:spTree>
     <p:extLst>
       <p:ext uri="{BB962C8B-B14F-4D97-AF65-F5344CB8AC3E}">
-        <p14:creationId xmlns:p14="http://schemas.microsoft.com/office/powerpoint/2010/main" val="1279867313"/>
+        <p14:creationId xmlns:p14="http://schemas.microsoft.com/office/powerpoint/2010/main" val="711315741"/>
       </p:ext>
     </p:extLst>
   </p:cSld>
@@ -1509,7 +1728,7 @@
 </p:notes>
 </file>
 
-<file path=ppt/notesSlides/notesSlide16.xml><?xml version="1.0" encoding="utf-8"?>
+<file path=ppt/notesSlides/notesSlide18.xml><?xml version="1.0" encoding="utf-8"?>
 <p:notes xmlns:a="http://schemas.openxmlformats.org/drawingml/2006/main" xmlns:r="http://schemas.openxmlformats.org/officeDocument/2006/relationships" xmlns:p="http://schemas.openxmlformats.org/presentationml/2006/main" showMasterSp="0" showMasterPhAnim="0">
   <p:cSld>
     <p:spTree>
@@ -1608,7 +1827,7 @@
     </p:spTree>
     <p:extLst>
       <p:ext uri="{BB962C8B-B14F-4D97-AF65-F5344CB8AC3E}">
-        <p14:creationId xmlns:p14="http://schemas.microsoft.com/office/powerpoint/2010/main" val="3121085914"/>
+        <p14:creationId xmlns:p14="http://schemas.microsoft.com/office/powerpoint/2010/main" val="1279867313"/>
       </p:ext>
     </p:extLst>
   </p:cSld>
@@ -1618,12 +1837,12 @@
 </p:notes>
 </file>
 
-<file path=ppt/notesSlides/notesSlide17.xml><?xml version="1.0" encoding="utf-8"?>
+<file path=ppt/notesSlides/notesSlide19.xml><?xml version="1.0" encoding="utf-8"?>
 <p:notes xmlns:a="http://schemas.openxmlformats.org/drawingml/2006/main" xmlns:r="http://schemas.openxmlformats.org/officeDocument/2006/relationships" xmlns:p="http://schemas.openxmlformats.org/presentationml/2006/main" showMasterSp="0" showMasterPhAnim="0">
   <p:cSld>
     <p:spTree>
       <p:nvGrpSpPr>
-        <p:cNvPr id="1" name="Shape 98"/>
+        <p:cNvPr id="1" name="Shape 92"/>
         <p:cNvGrpSpPr/>
         <p:nvPr/>
       </p:nvGrpSpPr>
@@ -1637,7 +1856,7 @@
       </p:grpSpPr>
       <p:sp>
         <p:nvSpPr>
-          <p:cNvPr id="99" name="Google Shape;99;g6fa31e23a8_0_41:notes"/>
+          <p:cNvPr id="93" name="Google Shape;93;g6fa31e23a8_0_36:notes"/>
           <p:cNvSpPr>
             <a:spLocks noGrp="1" noRot="1" noChangeAspect="1"/>
           </p:cNvSpPr>
@@ -1678,7 +1897,7 @@
       </p:sp>
       <p:sp>
         <p:nvSpPr>
-          <p:cNvPr id="100" name="Google Shape;100;g6fa31e23a8_0_41:notes"/>
+          <p:cNvPr id="94" name="Google Shape;94;g6fa31e23a8_0_36:notes"/>
           <p:cNvSpPr txBox="1">
             <a:spLocks noGrp="1"/>
           </p:cNvSpPr>
@@ -1717,225 +1936,7 @@
     </p:spTree>
     <p:extLst>
       <p:ext uri="{BB962C8B-B14F-4D97-AF65-F5344CB8AC3E}">
-        <p14:creationId xmlns:p14="http://schemas.microsoft.com/office/powerpoint/2010/main" val="2915340096"/>
-      </p:ext>
-    </p:extLst>
-  </p:cSld>
-  <p:clrMapOvr>
-    <a:masterClrMapping/>
-  </p:clrMapOvr>
-</p:notes>
-</file>
-
-<file path=ppt/notesSlides/notesSlide18.xml><?xml version="1.0" encoding="utf-8"?>
-<p:notes xmlns:a="http://schemas.openxmlformats.org/drawingml/2006/main" xmlns:r="http://schemas.openxmlformats.org/officeDocument/2006/relationships" xmlns:p="http://schemas.openxmlformats.org/presentationml/2006/main" showMasterSp="0" showMasterPhAnim="0">
-  <p:cSld>
-    <p:spTree>
-      <p:nvGrpSpPr>
-        <p:cNvPr id="1" name="Shape 104"/>
-        <p:cNvGrpSpPr/>
-        <p:nvPr/>
-      </p:nvGrpSpPr>
-      <p:grpSpPr>
-        <a:xfrm>
-          <a:off x="0" y="0"/>
-          <a:ext cx="0" cy="0"/>
-          <a:chOff x="0" y="0"/>
-          <a:chExt cx="0" cy="0"/>
-        </a:xfrm>
-      </p:grpSpPr>
-      <p:sp>
-        <p:nvSpPr>
-          <p:cNvPr id="105" name="Google Shape;105;g6fa31e23a8_0_57:notes"/>
-          <p:cNvSpPr>
-            <a:spLocks noGrp="1" noRot="1" noChangeAspect="1"/>
-          </p:cNvSpPr>
-          <p:nvPr>
-            <p:ph type="sldImg" idx="2"/>
-          </p:nvPr>
-        </p:nvSpPr>
-        <p:spPr>
-          <a:xfrm>
-            <a:off x="381000" y="685800"/>
-            <a:ext cx="6096000" cy="3429000"/>
-          </a:xfrm>
-          <a:custGeom>
-            <a:avLst/>
-            <a:gdLst/>
-            <a:ahLst/>
-            <a:cxnLst/>
-            <a:rect l="l" t="t" r="r" b="b"/>
-            <a:pathLst>
-              <a:path w="120000" h="120000" extrusionOk="0">
-                <a:moveTo>
-                  <a:pt x="0" y="0"/>
-                </a:moveTo>
-                <a:lnTo>
-                  <a:pt x="120000" y="0"/>
-                </a:lnTo>
-                <a:lnTo>
-                  <a:pt x="120000" y="120000"/>
-                </a:lnTo>
-                <a:lnTo>
-                  <a:pt x="0" y="120000"/>
-                </a:lnTo>
-                <a:close/>
-              </a:path>
-            </a:pathLst>
-          </a:custGeom>
-        </p:spPr>
-      </p:sp>
-      <p:sp>
-        <p:nvSpPr>
-          <p:cNvPr id="106" name="Google Shape;106;g6fa31e23a8_0_57:notes"/>
-          <p:cNvSpPr txBox="1">
-            <a:spLocks noGrp="1"/>
-          </p:cNvSpPr>
-          <p:nvPr>
-            <p:ph type="body" idx="1"/>
-          </p:nvPr>
-        </p:nvSpPr>
-        <p:spPr>
-          <a:xfrm>
-            <a:off x="685800" y="4343400"/>
-            <a:ext cx="5486400" cy="4114800"/>
-          </a:xfrm>
-          <a:prstGeom prst="rect">
-            <a:avLst/>
-          </a:prstGeom>
-        </p:spPr>
-        <p:txBody>
-          <a:bodyPr spcFirstLastPara="1" wrap="square" lIns="91425" tIns="91425" rIns="91425" bIns="91425" anchor="t" anchorCtr="0">
-            <a:noAutofit/>
-          </a:bodyPr>
-          <a:lstStyle/>
-          <a:p>
-            <a:pPr marL="0" lvl="0" indent="0" algn="l" rtl="0">
-              <a:spcBef>
-                <a:spcPts val="0"/>
-              </a:spcBef>
-              <a:spcAft>
-                <a:spcPts val="0"/>
-              </a:spcAft>
-              <a:buNone/>
-            </a:pPr>
-            <a:endParaRPr/>
-          </a:p>
-        </p:txBody>
-      </p:sp>
-    </p:spTree>
-    <p:extLst>
-      <p:ext uri="{BB962C8B-B14F-4D97-AF65-F5344CB8AC3E}">
-        <p14:creationId xmlns:p14="http://schemas.microsoft.com/office/powerpoint/2010/main" val="1999401343"/>
-      </p:ext>
-    </p:extLst>
-  </p:cSld>
-  <p:clrMapOvr>
-    <a:masterClrMapping/>
-  </p:clrMapOvr>
-</p:notes>
-</file>
-
-<file path=ppt/notesSlides/notesSlide19.xml><?xml version="1.0" encoding="utf-8"?>
-<p:notes xmlns:a="http://schemas.openxmlformats.org/drawingml/2006/main" xmlns:r="http://schemas.openxmlformats.org/officeDocument/2006/relationships" xmlns:p="http://schemas.openxmlformats.org/presentationml/2006/main" showMasterSp="0" showMasterPhAnim="0">
-  <p:cSld>
-    <p:spTree>
-      <p:nvGrpSpPr>
-        <p:cNvPr id="1" name="Shape 110"/>
-        <p:cNvGrpSpPr/>
-        <p:nvPr/>
-      </p:nvGrpSpPr>
-      <p:grpSpPr>
-        <a:xfrm>
-          <a:off x="0" y="0"/>
-          <a:ext cx="0" cy="0"/>
-          <a:chOff x="0" y="0"/>
-          <a:chExt cx="0" cy="0"/>
-        </a:xfrm>
-      </p:grpSpPr>
-      <p:sp>
-        <p:nvSpPr>
-          <p:cNvPr id="111" name="Google Shape;111;g6fa31e23a8_0_74:notes"/>
-          <p:cNvSpPr>
-            <a:spLocks noGrp="1" noRot="1" noChangeAspect="1"/>
-          </p:cNvSpPr>
-          <p:nvPr>
-            <p:ph type="sldImg" idx="2"/>
-          </p:nvPr>
-        </p:nvSpPr>
-        <p:spPr>
-          <a:xfrm>
-            <a:off x="381000" y="685800"/>
-            <a:ext cx="6096000" cy="3429000"/>
-          </a:xfrm>
-          <a:custGeom>
-            <a:avLst/>
-            <a:gdLst/>
-            <a:ahLst/>
-            <a:cxnLst/>
-            <a:rect l="l" t="t" r="r" b="b"/>
-            <a:pathLst>
-              <a:path w="120000" h="120000" extrusionOk="0">
-                <a:moveTo>
-                  <a:pt x="0" y="0"/>
-                </a:moveTo>
-                <a:lnTo>
-                  <a:pt x="120000" y="0"/>
-                </a:lnTo>
-                <a:lnTo>
-                  <a:pt x="120000" y="120000"/>
-                </a:lnTo>
-                <a:lnTo>
-                  <a:pt x="0" y="120000"/>
-                </a:lnTo>
-                <a:close/>
-              </a:path>
-            </a:pathLst>
-          </a:custGeom>
-        </p:spPr>
-      </p:sp>
-      <p:sp>
-        <p:nvSpPr>
-          <p:cNvPr id="112" name="Google Shape;112;g6fa31e23a8_0_74:notes"/>
-          <p:cNvSpPr txBox="1">
-            <a:spLocks noGrp="1"/>
-          </p:cNvSpPr>
-          <p:nvPr>
-            <p:ph type="body" idx="1"/>
-          </p:nvPr>
-        </p:nvSpPr>
-        <p:spPr>
-          <a:xfrm>
-            <a:off x="685800" y="4343400"/>
-            <a:ext cx="5486400" cy="4114800"/>
-          </a:xfrm>
-          <a:prstGeom prst="rect">
-            <a:avLst/>
-          </a:prstGeom>
-        </p:spPr>
-        <p:txBody>
-          <a:bodyPr spcFirstLastPara="1" wrap="square" lIns="91425" tIns="91425" rIns="91425" bIns="91425" anchor="t" anchorCtr="0">
-            <a:noAutofit/>
-          </a:bodyPr>
-          <a:lstStyle/>
-          <a:p>
-            <a:pPr marL="0" lvl="0" indent="0" algn="l" rtl="0">
-              <a:spcBef>
-                <a:spcPts val="0"/>
-              </a:spcBef>
-              <a:spcAft>
-                <a:spcPts val="0"/>
-              </a:spcAft>
-              <a:buNone/>
-            </a:pPr>
-            <a:endParaRPr/>
-          </a:p>
-        </p:txBody>
-      </p:sp>
-    </p:spTree>
-    <p:extLst>
-      <p:ext uri="{BB962C8B-B14F-4D97-AF65-F5344CB8AC3E}">
-        <p14:creationId xmlns:p14="http://schemas.microsoft.com/office/powerpoint/2010/main" val="3191269809"/>
+        <p14:creationId xmlns:p14="http://schemas.microsoft.com/office/powerpoint/2010/main" val="3121085914"/>
       </p:ext>
     </p:extLst>
   </p:cSld>
@@ -2059,6 +2060,333 @@
   <p:cSld>
     <p:spTree>
       <p:nvGrpSpPr>
+        <p:cNvPr id="1" name="Shape 98"/>
+        <p:cNvGrpSpPr/>
+        <p:nvPr/>
+      </p:nvGrpSpPr>
+      <p:grpSpPr>
+        <a:xfrm>
+          <a:off x="0" y="0"/>
+          <a:ext cx="0" cy="0"/>
+          <a:chOff x="0" y="0"/>
+          <a:chExt cx="0" cy="0"/>
+        </a:xfrm>
+      </p:grpSpPr>
+      <p:sp>
+        <p:nvSpPr>
+          <p:cNvPr id="99" name="Google Shape;99;g6fa31e23a8_0_41:notes"/>
+          <p:cNvSpPr>
+            <a:spLocks noGrp="1" noRot="1" noChangeAspect="1"/>
+          </p:cNvSpPr>
+          <p:nvPr>
+            <p:ph type="sldImg" idx="2"/>
+          </p:nvPr>
+        </p:nvSpPr>
+        <p:spPr>
+          <a:xfrm>
+            <a:off x="381000" y="685800"/>
+            <a:ext cx="6096000" cy="3429000"/>
+          </a:xfrm>
+          <a:custGeom>
+            <a:avLst/>
+            <a:gdLst/>
+            <a:ahLst/>
+            <a:cxnLst/>
+            <a:rect l="l" t="t" r="r" b="b"/>
+            <a:pathLst>
+              <a:path w="120000" h="120000" extrusionOk="0">
+                <a:moveTo>
+                  <a:pt x="0" y="0"/>
+                </a:moveTo>
+                <a:lnTo>
+                  <a:pt x="120000" y="0"/>
+                </a:lnTo>
+                <a:lnTo>
+                  <a:pt x="120000" y="120000"/>
+                </a:lnTo>
+                <a:lnTo>
+                  <a:pt x="0" y="120000"/>
+                </a:lnTo>
+                <a:close/>
+              </a:path>
+            </a:pathLst>
+          </a:custGeom>
+        </p:spPr>
+      </p:sp>
+      <p:sp>
+        <p:nvSpPr>
+          <p:cNvPr id="100" name="Google Shape;100;g6fa31e23a8_0_41:notes"/>
+          <p:cNvSpPr txBox="1">
+            <a:spLocks noGrp="1"/>
+          </p:cNvSpPr>
+          <p:nvPr>
+            <p:ph type="body" idx="1"/>
+          </p:nvPr>
+        </p:nvSpPr>
+        <p:spPr>
+          <a:xfrm>
+            <a:off x="685800" y="4343400"/>
+            <a:ext cx="5486400" cy="4114800"/>
+          </a:xfrm>
+          <a:prstGeom prst="rect">
+            <a:avLst/>
+          </a:prstGeom>
+        </p:spPr>
+        <p:txBody>
+          <a:bodyPr spcFirstLastPara="1" wrap="square" lIns="91425" tIns="91425" rIns="91425" bIns="91425" anchor="t" anchorCtr="0">
+            <a:noAutofit/>
+          </a:bodyPr>
+          <a:lstStyle/>
+          <a:p>
+            <a:pPr marL="0" lvl="0" indent="0" algn="l" rtl="0">
+              <a:spcBef>
+                <a:spcPts val="0"/>
+              </a:spcBef>
+              <a:spcAft>
+                <a:spcPts val="0"/>
+              </a:spcAft>
+              <a:buNone/>
+            </a:pPr>
+            <a:endParaRPr/>
+          </a:p>
+        </p:txBody>
+      </p:sp>
+    </p:spTree>
+    <p:extLst>
+      <p:ext uri="{BB962C8B-B14F-4D97-AF65-F5344CB8AC3E}">
+        <p14:creationId xmlns:p14="http://schemas.microsoft.com/office/powerpoint/2010/main" val="2915340096"/>
+      </p:ext>
+    </p:extLst>
+  </p:cSld>
+  <p:clrMapOvr>
+    <a:masterClrMapping/>
+  </p:clrMapOvr>
+</p:notes>
+</file>
+
+<file path=ppt/notesSlides/notesSlide21.xml><?xml version="1.0" encoding="utf-8"?>
+<p:notes xmlns:a="http://schemas.openxmlformats.org/drawingml/2006/main" xmlns:r="http://schemas.openxmlformats.org/officeDocument/2006/relationships" xmlns:p="http://schemas.openxmlformats.org/presentationml/2006/main" showMasterSp="0" showMasterPhAnim="0">
+  <p:cSld>
+    <p:spTree>
+      <p:nvGrpSpPr>
+        <p:cNvPr id="1" name="Shape 104"/>
+        <p:cNvGrpSpPr/>
+        <p:nvPr/>
+      </p:nvGrpSpPr>
+      <p:grpSpPr>
+        <a:xfrm>
+          <a:off x="0" y="0"/>
+          <a:ext cx="0" cy="0"/>
+          <a:chOff x="0" y="0"/>
+          <a:chExt cx="0" cy="0"/>
+        </a:xfrm>
+      </p:grpSpPr>
+      <p:sp>
+        <p:nvSpPr>
+          <p:cNvPr id="105" name="Google Shape;105;g6fa31e23a8_0_57:notes"/>
+          <p:cNvSpPr>
+            <a:spLocks noGrp="1" noRot="1" noChangeAspect="1"/>
+          </p:cNvSpPr>
+          <p:nvPr>
+            <p:ph type="sldImg" idx="2"/>
+          </p:nvPr>
+        </p:nvSpPr>
+        <p:spPr>
+          <a:xfrm>
+            <a:off x="381000" y="685800"/>
+            <a:ext cx="6096000" cy="3429000"/>
+          </a:xfrm>
+          <a:custGeom>
+            <a:avLst/>
+            <a:gdLst/>
+            <a:ahLst/>
+            <a:cxnLst/>
+            <a:rect l="l" t="t" r="r" b="b"/>
+            <a:pathLst>
+              <a:path w="120000" h="120000" extrusionOk="0">
+                <a:moveTo>
+                  <a:pt x="0" y="0"/>
+                </a:moveTo>
+                <a:lnTo>
+                  <a:pt x="120000" y="0"/>
+                </a:lnTo>
+                <a:lnTo>
+                  <a:pt x="120000" y="120000"/>
+                </a:lnTo>
+                <a:lnTo>
+                  <a:pt x="0" y="120000"/>
+                </a:lnTo>
+                <a:close/>
+              </a:path>
+            </a:pathLst>
+          </a:custGeom>
+        </p:spPr>
+      </p:sp>
+      <p:sp>
+        <p:nvSpPr>
+          <p:cNvPr id="106" name="Google Shape;106;g6fa31e23a8_0_57:notes"/>
+          <p:cNvSpPr txBox="1">
+            <a:spLocks noGrp="1"/>
+          </p:cNvSpPr>
+          <p:nvPr>
+            <p:ph type="body" idx="1"/>
+          </p:nvPr>
+        </p:nvSpPr>
+        <p:spPr>
+          <a:xfrm>
+            <a:off x="685800" y="4343400"/>
+            <a:ext cx="5486400" cy="4114800"/>
+          </a:xfrm>
+          <a:prstGeom prst="rect">
+            <a:avLst/>
+          </a:prstGeom>
+        </p:spPr>
+        <p:txBody>
+          <a:bodyPr spcFirstLastPara="1" wrap="square" lIns="91425" tIns="91425" rIns="91425" bIns="91425" anchor="t" anchorCtr="0">
+            <a:noAutofit/>
+          </a:bodyPr>
+          <a:lstStyle/>
+          <a:p>
+            <a:pPr marL="0" lvl="0" indent="0" algn="l" rtl="0">
+              <a:spcBef>
+                <a:spcPts val="0"/>
+              </a:spcBef>
+              <a:spcAft>
+                <a:spcPts val="0"/>
+              </a:spcAft>
+              <a:buNone/>
+            </a:pPr>
+            <a:endParaRPr/>
+          </a:p>
+        </p:txBody>
+      </p:sp>
+    </p:spTree>
+    <p:extLst>
+      <p:ext uri="{BB962C8B-B14F-4D97-AF65-F5344CB8AC3E}">
+        <p14:creationId xmlns:p14="http://schemas.microsoft.com/office/powerpoint/2010/main" val="1999401343"/>
+      </p:ext>
+    </p:extLst>
+  </p:cSld>
+  <p:clrMapOvr>
+    <a:masterClrMapping/>
+  </p:clrMapOvr>
+</p:notes>
+</file>
+
+<file path=ppt/notesSlides/notesSlide22.xml><?xml version="1.0" encoding="utf-8"?>
+<p:notes xmlns:a="http://schemas.openxmlformats.org/drawingml/2006/main" xmlns:r="http://schemas.openxmlformats.org/officeDocument/2006/relationships" xmlns:p="http://schemas.openxmlformats.org/presentationml/2006/main" showMasterSp="0" showMasterPhAnim="0">
+  <p:cSld>
+    <p:spTree>
+      <p:nvGrpSpPr>
+        <p:cNvPr id="1" name="Shape 110"/>
+        <p:cNvGrpSpPr/>
+        <p:nvPr/>
+      </p:nvGrpSpPr>
+      <p:grpSpPr>
+        <a:xfrm>
+          <a:off x="0" y="0"/>
+          <a:ext cx="0" cy="0"/>
+          <a:chOff x="0" y="0"/>
+          <a:chExt cx="0" cy="0"/>
+        </a:xfrm>
+      </p:grpSpPr>
+      <p:sp>
+        <p:nvSpPr>
+          <p:cNvPr id="111" name="Google Shape;111;g6fa31e23a8_0_74:notes"/>
+          <p:cNvSpPr>
+            <a:spLocks noGrp="1" noRot="1" noChangeAspect="1"/>
+          </p:cNvSpPr>
+          <p:nvPr>
+            <p:ph type="sldImg" idx="2"/>
+          </p:nvPr>
+        </p:nvSpPr>
+        <p:spPr>
+          <a:xfrm>
+            <a:off x="381000" y="685800"/>
+            <a:ext cx="6096000" cy="3429000"/>
+          </a:xfrm>
+          <a:custGeom>
+            <a:avLst/>
+            <a:gdLst/>
+            <a:ahLst/>
+            <a:cxnLst/>
+            <a:rect l="l" t="t" r="r" b="b"/>
+            <a:pathLst>
+              <a:path w="120000" h="120000" extrusionOk="0">
+                <a:moveTo>
+                  <a:pt x="0" y="0"/>
+                </a:moveTo>
+                <a:lnTo>
+                  <a:pt x="120000" y="0"/>
+                </a:lnTo>
+                <a:lnTo>
+                  <a:pt x="120000" y="120000"/>
+                </a:lnTo>
+                <a:lnTo>
+                  <a:pt x="0" y="120000"/>
+                </a:lnTo>
+                <a:close/>
+              </a:path>
+            </a:pathLst>
+          </a:custGeom>
+        </p:spPr>
+      </p:sp>
+      <p:sp>
+        <p:nvSpPr>
+          <p:cNvPr id="112" name="Google Shape;112;g6fa31e23a8_0_74:notes"/>
+          <p:cNvSpPr txBox="1">
+            <a:spLocks noGrp="1"/>
+          </p:cNvSpPr>
+          <p:nvPr>
+            <p:ph type="body" idx="1"/>
+          </p:nvPr>
+        </p:nvSpPr>
+        <p:spPr>
+          <a:xfrm>
+            <a:off x="685800" y="4343400"/>
+            <a:ext cx="5486400" cy="4114800"/>
+          </a:xfrm>
+          <a:prstGeom prst="rect">
+            <a:avLst/>
+          </a:prstGeom>
+        </p:spPr>
+        <p:txBody>
+          <a:bodyPr spcFirstLastPara="1" wrap="square" lIns="91425" tIns="91425" rIns="91425" bIns="91425" anchor="t" anchorCtr="0">
+            <a:noAutofit/>
+          </a:bodyPr>
+          <a:lstStyle/>
+          <a:p>
+            <a:pPr marL="0" lvl="0" indent="0" algn="l" rtl="0">
+              <a:spcBef>
+                <a:spcPts val="0"/>
+              </a:spcBef>
+              <a:spcAft>
+                <a:spcPts val="0"/>
+              </a:spcAft>
+              <a:buNone/>
+            </a:pPr>
+            <a:endParaRPr/>
+          </a:p>
+        </p:txBody>
+      </p:sp>
+    </p:spTree>
+    <p:extLst>
+      <p:ext uri="{BB962C8B-B14F-4D97-AF65-F5344CB8AC3E}">
+        <p14:creationId xmlns:p14="http://schemas.microsoft.com/office/powerpoint/2010/main" val="3191269809"/>
+      </p:ext>
+    </p:extLst>
+  </p:cSld>
+  <p:clrMapOvr>
+    <a:masterClrMapping/>
+  </p:clrMapOvr>
+</p:notes>
+</file>
+
+<file path=ppt/notesSlides/notesSlide23.xml><?xml version="1.0" encoding="utf-8"?>
+<p:notes xmlns:a="http://schemas.openxmlformats.org/drawingml/2006/main" xmlns:r="http://schemas.openxmlformats.org/officeDocument/2006/relationships" xmlns:p="http://schemas.openxmlformats.org/presentationml/2006/main" showMasterSp="0" showMasterPhAnim="0">
+  <p:cSld>
+    <p:spTree>
+      <p:nvGrpSpPr>
         <p:cNvPr id="1" name="Shape 116"/>
         <p:cNvGrpSpPr/>
         <p:nvPr/>
@@ -2163,225 +2491,7 @@
 </p:notes>
 </file>
 
-<file path=ppt/notesSlides/notesSlide21.xml><?xml version="1.0" encoding="utf-8"?>
-<p:notes xmlns:a="http://schemas.openxmlformats.org/drawingml/2006/main" xmlns:r="http://schemas.openxmlformats.org/officeDocument/2006/relationships" xmlns:p="http://schemas.openxmlformats.org/presentationml/2006/main" showMasterSp="0" showMasterPhAnim="0">
-  <p:cSld>
-    <p:spTree>
-      <p:nvGrpSpPr>
-        <p:cNvPr id="1" name="Shape 122"/>
-        <p:cNvGrpSpPr/>
-        <p:nvPr/>
-      </p:nvGrpSpPr>
-      <p:grpSpPr>
-        <a:xfrm>
-          <a:off x="0" y="0"/>
-          <a:ext cx="0" cy="0"/>
-          <a:chOff x="0" y="0"/>
-          <a:chExt cx="0" cy="0"/>
-        </a:xfrm>
-      </p:grpSpPr>
-      <p:sp>
-        <p:nvSpPr>
-          <p:cNvPr id="123" name="Google Shape;123;g65af26e7ba_1_1:notes"/>
-          <p:cNvSpPr>
-            <a:spLocks noGrp="1" noRot="1" noChangeAspect="1"/>
-          </p:cNvSpPr>
-          <p:nvPr>
-            <p:ph type="sldImg" idx="2"/>
-          </p:nvPr>
-        </p:nvSpPr>
-        <p:spPr>
-          <a:xfrm>
-            <a:off x="381000" y="685800"/>
-            <a:ext cx="6096000" cy="3429000"/>
-          </a:xfrm>
-          <a:custGeom>
-            <a:avLst/>
-            <a:gdLst/>
-            <a:ahLst/>
-            <a:cxnLst/>
-            <a:rect l="l" t="t" r="r" b="b"/>
-            <a:pathLst>
-              <a:path w="120000" h="120000" extrusionOk="0">
-                <a:moveTo>
-                  <a:pt x="0" y="0"/>
-                </a:moveTo>
-                <a:lnTo>
-                  <a:pt x="120000" y="0"/>
-                </a:lnTo>
-                <a:lnTo>
-                  <a:pt x="120000" y="120000"/>
-                </a:lnTo>
-                <a:lnTo>
-                  <a:pt x="0" y="120000"/>
-                </a:lnTo>
-                <a:close/>
-              </a:path>
-            </a:pathLst>
-          </a:custGeom>
-        </p:spPr>
-      </p:sp>
-      <p:sp>
-        <p:nvSpPr>
-          <p:cNvPr id="124" name="Google Shape;124;g65af26e7ba_1_1:notes"/>
-          <p:cNvSpPr txBox="1">
-            <a:spLocks noGrp="1"/>
-          </p:cNvSpPr>
-          <p:nvPr>
-            <p:ph type="body" idx="1"/>
-          </p:nvPr>
-        </p:nvSpPr>
-        <p:spPr>
-          <a:xfrm>
-            <a:off x="685800" y="4343400"/>
-            <a:ext cx="5486400" cy="4114800"/>
-          </a:xfrm>
-          <a:prstGeom prst="rect">
-            <a:avLst/>
-          </a:prstGeom>
-        </p:spPr>
-        <p:txBody>
-          <a:bodyPr spcFirstLastPara="1" wrap="square" lIns="91425" tIns="91425" rIns="91425" bIns="91425" anchor="t" anchorCtr="0">
-            <a:noAutofit/>
-          </a:bodyPr>
-          <a:lstStyle/>
-          <a:p>
-            <a:pPr marL="0" lvl="0" indent="0" algn="l" rtl="0">
-              <a:spcBef>
-                <a:spcPts val="0"/>
-              </a:spcBef>
-              <a:spcAft>
-                <a:spcPts val="0"/>
-              </a:spcAft>
-              <a:buNone/>
-            </a:pPr>
-            <a:endParaRPr/>
-          </a:p>
-        </p:txBody>
-      </p:sp>
-    </p:spTree>
-    <p:extLst>
-      <p:ext uri="{BB962C8B-B14F-4D97-AF65-F5344CB8AC3E}">
-        <p14:creationId xmlns:p14="http://schemas.microsoft.com/office/powerpoint/2010/main" val="1991549119"/>
-      </p:ext>
-    </p:extLst>
-  </p:cSld>
-  <p:clrMapOvr>
-    <a:masterClrMapping/>
-  </p:clrMapOvr>
-</p:notes>
-</file>
-
-<file path=ppt/notesSlides/notesSlide22.xml><?xml version="1.0" encoding="utf-8"?>
-<p:notes xmlns:a="http://schemas.openxmlformats.org/drawingml/2006/main" xmlns:r="http://schemas.openxmlformats.org/officeDocument/2006/relationships" xmlns:p="http://schemas.openxmlformats.org/presentationml/2006/main" showMasterSp="0" showMasterPhAnim="0">
-  <p:cSld>
-    <p:spTree>
-      <p:nvGrpSpPr>
-        <p:cNvPr id="1" name="Shape 122"/>
-        <p:cNvGrpSpPr/>
-        <p:nvPr/>
-      </p:nvGrpSpPr>
-      <p:grpSpPr>
-        <a:xfrm>
-          <a:off x="0" y="0"/>
-          <a:ext cx="0" cy="0"/>
-          <a:chOff x="0" y="0"/>
-          <a:chExt cx="0" cy="0"/>
-        </a:xfrm>
-      </p:grpSpPr>
-      <p:sp>
-        <p:nvSpPr>
-          <p:cNvPr id="123" name="Google Shape;123;g65af26e7ba_1_1:notes"/>
-          <p:cNvSpPr>
-            <a:spLocks noGrp="1" noRot="1" noChangeAspect="1"/>
-          </p:cNvSpPr>
-          <p:nvPr>
-            <p:ph type="sldImg" idx="2"/>
-          </p:nvPr>
-        </p:nvSpPr>
-        <p:spPr>
-          <a:xfrm>
-            <a:off x="381000" y="685800"/>
-            <a:ext cx="6096000" cy="3429000"/>
-          </a:xfrm>
-          <a:custGeom>
-            <a:avLst/>
-            <a:gdLst/>
-            <a:ahLst/>
-            <a:cxnLst/>
-            <a:rect l="l" t="t" r="r" b="b"/>
-            <a:pathLst>
-              <a:path w="120000" h="120000" extrusionOk="0">
-                <a:moveTo>
-                  <a:pt x="0" y="0"/>
-                </a:moveTo>
-                <a:lnTo>
-                  <a:pt x="120000" y="0"/>
-                </a:lnTo>
-                <a:lnTo>
-                  <a:pt x="120000" y="120000"/>
-                </a:lnTo>
-                <a:lnTo>
-                  <a:pt x="0" y="120000"/>
-                </a:lnTo>
-                <a:close/>
-              </a:path>
-            </a:pathLst>
-          </a:custGeom>
-        </p:spPr>
-      </p:sp>
-      <p:sp>
-        <p:nvSpPr>
-          <p:cNvPr id="124" name="Google Shape;124;g65af26e7ba_1_1:notes"/>
-          <p:cNvSpPr txBox="1">
-            <a:spLocks noGrp="1"/>
-          </p:cNvSpPr>
-          <p:nvPr>
-            <p:ph type="body" idx="1"/>
-          </p:nvPr>
-        </p:nvSpPr>
-        <p:spPr>
-          <a:xfrm>
-            <a:off x="685800" y="4343400"/>
-            <a:ext cx="5486400" cy="4114800"/>
-          </a:xfrm>
-          <a:prstGeom prst="rect">
-            <a:avLst/>
-          </a:prstGeom>
-        </p:spPr>
-        <p:txBody>
-          <a:bodyPr spcFirstLastPara="1" wrap="square" lIns="91425" tIns="91425" rIns="91425" bIns="91425" anchor="t" anchorCtr="0">
-            <a:noAutofit/>
-          </a:bodyPr>
-          <a:lstStyle/>
-          <a:p>
-            <a:pPr marL="0" lvl="0" indent="0" algn="l" rtl="0">
-              <a:spcBef>
-                <a:spcPts val="0"/>
-              </a:spcBef>
-              <a:spcAft>
-                <a:spcPts val="0"/>
-              </a:spcAft>
-              <a:buNone/>
-            </a:pPr>
-            <a:endParaRPr/>
-          </a:p>
-        </p:txBody>
-      </p:sp>
-    </p:spTree>
-    <p:extLst>
-      <p:ext uri="{BB962C8B-B14F-4D97-AF65-F5344CB8AC3E}">
-        <p14:creationId xmlns:p14="http://schemas.microsoft.com/office/powerpoint/2010/main" val="1991549119"/>
-      </p:ext>
-    </p:extLst>
-  </p:cSld>
-  <p:clrMapOvr>
-    <a:masterClrMapping/>
-  </p:clrMapOvr>
-</p:notes>
-</file>
-
-<file path=ppt/notesSlides/notesSlide23.xml><?xml version="1.0" encoding="utf-8"?>
+<file path=ppt/notesSlides/notesSlide24.xml><?xml version="1.0" encoding="utf-8"?>
 <p:notes xmlns:a="http://schemas.openxmlformats.org/drawingml/2006/main" xmlns:r="http://schemas.openxmlformats.org/officeDocument/2006/relationships" xmlns:p="http://schemas.openxmlformats.org/presentationml/2006/main" showMasterSp="0" showMasterPhAnim="0">
   <p:cSld>
     <p:spTree>
@@ -8802,7 +8912,7 @@
   <p:cSld>
     <p:spTree>
       <p:nvGrpSpPr>
-        <p:cNvPr id="1" name="Shape 95"/>
+        <p:cNvPr id="1" name="Shape 83"/>
         <p:cNvGrpSpPr/>
         <p:nvPr/>
       </p:nvGrpSpPr>
@@ -8816,7 +8926,7 @@
       </p:grpSpPr>
       <p:sp>
         <p:nvSpPr>
-          <p:cNvPr id="96" name="Google Shape;96;p20"/>
+          <p:cNvPr id="84" name="Google Shape;84;p18"/>
           <p:cNvSpPr txBox="1">
             <a:spLocks noGrp="1"/>
           </p:cNvSpPr>
@@ -8846,24 +8956,13 @@
               <a:spcAft>
                 <a:spcPts val="0"/>
               </a:spcAft>
-              <a:buClr>
-                <a:schemeClr val="dk1"/>
-              </a:buClr>
-              <a:buSzPts val="1100"/>
-              <a:buFont typeface="Arial"/>
               <a:buNone/>
             </a:pPr>
             <a:r>
-              <a:rPr lang="en" dirty="0">
-                <a:latin typeface="Comic Sans MS" panose="030F0702030302020204" pitchFamily="66" charset="0"/>
-              </a:rPr>
-              <a:t>Problem </a:t>
-            </a:r>
-            <a:r>
               <a:rPr lang="en" dirty="0" smtClean="0">
                 <a:latin typeface="Comic Sans MS" panose="030F0702030302020204" pitchFamily="66" charset="0"/>
               </a:rPr>
-              <a:t>3.1</a:t>
+              <a:t>Inclusion-Exclusion Rule</a:t>
             </a:r>
             <a:endParaRPr dirty="0">
               <a:latin typeface="Comic Sans MS" panose="030F0702030302020204" pitchFamily="66" charset="0"/>
@@ -8873,7 +8972,7 @@
       </p:sp>
       <p:sp>
         <p:nvSpPr>
-          <p:cNvPr id="97" name="Google Shape;97;p20"/>
+          <p:cNvPr id="85" name="Google Shape;85;p18"/>
           <p:cNvSpPr txBox="1">
             <a:spLocks noGrp="1"/>
           </p:cNvSpPr>
@@ -8884,7 +8983,7 @@
         <p:spPr>
           <a:xfrm>
             <a:off x="311700" y="1152475"/>
-            <a:ext cx="8520600" cy="1631822"/>
+            <a:ext cx="8520600" cy="1755112"/>
           </a:xfrm>
           <a:prstGeom prst="rect">
             <a:avLst/>
@@ -8896,28 +8995,121 @@
           </a:bodyPr>
           <a:lstStyle/>
           <a:p>
-            <a:pPr marL="0" lvl="0" indent="0" algn="l" rtl="0">
-              <a:spcBef>
-                <a:spcPts val="0"/>
-              </a:spcBef>
-              <a:spcAft>
-                <a:spcPts val="0"/>
-              </a:spcAft>
-              <a:buClr>
-                <a:schemeClr val="dk1"/>
-              </a:buClr>
-              <a:buSzPts val="1100"/>
-              <a:buFont typeface="Arial"/>
+            <a:pPr marL="114300" indent="0">
               <a:buNone/>
             </a:pPr>
             <a:r>
-              <a:rPr lang="en" dirty="0">
+              <a:rPr lang="en-US" dirty="0">
                 <a:solidFill>
                   <a:schemeClr val="tx1"/>
                 </a:solidFill>
                 <a:latin typeface="Comic Sans MS" panose="030F0702030302020204" pitchFamily="66" charset="0"/>
               </a:rPr>
-              <a:t>Each user on a computer system has a password, which is six to eight characters long, where each character is an uppercase letter or a digit. </a:t>
+              <a:t>If a task can be done in either </a:t>
+            </a:r>
+            <a:r>
+              <a:rPr lang="en-US" i="1" dirty="0">
+                <a:solidFill>
+                  <a:schemeClr val="tx1"/>
+                </a:solidFill>
+                <a:latin typeface="Comic Sans MS" panose="030F0702030302020204" pitchFamily="66" charset="0"/>
+              </a:rPr>
+              <a:t>n</a:t>
+            </a:r>
+            <a:r>
+              <a:rPr lang="en-US" dirty="0">
+                <a:solidFill>
+                  <a:schemeClr val="tx1"/>
+                </a:solidFill>
+                <a:latin typeface="Comic Sans MS" panose="030F0702030302020204" pitchFamily="66" charset="0"/>
+              </a:rPr>
+              <a:t>1 ways or </a:t>
+            </a:r>
+            <a:r>
+              <a:rPr lang="en-US" i="1" dirty="0">
+                <a:solidFill>
+                  <a:schemeClr val="tx1"/>
+                </a:solidFill>
+                <a:latin typeface="Comic Sans MS" panose="030F0702030302020204" pitchFamily="66" charset="0"/>
+              </a:rPr>
+              <a:t>n</a:t>
+            </a:r>
+            <a:r>
+              <a:rPr lang="en-US" dirty="0">
+                <a:solidFill>
+                  <a:schemeClr val="tx1"/>
+                </a:solidFill>
+                <a:latin typeface="Comic Sans MS" panose="030F0702030302020204" pitchFamily="66" charset="0"/>
+              </a:rPr>
+              <a:t>2 ways, then the</a:t>
+            </a:r>
+          </a:p>
+          <a:p>
+            <a:pPr marL="114300" indent="0">
+              <a:buNone/>
+            </a:pPr>
+            <a:r>
+              <a:rPr lang="en-US" dirty="0">
+                <a:solidFill>
+                  <a:schemeClr val="tx1"/>
+                </a:solidFill>
+                <a:latin typeface="Comic Sans MS" panose="030F0702030302020204" pitchFamily="66" charset="0"/>
+              </a:rPr>
+              <a:t>number of ways to do the task is </a:t>
+            </a:r>
+            <a:r>
+              <a:rPr lang="en-US" i="1" dirty="0">
+                <a:solidFill>
+                  <a:schemeClr val="tx1"/>
+                </a:solidFill>
+                <a:latin typeface="Comic Sans MS" panose="030F0702030302020204" pitchFamily="66" charset="0"/>
+              </a:rPr>
+              <a:t>n</a:t>
+            </a:r>
+            <a:r>
+              <a:rPr lang="en-US" dirty="0">
+                <a:solidFill>
+                  <a:schemeClr val="tx1"/>
+                </a:solidFill>
+                <a:latin typeface="Comic Sans MS" panose="030F0702030302020204" pitchFamily="66" charset="0"/>
+              </a:rPr>
+              <a:t>1 + </a:t>
+            </a:r>
+            <a:r>
+              <a:rPr lang="en-US" i="1" dirty="0">
+                <a:solidFill>
+                  <a:schemeClr val="tx1"/>
+                </a:solidFill>
+                <a:latin typeface="Comic Sans MS" panose="030F0702030302020204" pitchFamily="66" charset="0"/>
+              </a:rPr>
+              <a:t>n</a:t>
+            </a:r>
+            <a:r>
+              <a:rPr lang="en-US" dirty="0">
+                <a:solidFill>
+                  <a:schemeClr val="tx1"/>
+                </a:solidFill>
+                <a:latin typeface="Comic Sans MS" panose="030F0702030302020204" pitchFamily="66" charset="0"/>
+              </a:rPr>
+              <a:t>2 minus the number of ways to do the task that </a:t>
+            </a:r>
+            <a:r>
+              <a:rPr lang="en-US" dirty="0" smtClean="0">
+                <a:solidFill>
+                  <a:schemeClr val="tx1"/>
+                </a:solidFill>
+                <a:latin typeface="Comic Sans MS" panose="030F0702030302020204" pitchFamily="66" charset="0"/>
+              </a:rPr>
+              <a:t>are common </a:t>
+            </a:r>
+            <a:r>
+              <a:rPr lang="en-US" dirty="0">
+                <a:solidFill>
+                  <a:schemeClr val="tx1"/>
+                </a:solidFill>
+                <a:latin typeface="Comic Sans MS" panose="030F0702030302020204" pitchFamily="66" charset="0"/>
+              </a:rPr>
+              <a:t>to the two different ways.</a:t>
             </a:r>
             <a:endParaRPr dirty="0">
               <a:solidFill>
@@ -8926,43 +9118,14 @@
               <a:latin typeface="Comic Sans MS" panose="030F0702030302020204" pitchFamily="66" charset="0"/>
             </a:endParaRPr>
           </a:p>
-          <a:p>
-            <a:pPr marL="0" lvl="0" indent="0" algn="l" rtl="0">
-              <a:spcBef>
-                <a:spcPts val="1600"/>
-              </a:spcBef>
-              <a:spcAft>
-                <a:spcPts val="0"/>
-              </a:spcAft>
-              <a:buClr>
-                <a:schemeClr val="dk1"/>
-              </a:buClr>
-              <a:buSzPts val="1100"/>
-              <a:buFont typeface="Arial"/>
-              <a:buNone/>
-            </a:pPr>
-            <a:r>
-              <a:rPr lang="en" dirty="0">
-                <a:solidFill>
-                  <a:schemeClr val="tx1"/>
-                </a:solidFill>
-                <a:latin typeface="Comic Sans MS" panose="030F0702030302020204" pitchFamily="66" charset="0"/>
-              </a:rPr>
-              <a:t>How many possible passwords are there</a:t>
-            </a:r>
-            <a:r>
-              <a:rPr lang="en" dirty="0" smtClean="0">
-                <a:solidFill>
-                  <a:schemeClr val="tx1"/>
-                </a:solidFill>
-                <a:latin typeface="Comic Sans MS" panose="030F0702030302020204" pitchFamily="66" charset="0"/>
-              </a:rPr>
-              <a:t>?</a:t>
-            </a:r>
-          </a:p>
         </p:txBody>
       </p:sp>
     </p:spTree>
+    <p:extLst>
+      <p:ext uri="{BB962C8B-B14F-4D97-AF65-F5344CB8AC3E}">
+        <p14:creationId xmlns:p14="http://schemas.microsoft.com/office/powerpoint/2010/main" val="743651272"/>
+      </p:ext>
+    </p:extLst>
   </p:cSld>
   <p:clrMapOvr>
     <a:masterClrMapping/>
@@ -8978,6 +9141,316 @@
 </file>
 
 <file path=ppt/slides/slide15.xml><?xml version="1.0" encoding="utf-8"?>
+<p:sld xmlns:a="http://schemas.openxmlformats.org/drawingml/2006/main" xmlns:r="http://schemas.openxmlformats.org/officeDocument/2006/relationships" xmlns:p="http://schemas.openxmlformats.org/presentationml/2006/main">
+  <p:cSld>
+    <p:spTree>
+      <p:nvGrpSpPr>
+        <p:cNvPr id="1" name="Shape 83"/>
+        <p:cNvGrpSpPr/>
+        <p:nvPr/>
+      </p:nvGrpSpPr>
+      <p:grpSpPr>
+        <a:xfrm>
+          <a:off x="0" y="0"/>
+          <a:ext cx="0" cy="0"/>
+          <a:chOff x="0" y="0"/>
+          <a:chExt cx="0" cy="0"/>
+        </a:xfrm>
+      </p:grpSpPr>
+      <p:sp>
+        <p:nvSpPr>
+          <p:cNvPr id="84" name="Google Shape;84;p18"/>
+          <p:cNvSpPr txBox="1">
+            <a:spLocks noGrp="1"/>
+          </p:cNvSpPr>
+          <p:nvPr>
+            <p:ph type="title"/>
+          </p:nvPr>
+        </p:nvSpPr>
+        <p:spPr>
+          <a:xfrm>
+            <a:off x="311700" y="445025"/>
+            <a:ext cx="8520600" cy="572700"/>
+          </a:xfrm>
+          <a:prstGeom prst="rect">
+            <a:avLst/>
+          </a:prstGeom>
+        </p:spPr>
+        <p:txBody>
+          <a:bodyPr spcFirstLastPara="1" wrap="square" lIns="91425" tIns="91425" rIns="91425" bIns="91425" anchor="t" anchorCtr="0">
+            <a:noAutofit/>
+          </a:bodyPr>
+          <a:lstStyle/>
+          <a:p>
+            <a:pPr marL="0" lvl="0" indent="0" algn="l" rtl="0">
+              <a:spcBef>
+                <a:spcPts val="0"/>
+              </a:spcBef>
+              <a:spcAft>
+                <a:spcPts val="0"/>
+              </a:spcAft>
+              <a:buNone/>
+            </a:pPr>
+            <a:r>
+              <a:rPr lang="en" dirty="0">
+                <a:latin typeface="Comic Sans MS" panose="030F0702030302020204" pitchFamily="66" charset="0"/>
+              </a:rPr>
+              <a:t>Problem </a:t>
+            </a:r>
+            <a:r>
+              <a:rPr lang="en" dirty="0" smtClean="0">
+                <a:latin typeface="Comic Sans MS" panose="030F0702030302020204" pitchFamily="66" charset="0"/>
+              </a:rPr>
+              <a:t>3.1</a:t>
+            </a:r>
+            <a:endParaRPr dirty="0">
+              <a:latin typeface="Comic Sans MS" panose="030F0702030302020204" pitchFamily="66" charset="0"/>
+            </a:endParaRPr>
+          </a:p>
+        </p:txBody>
+      </p:sp>
+      <p:sp>
+        <p:nvSpPr>
+          <p:cNvPr id="85" name="Google Shape;85;p18"/>
+          <p:cNvSpPr txBox="1">
+            <a:spLocks noGrp="1"/>
+          </p:cNvSpPr>
+          <p:nvPr>
+            <p:ph type="body" idx="1"/>
+          </p:nvPr>
+        </p:nvSpPr>
+        <p:spPr>
+          <a:xfrm>
+            <a:off x="311700" y="1152475"/>
+            <a:ext cx="8520600" cy="1755112"/>
+          </a:xfrm>
+          <a:prstGeom prst="rect">
+            <a:avLst/>
+          </a:prstGeom>
+        </p:spPr>
+        <p:txBody>
+          <a:bodyPr spcFirstLastPara="1" wrap="square" lIns="91425" tIns="91425" rIns="91425" bIns="91425" anchor="t" anchorCtr="0">
+            <a:noAutofit/>
+          </a:bodyPr>
+          <a:lstStyle/>
+          <a:p>
+            <a:pPr marL="0" lvl="0" indent="0" algn="l" rtl="0">
+              <a:spcBef>
+                <a:spcPts val="0"/>
+              </a:spcBef>
+              <a:spcAft>
+                <a:spcPts val="0"/>
+              </a:spcAft>
+              <a:buClr>
+                <a:schemeClr val="dk1"/>
+              </a:buClr>
+              <a:buSzPts val="1100"/>
+              <a:buFont typeface="Arial"/>
+              <a:buNone/>
+            </a:pPr>
+            <a:r>
+              <a:rPr lang="en" dirty="0">
+                <a:solidFill>
+                  <a:schemeClr val="tx1"/>
+                </a:solidFill>
+                <a:latin typeface="Comic Sans MS" panose="030F0702030302020204" pitchFamily="66" charset="0"/>
+              </a:rPr>
+              <a:t>Suppose that either a member of the mathematics faculty or a student who is a mathematics major is chosen as a representative to a university committee. How many different choices are there for this representative if there are 37 members of the mathematics faculty and 83 mathematics majors and </a:t>
+            </a:r>
+            <a:r>
+              <a:rPr lang="en" dirty="0" smtClean="0">
+                <a:solidFill>
+                  <a:schemeClr val="tx1"/>
+                </a:solidFill>
+                <a:latin typeface="Comic Sans MS" panose="030F0702030302020204" pitchFamily="66" charset="0"/>
+              </a:rPr>
+              <a:t>2 of them are both a mathematical faculty and mathematical majors?</a:t>
+            </a:r>
+          </a:p>
+          <a:p>
+            <a:pPr marL="0" lvl="0" indent="0" algn="l" rtl="0">
+              <a:spcBef>
+                <a:spcPts val="0"/>
+              </a:spcBef>
+              <a:spcAft>
+                <a:spcPts val="0"/>
+              </a:spcAft>
+              <a:buClr>
+                <a:schemeClr val="dk1"/>
+              </a:buClr>
+              <a:buSzPts val="1100"/>
+              <a:buFont typeface="Arial"/>
+              <a:buNone/>
+            </a:pPr>
+            <a:endParaRPr lang="en" dirty="0">
+              <a:solidFill>
+                <a:schemeClr val="tx1"/>
+              </a:solidFill>
+              <a:latin typeface="Comic Sans MS" panose="030F0702030302020204" pitchFamily="66" charset="0"/>
+            </a:endParaRPr>
+          </a:p>
+        </p:txBody>
+      </p:sp>
+    </p:spTree>
+    <p:extLst>
+      <p:ext uri="{BB962C8B-B14F-4D97-AF65-F5344CB8AC3E}">
+        <p14:creationId xmlns:p14="http://schemas.microsoft.com/office/powerpoint/2010/main" val="1150061320"/>
+      </p:ext>
+    </p:extLst>
+  </p:cSld>
+  <p:clrMapOvr>
+    <a:masterClrMapping/>
+  </p:clrMapOvr>
+  <p:timing>
+    <p:tnLst>
+      <p:par>
+        <p:cTn id="1" dur="indefinite" restart="never" nodeType="tmRoot"/>
+      </p:par>
+    </p:tnLst>
+  </p:timing>
+</p:sld>
+</file>
+
+<file path=ppt/slides/slide16.xml><?xml version="1.0" encoding="utf-8"?>
+<p:sld xmlns:a="http://schemas.openxmlformats.org/drawingml/2006/main" xmlns:r="http://schemas.openxmlformats.org/officeDocument/2006/relationships" xmlns:p="http://schemas.openxmlformats.org/presentationml/2006/main">
+  <p:cSld>
+    <p:spTree>
+      <p:nvGrpSpPr>
+        <p:cNvPr id="1" name="Shape 83"/>
+        <p:cNvGrpSpPr/>
+        <p:nvPr/>
+      </p:nvGrpSpPr>
+      <p:grpSpPr>
+        <a:xfrm>
+          <a:off x="0" y="0"/>
+          <a:ext cx="0" cy="0"/>
+          <a:chOff x="0" y="0"/>
+          <a:chExt cx="0" cy="0"/>
+        </a:xfrm>
+      </p:grpSpPr>
+      <p:sp>
+        <p:nvSpPr>
+          <p:cNvPr id="84" name="Google Shape;84;p18"/>
+          <p:cNvSpPr txBox="1">
+            <a:spLocks noGrp="1"/>
+          </p:cNvSpPr>
+          <p:nvPr>
+            <p:ph type="title"/>
+          </p:nvPr>
+        </p:nvSpPr>
+        <p:spPr>
+          <a:xfrm>
+            <a:off x="311700" y="445025"/>
+            <a:ext cx="8520600" cy="572700"/>
+          </a:xfrm>
+          <a:prstGeom prst="rect">
+            <a:avLst/>
+          </a:prstGeom>
+        </p:spPr>
+        <p:txBody>
+          <a:bodyPr spcFirstLastPara="1" wrap="square" lIns="91425" tIns="91425" rIns="91425" bIns="91425" anchor="t" anchorCtr="0">
+            <a:noAutofit/>
+          </a:bodyPr>
+          <a:lstStyle/>
+          <a:p>
+            <a:pPr marL="0" lvl="0" indent="0" algn="l" rtl="0">
+              <a:spcBef>
+                <a:spcPts val="0"/>
+              </a:spcBef>
+              <a:spcAft>
+                <a:spcPts val="0"/>
+              </a:spcAft>
+              <a:buNone/>
+            </a:pPr>
+            <a:r>
+              <a:rPr lang="en" dirty="0">
+                <a:latin typeface="Comic Sans MS" panose="030F0702030302020204" pitchFamily="66" charset="0"/>
+              </a:rPr>
+              <a:t>Problem </a:t>
+            </a:r>
+            <a:r>
+              <a:rPr lang="en" dirty="0" smtClean="0">
+                <a:latin typeface="Comic Sans MS" panose="030F0702030302020204" pitchFamily="66" charset="0"/>
+              </a:rPr>
+              <a:t>3.2</a:t>
+            </a:r>
+            <a:endParaRPr dirty="0">
+              <a:latin typeface="Comic Sans MS" panose="030F0702030302020204" pitchFamily="66" charset="0"/>
+            </a:endParaRPr>
+          </a:p>
+        </p:txBody>
+      </p:sp>
+      <p:sp>
+        <p:nvSpPr>
+          <p:cNvPr id="85" name="Google Shape;85;p18"/>
+          <p:cNvSpPr txBox="1">
+            <a:spLocks noGrp="1"/>
+          </p:cNvSpPr>
+          <p:nvPr>
+            <p:ph type="body" idx="1"/>
+          </p:nvPr>
+        </p:nvSpPr>
+        <p:spPr>
+          <a:xfrm>
+            <a:off x="311700" y="1152475"/>
+            <a:ext cx="8520600" cy="717422"/>
+          </a:xfrm>
+          <a:prstGeom prst="rect">
+            <a:avLst/>
+          </a:prstGeom>
+        </p:spPr>
+        <p:txBody>
+          <a:bodyPr spcFirstLastPara="1" wrap="square" lIns="91425" tIns="91425" rIns="91425" bIns="91425" anchor="t" anchorCtr="0">
+            <a:noAutofit/>
+          </a:bodyPr>
+          <a:lstStyle/>
+          <a:p>
+            <a:pPr marL="0" lvl="0" indent="0">
+              <a:buClr>
+                <a:schemeClr val="dk1"/>
+              </a:buClr>
+              <a:buSzPts val="1100"/>
+              <a:buNone/>
+            </a:pPr>
+            <a:r>
+              <a:rPr lang="en-US" dirty="0">
+                <a:solidFill>
+                  <a:schemeClr val="tx1"/>
+                </a:solidFill>
+                <a:latin typeface="Comic Sans MS" panose="030F0702030302020204" pitchFamily="66" charset="0"/>
+              </a:rPr>
+              <a:t>How many bit strings of length eight either start with a 1 bit or end with the two bits 00?</a:t>
+            </a:r>
+            <a:endParaRPr lang="en" dirty="0">
+              <a:solidFill>
+                <a:schemeClr val="tx1"/>
+              </a:solidFill>
+              <a:latin typeface="Comic Sans MS" panose="030F0702030302020204" pitchFamily="66" charset="0"/>
+            </a:endParaRPr>
+          </a:p>
+        </p:txBody>
+      </p:sp>
+    </p:spTree>
+    <p:extLst>
+      <p:ext uri="{BB962C8B-B14F-4D97-AF65-F5344CB8AC3E}">
+        <p14:creationId xmlns:p14="http://schemas.microsoft.com/office/powerpoint/2010/main" val="1050370143"/>
+      </p:ext>
+    </p:extLst>
+  </p:cSld>
+  <p:clrMapOvr>
+    <a:masterClrMapping/>
+  </p:clrMapOvr>
+  <p:timing>
+    <p:tnLst>
+      <p:par>
+        <p:cTn id="1" dur="indefinite" restart="never" nodeType="tmRoot"/>
+      </p:par>
+    </p:tnLst>
+  </p:timing>
+</p:sld>
+</file>
+
+<file path=ppt/slides/slide17.xml><?xml version="1.0" encoding="utf-8"?>
 <p:sld xmlns:a="http://schemas.openxmlformats.org/drawingml/2006/main" xmlns:r="http://schemas.openxmlformats.org/officeDocument/2006/relationships" xmlns:p="http://schemas.openxmlformats.org/presentationml/2006/main">
   <p:cSld>
     <p:spTree>
@@ -9040,10 +9513,16 @@
               <a:t>Problem </a:t>
             </a:r>
             <a:r>
+              <a:rPr lang="en" dirty="0">
+                <a:latin typeface="Comic Sans MS" panose="030F0702030302020204" pitchFamily="66" charset="0"/>
+              </a:rPr>
+              <a:t>4</a:t>
+            </a:r>
+            <a:r>
               <a:rPr lang="en" dirty="0" smtClean="0">
                 <a:latin typeface="Comic Sans MS" panose="030F0702030302020204" pitchFamily="66" charset="0"/>
               </a:rPr>
-              <a:t>3.2</a:t>
+              <a:t>.1</a:t>
             </a:r>
             <a:endParaRPr dirty="0">
               <a:latin typeface="Comic Sans MS" panose="030F0702030302020204" pitchFamily="66" charset="0"/>
@@ -9063,8 +9542,8 @@
         </p:nvSpPr>
         <p:spPr>
           <a:xfrm>
-            <a:off x="311700" y="1152474"/>
-            <a:ext cx="8520600" cy="2946559"/>
+            <a:off x="311700" y="1152475"/>
+            <a:ext cx="8520600" cy="1631822"/>
           </a:xfrm>
           <a:prstGeom prst="rect">
             <a:avLst/>
@@ -9091,163 +9570,58 @@
               <a:buNone/>
             </a:pPr>
             <a:r>
-              <a:rPr lang="en-US" dirty="0" smtClean="0">
+              <a:rPr lang="en" dirty="0">
                 <a:solidFill>
                   <a:schemeClr val="tx1"/>
                 </a:solidFill>
                 <a:latin typeface="Comic Sans MS" panose="030F0702030302020204" pitchFamily="66" charset="0"/>
               </a:rPr>
-              <a:t>A six person committee of Alice, Bob, Charlie, Dylan, Elle, Frank is to select a chairperson, secretary, treasurer from themselves.</a:t>
-            </a:r>
-          </a:p>
-          <a:p>
-            <a:pPr marL="342900" lvl="0" algn="l" rtl="0">
-              <a:spcBef>
-                <a:spcPts val="0"/>
-              </a:spcBef>
-              <a:spcAft>
-                <a:spcPts val="0"/>
-              </a:spcAft>
-              <a:buClr>
-                <a:schemeClr val="dk1"/>
-              </a:buClr>
-              <a:buSzPts val="1100"/>
-              <a:buFont typeface="Arial"/>
-              <a:buAutoNum type="alphaLcPeriod"/>
-            </a:pPr>
-            <a:r>
-              <a:rPr lang="en-US" dirty="0" smtClean="0">
-                <a:solidFill>
-                  <a:schemeClr val="tx1"/>
-                </a:solidFill>
-                <a:latin typeface="Comic Sans MS" panose="030F0702030302020204" pitchFamily="66" charset="0"/>
-              </a:rPr>
-              <a:t>How many ways this can be done?</a:t>
-            </a:r>
-          </a:p>
-          <a:p>
-            <a:pPr marL="342900" lvl="0" algn="l" rtl="0">
-              <a:spcBef>
-                <a:spcPts val="0"/>
-              </a:spcBef>
-              <a:spcAft>
-                <a:spcPts val="0"/>
-              </a:spcAft>
-              <a:buClr>
-                <a:schemeClr val="dk1"/>
-              </a:buClr>
-              <a:buSzPts val="1100"/>
-              <a:buFont typeface="Arial"/>
-              <a:buAutoNum type="alphaLcPeriod"/>
-            </a:pPr>
-            <a:r>
-              <a:rPr lang="en-US" dirty="0" smtClean="0">
-                <a:solidFill>
-                  <a:schemeClr val="tx1"/>
-                </a:solidFill>
-                <a:latin typeface="Comic Sans MS" panose="030F0702030302020204" pitchFamily="66" charset="0"/>
-              </a:rPr>
-              <a:t>If either Elle or Bob must be a chairperson?</a:t>
-            </a:r>
-          </a:p>
-          <a:p>
-            <a:pPr marL="342900" lvl="0" algn="l" rtl="0">
-              <a:spcBef>
-                <a:spcPts val="0"/>
-              </a:spcBef>
-              <a:spcAft>
-                <a:spcPts val="0"/>
-              </a:spcAft>
-              <a:buClr>
-                <a:schemeClr val="dk1"/>
-              </a:buClr>
-              <a:buSzPts val="1100"/>
-              <a:buFont typeface="Arial"/>
-              <a:buAutoNum type="alphaLcPeriod"/>
-            </a:pPr>
-            <a:r>
-              <a:rPr lang="en-US" dirty="0" smtClean="0">
-                <a:solidFill>
-                  <a:schemeClr val="tx1"/>
-                </a:solidFill>
-                <a:latin typeface="Comic Sans MS" panose="030F0702030302020204" pitchFamily="66" charset="0"/>
-              </a:rPr>
-              <a:t>If </a:t>
-            </a:r>
-            <a:r>
-              <a:rPr lang="en-US" dirty="0">
-                <a:solidFill>
-                  <a:schemeClr val="tx1"/>
-                </a:solidFill>
-                <a:latin typeface="Comic Sans MS" panose="030F0702030302020204" pitchFamily="66" charset="0"/>
-              </a:rPr>
-              <a:t>E</a:t>
-            </a:r>
-            <a:r>
-              <a:rPr lang="en-US" dirty="0" smtClean="0">
-                <a:solidFill>
-                  <a:schemeClr val="tx1"/>
-                </a:solidFill>
-                <a:latin typeface="Comic Sans MS" panose="030F0702030302020204" pitchFamily="66" charset="0"/>
-              </a:rPr>
-              <a:t>lle must hold one position?</a:t>
-            </a:r>
-          </a:p>
-          <a:p>
-            <a:pPr marL="342900" lvl="0" algn="l" rtl="0">
-              <a:spcBef>
-                <a:spcPts val="0"/>
-              </a:spcBef>
-              <a:spcAft>
-                <a:spcPts val="0"/>
-              </a:spcAft>
-              <a:buClr>
-                <a:schemeClr val="dk1"/>
-              </a:buClr>
-              <a:buSzPts val="1100"/>
-              <a:buFont typeface="Arial"/>
-              <a:buAutoNum type="alphaLcPeriod"/>
-            </a:pPr>
-            <a:r>
-              <a:rPr lang="en-US" dirty="0" smtClean="0">
-                <a:solidFill>
-                  <a:schemeClr val="tx1"/>
-                </a:solidFill>
-                <a:latin typeface="Comic Sans MS" panose="030F0702030302020204" pitchFamily="66" charset="0"/>
-              </a:rPr>
-              <a:t>If both Dylan and Frank must hold positions</a:t>
-            </a:r>
-          </a:p>
-          <a:p>
-            <a:pPr marL="342900" lvl="0" algn="l" rtl="0">
-              <a:spcBef>
-                <a:spcPts val="0"/>
-              </a:spcBef>
-              <a:spcAft>
-                <a:spcPts val="0"/>
-              </a:spcAft>
-              <a:buClr>
-                <a:schemeClr val="dk1"/>
-              </a:buClr>
-              <a:buSzPts val="1100"/>
-              <a:buFont typeface="Arial"/>
-              <a:buAutoNum type="alphaLcPeriod"/>
-            </a:pPr>
-            <a:endParaRPr lang="en" dirty="0" smtClean="0">
+              <a:t>Each user on a computer system has a password, which is six to eight characters long, where each character is an uppercase letter or a digit. </a:t>
+            </a:r>
+            <a:endParaRPr dirty="0">
               <a:solidFill>
                 <a:schemeClr val="tx1"/>
               </a:solidFill>
               <a:latin typeface="Comic Sans MS" panose="030F0702030302020204" pitchFamily="66" charset="0"/>
             </a:endParaRPr>
           </a:p>
+          <a:p>
+            <a:pPr marL="0" lvl="0" indent="0" algn="l" rtl="0">
+              <a:spcBef>
+                <a:spcPts val="1600"/>
+              </a:spcBef>
+              <a:spcAft>
+                <a:spcPts val="0"/>
+              </a:spcAft>
+              <a:buClr>
+                <a:schemeClr val="dk1"/>
+              </a:buClr>
+              <a:buSzPts val="1100"/>
+              <a:buFont typeface="Arial"/>
+              <a:buNone/>
+            </a:pPr>
+            <a:r>
+              <a:rPr lang="en" dirty="0">
+                <a:solidFill>
+                  <a:schemeClr val="tx1"/>
+                </a:solidFill>
+                <a:latin typeface="Comic Sans MS" panose="030F0702030302020204" pitchFamily="66" charset="0"/>
+              </a:rPr>
+              <a:t>How many possible passwords are there</a:t>
+            </a:r>
+            <a:r>
+              <a:rPr lang="en" dirty="0" smtClean="0">
+                <a:solidFill>
+                  <a:schemeClr val="tx1"/>
+                </a:solidFill>
+                <a:latin typeface="Comic Sans MS" panose="030F0702030302020204" pitchFamily="66" charset="0"/>
+              </a:rPr>
+              <a:t>?</a:t>
+            </a:r>
+          </a:p>
         </p:txBody>
       </p:sp>
     </p:spTree>
-    <p:extLst>
-      <p:ext uri="{BB962C8B-B14F-4D97-AF65-F5344CB8AC3E}">
-        <p14:creationId xmlns:p14="http://schemas.microsoft.com/office/powerpoint/2010/main" val="2693808051"/>
-      </p:ext>
-    </p:extLst>
   </p:cSld>
   <p:clrMapOvr>
     <a:masterClrMapping/>
@@ -9262,7 +9636,7 @@
 </p:sld>
 </file>
 
-<file path=ppt/slides/slide16.xml><?xml version="1.0" encoding="utf-8"?>
+<file path=ppt/slides/slide18.xml><?xml version="1.0" encoding="utf-8"?>
 <p:sld xmlns:a="http://schemas.openxmlformats.org/drawingml/2006/main" xmlns:r="http://schemas.openxmlformats.org/officeDocument/2006/relationships" xmlns:p="http://schemas.openxmlformats.org/presentationml/2006/main">
   <p:cSld>
     <p:spTree>
@@ -9325,10 +9699,16 @@
               <a:t>Problem </a:t>
             </a:r>
             <a:r>
+              <a:rPr lang="en" dirty="0">
+                <a:latin typeface="Comic Sans MS" panose="030F0702030302020204" pitchFamily="66" charset="0"/>
+              </a:rPr>
+              <a:t>4</a:t>
+            </a:r>
+            <a:r>
               <a:rPr lang="en" dirty="0" smtClean="0">
                 <a:latin typeface="Comic Sans MS" panose="030F0702030302020204" pitchFamily="66" charset="0"/>
               </a:rPr>
-              <a:t>3.2</a:t>
+              <a:t>.2</a:t>
             </a:r>
             <a:endParaRPr dirty="0">
               <a:latin typeface="Comic Sans MS" panose="030F0702030302020204" pitchFamily="66" charset="0"/>
@@ -9372,7 +9752,151 @@
                 <a:schemeClr val="dk1"/>
               </a:buClr>
               <a:buSzPts val="1100"/>
-              <a:buNone/>
+              <a:buFont typeface="Arial"/>
+              <a:buNone/>
+            </a:pPr>
+            <a:r>
+              <a:rPr lang="en-US" dirty="0" smtClean="0">
+                <a:solidFill>
+                  <a:schemeClr val="tx1"/>
+                </a:solidFill>
+                <a:latin typeface="Comic Sans MS" panose="030F0702030302020204" pitchFamily="66" charset="0"/>
+              </a:rPr>
+              <a:t>A six person committee of Alice, Bob, Charlie, Dylan, Elle, Frank is to select a chairperson, secretary, treasurer from themselves.</a:t>
+            </a:r>
+          </a:p>
+          <a:p>
+            <a:pPr marL="342900" lvl="0" algn="l" rtl="0">
+              <a:spcBef>
+                <a:spcPts val="0"/>
+              </a:spcBef>
+              <a:spcAft>
+                <a:spcPts val="0"/>
+              </a:spcAft>
+              <a:buClr>
+                <a:schemeClr val="dk1"/>
+              </a:buClr>
+              <a:buSzPts val="1100"/>
+              <a:buFont typeface="Arial"/>
+              <a:buAutoNum type="alphaLcPeriod"/>
+            </a:pPr>
+            <a:r>
+              <a:rPr lang="en-US" dirty="0" smtClean="0">
+                <a:solidFill>
+                  <a:schemeClr val="tx1"/>
+                </a:solidFill>
+                <a:latin typeface="Comic Sans MS" panose="030F0702030302020204" pitchFamily="66" charset="0"/>
+              </a:rPr>
+              <a:t>How many ways this can be done?</a:t>
+            </a:r>
+          </a:p>
+          <a:p>
+            <a:pPr marL="342900" lvl="0" algn="l" rtl="0">
+              <a:spcBef>
+                <a:spcPts val="0"/>
+              </a:spcBef>
+              <a:spcAft>
+                <a:spcPts val="0"/>
+              </a:spcAft>
+              <a:buClr>
+                <a:schemeClr val="dk1"/>
+              </a:buClr>
+              <a:buSzPts val="1100"/>
+              <a:buFont typeface="Arial"/>
+              <a:buAutoNum type="alphaLcPeriod"/>
+            </a:pPr>
+            <a:r>
+              <a:rPr lang="en-US" dirty="0" smtClean="0">
+                <a:solidFill>
+                  <a:schemeClr val="tx1"/>
+                </a:solidFill>
+                <a:latin typeface="Comic Sans MS" panose="030F0702030302020204" pitchFamily="66" charset="0"/>
+              </a:rPr>
+              <a:t>If either Elle or Bob must be a chairperson?</a:t>
+            </a:r>
+          </a:p>
+          <a:p>
+            <a:pPr marL="342900" lvl="0" algn="l" rtl="0">
+              <a:spcBef>
+                <a:spcPts val="0"/>
+              </a:spcBef>
+              <a:spcAft>
+                <a:spcPts val="0"/>
+              </a:spcAft>
+              <a:buClr>
+                <a:schemeClr val="dk1"/>
+              </a:buClr>
+              <a:buSzPts val="1100"/>
+              <a:buFont typeface="Arial"/>
+              <a:buAutoNum type="alphaLcPeriod"/>
+            </a:pPr>
+            <a:r>
+              <a:rPr lang="en-US" dirty="0" smtClean="0">
+                <a:solidFill>
+                  <a:schemeClr val="tx1"/>
+                </a:solidFill>
+                <a:latin typeface="Comic Sans MS" panose="030F0702030302020204" pitchFamily="66" charset="0"/>
+              </a:rPr>
+              <a:t>If </a:t>
+            </a:r>
+            <a:r>
+              <a:rPr lang="en-US" dirty="0">
+                <a:solidFill>
+                  <a:schemeClr val="tx1"/>
+                </a:solidFill>
+                <a:latin typeface="Comic Sans MS" panose="030F0702030302020204" pitchFamily="66" charset="0"/>
+              </a:rPr>
+              <a:t>E</a:t>
+            </a:r>
+            <a:r>
+              <a:rPr lang="en-US" dirty="0" smtClean="0">
+                <a:solidFill>
+                  <a:schemeClr val="tx1"/>
+                </a:solidFill>
+                <a:latin typeface="Comic Sans MS" panose="030F0702030302020204" pitchFamily="66" charset="0"/>
+              </a:rPr>
+              <a:t>lle must hold one position?</a:t>
+            </a:r>
+          </a:p>
+          <a:p>
+            <a:pPr marL="342900" lvl="0" algn="l" rtl="0">
+              <a:spcBef>
+                <a:spcPts val="0"/>
+              </a:spcBef>
+              <a:spcAft>
+                <a:spcPts val="0"/>
+              </a:spcAft>
+              <a:buClr>
+                <a:schemeClr val="dk1"/>
+              </a:buClr>
+              <a:buSzPts val="1100"/>
+              <a:buFont typeface="Arial"/>
+              <a:buAutoNum type="alphaLcPeriod"/>
+            </a:pPr>
+            <a:r>
+              <a:rPr lang="en-US" dirty="0" smtClean="0">
+                <a:solidFill>
+                  <a:schemeClr val="tx1"/>
+                </a:solidFill>
+                <a:latin typeface="Comic Sans MS" panose="030F0702030302020204" pitchFamily="66" charset="0"/>
+              </a:rPr>
+              <a:t>If both Dylan and Frank must hold positions</a:t>
+            </a:r>
+          </a:p>
+          <a:p>
+            <a:pPr marL="342900" lvl="0" algn="l" rtl="0">
+              <a:spcBef>
+                <a:spcPts val="0"/>
+              </a:spcBef>
+              <a:spcAft>
+                <a:spcPts val="0"/>
+              </a:spcAft>
+              <a:buClr>
+                <a:schemeClr val="dk1"/>
+              </a:buClr>
+              <a:buSzPts val="1100"/>
+              <a:buFont typeface="Arial"/>
+              <a:buAutoNum type="alphaLcPeriod"/>
             </a:pPr>
             <a:endParaRPr lang="en" dirty="0" smtClean="0">
               <a:solidFill>
@@ -9386,7 +9910,7 @@
     </p:spTree>
     <p:extLst>
       <p:ext uri="{BB962C8B-B14F-4D97-AF65-F5344CB8AC3E}">
-        <p14:creationId xmlns:p14="http://schemas.microsoft.com/office/powerpoint/2010/main" val="978745287"/>
+        <p14:creationId xmlns:p14="http://schemas.microsoft.com/office/powerpoint/2010/main" val="2693808051"/>
       </p:ext>
     </p:extLst>
   </p:cSld>
@@ -9403,12 +9927,12 @@
 </p:sld>
 </file>
 
-<file path=ppt/slides/slide17.xml><?xml version="1.0" encoding="utf-8"?>
+<file path=ppt/slides/slide19.xml><?xml version="1.0" encoding="utf-8"?>
 <p:sld xmlns:a="http://schemas.openxmlformats.org/drawingml/2006/main" xmlns:r="http://schemas.openxmlformats.org/officeDocument/2006/relationships" xmlns:p="http://schemas.openxmlformats.org/presentationml/2006/main">
   <p:cSld>
     <p:spTree>
       <p:nvGrpSpPr>
-        <p:cNvPr id="1" name="Shape 101"/>
+        <p:cNvPr id="1" name="Shape 95"/>
         <p:cNvGrpSpPr/>
         <p:nvPr/>
       </p:nvGrpSpPr>
@@ -9422,7 +9946,7 @@
       </p:grpSpPr>
       <p:sp>
         <p:nvSpPr>
-          <p:cNvPr id="102" name="Google Shape;102;p21"/>
+          <p:cNvPr id="96" name="Google Shape;96;p20"/>
           <p:cNvSpPr txBox="1">
             <a:spLocks noGrp="1"/>
           </p:cNvSpPr>
@@ -9466,10 +9990,16 @@
               <a:t>Problem </a:t>
             </a:r>
             <a:r>
+              <a:rPr lang="en" dirty="0">
+                <a:latin typeface="Comic Sans MS" panose="030F0702030302020204" pitchFamily="66" charset="0"/>
+              </a:rPr>
+              <a:t>4</a:t>
+            </a:r>
+            <a:r>
               <a:rPr lang="en" dirty="0" smtClean="0">
                 <a:latin typeface="Comic Sans MS" panose="030F0702030302020204" pitchFamily="66" charset="0"/>
               </a:rPr>
-              <a:t>5.1: Solve using tree diagram</a:t>
+              <a:t>.2</a:t>
             </a:r>
             <a:endParaRPr dirty="0">
               <a:latin typeface="Comic Sans MS" panose="030F0702030302020204" pitchFamily="66" charset="0"/>
@@ -9479,7 +10009,7 @@
       </p:sp>
       <p:sp>
         <p:nvSpPr>
-          <p:cNvPr id="103" name="Google Shape;103;p21"/>
+          <p:cNvPr id="97" name="Google Shape;97;p20"/>
           <p:cNvSpPr txBox="1">
             <a:spLocks noGrp="1"/>
           </p:cNvSpPr>
@@ -9489,8 +10019,8 @@
         </p:nvSpPr>
         <p:spPr>
           <a:xfrm>
-            <a:off x="311700" y="1152475"/>
-            <a:ext cx="8520600" cy="779067"/>
+            <a:off x="311700" y="1152474"/>
+            <a:ext cx="8520600" cy="2946559"/>
           </a:xfrm>
           <a:prstGeom prst="rect">
             <a:avLst/>
@@ -9507,29 +10037,15 @@
                 <a:spcPts val="0"/>
               </a:spcBef>
               <a:spcAft>
-                <a:spcPts val="1600"/>
-              </a:spcAft>
+                <a:spcPts val="0"/>
+              </a:spcAft>
+              <a:buClr>
+                <a:schemeClr val="dk1"/>
+              </a:buClr>
+              <a:buSzPts val="1100"/>
               <a:buNone/>
             </a:pPr>
-            <a:r>
-              <a:rPr lang="en" dirty="0" smtClean="0">
-                <a:solidFill>
-                  <a:schemeClr val="tx1"/>
-                </a:solidFill>
-                <a:latin typeface="Comic Sans MS" panose="030F0702030302020204" pitchFamily="66" charset="0"/>
-              </a:rPr>
-              <a:t>How </a:t>
-            </a:r>
-            <a:r>
-              <a:rPr lang="en" dirty="0">
-                <a:solidFill>
-                  <a:schemeClr val="tx1"/>
-                </a:solidFill>
-                <a:latin typeface="Comic Sans MS" panose="030F0702030302020204" pitchFamily="66" charset="0"/>
-              </a:rPr>
-              <a:t>many bit strings of length four do not have two consecutive 1s? </a:t>
-            </a:r>
-            <a:endParaRPr dirty="0">
+            <a:endParaRPr lang="en" dirty="0" smtClean="0">
               <a:solidFill>
                 <a:schemeClr val="tx1"/>
               </a:solidFill>
@@ -9541,435 +10057,9 @@
     </p:spTree>
     <p:extLst>
       <p:ext uri="{BB962C8B-B14F-4D97-AF65-F5344CB8AC3E}">
-        <p14:creationId xmlns:p14="http://schemas.microsoft.com/office/powerpoint/2010/main" val="3063134275"/>
+        <p14:creationId xmlns:p14="http://schemas.microsoft.com/office/powerpoint/2010/main" val="978745287"/>
       </p:ext>
     </p:extLst>
-  </p:cSld>
-  <p:clrMapOvr>
-    <a:masterClrMapping/>
-  </p:clrMapOvr>
-  <p:timing>
-    <p:tnLst>
-      <p:par>
-        <p:cTn id="1" dur="indefinite" restart="never" nodeType="tmRoot"/>
-      </p:par>
-    </p:tnLst>
-  </p:timing>
-</p:sld>
-</file>
-
-<file path=ppt/slides/slide18.xml><?xml version="1.0" encoding="utf-8"?>
-<p:sld xmlns:a="http://schemas.openxmlformats.org/drawingml/2006/main" xmlns:r="http://schemas.openxmlformats.org/officeDocument/2006/relationships" xmlns:p="http://schemas.openxmlformats.org/presentationml/2006/main">
-  <p:cSld>
-    <p:spTree>
-      <p:nvGrpSpPr>
-        <p:cNvPr id="1" name=""/>
-        <p:cNvGrpSpPr/>
-        <p:nvPr/>
-      </p:nvGrpSpPr>
-      <p:grpSpPr>
-        <a:xfrm>
-          <a:off x="0" y="0"/>
-          <a:ext cx="0" cy="0"/>
-          <a:chOff x="0" y="0"/>
-          <a:chExt cx="0" cy="0"/>
-        </a:xfrm>
-      </p:grpSpPr>
-      <p:sp>
-        <p:nvSpPr>
-          <p:cNvPr id="2" name="Title 1"/>
-          <p:cNvSpPr>
-            <a:spLocks noGrp="1"/>
-          </p:cNvSpPr>
-          <p:nvPr>
-            <p:ph type="title"/>
-          </p:nvPr>
-        </p:nvSpPr>
-        <p:spPr/>
-        <p:txBody>
-          <a:bodyPr/>
-          <a:lstStyle/>
-          <a:p>
-            <a:r>
-              <a:rPr lang="en-US" dirty="0" smtClean="0">
-                <a:latin typeface="Comic Sans MS" panose="030F0702030302020204" pitchFamily="66" charset="0"/>
-              </a:rPr>
-              <a:t>Pigeonhole Principle</a:t>
-            </a:r>
-            <a:endParaRPr lang="en-US" dirty="0">
-              <a:latin typeface="Comic Sans MS" panose="030F0702030302020204" pitchFamily="66" charset="0"/>
-            </a:endParaRPr>
-          </a:p>
-        </p:txBody>
-      </p:sp>
-      <p:sp>
-        <p:nvSpPr>
-          <p:cNvPr id="3" name="Text Placeholder 2"/>
-          <p:cNvSpPr>
-            <a:spLocks noGrp="1"/>
-          </p:cNvSpPr>
-          <p:nvPr>
-            <p:ph type="body" idx="1"/>
-          </p:nvPr>
-        </p:nvSpPr>
-        <p:spPr>
-          <a:xfrm>
-            <a:off x="311700" y="1152475"/>
-            <a:ext cx="8520600" cy="1705025"/>
-          </a:xfrm>
-        </p:spPr>
-        <p:txBody>
-          <a:bodyPr/>
-          <a:lstStyle/>
-          <a:p>
-            <a:pPr marL="114300" indent="0">
-              <a:buNone/>
-            </a:pPr>
-            <a:r>
-              <a:rPr lang="en-US" dirty="0">
-                <a:solidFill>
-                  <a:schemeClr val="tx1"/>
-                </a:solidFill>
-                <a:latin typeface="Comic Sans MS" panose="030F0702030302020204" pitchFamily="66" charset="0"/>
-              </a:rPr>
-              <a:t>If </a:t>
-            </a:r>
-            <a:r>
-              <a:rPr lang="en-US" i="1" dirty="0">
-                <a:solidFill>
-                  <a:schemeClr val="tx1"/>
-                </a:solidFill>
-                <a:latin typeface="Comic Sans MS" panose="030F0702030302020204" pitchFamily="66" charset="0"/>
-              </a:rPr>
-              <a:t>k </a:t>
-            </a:r>
-            <a:r>
-              <a:rPr lang="en-US" dirty="0">
-                <a:solidFill>
-                  <a:schemeClr val="tx1"/>
-                </a:solidFill>
-                <a:latin typeface="Comic Sans MS" panose="030F0702030302020204" pitchFamily="66" charset="0"/>
-              </a:rPr>
-              <a:t>is a positive integer and </a:t>
-            </a:r>
-            <a:r>
-              <a:rPr lang="en-US" i="1" dirty="0">
-                <a:solidFill>
-                  <a:schemeClr val="tx1"/>
-                </a:solidFill>
-                <a:latin typeface="Comic Sans MS" panose="030F0702030302020204" pitchFamily="66" charset="0"/>
-              </a:rPr>
-              <a:t>k </a:t>
-            </a:r>
-            <a:r>
-              <a:rPr lang="en-US" dirty="0">
-                <a:solidFill>
-                  <a:schemeClr val="tx1"/>
-                </a:solidFill>
-                <a:latin typeface="Comic Sans MS" panose="030F0702030302020204" pitchFamily="66" charset="0"/>
-              </a:rPr>
-              <a:t>+ 1 or more </a:t>
-            </a:r>
-            <a:r>
-              <a:rPr lang="en-US" dirty="0" smtClean="0">
-                <a:solidFill>
-                  <a:schemeClr val="tx1"/>
-                </a:solidFill>
-                <a:latin typeface="Comic Sans MS" panose="030F0702030302020204" pitchFamily="66" charset="0"/>
-              </a:rPr>
-              <a:t>objects are </a:t>
-            </a:r>
-            <a:r>
-              <a:rPr lang="en-US" dirty="0">
-                <a:solidFill>
-                  <a:schemeClr val="tx1"/>
-                </a:solidFill>
-                <a:latin typeface="Comic Sans MS" panose="030F0702030302020204" pitchFamily="66" charset="0"/>
-              </a:rPr>
-              <a:t>placed into </a:t>
-            </a:r>
-            <a:r>
-              <a:rPr lang="en-US" i="1" dirty="0">
-                <a:solidFill>
-                  <a:schemeClr val="tx1"/>
-                </a:solidFill>
-                <a:latin typeface="Comic Sans MS" panose="030F0702030302020204" pitchFamily="66" charset="0"/>
-              </a:rPr>
-              <a:t>k </a:t>
-            </a:r>
-            <a:r>
-              <a:rPr lang="en-US" dirty="0">
-                <a:solidFill>
-                  <a:schemeClr val="tx1"/>
-                </a:solidFill>
-                <a:latin typeface="Comic Sans MS" panose="030F0702030302020204" pitchFamily="66" charset="0"/>
-              </a:rPr>
-              <a:t>boxes, then there is at least one box containing two or more of the objects</a:t>
-            </a:r>
-            <a:r>
-              <a:rPr lang="en-US" dirty="0" smtClean="0">
-                <a:solidFill>
-                  <a:schemeClr val="tx1"/>
-                </a:solidFill>
-                <a:latin typeface="Comic Sans MS" panose="030F0702030302020204" pitchFamily="66" charset="0"/>
-              </a:rPr>
-              <a:t>.</a:t>
-            </a:r>
-          </a:p>
-          <a:p>
-            <a:pPr marL="114300" indent="0">
-              <a:buNone/>
-            </a:pPr>
-            <a:r>
-              <a:rPr lang="en-US" dirty="0">
-                <a:solidFill>
-                  <a:schemeClr val="tx1"/>
-                </a:solidFill>
-                <a:latin typeface="Comic Sans MS" panose="030F0702030302020204" pitchFamily="66" charset="0"/>
-              </a:rPr>
-              <a:t>If </a:t>
-            </a:r>
-            <a:r>
-              <a:rPr lang="en-US" i="1" dirty="0">
-                <a:solidFill>
-                  <a:schemeClr val="tx1"/>
-                </a:solidFill>
-                <a:latin typeface="Comic Sans MS" panose="030F0702030302020204" pitchFamily="66" charset="0"/>
-              </a:rPr>
-              <a:t>N </a:t>
-            </a:r>
-            <a:r>
-              <a:rPr lang="en-US" dirty="0">
-                <a:solidFill>
-                  <a:schemeClr val="tx1"/>
-                </a:solidFill>
-                <a:latin typeface="Comic Sans MS" panose="030F0702030302020204" pitchFamily="66" charset="0"/>
-              </a:rPr>
-              <a:t>objects are placed into </a:t>
-            </a:r>
-            <a:r>
-              <a:rPr lang="en-US" i="1" dirty="0" smtClean="0">
-                <a:solidFill>
-                  <a:schemeClr val="tx1"/>
-                </a:solidFill>
-                <a:latin typeface="Comic Sans MS" panose="030F0702030302020204" pitchFamily="66" charset="0"/>
-              </a:rPr>
-              <a:t>k </a:t>
-            </a:r>
-            <a:r>
-              <a:rPr lang="en-US" dirty="0" smtClean="0">
-                <a:solidFill>
-                  <a:schemeClr val="tx1"/>
-                </a:solidFill>
-                <a:latin typeface="Comic Sans MS" panose="030F0702030302020204" pitchFamily="66" charset="0"/>
-              </a:rPr>
-              <a:t>boxes</a:t>
-            </a:r>
-            <a:r>
-              <a:rPr lang="en-US" dirty="0">
-                <a:solidFill>
-                  <a:schemeClr val="tx1"/>
-                </a:solidFill>
-                <a:latin typeface="Comic Sans MS" panose="030F0702030302020204" pitchFamily="66" charset="0"/>
-              </a:rPr>
-              <a:t>, then there is at least one box containing at least </a:t>
-            </a:r>
-            <a:r>
-              <a:rPr lang="en-US" i="1" dirty="0">
-                <a:solidFill>
-                  <a:schemeClr val="tx1"/>
-                </a:solidFill>
-                <a:latin typeface="Comic Sans MS" panose="030F0702030302020204" pitchFamily="66" charset="0"/>
-              </a:rPr>
-              <a:t>N/k</a:t>
-            </a:r>
-            <a:r>
-              <a:rPr lang="en-US" dirty="0">
-                <a:solidFill>
-                  <a:schemeClr val="tx1"/>
-                </a:solidFill>
-                <a:latin typeface="Comic Sans MS" panose="030F0702030302020204" pitchFamily="66" charset="0"/>
-              </a:rPr>
-              <a:t> objects.</a:t>
-            </a:r>
-          </a:p>
-        </p:txBody>
-      </p:sp>
-    </p:spTree>
-    <p:extLst>
-      <p:ext uri="{BB962C8B-B14F-4D97-AF65-F5344CB8AC3E}">
-        <p14:creationId xmlns:p14="http://schemas.microsoft.com/office/powerpoint/2010/main" val="2186115136"/>
-      </p:ext>
-    </p:extLst>
-  </p:cSld>
-  <p:clrMapOvr>
-    <a:masterClrMapping/>
-  </p:clrMapOvr>
-  <p:timing>
-    <p:tnLst>
-      <p:par>
-        <p:cTn id="1" dur="indefinite" restart="never" nodeType="tmRoot"/>
-      </p:par>
-    </p:tnLst>
-  </p:timing>
-</p:sld>
-</file>
-
-<file path=ppt/slides/slide19.xml><?xml version="1.0" encoding="utf-8"?>
-<p:sld xmlns:a="http://schemas.openxmlformats.org/drawingml/2006/main" xmlns:r="http://schemas.openxmlformats.org/officeDocument/2006/relationships" xmlns:p="http://schemas.openxmlformats.org/presentationml/2006/main">
-  <p:cSld>
-    <p:spTree>
-      <p:nvGrpSpPr>
-        <p:cNvPr id="1" name="Shape 107"/>
-        <p:cNvGrpSpPr/>
-        <p:nvPr/>
-      </p:nvGrpSpPr>
-      <p:grpSpPr>
-        <a:xfrm>
-          <a:off x="0" y="0"/>
-          <a:ext cx="0" cy="0"/>
-          <a:chOff x="0" y="0"/>
-          <a:chExt cx="0" cy="0"/>
-        </a:xfrm>
-      </p:grpSpPr>
-      <p:sp>
-        <p:nvSpPr>
-          <p:cNvPr id="108" name="Google Shape;108;p22"/>
-          <p:cNvSpPr txBox="1">
-            <a:spLocks noGrp="1"/>
-          </p:cNvSpPr>
-          <p:nvPr>
-            <p:ph type="title"/>
-          </p:nvPr>
-        </p:nvSpPr>
-        <p:spPr>
-          <a:xfrm>
-            <a:off x="311700" y="445025"/>
-            <a:ext cx="8520600" cy="572700"/>
-          </a:xfrm>
-          <a:prstGeom prst="rect">
-            <a:avLst/>
-          </a:prstGeom>
-        </p:spPr>
-        <p:txBody>
-          <a:bodyPr spcFirstLastPara="1" wrap="square" lIns="91425" tIns="91425" rIns="91425" bIns="91425" anchor="t" anchorCtr="0">
-            <a:noAutofit/>
-          </a:bodyPr>
-          <a:lstStyle/>
-          <a:p>
-            <a:pPr marL="0" lvl="0" indent="0" algn="l" rtl="0">
-              <a:spcBef>
-                <a:spcPts val="0"/>
-              </a:spcBef>
-              <a:spcAft>
-                <a:spcPts val="0"/>
-              </a:spcAft>
-              <a:buClr>
-                <a:schemeClr val="dk1"/>
-              </a:buClr>
-              <a:buSzPts val="1100"/>
-              <a:buFont typeface="Arial"/>
-              <a:buNone/>
-            </a:pPr>
-            <a:r>
-              <a:rPr lang="en" dirty="0">
-                <a:latin typeface="Comic Sans MS" panose="030F0702030302020204" pitchFamily="66" charset="0"/>
-              </a:rPr>
-              <a:t>Problem </a:t>
-            </a:r>
-            <a:r>
-              <a:rPr lang="en" dirty="0" smtClean="0">
-                <a:latin typeface="Comic Sans MS" panose="030F0702030302020204" pitchFamily="66" charset="0"/>
-              </a:rPr>
-              <a:t>6.1</a:t>
-            </a:r>
-            <a:endParaRPr dirty="0">
-              <a:latin typeface="Comic Sans MS" panose="030F0702030302020204" pitchFamily="66" charset="0"/>
-            </a:endParaRPr>
-          </a:p>
-          <a:p>
-            <a:pPr marL="0" lvl="0" indent="0" algn="l" rtl="0">
-              <a:spcBef>
-                <a:spcPts val="0"/>
-              </a:spcBef>
-              <a:spcAft>
-                <a:spcPts val="0"/>
-              </a:spcAft>
-              <a:buNone/>
-            </a:pPr>
-            <a:endParaRPr dirty="0">
-              <a:latin typeface="Comic Sans MS" panose="030F0702030302020204" pitchFamily="66" charset="0"/>
-            </a:endParaRPr>
-          </a:p>
-        </p:txBody>
-      </p:sp>
-      <p:sp>
-        <p:nvSpPr>
-          <p:cNvPr id="109" name="Google Shape;109;p22"/>
-          <p:cNvSpPr txBox="1">
-            <a:spLocks noGrp="1"/>
-          </p:cNvSpPr>
-          <p:nvPr>
-            <p:ph type="body" idx="1"/>
-          </p:nvPr>
-        </p:nvSpPr>
-        <p:spPr>
-          <a:xfrm>
-            <a:off x="311700" y="1152475"/>
-            <a:ext cx="8520600" cy="1128388"/>
-          </a:xfrm>
-          <a:prstGeom prst="rect">
-            <a:avLst/>
-          </a:prstGeom>
-        </p:spPr>
-        <p:txBody>
-          <a:bodyPr spcFirstLastPara="1" wrap="square" lIns="91425" tIns="91425" rIns="91425" bIns="91425" anchor="t" anchorCtr="0">
-            <a:noAutofit/>
-          </a:bodyPr>
-          <a:lstStyle/>
-          <a:p>
-            <a:pPr marL="0" lvl="0" indent="0" algn="l" rtl="0">
-              <a:spcBef>
-                <a:spcPts val="0"/>
-              </a:spcBef>
-              <a:spcAft>
-                <a:spcPts val="0"/>
-              </a:spcAft>
-              <a:buClr>
-                <a:schemeClr val="dk1"/>
-              </a:buClr>
-              <a:buSzPts val="1100"/>
-              <a:buFont typeface="Arial"/>
-              <a:buNone/>
-            </a:pPr>
-            <a:r>
-              <a:rPr lang="en" dirty="0">
-                <a:solidFill>
-                  <a:schemeClr val="tx1"/>
-                </a:solidFill>
-                <a:latin typeface="Comic Sans MS" panose="030F0702030302020204" pitchFamily="66" charset="0"/>
-              </a:rPr>
-              <a:t>How many students must be in a class to guarantee that at least two students receive the same score on the final exam, if the exam is graded on a scale from 0 to 100 points</a:t>
-            </a:r>
-            <a:r>
-              <a:rPr lang="en" dirty="0" smtClean="0">
-                <a:solidFill>
-                  <a:schemeClr val="tx1"/>
-                </a:solidFill>
-                <a:latin typeface="Comic Sans MS" panose="030F0702030302020204" pitchFamily="66" charset="0"/>
-              </a:rPr>
-              <a:t>?</a:t>
-            </a:r>
-            <a:endParaRPr dirty="0">
-              <a:solidFill>
-                <a:schemeClr val="tx1"/>
-              </a:solidFill>
-              <a:latin typeface="Comic Sans MS" panose="030F0702030302020204" pitchFamily="66" charset="0"/>
-            </a:endParaRPr>
-          </a:p>
-        </p:txBody>
-      </p:sp>
-    </p:spTree>
   </p:cSld>
   <p:clrMapOvr>
     <a:masterClrMapping/>
@@ -10039,13 +10129,7 @@
               <a:rPr lang="en" dirty="0" smtClean="0">
                 <a:latin typeface="Comic Sans MS" panose="030F0702030302020204" pitchFamily="66" charset="0"/>
               </a:rPr>
-              <a:t>First rule of counting - The </a:t>
-            </a:r>
-            <a:r>
-              <a:rPr lang="en" dirty="0" smtClean="0">
-                <a:latin typeface="Comic Sans MS" panose="030F0702030302020204" pitchFamily="66" charset="0"/>
-              </a:rPr>
-              <a:t>Product Rule</a:t>
+              <a:t>First rule of counting - The Product Rule</a:t>
             </a:r>
             <a:endParaRPr dirty="0">
               <a:latin typeface="Comic Sans MS" panose="030F0702030302020204" pitchFamily="66" charset="0"/>
@@ -10289,6 +10373,587 @@
 </file>
 
 <file path=ppt/slides/slide20.xml><?xml version="1.0" encoding="utf-8"?>
+<p:sld xmlns:a="http://schemas.openxmlformats.org/drawingml/2006/main" xmlns:r="http://schemas.openxmlformats.org/officeDocument/2006/relationships" xmlns:p="http://schemas.openxmlformats.org/presentationml/2006/main">
+  <p:cSld>
+    <p:spTree>
+      <p:nvGrpSpPr>
+        <p:cNvPr id="1" name="Shape 101"/>
+        <p:cNvGrpSpPr/>
+        <p:nvPr/>
+      </p:nvGrpSpPr>
+      <p:grpSpPr>
+        <a:xfrm>
+          <a:off x="0" y="0"/>
+          <a:ext cx="0" cy="0"/>
+          <a:chOff x="0" y="0"/>
+          <a:chExt cx="0" cy="0"/>
+        </a:xfrm>
+      </p:grpSpPr>
+      <p:sp>
+        <p:nvSpPr>
+          <p:cNvPr id="102" name="Google Shape;102;p21"/>
+          <p:cNvSpPr txBox="1">
+            <a:spLocks noGrp="1"/>
+          </p:cNvSpPr>
+          <p:nvPr>
+            <p:ph type="title"/>
+          </p:nvPr>
+        </p:nvSpPr>
+        <p:spPr>
+          <a:xfrm>
+            <a:off x="311700" y="445025"/>
+            <a:ext cx="8520600" cy="572700"/>
+          </a:xfrm>
+          <a:prstGeom prst="rect">
+            <a:avLst/>
+          </a:prstGeom>
+        </p:spPr>
+        <p:txBody>
+          <a:bodyPr spcFirstLastPara="1" wrap="square" lIns="91425" tIns="91425" rIns="91425" bIns="91425" anchor="t" anchorCtr="0">
+            <a:noAutofit/>
+          </a:bodyPr>
+          <a:lstStyle/>
+          <a:p>
+            <a:pPr marL="0" lvl="0" indent="0" algn="l" rtl="0">
+              <a:spcBef>
+                <a:spcPts val="0"/>
+              </a:spcBef>
+              <a:spcAft>
+                <a:spcPts val="0"/>
+              </a:spcAft>
+              <a:buClr>
+                <a:schemeClr val="dk1"/>
+              </a:buClr>
+              <a:buSzPts val="1100"/>
+              <a:buFont typeface="Arial"/>
+              <a:buNone/>
+            </a:pPr>
+            <a:r>
+              <a:rPr lang="en" dirty="0">
+                <a:latin typeface="Comic Sans MS" panose="030F0702030302020204" pitchFamily="66" charset="0"/>
+              </a:rPr>
+              <a:t>Problem </a:t>
+            </a:r>
+            <a:r>
+              <a:rPr lang="en" dirty="0" smtClean="0">
+                <a:latin typeface="Comic Sans MS" panose="030F0702030302020204" pitchFamily="66" charset="0"/>
+              </a:rPr>
+              <a:t>5.1: Solve using tree diagram</a:t>
+            </a:r>
+            <a:endParaRPr dirty="0">
+              <a:latin typeface="Comic Sans MS" panose="030F0702030302020204" pitchFamily="66" charset="0"/>
+            </a:endParaRPr>
+          </a:p>
+        </p:txBody>
+      </p:sp>
+      <p:sp>
+        <p:nvSpPr>
+          <p:cNvPr id="103" name="Google Shape;103;p21"/>
+          <p:cNvSpPr txBox="1">
+            <a:spLocks noGrp="1"/>
+          </p:cNvSpPr>
+          <p:nvPr>
+            <p:ph type="body" idx="1"/>
+          </p:nvPr>
+        </p:nvSpPr>
+        <p:spPr>
+          <a:xfrm>
+            <a:off x="311700" y="1152475"/>
+            <a:ext cx="8520600" cy="779067"/>
+          </a:xfrm>
+          <a:prstGeom prst="rect">
+            <a:avLst/>
+          </a:prstGeom>
+        </p:spPr>
+        <p:txBody>
+          <a:bodyPr spcFirstLastPara="1" wrap="square" lIns="91425" tIns="91425" rIns="91425" bIns="91425" anchor="t" anchorCtr="0">
+            <a:noAutofit/>
+          </a:bodyPr>
+          <a:lstStyle/>
+          <a:p>
+            <a:pPr marL="0" lvl="0" indent="0" algn="l" rtl="0">
+              <a:spcBef>
+                <a:spcPts val="0"/>
+              </a:spcBef>
+              <a:spcAft>
+                <a:spcPts val="1600"/>
+              </a:spcAft>
+              <a:buNone/>
+            </a:pPr>
+            <a:r>
+              <a:rPr lang="en" dirty="0" smtClean="0">
+                <a:solidFill>
+                  <a:schemeClr val="tx1"/>
+                </a:solidFill>
+                <a:latin typeface="Comic Sans MS" panose="030F0702030302020204" pitchFamily="66" charset="0"/>
+              </a:rPr>
+              <a:t>How </a:t>
+            </a:r>
+            <a:r>
+              <a:rPr lang="en" dirty="0">
+                <a:solidFill>
+                  <a:schemeClr val="tx1"/>
+                </a:solidFill>
+                <a:latin typeface="Comic Sans MS" panose="030F0702030302020204" pitchFamily="66" charset="0"/>
+              </a:rPr>
+              <a:t>many bit strings of length four do not have two consecutive 1s? </a:t>
+            </a:r>
+            <a:endParaRPr dirty="0">
+              <a:solidFill>
+                <a:schemeClr val="tx1"/>
+              </a:solidFill>
+              <a:latin typeface="Comic Sans MS" panose="030F0702030302020204" pitchFamily="66" charset="0"/>
+            </a:endParaRPr>
+          </a:p>
+        </p:txBody>
+      </p:sp>
+    </p:spTree>
+    <p:extLst>
+      <p:ext uri="{BB962C8B-B14F-4D97-AF65-F5344CB8AC3E}">
+        <p14:creationId xmlns:p14="http://schemas.microsoft.com/office/powerpoint/2010/main" val="3063134275"/>
+      </p:ext>
+    </p:extLst>
+  </p:cSld>
+  <p:clrMapOvr>
+    <a:masterClrMapping/>
+  </p:clrMapOvr>
+  <p:timing>
+    <p:tnLst>
+      <p:par>
+        <p:cTn id="1" dur="indefinite" restart="never" nodeType="tmRoot"/>
+      </p:par>
+    </p:tnLst>
+  </p:timing>
+</p:sld>
+</file>
+
+<file path=ppt/slides/slide21.xml><?xml version="1.0" encoding="utf-8"?>
+<p:sld xmlns:a="http://schemas.openxmlformats.org/drawingml/2006/main" xmlns:r="http://schemas.openxmlformats.org/officeDocument/2006/relationships" xmlns:p="http://schemas.openxmlformats.org/presentationml/2006/main">
+  <p:cSld>
+    <p:spTree>
+      <p:nvGrpSpPr>
+        <p:cNvPr id="1" name=""/>
+        <p:cNvGrpSpPr/>
+        <p:nvPr/>
+      </p:nvGrpSpPr>
+      <p:grpSpPr>
+        <a:xfrm>
+          <a:off x="0" y="0"/>
+          <a:ext cx="0" cy="0"/>
+          <a:chOff x="0" y="0"/>
+          <a:chExt cx="0" cy="0"/>
+        </a:xfrm>
+      </p:grpSpPr>
+      <p:sp>
+        <p:nvSpPr>
+          <p:cNvPr id="2" name="Title 1"/>
+          <p:cNvSpPr>
+            <a:spLocks noGrp="1"/>
+          </p:cNvSpPr>
+          <p:nvPr>
+            <p:ph type="title"/>
+          </p:nvPr>
+        </p:nvSpPr>
+        <p:spPr/>
+        <p:txBody>
+          <a:bodyPr/>
+          <a:lstStyle/>
+          <a:p>
+            <a:r>
+              <a:rPr lang="en-US" dirty="0" smtClean="0">
+                <a:latin typeface="Comic Sans MS" panose="030F0702030302020204" pitchFamily="66" charset="0"/>
+              </a:rPr>
+              <a:t>Pigeonhole Principle</a:t>
+            </a:r>
+            <a:endParaRPr lang="en-US" dirty="0">
+              <a:latin typeface="Comic Sans MS" panose="030F0702030302020204" pitchFamily="66" charset="0"/>
+            </a:endParaRPr>
+          </a:p>
+        </p:txBody>
+      </p:sp>
+      <p:sp>
+        <p:nvSpPr>
+          <p:cNvPr id="3" name="Text Placeholder 2"/>
+          <p:cNvSpPr>
+            <a:spLocks noGrp="1"/>
+          </p:cNvSpPr>
+          <p:nvPr>
+            <p:ph type="body" idx="1"/>
+          </p:nvPr>
+        </p:nvSpPr>
+        <p:spPr>
+          <a:xfrm>
+            <a:off x="311700" y="1152475"/>
+            <a:ext cx="8520600" cy="1705025"/>
+          </a:xfrm>
+        </p:spPr>
+        <p:txBody>
+          <a:bodyPr/>
+          <a:lstStyle/>
+          <a:p>
+            <a:pPr marL="114300" indent="0">
+              <a:buNone/>
+            </a:pPr>
+            <a:r>
+              <a:rPr lang="en-US" dirty="0">
+                <a:solidFill>
+                  <a:schemeClr val="tx1"/>
+                </a:solidFill>
+                <a:latin typeface="Comic Sans MS" panose="030F0702030302020204" pitchFamily="66" charset="0"/>
+              </a:rPr>
+              <a:t>If </a:t>
+            </a:r>
+            <a:r>
+              <a:rPr lang="en-US" i="1" dirty="0">
+                <a:solidFill>
+                  <a:schemeClr val="tx1"/>
+                </a:solidFill>
+                <a:latin typeface="Comic Sans MS" panose="030F0702030302020204" pitchFamily="66" charset="0"/>
+              </a:rPr>
+              <a:t>k </a:t>
+            </a:r>
+            <a:r>
+              <a:rPr lang="en-US" dirty="0">
+                <a:solidFill>
+                  <a:schemeClr val="tx1"/>
+                </a:solidFill>
+                <a:latin typeface="Comic Sans MS" panose="030F0702030302020204" pitchFamily="66" charset="0"/>
+              </a:rPr>
+              <a:t>is a positive integer and </a:t>
+            </a:r>
+            <a:r>
+              <a:rPr lang="en-US" i="1" dirty="0">
+                <a:solidFill>
+                  <a:schemeClr val="tx1"/>
+                </a:solidFill>
+                <a:latin typeface="Comic Sans MS" panose="030F0702030302020204" pitchFamily="66" charset="0"/>
+              </a:rPr>
+              <a:t>k </a:t>
+            </a:r>
+            <a:r>
+              <a:rPr lang="en-US" dirty="0">
+                <a:solidFill>
+                  <a:schemeClr val="tx1"/>
+                </a:solidFill>
+                <a:latin typeface="Comic Sans MS" panose="030F0702030302020204" pitchFamily="66" charset="0"/>
+              </a:rPr>
+              <a:t>+ 1 or more </a:t>
+            </a:r>
+            <a:r>
+              <a:rPr lang="en-US" dirty="0" smtClean="0">
+                <a:solidFill>
+                  <a:schemeClr val="tx1"/>
+                </a:solidFill>
+                <a:latin typeface="Comic Sans MS" panose="030F0702030302020204" pitchFamily="66" charset="0"/>
+              </a:rPr>
+              <a:t>objects are </a:t>
+            </a:r>
+            <a:r>
+              <a:rPr lang="en-US" dirty="0">
+                <a:solidFill>
+                  <a:schemeClr val="tx1"/>
+                </a:solidFill>
+                <a:latin typeface="Comic Sans MS" panose="030F0702030302020204" pitchFamily="66" charset="0"/>
+              </a:rPr>
+              <a:t>placed into </a:t>
+            </a:r>
+            <a:r>
+              <a:rPr lang="en-US" i="1" dirty="0">
+                <a:solidFill>
+                  <a:schemeClr val="tx1"/>
+                </a:solidFill>
+                <a:latin typeface="Comic Sans MS" panose="030F0702030302020204" pitchFamily="66" charset="0"/>
+              </a:rPr>
+              <a:t>k </a:t>
+            </a:r>
+            <a:r>
+              <a:rPr lang="en-US" dirty="0">
+                <a:solidFill>
+                  <a:schemeClr val="tx1"/>
+                </a:solidFill>
+                <a:latin typeface="Comic Sans MS" panose="030F0702030302020204" pitchFamily="66" charset="0"/>
+              </a:rPr>
+              <a:t>boxes, then there is at least one box containing two or more of the objects</a:t>
+            </a:r>
+            <a:r>
+              <a:rPr lang="en-US" dirty="0" smtClean="0">
+                <a:solidFill>
+                  <a:schemeClr val="tx1"/>
+                </a:solidFill>
+                <a:latin typeface="Comic Sans MS" panose="030F0702030302020204" pitchFamily="66" charset="0"/>
+              </a:rPr>
+              <a:t>.</a:t>
+            </a:r>
+          </a:p>
+          <a:p>
+            <a:pPr marL="114300" indent="0">
+              <a:buNone/>
+            </a:pPr>
+            <a:r>
+              <a:rPr lang="en-US" dirty="0">
+                <a:solidFill>
+                  <a:schemeClr val="tx1"/>
+                </a:solidFill>
+                <a:latin typeface="Comic Sans MS" panose="030F0702030302020204" pitchFamily="66" charset="0"/>
+              </a:rPr>
+              <a:t>If </a:t>
+            </a:r>
+            <a:r>
+              <a:rPr lang="en-US" i="1" dirty="0">
+                <a:solidFill>
+                  <a:schemeClr val="tx1"/>
+                </a:solidFill>
+                <a:latin typeface="Comic Sans MS" panose="030F0702030302020204" pitchFamily="66" charset="0"/>
+              </a:rPr>
+              <a:t>N </a:t>
+            </a:r>
+            <a:r>
+              <a:rPr lang="en-US" dirty="0">
+                <a:solidFill>
+                  <a:schemeClr val="tx1"/>
+                </a:solidFill>
+                <a:latin typeface="Comic Sans MS" panose="030F0702030302020204" pitchFamily="66" charset="0"/>
+              </a:rPr>
+              <a:t>objects are placed into </a:t>
+            </a:r>
+            <a:r>
+              <a:rPr lang="en-US" i="1" dirty="0" smtClean="0">
+                <a:solidFill>
+                  <a:schemeClr val="tx1"/>
+                </a:solidFill>
+                <a:latin typeface="Comic Sans MS" panose="030F0702030302020204" pitchFamily="66" charset="0"/>
+              </a:rPr>
+              <a:t>k </a:t>
+            </a:r>
+            <a:r>
+              <a:rPr lang="en-US" dirty="0" smtClean="0">
+                <a:solidFill>
+                  <a:schemeClr val="tx1"/>
+                </a:solidFill>
+                <a:latin typeface="Comic Sans MS" panose="030F0702030302020204" pitchFamily="66" charset="0"/>
+              </a:rPr>
+              <a:t>boxes</a:t>
+            </a:r>
+            <a:r>
+              <a:rPr lang="en-US" dirty="0">
+                <a:solidFill>
+                  <a:schemeClr val="tx1"/>
+                </a:solidFill>
+                <a:latin typeface="Comic Sans MS" panose="030F0702030302020204" pitchFamily="66" charset="0"/>
+              </a:rPr>
+              <a:t>, then there is at least one box containing at least </a:t>
+            </a:r>
+            <a:r>
+              <a:rPr lang="en-US" i="1" dirty="0">
+                <a:solidFill>
+                  <a:schemeClr val="tx1"/>
+                </a:solidFill>
+                <a:latin typeface="Comic Sans MS" panose="030F0702030302020204" pitchFamily="66" charset="0"/>
+              </a:rPr>
+              <a:t>N/k</a:t>
+            </a:r>
+            <a:r>
+              <a:rPr lang="en-US" dirty="0">
+                <a:solidFill>
+                  <a:schemeClr val="tx1"/>
+                </a:solidFill>
+                <a:latin typeface="Comic Sans MS" panose="030F0702030302020204" pitchFamily="66" charset="0"/>
+              </a:rPr>
+              <a:t> objects.</a:t>
+            </a:r>
+          </a:p>
+        </p:txBody>
+      </p:sp>
+    </p:spTree>
+    <p:extLst>
+      <p:ext uri="{BB962C8B-B14F-4D97-AF65-F5344CB8AC3E}">
+        <p14:creationId xmlns:p14="http://schemas.microsoft.com/office/powerpoint/2010/main" val="2186115136"/>
+      </p:ext>
+    </p:extLst>
+  </p:cSld>
+  <p:clrMapOvr>
+    <a:masterClrMapping/>
+  </p:clrMapOvr>
+  <p:timing>
+    <p:tnLst>
+      <p:par>
+        <p:cTn id="1" dur="indefinite" restart="never" nodeType="tmRoot"/>
+      </p:par>
+    </p:tnLst>
+  </p:timing>
+</p:sld>
+</file>
+
+<file path=ppt/slides/slide22.xml><?xml version="1.0" encoding="utf-8"?>
+<p:sld xmlns:a="http://schemas.openxmlformats.org/drawingml/2006/main" xmlns:r="http://schemas.openxmlformats.org/officeDocument/2006/relationships" xmlns:p="http://schemas.openxmlformats.org/presentationml/2006/main">
+  <p:cSld>
+    <p:spTree>
+      <p:nvGrpSpPr>
+        <p:cNvPr id="1" name="Shape 107"/>
+        <p:cNvGrpSpPr/>
+        <p:nvPr/>
+      </p:nvGrpSpPr>
+      <p:grpSpPr>
+        <a:xfrm>
+          <a:off x="0" y="0"/>
+          <a:ext cx="0" cy="0"/>
+          <a:chOff x="0" y="0"/>
+          <a:chExt cx="0" cy="0"/>
+        </a:xfrm>
+      </p:grpSpPr>
+      <p:sp>
+        <p:nvSpPr>
+          <p:cNvPr id="108" name="Google Shape;108;p22"/>
+          <p:cNvSpPr txBox="1">
+            <a:spLocks noGrp="1"/>
+          </p:cNvSpPr>
+          <p:nvPr>
+            <p:ph type="title"/>
+          </p:nvPr>
+        </p:nvSpPr>
+        <p:spPr>
+          <a:xfrm>
+            <a:off x="311700" y="445025"/>
+            <a:ext cx="8520600" cy="572700"/>
+          </a:xfrm>
+          <a:prstGeom prst="rect">
+            <a:avLst/>
+          </a:prstGeom>
+        </p:spPr>
+        <p:txBody>
+          <a:bodyPr spcFirstLastPara="1" wrap="square" lIns="91425" tIns="91425" rIns="91425" bIns="91425" anchor="t" anchorCtr="0">
+            <a:noAutofit/>
+          </a:bodyPr>
+          <a:lstStyle/>
+          <a:p>
+            <a:pPr marL="0" lvl="0" indent="0" algn="l" rtl="0">
+              <a:spcBef>
+                <a:spcPts val="0"/>
+              </a:spcBef>
+              <a:spcAft>
+                <a:spcPts val="0"/>
+              </a:spcAft>
+              <a:buClr>
+                <a:schemeClr val="dk1"/>
+              </a:buClr>
+              <a:buSzPts val="1100"/>
+              <a:buFont typeface="Arial"/>
+              <a:buNone/>
+            </a:pPr>
+            <a:r>
+              <a:rPr lang="en" dirty="0">
+                <a:latin typeface="Comic Sans MS" panose="030F0702030302020204" pitchFamily="66" charset="0"/>
+              </a:rPr>
+              <a:t>Problem </a:t>
+            </a:r>
+            <a:r>
+              <a:rPr lang="en" dirty="0" smtClean="0">
+                <a:latin typeface="Comic Sans MS" panose="030F0702030302020204" pitchFamily="66" charset="0"/>
+              </a:rPr>
+              <a:t>6.1</a:t>
+            </a:r>
+            <a:endParaRPr dirty="0">
+              <a:latin typeface="Comic Sans MS" panose="030F0702030302020204" pitchFamily="66" charset="0"/>
+            </a:endParaRPr>
+          </a:p>
+          <a:p>
+            <a:pPr marL="0" lvl="0" indent="0" algn="l" rtl="0">
+              <a:spcBef>
+                <a:spcPts val="0"/>
+              </a:spcBef>
+              <a:spcAft>
+                <a:spcPts val="0"/>
+              </a:spcAft>
+              <a:buNone/>
+            </a:pPr>
+            <a:endParaRPr dirty="0">
+              <a:latin typeface="Comic Sans MS" panose="030F0702030302020204" pitchFamily="66" charset="0"/>
+            </a:endParaRPr>
+          </a:p>
+        </p:txBody>
+      </p:sp>
+      <p:sp>
+        <p:nvSpPr>
+          <p:cNvPr id="109" name="Google Shape;109;p22"/>
+          <p:cNvSpPr txBox="1">
+            <a:spLocks noGrp="1"/>
+          </p:cNvSpPr>
+          <p:nvPr>
+            <p:ph type="body" idx="1"/>
+          </p:nvPr>
+        </p:nvSpPr>
+        <p:spPr>
+          <a:xfrm>
+            <a:off x="311700" y="1152475"/>
+            <a:ext cx="8520600" cy="1128388"/>
+          </a:xfrm>
+          <a:prstGeom prst="rect">
+            <a:avLst/>
+          </a:prstGeom>
+        </p:spPr>
+        <p:txBody>
+          <a:bodyPr spcFirstLastPara="1" wrap="square" lIns="91425" tIns="91425" rIns="91425" bIns="91425" anchor="t" anchorCtr="0">
+            <a:noAutofit/>
+          </a:bodyPr>
+          <a:lstStyle/>
+          <a:p>
+            <a:pPr marL="0" lvl="0" indent="0" algn="l" rtl="0">
+              <a:spcBef>
+                <a:spcPts val="0"/>
+              </a:spcBef>
+              <a:spcAft>
+                <a:spcPts val="0"/>
+              </a:spcAft>
+              <a:buClr>
+                <a:schemeClr val="dk1"/>
+              </a:buClr>
+              <a:buSzPts val="1100"/>
+              <a:buFont typeface="Arial"/>
+              <a:buNone/>
+            </a:pPr>
+            <a:r>
+              <a:rPr lang="en" dirty="0">
+                <a:solidFill>
+                  <a:schemeClr val="tx1"/>
+                </a:solidFill>
+                <a:latin typeface="Comic Sans MS" panose="030F0702030302020204" pitchFamily="66" charset="0"/>
+              </a:rPr>
+              <a:t>How many students must be in a class to guarantee that at least two students receive the same score on the final exam, if the exam is graded on a scale from 0 to 100 points</a:t>
+            </a:r>
+            <a:r>
+              <a:rPr lang="en" dirty="0" smtClean="0">
+                <a:solidFill>
+                  <a:schemeClr val="tx1"/>
+                </a:solidFill>
+                <a:latin typeface="Comic Sans MS" panose="030F0702030302020204" pitchFamily="66" charset="0"/>
+              </a:rPr>
+              <a:t>?</a:t>
+            </a:r>
+            <a:endParaRPr dirty="0">
+              <a:solidFill>
+                <a:schemeClr val="tx1"/>
+              </a:solidFill>
+              <a:latin typeface="Comic Sans MS" panose="030F0702030302020204" pitchFamily="66" charset="0"/>
+            </a:endParaRPr>
+          </a:p>
+        </p:txBody>
+      </p:sp>
+    </p:spTree>
+  </p:cSld>
+  <p:clrMapOvr>
+    <a:masterClrMapping/>
+  </p:clrMapOvr>
+  <p:timing>
+    <p:tnLst>
+      <p:par>
+        <p:cTn id="1" dur="indefinite" restart="never" nodeType="tmRoot"/>
+      </p:par>
+    </p:tnLst>
+  </p:timing>
+</p:sld>
+</file>
+
+<file path=ppt/slides/slide23.xml><?xml version="1.0" encoding="utf-8"?>
 <p:sld xmlns:a="http://schemas.openxmlformats.org/drawingml/2006/main" xmlns:r="http://schemas.openxmlformats.org/officeDocument/2006/relationships" xmlns:p="http://schemas.openxmlformats.org/presentationml/2006/main">
   <p:cSld>
     <p:spTree>
@@ -11219,7 +11884,7 @@
 </p:sld>
 </file>
 
-<file path=ppt/slides/slide21.xml><?xml version="1.0" encoding="utf-8"?>
+<file path=ppt/slides/slide24.xml><?xml version="1.0" encoding="utf-8"?>
 <p:sld xmlns:a="http://schemas.openxmlformats.org/drawingml/2006/main" xmlns:r="http://schemas.openxmlformats.org/officeDocument/2006/relationships" xmlns:p="http://schemas.openxmlformats.org/presentationml/2006/main">
   <p:cSld>
     <p:spTree>
@@ -11388,7 +12053,7 @@
 </p:sld>
 </file>
 
-<file path=ppt/slides/slide22.xml><?xml version="1.0" encoding="utf-8"?>
+<file path=ppt/slides/slide25.xml><?xml version="1.0" encoding="utf-8"?>
 <p:sld xmlns:a="http://schemas.openxmlformats.org/drawingml/2006/main" xmlns:r="http://schemas.openxmlformats.org/officeDocument/2006/relationships" xmlns:p="http://schemas.openxmlformats.org/presentationml/2006/main">
   <p:cSld>
     <p:spTree>
@@ -11546,7 +12211,7 @@
 </p:sld>
 </file>
 
-<file path=ppt/slides/slide23.xml><?xml version="1.0" encoding="utf-8"?>
+<file path=ppt/slides/slide26.xml><?xml version="1.0" encoding="utf-8"?>
 <p:sld xmlns:a="http://schemas.openxmlformats.org/drawingml/2006/main" xmlns:r="http://schemas.openxmlformats.org/officeDocument/2006/relationships" xmlns:p="http://schemas.openxmlformats.org/presentationml/2006/main">
   <p:cSld>
     <p:spTree>
@@ -11750,2244 +12415,6 @@
         <p:cTn id="1" dur="indefinite" restart="never" nodeType="tmRoot"/>
       </p:par>
     </p:tnLst>
-  </p:timing>
-</p:sld>
-</file>
-
-<file path=ppt/slides/slide24.xml><?xml version="1.0" encoding="utf-8"?>
-<p:sld xmlns:a="http://schemas.openxmlformats.org/drawingml/2006/main" xmlns:r="http://schemas.openxmlformats.org/officeDocument/2006/relationships" xmlns:p="http://schemas.openxmlformats.org/presentationml/2006/main">
-  <p:cSld>
-    <p:spTree>
-      <p:nvGrpSpPr>
-        <p:cNvPr id="1" name="Shape 125"/>
-        <p:cNvGrpSpPr/>
-        <p:nvPr/>
-      </p:nvGrpSpPr>
-      <p:grpSpPr>
-        <a:xfrm>
-          <a:off x="0" y="0"/>
-          <a:ext cx="0" cy="0"/>
-          <a:chOff x="0" y="0"/>
-          <a:chExt cx="0" cy="0"/>
-        </a:xfrm>
-      </p:grpSpPr>
-      <p:sp>
-        <p:nvSpPr>
-          <p:cNvPr id="126" name="Google Shape;126;p25"/>
-          <p:cNvSpPr txBox="1">
-            <a:spLocks noGrp="1"/>
-          </p:cNvSpPr>
-          <p:nvPr>
-            <p:ph type="title"/>
-          </p:nvPr>
-        </p:nvSpPr>
-        <p:spPr>
-          <a:xfrm>
-            <a:off x="311700" y="445025"/>
-            <a:ext cx="8520600" cy="572700"/>
-          </a:xfrm>
-          <a:prstGeom prst="rect">
-            <a:avLst/>
-          </a:prstGeom>
-        </p:spPr>
-        <p:txBody>
-          <a:bodyPr spcFirstLastPara="1" wrap="square" lIns="91425" tIns="91425" rIns="91425" bIns="91425" anchor="t" anchorCtr="0">
-            <a:noAutofit/>
-          </a:bodyPr>
-          <a:lstStyle/>
-          <a:p>
-            <a:pPr marL="0" lvl="0" indent="0" algn="l" rtl="0">
-              <a:spcBef>
-                <a:spcPts val="0"/>
-              </a:spcBef>
-              <a:spcAft>
-                <a:spcPts val="0"/>
-              </a:spcAft>
-              <a:buNone/>
-            </a:pPr>
-            <a:r>
-              <a:rPr lang="en-US" dirty="0" smtClean="0">
-                <a:latin typeface="Comic Sans MS" panose="030F0702030302020204" pitchFamily="66" charset="0"/>
-              </a:rPr>
-              <a:t>Recursive functions</a:t>
-            </a:r>
-            <a:endParaRPr dirty="0">
-              <a:latin typeface="Comic Sans MS" panose="030F0702030302020204" pitchFamily="66" charset="0"/>
-            </a:endParaRPr>
-          </a:p>
-        </p:txBody>
-      </p:sp>
-      <p:sp>
-        <p:nvSpPr>
-          <p:cNvPr id="127" name="Google Shape;127;p25"/>
-          <p:cNvSpPr txBox="1">
-            <a:spLocks noGrp="1"/>
-          </p:cNvSpPr>
-          <p:nvPr>
-            <p:ph type="body" idx="1"/>
-          </p:nvPr>
-        </p:nvSpPr>
-        <p:spPr>
-          <a:xfrm>
-            <a:off x="311700" y="1152475"/>
-            <a:ext cx="2732836" cy="1455643"/>
-          </a:xfrm>
-          <a:prstGeom prst="rect">
-            <a:avLst/>
-          </a:prstGeom>
-        </p:spPr>
-        <p:txBody>
-          <a:bodyPr spcFirstLastPara="1" wrap="square" lIns="91425" tIns="91425" rIns="91425" bIns="91425" anchor="t" anchorCtr="0">
-            <a:noAutofit/>
-          </a:bodyPr>
-          <a:lstStyle/>
-          <a:p>
-            <a:pPr marL="0" lvl="0" indent="0" algn="l" rtl="0">
-              <a:spcBef>
-                <a:spcPts val="0"/>
-              </a:spcBef>
-              <a:spcAft>
-                <a:spcPts val="0"/>
-              </a:spcAft>
-              <a:buClr>
-                <a:schemeClr val="dk1"/>
-              </a:buClr>
-              <a:buSzPts val="1100"/>
-              <a:buFont typeface="Arial"/>
-              <a:buNone/>
-            </a:pPr>
-            <a:r>
-              <a:rPr lang="en" dirty="0" smtClean="0">
-                <a:solidFill>
-                  <a:schemeClr val="dk1"/>
-                </a:solidFill>
-                <a:highlight>
-                  <a:srgbClr val="FFFFFF"/>
-                </a:highlight>
-                <a:latin typeface="Comic Sans MS" panose="030F0702030302020204" pitchFamily="66" charset="0"/>
-                <a:ea typeface="Roboto"/>
-                <a:cs typeface="Roboto"/>
-                <a:sym typeface="Roboto"/>
-              </a:rPr>
-              <a:t>f(0) = 1</a:t>
-            </a:r>
-          </a:p>
-          <a:p>
-            <a:pPr marL="0" lvl="0" indent="0" algn="l" rtl="0">
-              <a:spcBef>
-                <a:spcPts val="0"/>
-              </a:spcBef>
-              <a:spcAft>
-                <a:spcPts val="0"/>
-              </a:spcAft>
-              <a:buClr>
-                <a:schemeClr val="dk1"/>
-              </a:buClr>
-              <a:buSzPts val="1100"/>
-              <a:buFont typeface="Arial"/>
-              <a:buNone/>
-            </a:pPr>
-            <a:r>
-              <a:rPr lang="en-US" dirty="0">
-                <a:solidFill>
-                  <a:schemeClr val="dk1"/>
-                </a:solidFill>
-                <a:highlight>
-                  <a:srgbClr val="FFFFFF"/>
-                </a:highlight>
-                <a:latin typeface="Comic Sans MS" panose="030F0702030302020204" pitchFamily="66" charset="0"/>
-                <a:ea typeface="Roboto"/>
-                <a:sym typeface="Roboto"/>
-              </a:rPr>
-              <a:t>f</a:t>
-            </a:r>
-            <a:r>
-              <a:rPr lang="en" dirty="0" smtClean="0">
-                <a:solidFill>
-                  <a:schemeClr val="dk1"/>
-                </a:solidFill>
-                <a:highlight>
-                  <a:srgbClr val="FFFFFF"/>
-                </a:highlight>
-                <a:latin typeface="Comic Sans MS" panose="030F0702030302020204" pitchFamily="66" charset="0"/>
-                <a:ea typeface="Roboto"/>
-                <a:sym typeface="Roboto"/>
-              </a:rPr>
-              <a:t>(1) = 2</a:t>
-            </a:r>
-          </a:p>
-          <a:p>
-            <a:pPr marL="0" lvl="0" indent="0" algn="l" rtl="0">
-              <a:spcBef>
-                <a:spcPts val="0"/>
-              </a:spcBef>
-              <a:spcAft>
-                <a:spcPts val="0"/>
-              </a:spcAft>
-              <a:buClr>
-                <a:schemeClr val="dk1"/>
-              </a:buClr>
-              <a:buSzPts val="1100"/>
-              <a:buFont typeface="Arial"/>
-              <a:buNone/>
-            </a:pPr>
-            <a:r>
-              <a:rPr lang="en-US" dirty="0">
-                <a:solidFill>
-                  <a:schemeClr val="dk1"/>
-                </a:solidFill>
-                <a:highlight>
-                  <a:srgbClr val="FFFFFF"/>
-                </a:highlight>
-                <a:latin typeface="Comic Sans MS" panose="030F0702030302020204" pitchFamily="66" charset="0"/>
-                <a:ea typeface="Roboto"/>
-                <a:sym typeface="Roboto"/>
-              </a:rPr>
-              <a:t>f</a:t>
-            </a:r>
-            <a:r>
-              <a:rPr lang="en" dirty="0" smtClean="0">
-                <a:solidFill>
-                  <a:schemeClr val="dk1"/>
-                </a:solidFill>
-                <a:highlight>
-                  <a:srgbClr val="FFFFFF"/>
-                </a:highlight>
-                <a:latin typeface="Comic Sans MS" panose="030F0702030302020204" pitchFamily="66" charset="0"/>
-                <a:ea typeface="Roboto"/>
-                <a:sym typeface="Roboto"/>
-              </a:rPr>
-              <a:t>(n) = 2f(n-1) +3 f(n-2)</a:t>
-            </a:r>
-          </a:p>
-          <a:p>
-            <a:pPr marL="0" lvl="0" indent="0" algn="l" rtl="0">
-              <a:spcBef>
-                <a:spcPts val="0"/>
-              </a:spcBef>
-              <a:spcAft>
-                <a:spcPts val="0"/>
-              </a:spcAft>
-              <a:buClr>
-                <a:schemeClr val="dk1"/>
-              </a:buClr>
-              <a:buSzPts val="1100"/>
-              <a:buFont typeface="Arial"/>
-              <a:buNone/>
-            </a:pPr>
-            <a:r>
-              <a:rPr lang="en-US" dirty="0">
-                <a:solidFill>
-                  <a:schemeClr val="dk1"/>
-                </a:solidFill>
-                <a:highlight>
-                  <a:srgbClr val="FFFFFF"/>
-                </a:highlight>
-                <a:latin typeface="Comic Sans MS" panose="030F0702030302020204" pitchFamily="66" charset="0"/>
-                <a:ea typeface="Roboto"/>
-                <a:sym typeface="Roboto"/>
-              </a:rPr>
-              <a:t>f</a:t>
-            </a:r>
-            <a:r>
-              <a:rPr lang="en" dirty="0" smtClean="0">
-                <a:solidFill>
-                  <a:schemeClr val="dk1"/>
-                </a:solidFill>
-                <a:highlight>
-                  <a:srgbClr val="FFFFFF"/>
-                </a:highlight>
-                <a:latin typeface="Comic Sans MS" panose="030F0702030302020204" pitchFamily="66" charset="0"/>
-                <a:ea typeface="Roboto"/>
-                <a:sym typeface="Roboto"/>
-              </a:rPr>
-              <a:t>(5) = ?</a:t>
-            </a:r>
-            <a:endParaRPr dirty="0">
-              <a:latin typeface="Comic Sans MS" panose="030F0702030302020204" pitchFamily="66" charset="0"/>
-            </a:endParaRPr>
-          </a:p>
-        </p:txBody>
-      </p:sp>
-      <p:sp>
-        <p:nvSpPr>
-          <p:cNvPr id="4" name="Google Shape;127;p25"/>
-          <p:cNvSpPr txBox="1">
-            <a:spLocks/>
-          </p:cNvSpPr>
-          <p:nvPr/>
-        </p:nvSpPr>
-        <p:spPr>
-          <a:xfrm>
-            <a:off x="4516555" y="1304874"/>
-            <a:ext cx="2732836" cy="1455643"/>
-          </a:xfrm>
-          <a:prstGeom prst="rect">
-            <a:avLst/>
-          </a:prstGeom>
-          <a:noFill/>
-          <a:ln>
-            <a:noFill/>
-          </a:ln>
-        </p:spPr>
-        <p:txBody>
-          <a:bodyPr spcFirstLastPara="1" wrap="square" lIns="91425" tIns="91425" rIns="91425" bIns="91425" anchor="t" anchorCtr="0">
-            <a:noAutofit/>
-          </a:bodyPr>
-          <a:lstStyle>
-            <a:defPPr marR="0" lvl="0" algn="l" rtl="0">
-              <a:lnSpc>
-                <a:spcPct val="100000"/>
-              </a:lnSpc>
-              <a:spcBef>
-                <a:spcPts val="0"/>
-              </a:spcBef>
-              <a:spcAft>
-                <a:spcPts val="0"/>
-              </a:spcAft>
-            </a:defPPr>
-            <a:lvl1pPr marL="457200" marR="0" lvl="0" indent="-342900" algn="l" rtl="0">
-              <a:lnSpc>
-                <a:spcPct val="115000"/>
-              </a:lnSpc>
-              <a:spcBef>
-                <a:spcPts val="0"/>
-              </a:spcBef>
-              <a:spcAft>
-                <a:spcPts val="0"/>
-              </a:spcAft>
-              <a:buClr>
-                <a:schemeClr val="dk2"/>
-              </a:buClr>
-              <a:buSzPts val="1800"/>
-              <a:buFont typeface="Arial"/>
-              <a:buChar char="●"/>
-              <a:defRPr sz="1800" b="0" i="0" u="none" strike="noStrike" cap="none">
-                <a:solidFill>
-                  <a:schemeClr val="dk2"/>
-                </a:solidFill>
-                <a:latin typeface="Arial"/>
-                <a:ea typeface="Arial"/>
-                <a:cs typeface="Arial"/>
-                <a:sym typeface="Arial"/>
-              </a:defRPr>
-            </a:lvl1pPr>
-            <a:lvl2pPr marL="914400" marR="0" lvl="1" indent="-317500" algn="l" rtl="0">
-              <a:lnSpc>
-                <a:spcPct val="115000"/>
-              </a:lnSpc>
-              <a:spcBef>
-                <a:spcPts val="1600"/>
-              </a:spcBef>
-              <a:spcAft>
-                <a:spcPts val="0"/>
-              </a:spcAft>
-              <a:buClr>
-                <a:schemeClr val="dk2"/>
-              </a:buClr>
-              <a:buSzPts val="1400"/>
-              <a:buFont typeface="Arial"/>
-              <a:buChar char="○"/>
-              <a:defRPr sz="1400" b="0" i="0" u="none" strike="noStrike" cap="none">
-                <a:solidFill>
-                  <a:schemeClr val="dk2"/>
-                </a:solidFill>
-                <a:latin typeface="Arial"/>
-                <a:ea typeface="Arial"/>
-                <a:cs typeface="Arial"/>
-                <a:sym typeface="Arial"/>
-              </a:defRPr>
-            </a:lvl2pPr>
-            <a:lvl3pPr marL="1371600" marR="0" lvl="2" indent="-317500" algn="l" rtl="0">
-              <a:lnSpc>
-                <a:spcPct val="115000"/>
-              </a:lnSpc>
-              <a:spcBef>
-                <a:spcPts val="1600"/>
-              </a:spcBef>
-              <a:spcAft>
-                <a:spcPts val="0"/>
-              </a:spcAft>
-              <a:buClr>
-                <a:schemeClr val="dk2"/>
-              </a:buClr>
-              <a:buSzPts val="1400"/>
-              <a:buFont typeface="Arial"/>
-              <a:buChar char="■"/>
-              <a:defRPr sz="1400" b="0" i="0" u="none" strike="noStrike" cap="none">
-                <a:solidFill>
-                  <a:schemeClr val="dk2"/>
-                </a:solidFill>
-                <a:latin typeface="Arial"/>
-                <a:ea typeface="Arial"/>
-                <a:cs typeface="Arial"/>
-                <a:sym typeface="Arial"/>
-              </a:defRPr>
-            </a:lvl3pPr>
-            <a:lvl4pPr marL="1828800" marR="0" lvl="3" indent="-317500" algn="l" rtl="0">
-              <a:lnSpc>
-                <a:spcPct val="115000"/>
-              </a:lnSpc>
-              <a:spcBef>
-                <a:spcPts val="1600"/>
-              </a:spcBef>
-              <a:spcAft>
-                <a:spcPts val="0"/>
-              </a:spcAft>
-              <a:buClr>
-                <a:schemeClr val="dk2"/>
-              </a:buClr>
-              <a:buSzPts val="1400"/>
-              <a:buFont typeface="Arial"/>
-              <a:buChar char="●"/>
-              <a:defRPr sz="1400" b="0" i="0" u="none" strike="noStrike" cap="none">
-                <a:solidFill>
-                  <a:schemeClr val="dk2"/>
-                </a:solidFill>
-                <a:latin typeface="Arial"/>
-                <a:ea typeface="Arial"/>
-                <a:cs typeface="Arial"/>
-                <a:sym typeface="Arial"/>
-              </a:defRPr>
-            </a:lvl4pPr>
-            <a:lvl5pPr marL="2286000" marR="0" lvl="4" indent="-317500" algn="l" rtl="0">
-              <a:lnSpc>
-                <a:spcPct val="115000"/>
-              </a:lnSpc>
-              <a:spcBef>
-                <a:spcPts val="1600"/>
-              </a:spcBef>
-              <a:spcAft>
-                <a:spcPts val="0"/>
-              </a:spcAft>
-              <a:buClr>
-                <a:schemeClr val="dk2"/>
-              </a:buClr>
-              <a:buSzPts val="1400"/>
-              <a:buFont typeface="Arial"/>
-              <a:buChar char="○"/>
-              <a:defRPr sz="1400" b="0" i="0" u="none" strike="noStrike" cap="none">
-                <a:solidFill>
-                  <a:schemeClr val="dk2"/>
-                </a:solidFill>
-                <a:latin typeface="Arial"/>
-                <a:ea typeface="Arial"/>
-                <a:cs typeface="Arial"/>
-                <a:sym typeface="Arial"/>
-              </a:defRPr>
-            </a:lvl5pPr>
-            <a:lvl6pPr marL="2743200" marR="0" lvl="5" indent="-317500" algn="l" rtl="0">
-              <a:lnSpc>
-                <a:spcPct val="115000"/>
-              </a:lnSpc>
-              <a:spcBef>
-                <a:spcPts val="1600"/>
-              </a:spcBef>
-              <a:spcAft>
-                <a:spcPts val="0"/>
-              </a:spcAft>
-              <a:buClr>
-                <a:schemeClr val="dk2"/>
-              </a:buClr>
-              <a:buSzPts val="1400"/>
-              <a:buFont typeface="Arial"/>
-              <a:buChar char="■"/>
-              <a:defRPr sz="1400" b="0" i="0" u="none" strike="noStrike" cap="none">
-                <a:solidFill>
-                  <a:schemeClr val="dk2"/>
-                </a:solidFill>
-                <a:latin typeface="Arial"/>
-                <a:ea typeface="Arial"/>
-                <a:cs typeface="Arial"/>
-                <a:sym typeface="Arial"/>
-              </a:defRPr>
-            </a:lvl6pPr>
-            <a:lvl7pPr marL="3200400" marR="0" lvl="6" indent="-317500" algn="l" rtl="0">
-              <a:lnSpc>
-                <a:spcPct val="115000"/>
-              </a:lnSpc>
-              <a:spcBef>
-                <a:spcPts val="1600"/>
-              </a:spcBef>
-              <a:spcAft>
-                <a:spcPts val="0"/>
-              </a:spcAft>
-              <a:buClr>
-                <a:schemeClr val="dk2"/>
-              </a:buClr>
-              <a:buSzPts val="1400"/>
-              <a:buFont typeface="Arial"/>
-              <a:buChar char="●"/>
-              <a:defRPr sz="1400" b="0" i="0" u="none" strike="noStrike" cap="none">
-                <a:solidFill>
-                  <a:schemeClr val="dk2"/>
-                </a:solidFill>
-                <a:latin typeface="Arial"/>
-                <a:ea typeface="Arial"/>
-                <a:cs typeface="Arial"/>
-                <a:sym typeface="Arial"/>
-              </a:defRPr>
-            </a:lvl7pPr>
-            <a:lvl8pPr marL="3657600" marR="0" lvl="7" indent="-317500" algn="l" rtl="0">
-              <a:lnSpc>
-                <a:spcPct val="115000"/>
-              </a:lnSpc>
-              <a:spcBef>
-                <a:spcPts val="1600"/>
-              </a:spcBef>
-              <a:spcAft>
-                <a:spcPts val="0"/>
-              </a:spcAft>
-              <a:buClr>
-                <a:schemeClr val="dk2"/>
-              </a:buClr>
-              <a:buSzPts val="1400"/>
-              <a:buFont typeface="Arial"/>
-              <a:buChar char="○"/>
-              <a:defRPr sz="1400" b="0" i="0" u="none" strike="noStrike" cap="none">
-                <a:solidFill>
-                  <a:schemeClr val="dk2"/>
-                </a:solidFill>
-                <a:latin typeface="Arial"/>
-                <a:ea typeface="Arial"/>
-                <a:cs typeface="Arial"/>
-                <a:sym typeface="Arial"/>
-              </a:defRPr>
-            </a:lvl8pPr>
-            <a:lvl9pPr marL="4114800" marR="0" lvl="8" indent="-317500" algn="l" rtl="0">
-              <a:lnSpc>
-                <a:spcPct val="115000"/>
-              </a:lnSpc>
-              <a:spcBef>
-                <a:spcPts val="1600"/>
-              </a:spcBef>
-              <a:spcAft>
-                <a:spcPts val="1600"/>
-              </a:spcAft>
-              <a:buClr>
-                <a:schemeClr val="dk2"/>
-              </a:buClr>
-              <a:buSzPts val="1400"/>
-              <a:buFont typeface="Arial"/>
-              <a:buChar char="■"/>
-              <a:defRPr sz="1400" b="0" i="0" u="none" strike="noStrike" cap="none">
-                <a:solidFill>
-                  <a:schemeClr val="dk2"/>
-                </a:solidFill>
-                <a:latin typeface="Arial"/>
-                <a:ea typeface="Arial"/>
-                <a:cs typeface="Arial"/>
-                <a:sym typeface="Arial"/>
-              </a:defRPr>
-            </a:lvl9pPr>
-          </a:lstStyle>
-          <a:p>
-            <a:pPr marL="0" indent="0">
-              <a:buClr>
-                <a:schemeClr val="dk1"/>
-              </a:buClr>
-              <a:buSzPts val="1100"/>
-              <a:buFont typeface="Arial"/>
-              <a:buNone/>
-            </a:pPr>
-            <a:r>
-              <a:rPr lang="pt-BR" dirty="0" smtClean="0">
-                <a:solidFill>
-                  <a:schemeClr val="dk1"/>
-                </a:solidFill>
-                <a:highlight>
-                  <a:srgbClr val="FFFFFF"/>
-                </a:highlight>
-                <a:latin typeface="Comic Sans MS" panose="030F0702030302020204" pitchFamily="66" charset="0"/>
-                <a:ea typeface="Roboto"/>
-                <a:sym typeface="Roboto"/>
-              </a:rPr>
-              <a:t>f(n) = 2f(n-1) +3 f(n-2)</a:t>
-            </a:r>
-          </a:p>
-          <a:p>
-            <a:pPr marL="0" indent="0">
-              <a:buClr>
-                <a:schemeClr val="dk1"/>
-              </a:buClr>
-              <a:buSzPts val="1100"/>
-              <a:buFont typeface="Arial"/>
-              <a:buNone/>
-            </a:pPr>
-            <a:r>
-              <a:rPr lang="pt-BR" dirty="0">
-                <a:solidFill>
-                  <a:schemeClr val="dk1"/>
-                </a:solidFill>
-                <a:highlight>
-                  <a:srgbClr val="FFFFFF"/>
-                </a:highlight>
-                <a:latin typeface="Comic Sans MS" panose="030F0702030302020204" pitchFamily="66" charset="0"/>
-                <a:ea typeface="Roboto"/>
-                <a:sym typeface="Roboto"/>
-              </a:rPr>
-              <a:t>f</a:t>
-            </a:r>
-            <a:r>
-              <a:rPr lang="pt-BR" dirty="0" smtClean="0">
-                <a:solidFill>
-                  <a:schemeClr val="dk1"/>
-                </a:solidFill>
-                <a:highlight>
-                  <a:srgbClr val="FFFFFF"/>
-                </a:highlight>
-                <a:latin typeface="Comic Sans MS" panose="030F0702030302020204" pitchFamily="66" charset="0"/>
-                <a:ea typeface="Roboto"/>
-                <a:sym typeface="Roboto"/>
-              </a:rPr>
-              <a:t>(2) = 2f(1) + 3f(0)</a:t>
-            </a:r>
-          </a:p>
-          <a:p>
-            <a:pPr marL="0" indent="0">
-              <a:buClr>
-                <a:schemeClr val="dk1"/>
-              </a:buClr>
-              <a:buSzPts val="1100"/>
-              <a:buFont typeface="Arial"/>
-              <a:buNone/>
-            </a:pPr>
-            <a:r>
-              <a:rPr lang="pt-BR" dirty="0">
-                <a:solidFill>
-                  <a:schemeClr val="dk1"/>
-                </a:solidFill>
-                <a:highlight>
-                  <a:srgbClr val="FFFFFF"/>
-                </a:highlight>
-                <a:latin typeface="Comic Sans MS" panose="030F0702030302020204" pitchFamily="66" charset="0"/>
-                <a:ea typeface="Roboto"/>
-                <a:sym typeface="Roboto"/>
-              </a:rPr>
-              <a:t> </a:t>
-            </a:r>
-            <a:r>
-              <a:rPr lang="pt-BR" dirty="0" smtClean="0">
-                <a:solidFill>
-                  <a:schemeClr val="dk1"/>
-                </a:solidFill>
-                <a:highlight>
-                  <a:srgbClr val="FFFFFF"/>
-                </a:highlight>
-                <a:latin typeface="Comic Sans MS" panose="030F0702030302020204" pitchFamily="66" charset="0"/>
-                <a:ea typeface="Roboto"/>
-                <a:sym typeface="Roboto"/>
-              </a:rPr>
-              <a:t>      =  2*2 + 3*1</a:t>
-            </a:r>
-          </a:p>
-          <a:p>
-            <a:pPr marL="0" indent="0">
-              <a:buClr>
-                <a:schemeClr val="dk1"/>
-              </a:buClr>
-              <a:buSzPts val="1100"/>
-              <a:buFont typeface="Arial"/>
-              <a:buNone/>
-            </a:pPr>
-            <a:r>
-              <a:rPr lang="pt-BR" dirty="0">
-                <a:solidFill>
-                  <a:schemeClr val="dk1"/>
-                </a:solidFill>
-                <a:highlight>
-                  <a:srgbClr val="FFFFFF"/>
-                </a:highlight>
-                <a:latin typeface="Comic Sans MS" panose="030F0702030302020204" pitchFamily="66" charset="0"/>
-                <a:ea typeface="Roboto"/>
-                <a:sym typeface="Roboto"/>
-              </a:rPr>
-              <a:t> </a:t>
-            </a:r>
-            <a:r>
-              <a:rPr lang="pt-BR" dirty="0" smtClean="0">
-                <a:solidFill>
-                  <a:schemeClr val="dk1"/>
-                </a:solidFill>
-                <a:highlight>
-                  <a:srgbClr val="FFFFFF"/>
-                </a:highlight>
-                <a:latin typeface="Comic Sans MS" panose="030F0702030302020204" pitchFamily="66" charset="0"/>
-                <a:ea typeface="Roboto"/>
-                <a:sym typeface="Roboto"/>
-              </a:rPr>
-              <a:t>      = 7 </a:t>
-            </a:r>
-            <a:endParaRPr lang="pt-BR" dirty="0">
-              <a:latin typeface="Comic Sans MS" panose="030F0702030302020204" pitchFamily="66" charset="0"/>
-            </a:endParaRPr>
-          </a:p>
-        </p:txBody>
-      </p:sp>
-      <p:sp>
-        <p:nvSpPr>
-          <p:cNvPr id="5" name="Google Shape;127;p25"/>
-          <p:cNvSpPr txBox="1">
-            <a:spLocks/>
-          </p:cNvSpPr>
-          <p:nvPr/>
-        </p:nvSpPr>
-        <p:spPr>
-          <a:xfrm>
-            <a:off x="533374" y="2917295"/>
-            <a:ext cx="2732836" cy="1455643"/>
-          </a:xfrm>
-          <a:prstGeom prst="rect">
-            <a:avLst/>
-          </a:prstGeom>
-          <a:noFill/>
-          <a:ln>
-            <a:noFill/>
-          </a:ln>
-        </p:spPr>
-        <p:txBody>
-          <a:bodyPr spcFirstLastPara="1" wrap="square" lIns="91425" tIns="91425" rIns="91425" bIns="91425" anchor="t" anchorCtr="0">
-            <a:noAutofit/>
-          </a:bodyPr>
-          <a:lstStyle>
-            <a:defPPr marR="0" lvl="0" algn="l" rtl="0">
-              <a:lnSpc>
-                <a:spcPct val="100000"/>
-              </a:lnSpc>
-              <a:spcBef>
-                <a:spcPts val="0"/>
-              </a:spcBef>
-              <a:spcAft>
-                <a:spcPts val="0"/>
-              </a:spcAft>
-            </a:defPPr>
-            <a:lvl1pPr marL="457200" marR="0" lvl="0" indent="-342900" algn="l" rtl="0">
-              <a:lnSpc>
-                <a:spcPct val="115000"/>
-              </a:lnSpc>
-              <a:spcBef>
-                <a:spcPts val="0"/>
-              </a:spcBef>
-              <a:spcAft>
-                <a:spcPts val="0"/>
-              </a:spcAft>
-              <a:buClr>
-                <a:schemeClr val="dk2"/>
-              </a:buClr>
-              <a:buSzPts val="1800"/>
-              <a:buFont typeface="Arial"/>
-              <a:buChar char="●"/>
-              <a:defRPr sz="1800" b="0" i="0" u="none" strike="noStrike" cap="none">
-                <a:solidFill>
-                  <a:schemeClr val="dk2"/>
-                </a:solidFill>
-                <a:latin typeface="Arial"/>
-                <a:ea typeface="Arial"/>
-                <a:cs typeface="Arial"/>
-                <a:sym typeface="Arial"/>
-              </a:defRPr>
-            </a:lvl1pPr>
-            <a:lvl2pPr marL="914400" marR="0" lvl="1" indent="-317500" algn="l" rtl="0">
-              <a:lnSpc>
-                <a:spcPct val="115000"/>
-              </a:lnSpc>
-              <a:spcBef>
-                <a:spcPts val="1600"/>
-              </a:spcBef>
-              <a:spcAft>
-                <a:spcPts val="0"/>
-              </a:spcAft>
-              <a:buClr>
-                <a:schemeClr val="dk2"/>
-              </a:buClr>
-              <a:buSzPts val="1400"/>
-              <a:buFont typeface="Arial"/>
-              <a:buChar char="○"/>
-              <a:defRPr sz="1400" b="0" i="0" u="none" strike="noStrike" cap="none">
-                <a:solidFill>
-                  <a:schemeClr val="dk2"/>
-                </a:solidFill>
-                <a:latin typeface="Arial"/>
-                <a:ea typeface="Arial"/>
-                <a:cs typeface="Arial"/>
-                <a:sym typeface="Arial"/>
-              </a:defRPr>
-            </a:lvl2pPr>
-            <a:lvl3pPr marL="1371600" marR="0" lvl="2" indent="-317500" algn="l" rtl="0">
-              <a:lnSpc>
-                <a:spcPct val="115000"/>
-              </a:lnSpc>
-              <a:spcBef>
-                <a:spcPts val="1600"/>
-              </a:spcBef>
-              <a:spcAft>
-                <a:spcPts val="0"/>
-              </a:spcAft>
-              <a:buClr>
-                <a:schemeClr val="dk2"/>
-              </a:buClr>
-              <a:buSzPts val="1400"/>
-              <a:buFont typeface="Arial"/>
-              <a:buChar char="■"/>
-              <a:defRPr sz="1400" b="0" i="0" u="none" strike="noStrike" cap="none">
-                <a:solidFill>
-                  <a:schemeClr val="dk2"/>
-                </a:solidFill>
-                <a:latin typeface="Arial"/>
-                <a:ea typeface="Arial"/>
-                <a:cs typeface="Arial"/>
-                <a:sym typeface="Arial"/>
-              </a:defRPr>
-            </a:lvl3pPr>
-            <a:lvl4pPr marL="1828800" marR="0" lvl="3" indent="-317500" algn="l" rtl="0">
-              <a:lnSpc>
-                <a:spcPct val="115000"/>
-              </a:lnSpc>
-              <a:spcBef>
-                <a:spcPts val="1600"/>
-              </a:spcBef>
-              <a:spcAft>
-                <a:spcPts val="0"/>
-              </a:spcAft>
-              <a:buClr>
-                <a:schemeClr val="dk2"/>
-              </a:buClr>
-              <a:buSzPts val="1400"/>
-              <a:buFont typeface="Arial"/>
-              <a:buChar char="●"/>
-              <a:defRPr sz="1400" b="0" i="0" u="none" strike="noStrike" cap="none">
-                <a:solidFill>
-                  <a:schemeClr val="dk2"/>
-                </a:solidFill>
-                <a:latin typeface="Arial"/>
-                <a:ea typeface="Arial"/>
-                <a:cs typeface="Arial"/>
-                <a:sym typeface="Arial"/>
-              </a:defRPr>
-            </a:lvl4pPr>
-            <a:lvl5pPr marL="2286000" marR="0" lvl="4" indent="-317500" algn="l" rtl="0">
-              <a:lnSpc>
-                <a:spcPct val="115000"/>
-              </a:lnSpc>
-              <a:spcBef>
-                <a:spcPts val="1600"/>
-              </a:spcBef>
-              <a:spcAft>
-                <a:spcPts val="0"/>
-              </a:spcAft>
-              <a:buClr>
-                <a:schemeClr val="dk2"/>
-              </a:buClr>
-              <a:buSzPts val="1400"/>
-              <a:buFont typeface="Arial"/>
-              <a:buChar char="○"/>
-              <a:defRPr sz="1400" b="0" i="0" u="none" strike="noStrike" cap="none">
-                <a:solidFill>
-                  <a:schemeClr val="dk2"/>
-                </a:solidFill>
-                <a:latin typeface="Arial"/>
-                <a:ea typeface="Arial"/>
-                <a:cs typeface="Arial"/>
-                <a:sym typeface="Arial"/>
-              </a:defRPr>
-            </a:lvl5pPr>
-            <a:lvl6pPr marL="2743200" marR="0" lvl="5" indent="-317500" algn="l" rtl="0">
-              <a:lnSpc>
-                <a:spcPct val="115000"/>
-              </a:lnSpc>
-              <a:spcBef>
-                <a:spcPts val="1600"/>
-              </a:spcBef>
-              <a:spcAft>
-                <a:spcPts val="0"/>
-              </a:spcAft>
-              <a:buClr>
-                <a:schemeClr val="dk2"/>
-              </a:buClr>
-              <a:buSzPts val="1400"/>
-              <a:buFont typeface="Arial"/>
-              <a:buChar char="■"/>
-              <a:defRPr sz="1400" b="0" i="0" u="none" strike="noStrike" cap="none">
-                <a:solidFill>
-                  <a:schemeClr val="dk2"/>
-                </a:solidFill>
-                <a:latin typeface="Arial"/>
-                <a:ea typeface="Arial"/>
-                <a:cs typeface="Arial"/>
-                <a:sym typeface="Arial"/>
-              </a:defRPr>
-            </a:lvl6pPr>
-            <a:lvl7pPr marL="3200400" marR="0" lvl="6" indent="-317500" algn="l" rtl="0">
-              <a:lnSpc>
-                <a:spcPct val="115000"/>
-              </a:lnSpc>
-              <a:spcBef>
-                <a:spcPts val="1600"/>
-              </a:spcBef>
-              <a:spcAft>
-                <a:spcPts val="0"/>
-              </a:spcAft>
-              <a:buClr>
-                <a:schemeClr val="dk2"/>
-              </a:buClr>
-              <a:buSzPts val="1400"/>
-              <a:buFont typeface="Arial"/>
-              <a:buChar char="●"/>
-              <a:defRPr sz="1400" b="0" i="0" u="none" strike="noStrike" cap="none">
-                <a:solidFill>
-                  <a:schemeClr val="dk2"/>
-                </a:solidFill>
-                <a:latin typeface="Arial"/>
-                <a:ea typeface="Arial"/>
-                <a:cs typeface="Arial"/>
-                <a:sym typeface="Arial"/>
-              </a:defRPr>
-            </a:lvl7pPr>
-            <a:lvl8pPr marL="3657600" marR="0" lvl="7" indent="-317500" algn="l" rtl="0">
-              <a:lnSpc>
-                <a:spcPct val="115000"/>
-              </a:lnSpc>
-              <a:spcBef>
-                <a:spcPts val="1600"/>
-              </a:spcBef>
-              <a:spcAft>
-                <a:spcPts val="0"/>
-              </a:spcAft>
-              <a:buClr>
-                <a:schemeClr val="dk2"/>
-              </a:buClr>
-              <a:buSzPts val="1400"/>
-              <a:buFont typeface="Arial"/>
-              <a:buChar char="○"/>
-              <a:defRPr sz="1400" b="0" i="0" u="none" strike="noStrike" cap="none">
-                <a:solidFill>
-                  <a:schemeClr val="dk2"/>
-                </a:solidFill>
-                <a:latin typeface="Arial"/>
-                <a:ea typeface="Arial"/>
-                <a:cs typeface="Arial"/>
-                <a:sym typeface="Arial"/>
-              </a:defRPr>
-            </a:lvl8pPr>
-            <a:lvl9pPr marL="4114800" marR="0" lvl="8" indent="-317500" algn="l" rtl="0">
-              <a:lnSpc>
-                <a:spcPct val="115000"/>
-              </a:lnSpc>
-              <a:spcBef>
-                <a:spcPts val="1600"/>
-              </a:spcBef>
-              <a:spcAft>
-                <a:spcPts val="1600"/>
-              </a:spcAft>
-              <a:buClr>
-                <a:schemeClr val="dk2"/>
-              </a:buClr>
-              <a:buSzPts val="1400"/>
-              <a:buFont typeface="Arial"/>
-              <a:buChar char="■"/>
-              <a:defRPr sz="1400" b="0" i="0" u="none" strike="noStrike" cap="none">
-                <a:solidFill>
-                  <a:schemeClr val="dk2"/>
-                </a:solidFill>
-                <a:latin typeface="Arial"/>
-                <a:ea typeface="Arial"/>
-                <a:cs typeface="Arial"/>
-                <a:sym typeface="Arial"/>
-              </a:defRPr>
-            </a:lvl9pPr>
-          </a:lstStyle>
-          <a:p>
-            <a:pPr marL="0" indent="0">
-              <a:buClr>
-                <a:schemeClr val="dk1"/>
-              </a:buClr>
-              <a:buSzPts val="1100"/>
-              <a:buFont typeface="Arial"/>
-              <a:buNone/>
-            </a:pPr>
-            <a:r>
-              <a:rPr lang="pt-BR" dirty="0" smtClean="0">
-                <a:solidFill>
-                  <a:schemeClr val="dk1"/>
-                </a:solidFill>
-                <a:highlight>
-                  <a:srgbClr val="FFFFFF"/>
-                </a:highlight>
-                <a:latin typeface="Comic Sans MS" panose="030F0702030302020204" pitchFamily="66" charset="0"/>
-                <a:ea typeface="Roboto"/>
-                <a:sym typeface="Roboto"/>
-              </a:rPr>
-              <a:t>f(n) = 2f(n-1) +3 f(n-2)</a:t>
-            </a:r>
-          </a:p>
-          <a:p>
-            <a:pPr marL="0" indent="0">
-              <a:buClr>
-                <a:schemeClr val="dk1"/>
-              </a:buClr>
-              <a:buSzPts val="1100"/>
-              <a:buFont typeface="Arial"/>
-              <a:buNone/>
-            </a:pPr>
-            <a:r>
-              <a:rPr lang="pt-BR" dirty="0">
-                <a:solidFill>
-                  <a:schemeClr val="dk1"/>
-                </a:solidFill>
-                <a:highlight>
-                  <a:srgbClr val="FFFFFF"/>
-                </a:highlight>
-                <a:latin typeface="Comic Sans MS" panose="030F0702030302020204" pitchFamily="66" charset="0"/>
-                <a:ea typeface="Roboto"/>
-                <a:sym typeface="Roboto"/>
-              </a:rPr>
-              <a:t>f</a:t>
-            </a:r>
-            <a:r>
-              <a:rPr lang="pt-BR" dirty="0" smtClean="0">
-                <a:solidFill>
-                  <a:schemeClr val="dk1"/>
-                </a:solidFill>
-                <a:highlight>
-                  <a:srgbClr val="FFFFFF"/>
-                </a:highlight>
-                <a:latin typeface="Comic Sans MS" panose="030F0702030302020204" pitchFamily="66" charset="0"/>
-                <a:ea typeface="Roboto"/>
-                <a:sym typeface="Roboto"/>
-              </a:rPr>
-              <a:t>(3) = 2f(2) + 3f(1)</a:t>
-            </a:r>
-          </a:p>
-          <a:p>
-            <a:pPr marL="0" indent="0">
-              <a:buClr>
-                <a:schemeClr val="dk1"/>
-              </a:buClr>
-              <a:buSzPts val="1100"/>
-              <a:buFont typeface="Arial"/>
-              <a:buNone/>
-            </a:pPr>
-            <a:r>
-              <a:rPr lang="pt-BR" dirty="0">
-                <a:solidFill>
-                  <a:schemeClr val="dk1"/>
-                </a:solidFill>
-                <a:highlight>
-                  <a:srgbClr val="FFFFFF"/>
-                </a:highlight>
-                <a:latin typeface="Comic Sans MS" panose="030F0702030302020204" pitchFamily="66" charset="0"/>
-                <a:ea typeface="Roboto"/>
-                <a:sym typeface="Roboto"/>
-              </a:rPr>
-              <a:t> </a:t>
-            </a:r>
-            <a:r>
-              <a:rPr lang="pt-BR" dirty="0" smtClean="0">
-                <a:solidFill>
-                  <a:schemeClr val="dk1"/>
-                </a:solidFill>
-                <a:highlight>
-                  <a:srgbClr val="FFFFFF"/>
-                </a:highlight>
-                <a:latin typeface="Comic Sans MS" panose="030F0702030302020204" pitchFamily="66" charset="0"/>
-                <a:ea typeface="Roboto"/>
-                <a:sym typeface="Roboto"/>
-              </a:rPr>
-              <a:t>      =  2*7 + 3*2</a:t>
-            </a:r>
-          </a:p>
-          <a:p>
-            <a:pPr marL="0" indent="0">
-              <a:buClr>
-                <a:schemeClr val="dk1"/>
-              </a:buClr>
-              <a:buSzPts val="1100"/>
-              <a:buFont typeface="Arial"/>
-              <a:buNone/>
-            </a:pPr>
-            <a:r>
-              <a:rPr lang="pt-BR" dirty="0">
-                <a:solidFill>
-                  <a:schemeClr val="dk1"/>
-                </a:solidFill>
-                <a:highlight>
-                  <a:srgbClr val="FFFFFF"/>
-                </a:highlight>
-                <a:latin typeface="Comic Sans MS" panose="030F0702030302020204" pitchFamily="66" charset="0"/>
-                <a:ea typeface="Roboto"/>
-                <a:sym typeface="Roboto"/>
-              </a:rPr>
-              <a:t> </a:t>
-            </a:r>
-            <a:r>
-              <a:rPr lang="pt-BR" dirty="0" smtClean="0">
-                <a:solidFill>
-                  <a:schemeClr val="dk1"/>
-                </a:solidFill>
-                <a:highlight>
-                  <a:srgbClr val="FFFFFF"/>
-                </a:highlight>
-                <a:latin typeface="Comic Sans MS" panose="030F0702030302020204" pitchFamily="66" charset="0"/>
-                <a:ea typeface="Roboto"/>
-                <a:sym typeface="Roboto"/>
-              </a:rPr>
-              <a:t>      = 20</a:t>
-            </a:r>
-            <a:endParaRPr lang="pt-BR" dirty="0">
-              <a:latin typeface="Comic Sans MS" panose="030F0702030302020204" pitchFamily="66" charset="0"/>
-            </a:endParaRPr>
-          </a:p>
-        </p:txBody>
-      </p:sp>
-      <p:sp>
-        <p:nvSpPr>
-          <p:cNvPr id="6" name="Google Shape;127;p25"/>
-          <p:cNvSpPr txBox="1">
-            <a:spLocks/>
-          </p:cNvSpPr>
-          <p:nvPr/>
-        </p:nvSpPr>
-        <p:spPr>
-          <a:xfrm>
-            <a:off x="4516555" y="3054206"/>
-            <a:ext cx="2732836" cy="1455643"/>
-          </a:xfrm>
-          <a:prstGeom prst="rect">
-            <a:avLst/>
-          </a:prstGeom>
-          <a:noFill/>
-          <a:ln>
-            <a:noFill/>
-          </a:ln>
-        </p:spPr>
-        <p:txBody>
-          <a:bodyPr spcFirstLastPara="1" wrap="square" lIns="91425" tIns="91425" rIns="91425" bIns="91425" anchor="t" anchorCtr="0">
-            <a:noAutofit/>
-          </a:bodyPr>
-          <a:lstStyle>
-            <a:defPPr marR="0" lvl="0" algn="l" rtl="0">
-              <a:lnSpc>
-                <a:spcPct val="100000"/>
-              </a:lnSpc>
-              <a:spcBef>
-                <a:spcPts val="0"/>
-              </a:spcBef>
-              <a:spcAft>
-                <a:spcPts val="0"/>
-              </a:spcAft>
-            </a:defPPr>
-            <a:lvl1pPr marL="457200" marR="0" lvl="0" indent="-342900" algn="l" rtl="0">
-              <a:lnSpc>
-                <a:spcPct val="115000"/>
-              </a:lnSpc>
-              <a:spcBef>
-                <a:spcPts val="0"/>
-              </a:spcBef>
-              <a:spcAft>
-                <a:spcPts val="0"/>
-              </a:spcAft>
-              <a:buClr>
-                <a:schemeClr val="dk2"/>
-              </a:buClr>
-              <a:buSzPts val="1800"/>
-              <a:buFont typeface="Arial"/>
-              <a:buChar char="●"/>
-              <a:defRPr sz="1800" b="0" i="0" u="none" strike="noStrike" cap="none">
-                <a:solidFill>
-                  <a:schemeClr val="dk2"/>
-                </a:solidFill>
-                <a:latin typeface="Arial"/>
-                <a:ea typeface="Arial"/>
-                <a:cs typeface="Arial"/>
-                <a:sym typeface="Arial"/>
-              </a:defRPr>
-            </a:lvl1pPr>
-            <a:lvl2pPr marL="914400" marR="0" lvl="1" indent="-317500" algn="l" rtl="0">
-              <a:lnSpc>
-                <a:spcPct val="115000"/>
-              </a:lnSpc>
-              <a:spcBef>
-                <a:spcPts val="1600"/>
-              </a:spcBef>
-              <a:spcAft>
-                <a:spcPts val="0"/>
-              </a:spcAft>
-              <a:buClr>
-                <a:schemeClr val="dk2"/>
-              </a:buClr>
-              <a:buSzPts val="1400"/>
-              <a:buFont typeface="Arial"/>
-              <a:buChar char="○"/>
-              <a:defRPr sz="1400" b="0" i="0" u="none" strike="noStrike" cap="none">
-                <a:solidFill>
-                  <a:schemeClr val="dk2"/>
-                </a:solidFill>
-                <a:latin typeface="Arial"/>
-                <a:ea typeface="Arial"/>
-                <a:cs typeface="Arial"/>
-                <a:sym typeface="Arial"/>
-              </a:defRPr>
-            </a:lvl2pPr>
-            <a:lvl3pPr marL="1371600" marR="0" lvl="2" indent="-317500" algn="l" rtl="0">
-              <a:lnSpc>
-                <a:spcPct val="115000"/>
-              </a:lnSpc>
-              <a:spcBef>
-                <a:spcPts val="1600"/>
-              </a:spcBef>
-              <a:spcAft>
-                <a:spcPts val="0"/>
-              </a:spcAft>
-              <a:buClr>
-                <a:schemeClr val="dk2"/>
-              </a:buClr>
-              <a:buSzPts val="1400"/>
-              <a:buFont typeface="Arial"/>
-              <a:buChar char="■"/>
-              <a:defRPr sz="1400" b="0" i="0" u="none" strike="noStrike" cap="none">
-                <a:solidFill>
-                  <a:schemeClr val="dk2"/>
-                </a:solidFill>
-                <a:latin typeface="Arial"/>
-                <a:ea typeface="Arial"/>
-                <a:cs typeface="Arial"/>
-                <a:sym typeface="Arial"/>
-              </a:defRPr>
-            </a:lvl3pPr>
-            <a:lvl4pPr marL="1828800" marR="0" lvl="3" indent="-317500" algn="l" rtl="0">
-              <a:lnSpc>
-                <a:spcPct val="115000"/>
-              </a:lnSpc>
-              <a:spcBef>
-                <a:spcPts val="1600"/>
-              </a:spcBef>
-              <a:spcAft>
-                <a:spcPts val="0"/>
-              </a:spcAft>
-              <a:buClr>
-                <a:schemeClr val="dk2"/>
-              </a:buClr>
-              <a:buSzPts val="1400"/>
-              <a:buFont typeface="Arial"/>
-              <a:buChar char="●"/>
-              <a:defRPr sz="1400" b="0" i="0" u="none" strike="noStrike" cap="none">
-                <a:solidFill>
-                  <a:schemeClr val="dk2"/>
-                </a:solidFill>
-                <a:latin typeface="Arial"/>
-                <a:ea typeface="Arial"/>
-                <a:cs typeface="Arial"/>
-                <a:sym typeface="Arial"/>
-              </a:defRPr>
-            </a:lvl4pPr>
-            <a:lvl5pPr marL="2286000" marR="0" lvl="4" indent="-317500" algn="l" rtl="0">
-              <a:lnSpc>
-                <a:spcPct val="115000"/>
-              </a:lnSpc>
-              <a:spcBef>
-                <a:spcPts val="1600"/>
-              </a:spcBef>
-              <a:spcAft>
-                <a:spcPts val="0"/>
-              </a:spcAft>
-              <a:buClr>
-                <a:schemeClr val="dk2"/>
-              </a:buClr>
-              <a:buSzPts val="1400"/>
-              <a:buFont typeface="Arial"/>
-              <a:buChar char="○"/>
-              <a:defRPr sz="1400" b="0" i="0" u="none" strike="noStrike" cap="none">
-                <a:solidFill>
-                  <a:schemeClr val="dk2"/>
-                </a:solidFill>
-                <a:latin typeface="Arial"/>
-                <a:ea typeface="Arial"/>
-                <a:cs typeface="Arial"/>
-                <a:sym typeface="Arial"/>
-              </a:defRPr>
-            </a:lvl5pPr>
-            <a:lvl6pPr marL="2743200" marR="0" lvl="5" indent="-317500" algn="l" rtl="0">
-              <a:lnSpc>
-                <a:spcPct val="115000"/>
-              </a:lnSpc>
-              <a:spcBef>
-                <a:spcPts val="1600"/>
-              </a:spcBef>
-              <a:spcAft>
-                <a:spcPts val="0"/>
-              </a:spcAft>
-              <a:buClr>
-                <a:schemeClr val="dk2"/>
-              </a:buClr>
-              <a:buSzPts val="1400"/>
-              <a:buFont typeface="Arial"/>
-              <a:buChar char="■"/>
-              <a:defRPr sz="1400" b="0" i="0" u="none" strike="noStrike" cap="none">
-                <a:solidFill>
-                  <a:schemeClr val="dk2"/>
-                </a:solidFill>
-                <a:latin typeface="Arial"/>
-                <a:ea typeface="Arial"/>
-                <a:cs typeface="Arial"/>
-                <a:sym typeface="Arial"/>
-              </a:defRPr>
-            </a:lvl6pPr>
-            <a:lvl7pPr marL="3200400" marR="0" lvl="6" indent="-317500" algn="l" rtl="0">
-              <a:lnSpc>
-                <a:spcPct val="115000"/>
-              </a:lnSpc>
-              <a:spcBef>
-                <a:spcPts val="1600"/>
-              </a:spcBef>
-              <a:spcAft>
-                <a:spcPts val="0"/>
-              </a:spcAft>
-              <a:buClr>
-                <a:schemeClr val="dk2"/>
-              </a:buClr>
-              <a:buSzPts val="1400"/>
-              <a:buFont typeface="Arial"/>
-              <a:buChar char="●"/>
-              <a:defRPr sz="1400" b="0" i="0" u="none" strike="noStrike" cap="none">
-                <a:solidFill>
-                  <a:schemeClr val="dk2"/>
-                </a:solidFill>
-                <a:latin typeface="Arial"/>
-                <a:ea typeface="Arial"/>
-                <a:cs typeface="Arial"/>
-                <a:sym typeface="Arial"/>
-              </a:defRPr>
-            </a:lvl7pPr>
-            <a:lvl8pPr marL="3657600" marR="0" lvl="7" indent="-317500" algn="l" rtl="0">
-              <a:lnSpc>
-                <a:spcPct val="115000"/>
-              </a:lnSpc>
-              <a:spcBef>
-                <a:spcPts val="1600"/>
-              </a:spcBef>
-              <a:spcAft>
-                <a:spcPts val="0"/>
-              </a:spcAft>
-              <a:buClr>
-                <a:schemeClr val="dk2"/>
-              </a:buClr>
-              <a:buSzPts val="1400"/>
-              <a:buFont typeface="Arial"/>
-              <a:buChar char="○"/>
-              <a:defRPr sz="1400" b="0" i="0" u="none" strike="noStrike" cap="none">
-                <a:solidFill>
-                  <a:schemeClr val="dk2"/>
-                </a:solidFill>
-                <a:latin typeface="Arial"/>
-                <a:ea typeface="Arial"/>
-                <a:cs typeface="Arial"/>
-                <a:sym typeface="Arial"/>
-              </a:defRPr>
-            </a:lvl8pPr>
-            <a:lvl9pPr marL="4114800" marR="0" lvl="8" indent="-317500" algn="l" rtl="0">
-              <a:lnSpc>
-                <a:spcPct val="115000"/>
-              </a:lnSpc>
-              <a:spcBef>
-                <a:spcPts val="1600"/>
-              </a:spcBef>
-              <a:spcAft>
-                <a:spcPts val="1600"/>
-              </a:spcAft>
-              <a:buClr>
-                <a:schemeClr val="dk2"/>
-              </a:buClr>
-              <a:buSzPts val="1400"/>
-              <a:buFont typeface="Arial"/>
-              <a:buChar char="■"/>
-              <a:defRPr sz="1400" b="0" i="0" u="none" strike="noStrike" cap="none">
-                <a:solidFill>
-                  <a:schemeClr val="dk2"/>
-                </a:solidFill>
-                <a:latin typeface="Arial"/>
-                <a:ea typeface="Arial"/>
-                <a:cs typeface="Arial"/>
-                <a:sym typeface="Arial"/>
-              </a:defRPr>
-            </a:lvl9pPr>
-          </a:lstStyle>
-          <a:p>
-            <a:pPr marL="0" indent="0">
-              <a:buClr>
-                <a:schemeClr val="dk1"/>
-              </a:buClr>
-              <a:buSzPts val="1100"/>
-              <a:buFont typeface="Arial"/>
-              <a:buNone/>
-            </a:pPr>
-            <a:r>
-              <a:rPr lang="pt-BR" dirty="0" smtClean="0">
-                <a:solidFill>
-                  <a:schemeClr val="dk1"/>
-                </a:solidFill>
-                <a:highlight>
-                  <a:srgbClr val="FFFFFF"/>
-                </a:highlight>
-                <a:latin typeface="Comic Sans MS" panose="030F0702030302020204" pitchFamily="66" charset="0"/>
-                <a:ea typeface="Roboto"/>
-                <a:sym typeface="Roboto"/>
-              </a:rPr>
-              <a:t>f(n) = 2f(n-1) +3 f(n-2)</a:t>
-            </a:r>
-          </a:p>
-          <a:p>
-            <a:pPr marL="0" indent="0">
-              <a:buClr>
-                <a:schemeClr val="dk1"/>
-              </a:buClr>
-              <a:buSzPts val="1100"/>
-              <a:buFont typeface="Arial"/>
-              <a:buNone/>
-            </a:pPr>
-            <a:r>
-              <a:rPr lang="pt-BR" dirty="0">
-                <a:solidFill>
-                  <a:schemeClr val="dk1"/>
-                </a:solidFill>
-                <a:highlight>
-                  <a:srgbClr val="FFFFFF"/>
-                </a:highlight>
-                <a:latin typeface="Comic Sans MS" panose="030F0702030302020204" pitchFamily="66" charset="0"/>
-                <a:ea typeface="Roboto"/>
-                <a:sym typeface="Roboto"/>
-              </a:rPr>
-              <a:t>f</a:t>
-            </a:r>
-            <a:r>
-              <a:rPr lang="pt-BR" dirty="0" smtClean="0">
-                <a:solidFill>
-                  <a:schemeClr val="dk1"/>
-                </a:solidFill>
-                <a:highlight>
-                  <a:srgbClr val="FFFFFF"/>
-                </a:highlight>
-                <a:latin typeface="Comic Sans MS" panose="030F0702030302020204" pitchFamily="66" charset="0"/>
-                <a:ea typeface="Roboto"/>
-                <a:sym typeface="Roboto"/>
-              </a:rPr>
-              <a:t>(4) = 2f(3) + 3f(2)</a:t>
-            </a:r>
-          </a:p>
-          <a:p>
-            <a:pPr marL="0" indent="0">
-              <a:buClr>
-                <a:schemeClr val="dk1"/>
-              </a:buClr>
-              <a:buSzPts val="1100"/>
-              <a:buFont typeface="Arial"/>
-              <a:buNone/>
-            </a:pPr>
-            <a:r>
-              <a:rPr lang="pt-BR" dirty="0">
-                <a:solidFill>
-                  <a:schemeClr val="dk1"/>
-                </a:solidFill>
-                <a:highlight>
-                  <a:srgbClr val="FFFFFF"/>
-                </a:highlight>
-                <a:latin typeface="Comic Sans MS" panose="030F0702030302020204" pitchFamily="66" charset="0"/>
-                <a:ea typeface="Roboto"/>
-                <a:sym typeface="Roboto"/>
-              </a:rPr>
-              <a:t> </a:t>
-            </a:r>
-            <a:r>
-              <a:rPr lang="pt-BR" dirty="0" smtClean="0">
-                <a:solidFill>
-                  <a:schemeClr val="dk1"/>
-                </a:solidFill>
-                <a:highlight>
-                  <a:srgbClr val="FFFFFF"/>
-                </a:highlight>
-                <a:latin typeface="Comic Sans MS" panose="030F0702030302020204" pitchFamily="66" charset="0"/>
-                <a:ea typeface="Roboto"/>
-                <a:sym typeface="Roboto"/>
-              </a:rPr>
-              <a:t>      =  2*20 + 3*7</a:t>
-            </a:r>
-          </a:p>
-          <a:p>
-            <a:pPr marL="0" indent="0">
-              <a:buClr>
-                <a:schemeClr val="dk1"/>
-              </a:buClr>
-              <a:buSzPts val="1100"/>
-              <a:buFont typeface="Arial"/>
-              <a:buNone/>
-            </a:pPr>
-            <a:r>
-              <a:rPr lang="pt-BR" dirty="0">
-                <a:solidFill>
-                  <a:schemeClr val="dk1"/>
-                </a:solidFill>
-                <a:highlight>
-                  <a:srgbClr val="FFFFFF"/>
-                </a:highlight>
-                <a:latin typeface="Comic Sans MS" panose="030F0702030302020204" pitchFamily="66" charset="0"/>
-                <a:ea typeface="Roboto"/>
-                <a:sym typeface="Roboto"/>
-              </a:rPr>
-              <a:t> </a:t>
-            </a:r>
-            <a:r>
-              <a:rPr lang="pt-BR" dirty="0" smtClean="0">
-                <a:solidFill>
-                  <a:schemeClr val="dk1"/>
-                </a:solidFill>
-                <a:highlight>
-                  <a:srgbClr val="FFFFFF"/>
-                </a:highlight>
-                <a:latin typeface="Comic Sans MS" panose="030F0702030302020204" pitchFamily="66" charset="0"/>
-                <a:ea typeface="Roboto"/>
-                <a:sym typeface="Roboto"/>
-              </a:rPr>
-              <a:t>      = 61</a:t>
-            </a:r>
-            <a:endParaRPr lang="pt-BR" dirty="0">
-              <a:latin typeface="Comic Sans MS" panose="030F0702030302020204" pitchFamily="66" charset="0"/>
-            </a:endParaRPr>
-          </a:p>
-        </p:txBody>
-      </p:sp>
-    </p:spTree>
-    <p:extLst>
-      <p:ext uri="{BB962C8B-B14F-4D97-AF65-F5344CB8AC3E}">
-        <p14:creationId xmlns:p14="http://schemas.microsoft.com/office/powerpoint/2010/main" val="1541107977"/>
-      </p:ext>
-    </p:extLst>
-  </p:cSld>
-  <p:clrMapOvr>
-    <a:masterClrMapping/>
-  </p:clrMapOvr>
-  <p:timing>
-    <p:tnLst>
-      <p:par>
-        <p:cTn id="1" dur="indefinite" restart="never" nodeType="tmRoot">
-          <p:childTnLst>
-            <p:seq concurrent="1" nextAc="seek">
-              <p:cTn id="2" dur="indefinite" nodeType="mainSeq">
-                <p:childTnLst>
-                  <p:par>
-                    <p:cTn id="3" fill="hold">
-                      <p:stCondLst>
-                        <p:cond delay="indefinite"/>
-                      </p:stCondLst>
-                      <p:childTnLst>
-                        <p:par>
-                          <p:cTn id="4" fill="hold">
-                            <p:stCondLst>
-                              <p:cond delay="0"/>
-                            </p:stCondLst>
-                            <p:childTnLst>
-                              <p:par>
-                                <p:cTn id="5" presetID="1" presetClass="entr" presetSubtype="0" fill="hold" grpId="0" nodeType="clickEffect">
-                                  <p:stCondLst>
-                                    <p:cond delay="0"/>
-                                  </p:stCondLst>
-                                  <p:childTnLst>
-                                    <p:set>
-                                      <p:cBhvr>
-                                        <p:cTn id="6" dur="1" fill="hold">
-                                          <p:stCondLst>
-                                            <p:cond delay="0"/>
-                                          </p:stCondLst>
-                                        </p:cTn>
-                                        <p:tgtEl>
-                                          <p:spTgt spid="4"/>
-                                        </p:tgtEl>
-                                        <p:attrNameLst>
-                                          <p:attrName>style.visibility</p:attrName>
-                                        </p:attrNameLst>
-                                      </p:cBhvr>
-                                      <p:to>
-                                        <p:strVal val="visible"/>
-                                      </p:to>
-                                    </p:set>
-                                  </p:childTnLst>
-                                </p:cTn>
-                              </p:par>
-                            </p:childTnLst>
-                          </p:cTn>
-                        </p:par>
-                      </p:childTnLst>
-                    </p:cTn>
-                  </p:par>
-                  <p:par>
-                    <p:cTn id="7" fill="hold">
-                      <p:stCondLst>
-                        <p:cond delay="indefinite"/>
-                      </p:stCondLst>
-                      <p:childTnLst>
-                        <p:par>
-                          <p:cTn id="8" fill="hold">
-                            <p:stCondLst>
-                              <p:cond delay="0"/>
-                            </p:stCondLst>
-                            <p:childTnLst>
-                              <p:par>
-                                <p:cTn id="9" presetID="1" presetClass="entr" presetSubtype="0" fill="hold" grpId="0" nodeType="clickEffect">
-                                  <p:stCondLst>
-                                    <p:cond delay="0"/>
-                                  </p:stCondLst>
-                                  <p:childTnLst>
-                                    <p:set>
-                                      <p:cBhvr>
-                                        <p:cTn id="10" dur="1" fill="hold">
-                                          <p:stCondLst>
-                                            <p:cond delay="0"/>
-                                          </p:stCondLst>
-                                        </p:cTn>
-                                        <p:tgtEl>
-                                          <p:spTgt spid="5"/>
-                                        </p:tgtEl>
-                                        <p:attrNameLst>
-                                          <p:attrName>style.visibility</p:attrName>
-                                        </p:attrNameLst>
-                                      </p:cBhvr>
-                                      <p:to>
-                                        <p:strVal val="visible"/>
-                                      </p:to>
-                                    </p:set>
-                                  </p:childTnLst>
-                                </p:cTn>
-                              </p:par>
-                            </p:childTnLst>
-                          </p:cTn>
-                        </p:par>
-                      </p:childTnLst>
-                    </p:cTn>
-                  </p:par>
-                  <p:par>
-                    <p:cTn id="11" fill="hold">
-                      <p:stCondLst>
-                        <p:cond delay="indefinite"/>
-                      </p:stCondLst>
-                      <p:childTnLst>
-                        <p:par>
-                          <p:cTn id="12" fill="hold">
-                            <p:stCondLst>
-                              <p:cond delay="0"/>
-                            </p:stCondLst>
-                            <p:childTnLst>
-                              <p:par>
-                                <p:cTn id="13" presetID="1" presetClass="entr" presetSubtype="0" fill="hold" grpId="0" nodeType="clickEffect">
-                                  <p:stCondLst>
-                                    <p:cond delay="0"/>
-                                  </p:stCondLst>
-                                  <p:childTnLst>
-                                    <p:set>
-                                      <p:cBhvr>
-                                        <p:cTn id="14" dur="1" fill="hold">
-                                          <p:stCondLst>
-                                            <p:cond delay="0"/>
-                                          </p:stCondLst>
-                                        </p:cTn>
-                                        <p:tgtEl>
-                                          <p:spTgt spid="6"/>
-                                        </p:tgtEl>
-                                        <p:attrNameLst>
-                                          <p:attrName>style.visibility</p:attrName>
-                                        </p:attrNameLst>
-                                      </p:cBhvr>
-                                      <p:to>
-                                        <p:strVal val="visible"/>
-                                      </p:to>
-                                    </p:set>
-                                  </p:childTnLst>
-                                </p:cTn>
-                              </p:par>
-                            </p:childTnLst>
-                          </p:cTn>
-                        </p:par>
-                      </p:childTnLst>
-                    </p:cTn>
-                  </p:par>
-                </p:childTnLst>
-              </p:cTn>
-              <p:prevCondLst>
-                <p:cond evt="onPrev" delay="0">
-                  <p:tgtEl>
-                    <p:sldTgt/>
-                  </p:tgtEl>
-                </p:cond>
-              </p:prevCondLst>
-              <p:nextCondLst>
-                <p:cond evt="onNext" delay="0">
-                  <p:tgtEl>
-                    <p:sldTgt/>
-                  </p:tgtEl>
-                </p:cond>
-              </p:nextCondLst>
-            </p:seq>
-          </p:childTnLst>
-        </p:cTn>
-      </p:par>
-    </p:tnLst>
-    <p:bldLst>
-      <p:bldP spid="4" grpId="0"/>
-      <p:bldP spid="5" grpId="0"/>
-      <p:bldP spid="6" grpId="0"/>
-    </p:bldLst>
-  </p:timing>
-</p:sld>
-</file>
-
-<file path=ppt/slides/slide25.xml><?xml version="1.0" encoding="utf-8"?>
-<p:sld xmlns:a="http://schemas.openxmlformats.org/drawingml/2006/main" xmlns:r="http://schemas.openxmlformats.org/officeDocument/2006/relationships" xmlns:p="http://schemas.openxmlformats.org/presentationml/2006/main">
-  <p:cSld>
-    <p:spTree>
-      <p:nvGrpSpPr>
-        <p:cNvPr id="1" name="Shape 125"/>
-        <p:cNvGrpSpPr/>
-        <p:nvPr/>
-      </p:nvGrpSpPr>
-      <p:grpSpPr>
-        <a:xfrm>
-          <a:off x="0" y="0"/>
-          <a:ext cx="0" cy="0"/>
-          <a:chOff x="0" y="0"/>
-          <a:chExt cx="0" cy="0"/>
-        </a:xfrm>
-      </p:grpSpPr>
-      <p:sp>
-        <p:nvSpPr>
-          <p:cNvPr id="126" name="Google Shape;126;p25"/>
-          <p:cNvSpPr txBox="1">
-            <a:spLocks noGrp="1"/>
-          </p:cNvSpPr>
-          <p:nvPr>
-            <p:ph type="title"/>
-          </p:nvPr>
-        </p:nvSpPr>
-        <p:spPr>
-          <a:xfrm>
-            <a:off x="311700" y="445025"/>
-            <a:ext cx="8520600" cy="572700"/>
-          </a:xfrm>
-          <a:prstGeom prst="rect">
-            <a:avLst/>
-          </a:prstGeom>
-        </p:spPr>
-        <p:txBody>
-          <a:bodyPr spcFirstLastPara="1" wrap="square" lIns="91425" tIns="91425" rIns="91425" bIns="91425" anchor="t" anchorCtr="0">
-            <a:noAutofit/>
-          </a:bodyPr>
-          <a:lstStyle/>
-          <a:p>
-            <a:pPr marL="0" lvl="0" indent="0" algn="l" rtl="0">
-              <a:spcBef>
-                <a:spcPts val="0"/>
-              </a:spcBef>
-              <a:spcAft>
-                <a:spcPts val="0"/>
-              </a:spcAft>
-              <a:buNone/>
-            </a:pPr>
-            <a:r>
-              <a:rPr lang="en-US" dirty="0" smtClean="0">
-                <a:latin typeface="Comic Sans MS" panose="030F0702030302020204" pitchFamily="66" charset="0"/>
-              </a:rPr>
-              <a:t>Recursive functions</a:t>
-            </a:r>
-            <a:endParaRPr dirty="0">
-              <a:latin typeface="Comic Sans MS" panose="030F0702030302020204" pitchFamily="66" charset="0"/>
-            </a:endParaRPr>
-          </a:p>
-        </p:txBody>
-      </p:sp>
-      <p:sp>
-        <p:nvSpPr>
-          <p:cNvPr id="4" name="Google Shape;127;p25"/>
-          <p:cNvSpPr txBox="1">
-            <a:spLocks/>
-          </p:cNvSpPr>
-          <p:nvPr/>
-        </p:nvSpPr>
-        <p:spPr>
-          <a:xfrm>
-            <a:off x="533374" y="1221747"/>
-            <a:ext cx="2732836" cy="1455643"/>
-          </a:xfrm>
-          <a:prstGeom prst="rect">
-            <a:avLst/>
-          </a:prstGeom>
-          <a:noFill/>
-          <a:ln>
-            <a:noFill/>
-          </a:ln>
-        </p:spPr>
-        <p:txBody>
-          <a:bodyPr spcFirstLastPara="1" wrap="square" lIns="91425" tIns="91425" rIns="91425" bIns="91425" anchor="t" anchorCtr="0">
-            <a:noAutofit/>
-          </a:bodyPr>
-          <a:lstStyle>
-            <a:defPPr marR="0" lvl="0" algn="l" rtl="0">
-              <a:lnSpc>
-                <a:spcPct val="100000"/>
-              </a:lnSpc>
-              <a:spcBef>
-                <a:spcPts val="0"/>
-              </a:spcBef>
-              <a:spcAft>
-                <a:spcPts val="0"/>
-              </a:spcAft>
-            </a:defPPr>
-            <a:lvl1pPr marL="457200" marR="0" lvl="0" indent="-342900" algn="l" rtl="0">
-              <a:lnSpc>
-                <a:spcPct val="115000"/>
-              </a:lnSpc>
-              <a:spcBef>
-                <a:spcPts val="0"/>
-              </a:spcBef>
-              <a:spcAft>
-                <a:spcPts val="0"/>
-              </a:spcAft>
-              <a:buClr>
-                <a:schemeClr val="dk2"/>
-              </a:buClr>
-              <a:buSzPts val="1800"/>
-              <a:buFont typeface="Arial"/>
-              <a:buChar char="●"/>
-              <a:defRPr sz="1800" b="0" i="0" u="none" strike="noStrike" cap="none">
-                <a:solidFill>
-                  <a:schemeClr val="dk2"/>
-                </a:solidFill>
-                <a:latin typeface="Arial"/>
-                <a:ea typeface="Arial"/>
-                <a:cs typeface="Arial"/>
-                <a:sym typeface="Arial"/>
-              </a:defRPr>
-            </a:lvl1pPr>
-            <a:lvl2pPr marL="914400" marR="0" lvl="1" indent="-317500" algn="l" rtl="0">
-              <a:lnSpc>
-                <a:spcPct val="115000"/>
-              </a:lnSpc>
-              <a:spcBef>
-                <a:spcPts val="1600"/>
-              </a:spcBef>
-              <a:spcAft>
-                <a:spcPts val="0"/>
-              </a:spcAft>
-              <a:buClr>
-                <a:schemeClr val="dk2"/>
-              </a:buClr>
-              <a:buSzPts val="1400"/>
-              <a:buFont typeface="Arial"/>
-              <a:buChar char="○"/>
-              <a:defRPr sz="1400" b="0" i="0" u="none" strike="noStrike" cap="none">
-                <a:solidFill>
-                  <a:schemeClr val="dk2"/>
-                </a:solidFill>
-                <a:latin typeface="Arial"/>
-                <a:ea typeface="Arial"/>
-                <a:cs typeface="Arial"/>
-                <a:sym typeface="Arial"/>
-              </a:defRPr>
-            </a:lvl2pPr>
-            <a:lvl3pPr marL="1371600" marR="0" lvl="2" indent="-317500" algn="l" rtl="0">
-              <a:lnSpc>
-                <a:spcPct val="115000"/>
-              </a:lnSpc>
-              <a:spcBef>
-                <a:spcPts val="1600"/>
-              </a:spcBef>
-              <a:spcAft>
-                <a:spcPts val="0"/>
-              </a:spcAft>
-              <a:buClr>
-                <a:schemeClr val="dk2"/>
-              </a:buClr>
-              <a:buSzPts val="1400"/>
-              <a:buFont typeface="Arial"/>
-              <a:buChar char="■"/>
-              <a:defRPr sz="1400" b="0" i="0" u="none" strike="noStrike" cap="none">
-                <a:solidFill>
-                  <a:schemeClr val="dk2"/>
-                </a:solidFill>
-                <a:latin typeface="Arial"/>
-                <a:ea typeface="Arial"/>
-                <a:cs typeface="Arial"/>
-                <a:sym typeface="Arial"/>
-              </a:defRPr>
-            </a:lvl3pPr>
-            <a:lvl4pPr marL="1828800" marR="0" lvl="3" indent="-317500" algn="l" rtl="0">
-              <a:lnSpc>
-                <a:spcPct val="115000"/>
-              </a:lnSpc>
-              <a:spcBef>
-                <a:spcPts val="1600"/>
-              </a:spcBef>
-              <a:spcAft>
-                <a:spcPts val="0"/>
-              </a:spcAft>
-              <a:buClr>
-                <a:schemeClr val="dk2"/>
-              </a:buClr>
-              <a:buSzPts val="1400"/>
-              <a:buFont typeface="Arial"/>
-              <a:buChar char="●"/>
-              <a:defRPr sz="1400" b="0" i="0" u="none" strike="noStrike" cap="none">
-                <a:solidFill>
-                  <a:schemeClr val="dk2"/>
-                </a:solidFill>
-                <a:latin typeface="Arial"/>
-                <a:ea typeface="Arial"/>
-                <a:cs typeface="Arial"/>
-                <a:sym typeface="Arial"/>
-              </a:defRPr>
-            </a:lvl4pPr>
-            <a:lvl5pPr marL="2286000" marR="0" lvl="4" indent="-317500" algn="l" rtl="0">
-              <a:lnSpc>
-                <a:spcPct val="115000"/>
-              </a:lnSpc>
-              <a:spcBef>
-                <a:spcPts val="1600"/>
-              </a:spcBef>
-              <a:spcAft>
-                <a:spcPts val="0"/>
-              </a:spcAft>
-              <a:buClr>
-                <a:schemeClr val="dk2"/>
-              </a:buClr>
-              <a:buSzPts val="1400"/>
-              <a:buFont typeface="Arial"/>
-              <a:buChar char="○"/>
-              <a:defRPr sz="1400" b="0" i="0" u="none" strike="noStrike" cap="none">
-                <a:solidFill>
-                  <a:schemeClr val="dk2"/>
-                </a:solidFill>
-                <a:latin typeface="Arial"/>
-                <a:ea typeface="Arial"/>
-                <a:cs typeface="Arial"/>
-                <a:sym typeface="Arial"/>
-              </a:defRPr>
-            </a:lvl5pPr>
-            <a:lvl6pPr marL="2743200" marR="0" lvl="5" indent="-317500" algn="l" rtl="0">
-              <a:lnSpc>
-                <a:spcPct val="115000"/>
-              </a:lnSpc>
-              <a:spcBef>
-                <a:spcPts val="1600"/>
-              </a:spcBef>
-              <a:spcAft>
-                <a:spcPts val="0"/>
-              </a:spcAft>
-              <a:buClr>
-                <a:schemeClr val="dk2"/>
-              </a:buClr>
-              <a:buSzPts val="1400"/>
-              <a:buFont typeface="Arial"/>
-              <a:buChar char="■"/>
-              <a:defRPr sz="1400" b="0" i="0" u="none" strike="noStrike" cap="none">
-                <a:solidFill>
-                  <a:schemeClr val="dk2"/>
-                </a:solidFill>
-                <a:latin typeface="Arial"/>
-                <a:ea typeface="Arial"/>
-                <a:cs typeface="Arial"/>
-                <a:sym typeface="Arial"/>
-              </a:defRPr>
-            </a:lvl6pPr>
-            <a:lvl7pPr marL="3200400" marR="0" lvl="6" indent="-317500" algn="l" rtl="0">
-              <a:lnSpc>
-                <a:spcPct val="115000"/>
-              </a:lnSpc>
-              <a:spcBef>
-                <a:spcPts val="1600"/>
-              </a:spcBef>
-              <a:spcAft>
-                <a:spcPts val="0"/>
-              </a:spcAft>
-              <a:buClr>
-                <a:schemeClr val="dk2"/>
-              </a:buClr>
-              <a:buSzPts val="1400"/>
-              <a:buFont typeface="Arial"/>
-              <a:buChar char="●"/>
-              <a:defRPr sz="1400" b="0" i="0" u="none" strike="noStrike" cap="none">
-                <a:solidFill>
-                  <a:schemeClr val="dk2"/>
-                </a:solidFill>
-                <a:latin typeface="Arial"/>
-                <a:ea typeface="Arial"/>
-                <a:cs typeface="Arial"/>
-                <a:sym typeface="Arial"/>
-              </a:defRPr>
-            </a:lvl7pPr>
-            <a:lvl8pPr marL="3657600" marR="0" lvl="7" indent="-317500" algn="l" rtl="0">
-              <a:lnSpc>
-                <a:spcPct val="115000"/>
-              </a:lnSpc>
-              <a:spcBef>
-                <a:spcPts val="1600"/>
-              </a:spcBef>
-              <a:spcAft>
-                <a:spcPts val="0"/>
-              </a:spcAft>
-              <a:buClr>
-                <a:schemeClr val="dk2"/>
-              </a:buClr>
-              <a:buSzPts val="1400"/>
-              <a:buFont typeface="Arial"/>
-              <a:buChar char="○"/>
-              <a:defRPr sz="1400" b="0" i="0" u="none" strike="noStrike" cap="none">
-                <a:solidFill>
-                  <a:schemeClr val="dk2"/>
-                </a:solidFill>
-                <a:latin typeface="Arial"/>
-                <a:ea typeface="Arial"/>
-                <a:cs typeface="Arial"/>
-                <a:sym typeface="Arial"/>
-              </a:defRPr>
-            </a:lvl8pPr>
-            <a:lvl9pPr marL="4114800" marR="0" lvl="8" indent="-317500" algn="l" rtl="0">
-              <a:lnSpc>
-                <a:spcPct val="115000"/>
-              </a:lnSpc>
-              <a:spcBef>
-                <a:spcPts val="1600"/>
-              </a:spcBef>
-              <a:spcAft>
-                <a:spcPts val="1600"/>
-              </a:spcAft>
-              <a:buClr>
-                <a:schemeClr val="dk2"/>
-              </a:buClr>
-              <a:buSzPts val="1400"/>
-              <a:buFont typeface="Arial"/>
-              <a:buChar char="■"/>
-              <a:defRPr sz="1400" b="0" i="0" u="none" strike="noStrike" cap="none">
-                <a:solidFill>
-                  <a:schemeClr val="dk2"/>
-                </a:solidFill>
-                <a:latin typeface="Arial"/>
-                <a:ea typeface="Arial"/>
-                <a:cs typeface="Arial"/>
-                <a:sym typeface="Arial"/>
-              </a:defRPr>
-            </a:lvl9pPr>
-          </a:lstStyle>
-          <a:p>
-            <a:pPr marL="0" indent="0">
-              <a:buClr>
-                <a:schemeClr val="dk1"/>
-              </a:buClr>
-              <a:buSzPts val="1100"/>
-              <a:buFont typeface="Arial"/>
-              <a:buNone/>
-            </a:pPr>
-            <a:r>
-              <a:rPr lang="pt-BR" dirty="0" smtClean="0">
-                <a:solidFill>
-                  <a:schemeClr val="dk1"/>
-                </a:solidFill>
-                <a:highlight>
-                  <a:srgbClr val="FFFFFF"/>
-                </a:highlight>
-                <a:latin typeface="Comic Sans MS" panose="030F0702030302020204" pitchFamily="66" charset="0"/>
-                <a:ea typeface="Roboto"/>
-                <a:sym typeface="Roboto"/>
-              </a:rPr>
-              <a:t>f(n) = 2f(n-1) +3 f(n-2)</a:t>
-            </a:r>
-          </a:p>
-          <a:p>
-            <a:pPr marL="0" indent="0">
-              <a:buClr>
-                <a:schemeClr val="dk1"/>
-              </a:buClr>
-              <a:buSzPts val="1100"/>
-              <a:buFont typeface="Arial"/>
-              <a:buNone/>
-            </a:pPr>
-            <a:r>
-              <a:rPr lang="pt-BR" dirty="0" smtClean="0">
-                <a:solidFill>
-                  <a:schemeClr val="dk1"/>
-                </a:solidFill>
-                <a:highlight>
-                  <a:srgbClr val="FFFFFF"/>
-                </a:highlight>
-                <a:latin typeface="Comic Sans MS" panose="030F0702030302020204" pitchFamily="66" charset="0"/>
-                <a:ea typeface="Roboto"/>
-                <a:sym typeface="Roboto"/>
-              </a:rPr>
-              <a:t>f(5) = 2f(4) + 3f(3)</a:t>
-            </a:r>
-          </a:p>
-          <a:p>
-            <a:pPr marL="0" indent="0">
-              <a:buClr>
-                <a:schemeClr val="dk1"/>
-              </a:buClr>
-              <a:buSzPts val="1100"/>
-              <a:buFont typeface="Arial"/>
-              <a:buNone/>
-            </a:pPr>
-            <a:r>
-              <a:rPr lang="pt-BR" dirty="0">
-                <a:solidFill>
-                  <a:schemeClr val="dk1"/>
-                </a:solidFill>
-                <a:highlight>
-                  <a:srgbClr val="FFFFFF"/>
-                </a:highlight>
-                <a:latin typeface="Comic Sans MS" panose="030F0702030302020204" pitchFamily="66" charset="0"/>
-                <a:ea typeface="Roboto"/>
-                <a:sym typeface="Roboto"/>
-              </a:rPr>
-              <a:t> </a:t>
-            </a:r>
-            <a:r>
-              <a:rPr lang="pt-BR" dirty="0" smtClean="0">
-                <a:solidFill>
-                  <a:schemeClr val="dk1"/>
-                </a:solidFill>
-                <a:highlight>
-                  <a:srgbClr val="FFFFFF"/>
-                </a:highlight>
-                <a:latin typeface="Comic Sans MS" panose="030F0702030302020204" pitchFamily="66" charset="0"/>
-                <a:ea typeface="Roboto"/>
-                <a:sym typeface="Roboto"/>
-              </a:rPr>
-              <a:t>      =  2*61 + 3*20</a:t>
-            </a:r>
-          </a:p>
-          <a:p>
-            <a:pPr marL="0" indent="0">
-              <a:buClr>
-                <a:schemeClr val="dk1"/>
-              </a:buClr>
-              <a:buSzPts val="1100"/>
-              <a:buFont typeface="Arial"/>
-              <a:buNone/>
-            </a:pPr>
-            <a:r>
-              <a:rPr lang="pt-BR" dirty="0">
-                <a:solidFill>
-                  <a:schemeClr val="dk1"/>
-                </a:solidFill>
-                <a:highlight>
-                  <a:srgbClr val="FFFFFF"/>
-                </a:highlight>
-                <a:latin typeface="Comic Sans MS" panose="030F0702030302020204" pitchFamily="66" charset="0"/>
-                <a:ea typeface="Roboto"/>
-                <a:sym typeface="Roboto"/>
-              </a:rPr>
-              <a:t> </a:t>
-            </a:r>
-            <a:r>
-              <a:rPr lang="pt-BR" dirty="0" smtClean="0">
-                <a:solidFill>
-                  <a:schemeClr val="dk1"/>
-                </a:solidFill>
-                <a:highlight>
-                  <a:srgbClr val="FFFFFF"/>
-                </a:highlight>
-                <a:latin typeface="Comic Sans MS" panose="030F0702030302020204" pitchFamily="66" charset="0"/>
-                <a:ea typeface="Roboto"/>
-                <a:sym typeface="Roboto"/>
-              </a:rPr>
-              <a:t>      = 182</a:t>
-            </a:r>
-            <a:endParaRPr lang="pt-BR" dirty="0">
-              <a:latin typeface="Comic Sans MS" panose="030F0702030302020204" pitchFamily="66" charset="0"/>
-            </a:endParaRPr>
-          </a:p>
-        </p:txBody>
-      </p:sp>
-    </p:spTree>
-    <p:extLst>
-      <p:ext uri="{BB962C8B-B14F-4D97-AF65-F5344CB8AC3E}">
-        <p14:creationId xmlns:p14="http://schemas.microsoft.com/office/powerpoint/2010/main" val="1600128320"/>
-      </p:ext>
-    </p:extLst>
-  </p:cSld>
-  <p:clrMapOvr>
-    <a:masterClrMapping/>
-  </p:clrMapOvr>
-  <p:timing>
-    <p:tnLst>
-      <p:par>
-        <p:cTn id="1" dur="indefinite" restart="never" nodeType="tmRoot">
-          <p:childTnLst>
-            <p:seq concurrent="1" nextAc="seek">
-              <p:cTn id="2" dur="indefinite" nodeType="mainSeq">
-                <p:childTnLst>
-                  <p:par>
-                    <p:cTn id="3" fill="hold">
-                      <p:stCondLst>
-                        <p:cond delay="indefinite"/>
-                      </p:stCondLst>
-                      <p:childTnLst>
-                        <p:par>
-                          <p:cTn id="4" fill="hold">
-                            <p:stCondLst>
-                              <p:cond delay="0"/>
-                            </p:stCondLst>
-                            <p:childTnLst>
-                              <p:par>
-                                <p:cTn id="5" presetID="1" presetClass="entr" presetSubtype="0" fill="hold" grpId="0" nodeType="clickEffect">
-                                  <p:stCondLst>
-                                    <p:cond delay="0"/>
-                                  </p:stCondLst>
-                                  <p:childTnLst>
-                                    <p:set>
-                                      <p:cBhvr>
-                                        <p:cTn id="6" dur="1" fill="hold">
-                                          <p:stCondLst>
-                                            <p:cond delay="0"/>
-                                          </p:stCondLst>
-                                        </p:cTn>
-                                        <p:tgtEl>
-                                          <p:spTgt spid="4"/>
-                                        </p:tgtEl>
-                                        <p:attrNameLst>
-                                          <p:attrName>style.visibility</p:attrName>
-                                        </p:attrNameLst>
-                                      </p:cBhvr>
-                                      <p:to>
-                                        <p:strVal val="visible"/>
-                                      </p:to>
-                                    </p:set>
-                                  </p:childTnLst>
-                                </p:cTn>
-                              </p:par>
-                            </p:childTnLst>
-                          </p:cTn>
-                        </p:par>
-                      </p:childTnLst>
-                    </p:cTn>
-                  </p:par>
-                </p:childTnLst>
-              </p:cTn>
-              <p:prevCondLst>
-                <p:cond evt="onPrev" delay="0">
-                  <p:tgtEl>
-                    <p:sldTgt/>
-                  </p:tgtEl>
-                </p:cond>
-              </p:prevCondLst>
-              <p:nextCondLst>
-                <p:cond evt="onNext" delay="0">
-                  <p:tgtEl>
-                    <p:sldTgt/>
-                  </p:tgtEl>
-                </p:cond>
-              </p:nextCondLst>
-            </p:seq>
-          </p:childTnLst>
-        </p:cTn>
-      </p:par>
-    </p:tnLst>
-    <p:bldLst>
-      <p:bldP spid="4" grpId="0"/>
-    </p:bldLst>
   </p:timing>
 </p:sld>
 </file>
@@ -14452,7 +12879,25 @@
                 </a:solidFill>
                 <a:latin typeface="Comic Sans MS" panose="030F0702030302020204" pitchFamily="66" charset="0"/>
               </a:rPr>
-              <a:t>How many k digit numbers?</a:t>
+              <a:t>How many </a:t>
+            </a:r>
+            <a:r>
+              <a:rPr lang="en-US" dirty="0" smtClean="0">
+                <a:solidFill>
+                  <a:schemeClr val="tx1"/>
+                </a:solidFill>
+                <a:latin typeface="Comic Sans MS" panose="030F0702030302020204" pitchFamily="66" charset="0"/>
+              </a:rPr>
+              <a:t>10 </a:t>
+            </a:r>
+            <a:r>
+              <a:rPr lang="en-US" dirty="0" smtClean="0">
+                <a:solidFill>
+                  <a:schemeClr val="tx1"/>
+                </a:solidFill>
+                <a:latin typeface="Comic Sans MS" panose="030F0702030302020204" pitchFamily="66" charset="0"/>
+              </a:rPr>
+              <a:t>digit numbers?</a:t>
             </a:r>
             <a:endParaRPr dirty="0">
               <a:solidFill>
@@ -15105,7 +13550,7 @@
               <a:rPr lang="en" dirty="0" smtClean="0">
                 <a:latin typeface="Comic Sans MS" panose="030F0702030302020204" pitchFamily="66" charset="0"/>
               </a:rPr>
-              <a:t>1.6</a:t>
+              <a:t>1.7</a:t>
             </a:r>
             <a:endParaRPr dirty="0">
               <a:latin typeface="Comic Sans MS" panose="030F0702030302020204" pitchFamily="66" charset="0"/>
